--- a/raspberry-pi-report/gRPCについて.pptx
+++ b/raspberry-pi-report/gRPCについて.pptx
@@ -11,11 +11,11 @@
     <p:sldId id="256" r:id="rId2"/>
     <p:sldId id="271" r:id="rId3"/>
     <p:sldId id="285" r:id="rId4"/>
-    <p:sldId id="272" r:id="rId5"/>
-    <p:sldId id="290" r:id="rId6"/>
-    <p:sldId id="286" r:id="rId7"/>
-    <p:sldId id="287" r:id="rId8"/>
-    <p:sldId id="288" r:id="rId9"/>
+    <p:sldId id="288" r:id="rId5"/>
+    <p:sldId id="272" r:id="rId6"/>
+    <p:sldId id="290" r:id="rId7"/>
+    <p:sldId id="286" r:id="rId8"/>
+    <p:sldId id="287" r:id="rId9"/>
     <p:sldId id="289" r:id="rId10"/>
     <p:sldId id="291" r:id="rId11"/>
   </p:sldIdLst>
@@ -1722,6 +1722,281 @@
     </pc:docChg>
   </pc:docChgLst>
   <pc:docChgLst>
+    <pc:chgData name="Yoshiharu Hamaguchi" userId="470e288704938fe9" providerId="LiveId" clId="{70332866-803F-45E9-A120-6101FBB807E0}"/>
+    <pc:docChg chg="undo custSel addSld delSld modSld">
+      <pc:chgData name="Yoshiharu Hamaguchi" userId="470e288704938fe9" providerId="LiveId" clId="{70332866-803F-45E9-A120-6101FBB807E0}" dt="2025-09-08T14:56:44.792" v="4266"/>
+      <pc:docMkLst>
+        <pc:docMk/>
+      </pc:docMkLst>
+      <pc:sldChg chg="modSp mod">
+        <pc:chgData name="Yoshiharu Hamaguchi" userId="470e288704938fe9" providerId="LiveId" clId="{70332866-803F-45E9-A120-6101FBB807E0}" dt="2025-09-08T13:07:11.513" v="792" actId="20577"/>
+        <pc:sldMkLst>
+          <pc:docMk/>
+          <pc:sldMk cId="634982452" sldId="256"/>
+        </pc:sldMkLst>
+        <pc:spChg chg="mod">
+          <ac:chgData name="Yoshiharu Hamaguchi" userId="470e288704938fe9" providerId="LiveId" clId="{70332866-803F-45E9-A120-6101FBB807E0}" dt="2025-09-08T13:07:11.513" v="792" actId="20577"/>
+          <ac:spMkLst>
+            <pc:docMk/>
+            <pc:sldMk cId="634982452" sldId="256"/>
+            <ac:spMk id="2" creationId="{3F0D190A-A8DB-32F1-0D56-13F6D381B778}"/>
+          </ac:spMkLst>
+        </pc:spChg>
+      </pc:sldChg>
+      <pc:sldChg chg="addSp delSp modSp mod">
+        <pc:chgData name="Yoshiharu Hamaguchi" userId="470e288704938fe9" providerId="LiveId" clId="{70332866-803F-45E9-A120-6101FBB807E0}" dt="2025-09-08T13:46:04.454" v="2267" actId="20577"/>
+        <pc:sldMkLst>
+          <pc:docMk/>
+          <pc:sldMk cId="4019972730" sldId="262"/>
+        </pc:sldMkLst>
+        <pc:spChg chg="mod">
+          <ac:chgData name="Yoshiharu Hamaguchi" userId="470e288704938fe9" providerId="LiveId" clId="{70332866-803F-45E9-A120-6101FBB807E0}" dt="2025-09-08T13:45:37.751" v="2219" actId="20577"/>
+          <ac:spMkLst>
+            <pc:docMk/>
+            <pc:sldMk cId="4019972730" sldId="262"/>
+            <ac:spMk id="3" creationId="{37025C41-8921-578C-16F8-6B5CF0A93AE0}"/>
+          </ac:spMkLst>
+        </pc:spChg>
+        <pc:spChg chg="mod">
+          <ac:chgData name="Yoshiharu Hamaguchi" userId="470e288704938fe9" providerId="LiveId" clId="{70332866-803F-45E9-A120-6101FBB807E0}" dt="2025-09-08T13:46:04.454" v="2267" actId="20577"/>
+          <ac:spMkLst>
+            <pc:docMk/>
+            <pc:sldMk cId="4019972730" sldId="262"/>
+            <ac:spMk id="6" creationId="{34FF66A4-5BCB-CEE2-BCDE-1006905C1554}"/>
+          </ac:spMkLst>
+        </pc:spChg>
+        <pc:picChg chg="add mod">
+          <ac:chgData name="Yoshiharu Hamaguchi" userId="470e288704938fe9" providerId="LiveId" clId="{70332866-803F-45E9-A120-6101FBB807E0}" dt="2025-09-08T13:36:11.455" v="1273" actId="1076"/>
+          <ac:picMkLst>
+            <pc:docMk/>
+            <pc:sldMk cId="4019972730" sldId="262"/>
+            <ac:picMk id="4" creationId="{0422C9E0-B473-A1C3-1880-8559272F9630}"/>
+          </ac:picMkLst>
+        </pc:picChg>
+      </pc:sldChg>
+      <pc:sldChg chg="modSp mod">
+        <pc:chgData name="Yoshiharu Hamaguchi" userId="470e288704938fe9" providerId="LiveId" clId="{70332866-803F-45E9-A120-6101FBB807E0}" dt="2025-09-08T13:29:27.377" v="1054" actId="20577"/>
+        <pc:sldMkLst>
+          <pc:docMk/>
+          <pc:sldMk cId="3365730422" sldId="264"/>
+        </pc:sldMkLst>
+        <pc:spChg chg="mod">
+          <ac:chgData name="Yoshiharu Hamaguchi" userId="470e288704938fe9" providerId="LiveId" clId="{70332866-803F-45E9-A120-6101FBB807E0}" dt="2025-09-08T13:29:27.377" v="1054" actId="20577"/>
+          <ac:spMkLst>
+            <pc:docMk/>
+            <pc:sldMk cId="3365730422" sldId="264"/>
+            <ac:spMk id="3" creationId="{37025C41-8921-578C-16F8-6B5CF0A93AE0}"/>
+          </ac:spMkLst>
+        </pc:spChg>
+      </pc:sldChg>
+      <pc:sldChg chg="del">
+        <pc:chgData name="Yoshiharu Hamaguchi" userId="470e288704938fe9" providerId="LiveId" clId="{70332866-803F-45E9-A120-6101FBB807E0}" dt="2025-09-08T13:17:08.942" v="912" actId="47"/>
+        <pc:sldMkLst>
+          <pc:docMk/>
+          <pc:sldMk cId="3544669301" sldId="266"/>
+        </pc:sldMkLst>
+      </pc:sldChg>
+      <pc:sldChg chg="addSp delSp modSp mod">
+        <pc:chgData name="Yoshiharu Hamaguchi" userId="470e288704938fe9" providerId="LiveId" clId="{70332866-803F-45E9-A120-6101FBB807E0}" dt="2025-09-08T13:26:51.657" v="1028" actId="255"/>
+        <pc:sldMkLst>
+          <pc:docMk/>
+          <pc:sldMk cId="2142688305" sldId="269"/>
+        </pc:sldMkLst>
+      </pc:sldChg>
+      <pc:sldChg chg="del">
+        <pc:chgData name="Yoshiharu Hamaguchi" userId="470e288704938fe9" providerId="LiveId" clId="{70332866-803F-45E9-A120-6101FBB807E0}" dt="2025-09-08T13:16:59.642" v="911" actId="47"/>
+        <pc:sldMkLst>
+          <pc:docMk/>
+          <pc:sldMk cId="2038620804" sldId="270"/>
+        </pc:sldMkLst>
+      </pc:sldChg>
+      <pc:sldChg chg="addSp delSp modSp add mod">
+        <pc:chgData name="Yoshiharu Hamaguchi" userId="470e288704938fe9" providerId="LiveId" clId="{70332866-803F-45E9-A120-6101FBB807E0}" dt="2025-09-08T13:43:04.555" v="2015" actId="20577"/>
+        <pc:sldMkLst>
+          <pc:docMk/>
+          <pc:sldMk cId="1473502982" sldId="271"/>
+        </pc:sldMkLst>
+        <pc:spChg chg="add mod">
+          <ac:chgData name="Yoshiharu Hamaguchi" userId="470e288704938fe9" providerId="LiveId" clId="{70332866-803F-45E9-A120-6101FBB807E0}" dt="2025-09-08T13:43:04.555" v="2015" actId="20577"/>
+          <ac:spMkLst>
+            <pc:docMk/>
+            <pc:sldMk cId="1473502982" sldId="271"/>
+            <ac:spMk id="12" creationId="{E944DFBB-A102-FEAA-D487-BCBEE3A4BD63}"/>
+          </ac:spMkLst>
+        </pc:spChg>
+      </pc:sldChg>
+      <pc:sldChg chg="addSp modSp add mod">
+        <pc:chgData name="Yoshiharu Hamaguchi" userId="470e288704938fe9" providerId="LiveId" clId="{70332866-803F-45E9-A120-6101FBB807E0}" dt="2025-09-08T13:44:13.842" v="2060" actId="1076"/>
+        <pc:sldMkLst>
+          <pc:docMk/>
+          <pc:sldMk cId="3129097109" sldId="272"/>
+        </pc:sldMkLst>
+        <pc:spChg chg="mod">
+          <ac:chgData name="Yoshiharu Hamaguchi" userId="470e288704938fe9" providerId="LiveId" clId="{70332866-803F-45E9-A120-6101FBB807E0}" dt="2025-09-08T13:42:49.731" v="2008" actId="20577"/>
+          <ac:spMkLst>
+            <pc:docMk/>
+            <pc:sldMk cId="3129097109" sldId="272"/>
+            <ac:spMk id="2" creationId="{9C784ACA-9376-15C6-DD93-68B5D582FADA}"/>
+          </ac:spMkLst>
+        </pc:spChg>
+        <pc:spChg chg="mod">
+          <ac:chgData name="Yoshiharu Hamaguchi" userId="470e288704938fe9" providerId="LiveId" clId="{70332866-803F-45E9-A120-6101FBB807E0}" dt="2025-09-08T13:43:46.783" v="2055" actId="6549"/>
+          <ac:spMkLst>
+            <pc:docMk/>
+            <pc:sldMk cId="3129097109" sldId="272"/>
+            <ac:spMk id="12" creationId="{E944DFBB-A102-FEAA-D487-BCBEE3A4BD63}"/>
+          </ac:spMkLst>
+        </pc:spChg>
+        <pc:picChg chg="add mod">
+          <ac:chgData name="Yoshiharu Hamaguchi" userId="470e288704938fe9" providerId="LiveId" clId="{70332866-803F-45E9-A120-6101FBB807E0}" dt="2025-09-08T13:44:13.842" v="2060" actId="1076"/>
+          <ac:picMkLst>
+            <pc:docMk/>
+            <pc:sldMk cId="3129097109" sldId="272"/>
+            <ac:picMk id="4" creationId="{0AB3AA65-1C33-C627-0C02-C48972C6F5CD}"/>
+          </ac:picMkLst>
+        </pc:picChg>
+      </pc:sldChg>
+      <pc:sldChg chg="addSp modSp add mod">
+        <pc:chgData name="Yoshiharu Hamaguchi" userId="470e288704938fe9" providerId="LiveId" clId="{70332866-803F-45E9-A120-6101FBB807E0}" dt="2025-09-08T14:48:55.172" v="3078" actId="1076"/>
+        <pc:sldMkLst>
+          <pc:docMk/>
+          <pc:sldMk cId="3565779213" sldId="273"/>
+        </pc:sldMkLst>
+        <pc:spChg chg="mod">
+          <ac:chgData name="Yoshiharu Hamaguchi" userId="470e288704938fe9" providerId="LiveId" clId="{70332866-803F-45E9-A120-6101FBB807E0}" dt="2025-09-08T14:35:56.978" v="2617" actId="20577"/>
+          <ac:spMkLst>
+            <pc:docMk/>
+            <pc:sldMk cId="3565779213" sldId="273"/>
+            <ac:spMk id="2" creationId="{9C784ACA-9376-15C6-DD93-68B5D582FADA}"/>
+          </ac:spMkLst>
+        </pc:spChg>
+        <pc:spChg chg="mod">
+          <ac:chgData name="Yoshiharu Hamaguchi" userId="470e288704938fe9" providerId="LiveId" clId="{70332866-803F-45E9-A120-6101FBB807E0}" dt="2025-09-08T14:48:52.592" v="3077" actId="1076"/>
+          <ac:spMkLst>
+            <pc:docMk/>
+            <pc:sldMk cId="3565779213" sldId="273"/>
+            <ac:spMk id="12" creationId="{E944DFBB-A102-FEAA-D487-BCBEE3A4BD63}"/>
+          </ac:spMkLst>
+        </pc:spChg>
+        <pc:graphicFrameChg chg="add mod modGraphic">
+          <ac:chgData name="Yoshiharu Hamaguchi" userId="470e288704938fe9" providerId="LiveId" clId="{70332866-803F-45E9-A120-6101FBB807E0}" dt="2025-09-08T14:48:55.172" v="3078" actId="1076"/>
+          <ac:graphicFrameMkLst>
+            <pc:docMk/>
+            <pc:sldMk cId="3565779213" sldId="273"/>
+            <ac:graphicFrameMk id="3" creationId="{BB32AE2C-65C1-A108-C432-F1FF4EBEB96B}"/>
+          </ac:graphicFrameMkLst>
+        </pc:graphicFrameChg>
+      </pc:sldChg>
+      <pc:sldChg chg="addSp modSp add mod">
+        <pc:chgData name="Yoshiharu Hamaguchi" userId="470e288704938fe9" providerId="LiveId" clId="{70332866-803F-45E9-A120-6101FBB807E0}" dt="2025-09-08T14:56:44.792" v="4266"/>
+        <pc:sldMkLst>
+          <pc:docMk/>
+          <pc:sldMk cId="2114986016" sldId="274"/>
+        </pc:sldMkLst>
+        <pc:spChg chg="mod">
+          <ac:chgData name="Yoshiharu Hamaguchi" userId="470e288704938fe9" providerId="LiveId" clId="{70332866-803F-45E9-A120-6101FBB807E0}" dt="2025-09-08T14:06:42.942" v="2396" actId="20577"/>
+          <ac:spMkLst>
+            <pc:docMk/>
+            <pc:sldMk cId="2114986016" sldId="274"/>
+            <ac:spMk id="2" creationId="{9C784ACA-9376-15C6-DD93-68B5D582FADA}"/>
+          </ac:spMkLst>
+        </pc:spChg>
+        <pc:spChg chg="mod">
+          <ac:chgData name="Yoshiharu Hamaguchi" userId="470e288704938fe9" providerId="LiveId" clId="{70332866-803F-45E9-A120-6101FBB807E0}" dt="2025-09-08T14:56:44.792" v="4266"/>
+          <ac:spMkLst>
+            <pc:docMk/>
+            <pc:sldMk cId="2114986016" sldId="274"/>
+            <ac:spMk id="12" creationId="{E944DFBB-A102-FEAA-D487-BCBEE3A4BD63}"/>
+          </ac:spMkLst>
+        </pc:spChg>
+        <pc:picChg chg="add mod">
+          <ac:chgData name="Yoshiharu Hamaguchi" userId="470e288704938fe9" providerId="LiveId" clId="{70332866-803F-45E9-A120-6101FBB807E0}" dt="2025-09-08T14:30:40.720" v="2574" actId="1036"/>
+          <ac:picMkLst>
+            <pc:docMk/>
+            <pc:sldMk cId="2114986016" sldId="274"/>
+            <ac:picMk id="3" creationId="{7E3945CA-055B-F40B-6033-6F28B417F04D}"/>
+          </ac:picMkLst>
+        </pc:picChg>
+      </pc:sldChg>
+      <pc:sldChg chg="delSp modSp add mod">
+        <pc:chgData name="Yoshiharu Hamaguchi" userId="470e288704938fe9" providerId="LiveId" clId="{70332866-803F-45E9-A120-6101FBB807E0}" dt="2025-09-08T14:54:43.380" v="4101" actId="20577"/>
+        <pc:sldMkLst>
+          <pc:docMk/>
+          <pc:sldMk cId="914960372" sldId="275"/>
+        </pc:sldMkLst>
+        <pc:spChg chg="mod">
+          <ac:chgData name="Yoshiharu Hamaguchi" userId="470e288704938fe9" providerId="LiveId" clId="{70332866-803F-45E9-A120-6101FBB807E0}" dt="2025-09-08T14:54:43.380" v="4101" actId="20577"/>
+          <ac:spMkLst>
+            <pc:docMk/>
+            <pc:sldMk cId="914960372" sldId="275"/>
+            <ac:spMk id="2" creationId="{9C784ACA-9376-15C6-DD93-68B5D582FADA}"/>
+          </ac:spMkLst>
+        </pc:spChg>
+        <pc:spChg chg="mod">
+          <ac:chgData name="Yoshiharu Hamaguchi" userId="470e288704938fe9" providerId="LiveId" clId="{70332866-803F-45E9-A120-6101FBB807E0}" dt="2025-09-08T14:52:48.660" v="3756" actId="20577"/>
+          <ac:spMkLst>
+            <pc:docMk/>
+            <pc:sldMk cId="914960372" sldId="275"/>
+            <ac:spMk id="12" creationId="{E944DFBB-A102-FEAA-D487-BCBEE3A4BD63}"/>
+          </ac:spMkLst>
+        </pc:spChg>
+      </pc:sldChg>
+      <pc:sldChg chg="addSp delSp modSp add del mod">
+        <pc:chgData name="Yoshiharu Hamaguchi" userId="470e288704938fe9" providerId="LiveId" clId="{70332866-803F-45E9-A120-6101FBB807E0}" dt="2025-09-08T14:29:29.771" v="2540" actId="47"/>
+        <pc:sldMkLst>
+          <pc:docMk/>
+          <pc:sldMk cId="3512689603" sldId="275"/>
+        </pc:sldMkLst>
+      </pc:sldChg>
+      <pc:sldChg chg="modSp add mod">
+        <pc:chgData name="Yoshiharu Hamaguchi" userId="470e288704938fe9" providerId="LiveId" clId="{70332866-803F-45E9-A120-6101FBB807E0}" dt="2025-09-08T14:54:17.815" v="4085" actId="20577"/>
+        <pc:sldMkLst>
+          <pc:docMk/>
+          <pc:sldMk cId="11239393" sldId="276"/>
+        </pc:sldMkLst>
+        <pc:spChg chg="mod">
+          <ac:chgData name="Yoshiharu Hamaguchi" userId="470e288704938fe9" providerId="LiveId" clId="{70332866-803F-45E9-A120-6101FBB807E0}" dt="2025-09-08T14:53:27.147" v="3866" actId="20577"/>
+          <ac:spMkLst>
+            <pc:docMk/>
+            <pc:sldMk cId="11239393" sldId="276"/>
+            <ac:spMk id="2" creationId="{9C784ACA-9376-15C6-DD93-68B5D582FADA}"/>
+          </ac:spMkLst>
+        </pc:spChg>
+        <pc:spChg chg="mod">
+          <ac:chgData name="Yoshiharu Hamaguchi" userId="470e288704938fe9" providerId="LiveId" clId="{70332866-803F-45E9-A120-6101FBB807E0}" dt="2025-09-08T14:54:17.815" v="4085" actId="20577"/>
+          <ac:spMkLst>
+            <pc:docMk/>
+            <pc:sldMk cId="11239393" sldId="276"/>
+            <ac:spMk id="12" creationId="{E944DFBB-A102-FEAA-D487-BCBEE3A4BD63}"/>
+          </ac:spMkLst>
+        </pc:spChg>
+      </pc:sldChg>
+      <pc:sldChg chg="modSp add mod">
+        <pc:chgData name="Yoshiharu Hamaguchi" userId="470e288704938fe9" providerId="LiveId" clId="{70332866-803F-45E9-A120-6101FBB807E0}" dt="2025-09-08T14:55:11.230" v="4201" actId="20577"/>
+        <pc:sldMkLst>
+          <pc:docMk/>
+          <pc:sldMk cId="2816348142" sldId="277"/>
+        </pc:sldMkLst>
+        <pc:spChg chg="mod">
+          <ac:chgData name="Yoshiharu Hamaguchi" userId="470e288704938fe9" providerId="LiveId" clId="{70332866-803F-45E9-A120-6101FBB807E0}" dt="2025-09-08T14:54:58.097" v="4136" actId="20577"/>
+          <ac:spMkLst>
+            <pc:docMk/>
+            <pc:sldMk cId="2816348142" sldId="277"/>
+            <ac:spMk id="2" creationId="{9C784ACA-9376-15C6-DD93-68B5D582FADA}"/>
+          </ac:spMkLst>
+        </pc:spChg>
+        <pc:spChg chg="mod">
+          <ac:chgData name="Yoshiharu Hamaguchi" userId="470e288704938fe9" providerId="LiveId" clId="{70332866-803F-45E9-A120-6101FBB807E0}" dt="2025-09-08T14:55:11.230" v="4201" actId="20577"/>
+          <ac:spMkLst>
+            <pc:docMk/>
+            <pc:sldMk cId="2816348142" sldId="277"/>
+            <ac:spMk id="12" creationId="{E944DFBB-A102-FEAA-D487-BCBEE3A4BD63}"/>
+          </ac:spMkLst>
+        </pc:spChg>
+      </pc:sldChg>
+    </pc:docChg>
+  </pc:docChgLst>
+  <pc:docChgLst>
     <pc:chgData name="Yoshiharu Hamaguchi" userId="470e288704938fe9" providerId="LiveId" clId="{7FF04D8D-0E5C-4D85-91C7-38CEECAF421B}"/>
     <pc:docChg chg="delSld modSld">
       <pc:chgData name="Yoshiharu Hamaguchi" userId="470e288704938fe9" providerId="LiveId" clId="{7FF04D8D-0E5C-4D85-91C7-38CEECAF421B}" dt="2024-08-30T00:39:52.340" v="69" actId="47"/>
@@ -1755,281 +2030,6 @@
           <pc:docMk/>
           <pc:sldMk cId="1265752602" sldId="261"/>
         </pc:sldMkLst>
-      </pc:sldChg>
-    </pc:docChg>
-  </pc:docChgLst>
-  <pc:docChgLst>
-    <pc:chgData name="Yoshiharu Hamaguchi" userId="470e288704938fe9" providerId="LiveId" clId="{70332866-803F-45E9-A120-6101FBB807E0}"/>
-    <pc:docChg chg="undo custSel addSld delSld modSld">
-      <pc:chgData name="Yoshiharu Hamaguchi" userId="470e288704938fe9" providerId="LiveId" clId="{70332866-803F-45E9-A120-6101FBB807E0}" dt="2025-09-08T14:56:44.792" v="4266"/>
-      <pc:docMkLst>
-        <pc:docMk/>
-      </pc:docMkLst>
-      <pc:sldChg chg="modSp mod">
-        <pc:chgData name="Yoshiharu Hamaguchi" userId="470e288704938fe9" providerId="LiveId" clId="{70332866-803F-45E9-A120-6101FBB807E0}" dt="2025-09-08T13:07:11.513" v="792" actId="20577"/>
-        <pc:sldMkLst>
-          <pc:docMk/>
-          <pc:sldMk cId="634982452" sldId="256"/>
-        </pc:sldMkLst>
-        <pc:spChg chg="mod">
-          <ac:chgData name="Yoshiharu Hamaguchi" userId="470e288704938fe9" providerId="LiveId" clId="{70332866-803F-45E9-A120-6101FBB807E0}" dt="2025-09-08T13:07:11.513" v="792" actId="20577"/>
-          <ac:spMkLst>
-            <pc:docMk/>
-            <pc:sldMk cId="634982452" sldId="256"/>
-            <ac:spMk id="2" creationId="{3F0D190A-A8DB-32F1-0D56-13F6D381B778}"/>
-          </ac:spMkLst>
-        </pc:spChg>
-      </pc:sldChg>
-      <pc:sldChg chg="addSp delSp modSp mod">
-        <pc:chgData name="Yoshiharu Hamaguchi" userId="470e288704938fe9" providerId="LiveId" clId="{70332866-803F-45E9-A120-6101FBB807E0}" dt="2025-09-08T13:46:04.454" v="2267" actId="20577"/>
-        <pc:sldMkLst>
-          <pc:docMk/>
-          <pc:sldMk cId="4019972730" sldId="262"/>
-        </pc:sldMkLst>
-        <pc:spChg chg="mod">
-          <ac:chgData name="Yoshiharu Hamaguchi" userId="470e288704938fe9" providerId="LiveId" clId="{70332866-803F-45E9-A120-6101FBB807E0}" dt="2025-09-08T13:45:37.751" v="2219" actId="20577"/>
-          <ac:spMkLst>
-            <pc:docMk/>
-            <pc:sldMk cId="4019972730" sldId="262"/>
-            <ac:spMk id="3" creationId="{37025C41-8921-578C-16F8-6B5CF0A93AE0}"/>
-          </ac:spMkLst>
-        </pc:spChg>
-        <pc:spChg chg="mod">
-          <ac:chgData name="Yoshiharu Hamaguchi" userId="470e288704938fe9" providerId="LiveId" clId="{70332866-803F-45E9-A120-6101FBB807E0}" dt="2025-09-08T13:46:04.454" v="2267" actId="20577"/>
-          <ac:spMkLst>
-            <pc:docMk/>
-            <pc:sldMk cId="4019972730" sldId="262"/>
-            <ac:spMk id="6" creationId="{34FF66A4-5BCB-CEE2-BCDE-1006905C1554}"/>
-          </ac:spMkLst>
-        </pc:spChg>
-        <pc:picChg chg="add mod">
-          <ac:chgData name="Yoshiharu Hamaguchi" userId="470e288704938fe9" providerId="LiveId" clId="{70332866-803F-45E9-A120-6101FBB807E0}" dt="2025-09-08T13:36:11.455" v="1273" actId="1076"/>
-          <ac:picMkLst>
-            <pc:docMk/>
-            <pc:sldMk cId="4019972730" sldId="262"/>
-            <ac:picMk id="4" creationId="{0422C9E0-B473-A1C3-1880-8559272F9630}"/>
-          </ac:picMkLst>
-        </pc:picChg>
-      </pc:sldChg>
-      <pc:sldChg chg="modSp mod">
-        <pc:chgData name="Yoshiharu Hamaguchi" userId="470e288704938fe9" providerId="LiveId" clId="{70332866-803F-45E9-A120-6101FBB807E0}" dt="2025-09-08T13:29:27.377" v="1054" actId="20577"/>
-        <pc:sldMkLst>
-          <pc:docMk/>
-          <pc:sldMk cId="3365730422" sldId="264"/>
-        </pc:sldMkLst>
-        <pc:spChg chg="mod">
-          <ac:chgData name="Yoshiharu Hamaguchi" userId="470e288704938fe9" providerId="LiveId" clId="{70332866-803F-45E9-A120-6101FBB807E0}" dt="2025-09-08T13:29:27.377" v="1054" actId="20577"/>
-          <ac:spMkLst>
-            <pc:docMk/>
-            <pc:sldMk cId="3365730422" sldId="264"/>
-            <ac:spMk id="3" creationId="{37025C41-8921-578C-16F8-6B5CF0A93AE0}"/>
-          </ac:spMkLst>
-        </pc:spChg>
-      </pc:sldChg>
-      <pc:sldChg chg="del">
-        <pc:chgData name="Yoshiharu Hamaguchi" userId="470e288704938fe9" providerId="LiveId" clId="{70332866-803F-45E9-A120-6101FBB807E0}" dt="2025-09-08T13:17:08.942" v="912" actId="47"/>
-        <pc:sldMkLst>
-          <pc:docMk/>
-          <pc:sldMk cId="3544669301" sldId="266"/>
-        </pc:sldMkLst>
-      </pc:sldChg>
-      <pc:sldChg chg="addSp delSp modSp mod">
-        <pc:chgData name="Yoshiharu Hamaguchi" userId="470e288704938fe9" providerId="LiveId" clId="{70332866-803F-45E9-A120-6101FBB807E0}" dt="2025-09-08T13:26:51.657" v="1028" actId="255"/>
-        <pc:sldMkLst>
-          <pc:docMk/>
-          <pc:sldMk cId="2142688305" sldId="269"/>
-        </pc:sldMkLst>
-      </pc:sldChg>
-      <pc:sldChg chg="del">
-        <pc:chgData name="Yoshiharu Hamaguchi" userId="470e288704938fe9" providerId="LiveId" clId="{70332866-803F-45E9-A120-6101FBB807E0}" dt="2025-09-08T13:16:59.642" v="911" actId="47"/>
-        <pc:sldMkLst>
-          <pc:docMk/>
-          <pc:sldMk cId="2038620804" sldId="270"/>
-        </pc:sldMkLst>
-      </pc:sldChg>
-      <pc:sldChg chg="addSp delSp modSp add mod">
-        <pc:chgData name="Yoshiharu Hamaguchi" userId="470e288704938fe9" providerId="LiveId" clId="{70332866-803F-45E9-A120-6101FBB807E0}" dt="2025-09-08T13:43:04.555" v="2015" actId="20577"/>
-        <pc:sldMkLst>
-          <pc:docMk/>
-          <pc:sldMk cId="1473502982" sldId="271"/>
-        </pc:sldMkLst>
-        <pc:spChg chg="add mod">
-          <ac:chgData name="Yoshiharu Hamaguchi" userId="470e288704938fe9" providerId="LiveId" clId="{70332866-803F-45E9-A120-6101FBB807E0}" dt="2025-09-08T13:43:04.555" v="2015" actId="20577"/>
-          <ac:spMkLst>
-            <pc:docMk/>
-            <pc:sldMk cId="1473502982" sldId="271"/>
-            <ac:spMk id="12" creationId="{E944DFBB-A102-FEAA-D487-BCBEE3A4BD63}"/>
-          </ac:spMkLst>
-        </pc:spChg>
-      </pc:sldChg>
-      <pc:sldChg chg="addSp modSp add mod">
-        <pc:chgData name="Yoshiharu Hamaguchi" userId="470e288704938fe9" providerId="LiveId" clId="{70332866-803F-45E9-A120-6101FBB807E0}" dt="2025-09-08T13:44:13.842" v="2060" actId="1076"/>
-        <pc:sldMkLst>
-          <pc:docMk/>
-          <pc:sldMk cId="3129097109" sldId="272"/>
-        </pc:sldMkLst>
-        <pc:spChg chg="mod">
-          <ac:chgData name="Yoshiharu Hamaguchi" userId="470e288704938fe9" providerId="LiveId" clId="{70332866-803F-45E9-A120-6101FBB807E0}" dt="2025-09-08T13:42:49.731" v="2008" actId="20577"/>
-          <ac:spMkLst>
-            <pc:docMk/>
-            <pc:sldMk cId="3129097109" sldId="272"/>
-            <ac:spMk id="2" creationId="{9C784ACA-9376-15C6-DD93-68B5D582FADA}"/>
-          </ac:spMkLst>
-        </pc:spChg>
-        <pc:spChg chg="mod">
-          <ac:chgData name="Yoshiharu Hamaguchi" userId="470e288704938fe9" providerId="LiveId" clId="{70332866-803F-45E9-A120-6101FBB807E0}" dt="2025-09-08T13:43:46.783" v="2055" actId="6549"/>
-          <ac:spMkLst>
-            <pc:docMk/>
-            <pc:sldMk cId="3129097109" sldId="272"/>
-            <ac:spMk id="12" creationId="{E944DFBB-A102-FEAA-D487-BCBEE3A4BD63}"/>
-          </ac:spMkLst>
-        </pc:spChg>
-        <pc:picChg chg="add mod">
-          <ac:chgData name="Yoshiharu Hamaguchi" userId="470e288704938fe9" providerId="LiveId" clId="{70332866-803F-45E9-A120-6101FBB807E0}" dt="2025-09-08T13:44:13.842" v="2060" actId="1076"/>
-          <ac:picMkLst>
-            <pc:docMk/>
-            <pc:sldMk cId="3129097109" sldId="272"/>
-            <ac:picMk id="4" creationId="{0AB3AA65-1C33-C627-0C02-C48972C6F5CD}"/>
-          </ac:picMkLst>
-        </pc:picChg>
-      </pc:sldChg>
-      <pc:sldChg chg="addSp modSp add mod">
-        <pc:chgData name="Yoshiharu Hamaguchi" userId="470e288704938fe9" providerId="LiveId" clId="{70332866-803F-45E9-A120-6101FBB807E0}" dt="2025-09-08T14:48:55.172" v="3078" actId="1076"/>
-        <pc:sldMkLst>
-          <pc:docMk/>
-          <pc:sldMk cId="3565779213" sldId="273"/>
-        </pc:sldMkLst>
-        <pc:spChg chg="mod">
-          <ac:chgData name="Yoshiharu Hamaguchi" userId="470e288704938fe9" providerId="LiveId" clId="{70332866-803F-45E9-A120-6101FBB807E0}" dt="2025-09-08T14:35:56.978" v="2617" actId="20577"/>
-          <ac:spMkLst>
-            <pc:docMk/>
-            <pc:sldMk cId="3565779213" sldId="273"/>
-            <ac:spMk id="2" creationId="{9C784ACA-9376-15C6-DD93-68B5D582FADA}"/>
-          </ac:spMkLst>
-        </pc:spChg>
-        <pc:spChg chg="mod">
-          <ac:chgData name="Yoshiharu Hamaguchi" userId="470e288704938fe9" providerId="LiveId" clId="{70332866-803F-45E9-A120-6101FBB807E0}" dt="2025-09-08T14:48:52.592" v="3077" actId="1076"/>
-          <ac:spMkLst>
-            <pc:docMk/>
-            <pc:sldMk cId="3565779213" sldId="273"/>
-            <ac:spMk id="12" creationId="{E944DFBB-A102-FEAA-D487-BCBEE3A4BD63}"/>
-          </ac:spMkLst>
-        </pc:spChg>
-        <pc:graphicFrameChg chg="add mod modGraphic">
-          <ac:chgData name="Yoshiharu Hamaguchi" userId="470e288704938fe9" providerId="LiveId" clId="{70332866-803F-45E9-A120-6101FBB807E0}" dt="2025-09-08T14:48:55.172" v="3078" actId="1076"/>
-          <ac:graphicFrameMkLst>
-            <pc:docMk/>
-            <pc:sldMk cId="3565779213" sldId="273"/>
-            <ac:graphicFrameMk id="3" creationId="{BB32AE2C-65C1-A108-C432-F1FF4EBEB96B}"/>
-          </ac:graphicFrameMkLst>
-        </pc:graphicFrameChg>
-      </pc:sldChg>
-      <pc:sldChg chg="addSp modSp add mod">
-        <pc:chgData name="Yoshiharu Hamaguchi" userId="470e288704938fe9" providerId="LiveId" clId="{70332866-803F-45E9-A120-6101FBB807E0}" dt="2025-09-08T14:56:44.792" v="4266"/>
-        <pc:sldMkLst>
-          <pc:docMk/>
-          <pc:sldMk cId="2114986016" sldId="274"/>
-        </pc:sldMkLst>
-        <pc:spChg chg="mod">
-          <ac:chgData name="Yoshiharu Hamaguchi" userId="470e288704938fe9" providerId="LiveId" clId="{70332866-803F-45E9-A120-6101FBB807E0}" dt="2025-09-08T14:06:42.942" v="2396" actId="20577"/>
-          <ac:spMkLst>
-            <pc:docMk/>
-            <pc:sldMk cId="2114986016" sldId="274"/>
-            <ac:spMk id="2" creationId="{9C784ACA-9376-15C6-DD93-68B5D582FADA}"/>
-          </ac:spMkLst>
-        </pc:spChg>
-        <pc:spChg chg="mod">
-          <ac:chgData name="Yoshiharu Hamaguchi" userId="470e288704938fe9" providerId="LiveId" clId="{70332866-803F-45E9-A120-6101FBB807E0}" dt="2025-09-08T14:56:44.792" v="4266"/>
-          <ac:spMkLst>
-            <pc:docMk/>
-            <pc:sldMk cId="2114986016" sldId="274"/>
-            <ac:spMk id="12" creationId="{E944DFBB-A102-FEAA-D487-BCBEE3A4BD63}"/>
-          </ac:spMkLst>
-        </pc:spChg>
-        <pc:picChg chg="add mod">
-          <ac:chgData name="Yoshiharu Hamaguchi" userId="470e288704938fe9" providerId="LiveId" clId="{70332866-803F-45E9-A120-6101FBB807E0}" dt="2025-09-08T14:30:40.720" v="2574" actId="1036"/>
-          <ac:picMkLst>
-            <pc:docMk/>
-            <pc:sldMk cId="2114986016" sldId="274"/>
-            <ac:picMk id="3" creationId="{7E3945CA-055B-F40B-6033-6F28B417F04D}"/>
-          </ac:picMkLst>
-        </pc:picChg>
-      </pc:sldChg>
-      <pc:sldChg chg="delSp modSp add mod">
-        <pc:chgData name="Yoshiharu Hamaguchi" userId="470e288704938fe9" providerId="LiveId" clId="{70332866-803F-45E9-A120-6101FBB807E0}" dt="2025-09-08T14:54:43.380" v="4101" actId="20577"/>
-        <pc:sldMkLst>
-          <pc:docMk/>
-          <pc:sldMk cId="914960372" sldId="275"/>
-        </pc:sldMkLst>
-        <pc:spChg chg="mod">
-          <ac:chgData name="Yoshiharu Hamaguchi" userId="470e288704938fe9" providerId="LiveId" clId="{70332866-803F-45E9-A120-6101FBB807E0}" dt="2025-09-08T14:54:43.380" v="4101" actId="20577"/>
-          <ac:spMkLst>
-            <pc:docMk/>
-            <pc:sldMk cId="914960372" sldId="275"/>
-            <ac:spMk id="2" creationId="{9C784ACA-9376-15C6-DD93-68B5D582FADA}"/>
-          </ac:spMkLst>
-        </pc:spChg>
-        <pc:spChg chg="mod">
-          <ac:chgData name="Yoshiharu Hamaguchi" userId="470e288704938fe9" providerId="LiveId" clId="{70332866-803F-45E9-A120-6101FBB807E0}" dt="2025-09-08T14:52:48.660" v="3756" actId="20577"/>
-          <ac:spMkLst>
-            <pc:docMk/>
-            <pc:sldMk cId="914960372" sldId="275"/>
-            <ac:spMk id="12" creationId="{E944DFBB-A102-FEAA-D487-BCBEE3A4BD63}"/>
-          </ac:spMkLst>
-        </pc:spChg>
-      </pc:sldChg>
-      <pc:sldChg chg="addSp delSp modSp add del mod">
-        <pc:chgData name="Yoshiharu Hamaguchi" userId="470e288704938fe9" providerId="LiveId" clId="{70332866-803F-45E9-A120-6101FBB807E0}" dt="2025-09-08T14:29:29.771" v="2540" actId="47"/>
-        <pc:sldMkLst>
-          <pc:docMk/>
-          <pc:sldMk cId="3512689603" sldId="275"/>
-        </pc:sldMkLst>
-      </pc:sldChg>
-      <pc:sldChg chg="modSp add mod">
-        <pc:chgData name="Yoshiharu Hamaguchi" userId="470e288704938fe9" providerId="LiveId" clId="{70332866-803F-45E9-A120-6101FBB807E0}" dt="2025-09-08T14:54:17.815" v="4085" actId="20577"/>
-        <pc:sldMkLst>
-          <pc:docMk/>
-          <pc:sldMk cId="11239393" sldId="276"/>
-        </pc:sldMkLst>
-        <pc:spChg chg="mod">
-          <ac:chgData name="Yoshiharu Hamaguchi" userId="470e288704938fe9" providerId="LiveId" clId="{70332866-803F-45E9-A120-6101FBB807E0}" dt="2025-09-08T14:53:27.147" v="3866" actId="20577"/>
-          <ac:spMkLst>
-            <pc:docMk/>
-            <pc:sldMk cId="11239393" sldId="276"/>
-            <ac:spMk id="2" creationId="{9C784ACA-9376-15C6-DD93-68B5D582FADA}"/>
-          </ac:spMkLst>
-        </pc:spChg>
-        <pc:spChg chg="mod">
-          <ac:chgData name="Yoshiharu Hamaguchi" userId="470e288704938fe9" providerId="LiveId" clId="{70332866-803F-45E9-A120-6101FBB807E0}" dt="2025-09-08T14:54:17.815" v="4085" actId="20577"/>
-          <ac:spMkLst>
-            <pc:docMk/>
-            <pc:sldMk cId="11239393" sldId="276"/>
-            <ac:spMk id="12" creationId="{E944DFBB-A102-FEAA-D487-BCBEE3A4BD63}"/>
-          </ac:spMkLst>
-        </pc:spChg>
-      </pc:sldChg>
-      <pc:sldChg chg="modSp add mod">
-        <pc:chgData name="Yoshiharu Hamaguchi" userId="470e288704938fe9" providerId="LiveId" clId="{70332866-803F-45E9-A120-6101FBB807E0}" dt="2025-09-08T14:55:11.230" v="4201" actId="20577"/>
-        <pc:sldMkLst>
-          <pc:docMk/>
-          <pc:sldMk cId="2816348142" sldId="277"/>
-        </pc:sldMkLst>
-        <pc:spChg chg="mod">
-          <ac:chgData name="Yoshiharu Hamaguchi" userId="470e288704938fe9" providerId="LiveId" clId="{70332866-803F-45E9-A120-6101FBB807E0}" dt="2025-09-08T14:54:58.097" v="4136" actId="20577"/>
-          <ac:spMkLst>
-            <pc:docMk/>
-            <pc:sldMk cId="2816348142" sldId="277"/>
-            <ac:spMk id="2" creationId="{9C784ACA-9376-15C6-DD93-68B5D582FADA}"/>
-          </ac:spMkLst>
-        </pc:spChg>
-        <pc:spChg chg="mod">
-          <ac:chgData name="Yoshiharu Hamaguchi" userId="470e288704938fe9" providerId="LiveId" clId="{70332866-803F-45E9-A120-6101FBB807E0}" dt="2025-09-08T14:55:11.230" v="4201" actId="20577"/>
-          <ac:spMkLst>
-            <pc:docMk/>
-            <pc:sldMk cId="2816348142" sldId="277"/>
-            <ac:spMk id="12" creationId="{E944DFBB-A102-FEAA-D487-BCBEE3A4BD63}"/>
-          </ac:spMkLst>
-        </pc:spChg>
       </pc:sldChg>
     </pc:docChg>
   </pc:docChgLst>
@@ -2213,7 +2213,7 @@
           <a:p>
             <a:fld id="{AE223B80-E8D9-435B-A6E4-76A811B061CC}" type="datetimeFigureOut">
               <a:rPr kumimoji="1" lang="ja-JP" altLang="en-US" smtClean="0"/>
-              <a:t>2025/12/7</a:t>
+              <a:t>2025/12/8</a:t>
             </a:fld>
             <a:endParaRPr kumimoji="1" lang="ja-JP" altLang="en-US"/>
           </a:p>
@@ -2743,7 +2743,7 @@
           <a:p>
             <a:fld id="{9627246E-3903-4E01-B28D-BFF5567D65C3}" type="datetimeFigureOut">
               <a:rPr kumimoji="1" lang="ja-JP" altLang="en-US" smtClean="0"/>
-              <a:t>2025/12/7</a:t>
+              <a:t>2025/12/8</a:t>
             </a:fld>
             <a:endParaRPr kumimoji="1" lang="ja-JP" altLang="en-US"/>
           </a:p>
@@ -2973,7 +2973,7 @@
           <a:p>
             <a:fld id="{9627246E-3903-4E01-B28D-BFF5567D65C3}" type="datetimeFigureOut">
               <a:rPr kumimoji="1" lang="ja-JP" altLang="en-US" smtClean="0"/>
-              <a:t>2025/12/7</a:t>
+              <a:t>2025/12/8</a:t>
             </a:fld>
             <a:endParaRPr kumimoji="1" lang="ja-JP" altLang="en-US"/>
           </a:p>
@@ -3213,7 +3213,7 @@
           <a:p>
             <a:fld id="{9627246E-3903-4E01-B28D-BFF5567D65C3}" type="datetimeFigureOut">
               <a:rPr kumimoji="1" lang="ja-JP" altLang="en-US" smtClean="0"/>
-              <a:t>2025/12/7</a:t>
+              <a:t>2025/12/8</a:t>
             </a:fld>
             <a:endParaRPr kumimoji="1" lang="ja-JP" altLang="en-US"/>
           </a:p>
@@ -3443,7 +3443,7 @@
           <a:p>
             <a:fld id="{9627246E-3903-4E01-B28D-BFF5567D65C3}" type="datetimeFigureOut">
               <a:rPr kumimoji="1" lang="ja-JP" altLang="en-US" smtClean="0"/>
-              <a:t>2025/12/7</a:t>
+              <a:t>2025/12/8</a:t>
             </a:fld>
             <a:endParaRPr kumimoji="1" lang="ja-JP" altLang="en-US"/>
           </a:p>
@@ -3718,7 +3718,7 @@
           <a:p>
             <a:fld id="{9627246E-3903-4E01-B28D-BFF5567D65C3}" type="datetimeFigureOut">
               <a:rPr kumimoji="1" lang="ja-JP" altLang="en-US" smtClean="0"/>
-              <a:t>2025/12/7</a:t>
+              <a:t>2025/12/8</a:t>
             </a:fld>
             <a:endParaRPr kumimoji="1" lang="ja-JP" altLang="en-US"/>
           </a:p>
@@ -4047,7 +4047,7 @@
           <a:p>
             <a:fld id="{9627246E-3903-4E01-B28D-BFF5567D65C3}" type="datetimeFigureOut">
               <a:rPr kumimoji="1" lang="ja-JP" altLang="en-US" smtClean="0"/>
-              <a:t>2025/12/7</a:t>
+              <a:t>2025/12/8</a:t>
             </a:fld>
             <a:endParaRPr kumimoji="1" lang="ja-JP" altLang="en-US"/>
           </a:p>
@@ -4523,7 +4523,7 @@
           <a:p>
             <a:fld id="{9627246E-3903-4E01-B28D-BFF5567D65C3}" type="datetimeFigureOut">
               <a:rPr kumimoji="1" lang="ja-JP" altLang="en-US" smtClean="0"/>
-              <a:t>2025/12/7</a:t>
+              <a:t>2025/12/8</a:t>
             </a:fld>
             <a:endParaRPr kumimoji="1" lang="ja-JP" altLang="en-US"/>
           </a:p>
@@ -4664,7 +4664,7 @@
           <a:p>
             <a:fld id="{9627246E-3903-4E01-B28D-BFF5567D65C3}" type="datetimeFigureOut">
               <a:rPr kumimoji="1" lang="ja-JP" altLang="en-US" smtClean="0"/>
-              <a:t>2025/12/7</a:t>
+              <a:t>2025/12/8</a:t>
             </a:fld>
             <a:endParaRPr kumimoji="1" lang="ja-JP" altLang="en-US"/>
           </a:p>
@@ -4777,7 +4777,7 @@
           <a:p>
             <a:fld id="{9627246E-3903-4E01-B28D-BFF5567D65C3}" type="datetimeFigureOut">
               <a:rPr kumimoji="1" lang="ja-JP" altLang="en-US" smtClean="0"/>
-              <a:t>2025/12/7</a:t>
+              <a:t>2025/12/8</a:t>
             </a:fld>
             <a:endParaRPr kumimoji="1" lang="ja-JP" altLang="en-US"/>
           </a:p>
@@ -5120,7 +5120,7 @@
           <a:p>
             <a:fld id="{9627246E-3903-4E01-B28D-BFF5567D65C3}" type="datetimeFigureOut">
               <a:rPr kumimoji="1" lang="ja-JP" altLang="en-US" smtClean="0"/>
-              <a:t>2025/12/7</a:t>
+              <a:t>2025/12/8</a:t>
             </a:fld>
             <a:endParaRPr kumimoji="1" lang="ja-JP" altLang="en-US"/>
           </a:p>
@@ -5408,7 +5408,7 @@
           <a:p>
             <a:fld id="{9627246E-3903-4E01-B28D-BFF5567D65C3}" type="datetimeFigureOut">
               <a:rPr kumimoji="1" lang="ja-JP" altLang="en-US" smtClean="0"/>
-              <a:t>2025/12/7</a:t>
+              <a:t>2025/12/8</a:t>
             </a:fld>
             <a:endParaRPr kumimoji="1" lang="ja-JP" altLang="en-US"/>
           </a:p>
@@ -5681,7 +5681,7 @@
           <a:p>
             <a:fld id="{9627246E-3903-4E01-B28D-BFF5567D65C3}" type="datetimeFigureOut">
               <a:rPr kumimoji="1" lang="ja-JP" altLang="en-US" smtClean="0"/>
-              <a:t>2025/12/7</a:t>
+              <a:t>2025/12/8</a:t>
             </a:fld>
             <a:endParaRPr kumimoji="1" lang="ja-JP" altLang="en-US"/>
           </a:p>
@@ -9083,8 +9083,8 @@
           <a:lstStyle/>
           <a:p>
             <a:r>
-              <a:rPr lang="en-US" altLang="ja-JP" dirty="0"/>
-              <a:t>Protocol Buffers</a:t>
+              <a:rPr lang="ja-JP" altLang="en-US" dirty="0"/>
+              <a:t>整理すると</a:t>
             </a:r>
             <a:endParaRPr kumimoji="1" lang="ja-JP" altLang="en-US" dirty="0"/>
           </a:p>
@@ -9118,705 +9118,6 @@
           </a:bodyPr>
           <a:lstStyle/>
           <a:p>
-            <a:r>
-              <a:rPr lang="en-US" altLang="ja-JP" dirty="0"/>
-              <a:t>JSON</a:t>
-            </a:r>
-            <a:r>
-              <a:rPr lang="ja-JP" altLang="en-US" dirty="0"/>
-              <a:t>と比べてバイナリ形式のため、データサイズが小さく高速です</a:t>
-            </a:r>
-            <a:endParaRPr lang="en-US" altLang="ja-JP" dirty="0"/>
-          </a:p>
-          <a:p>
-            <a:endParaRPr lang="ja-JP" altLang="en-US" dirty="0"/>
-          </a:p>
-          <a:p>
-            <a:r>
-              <a:rPr lang="ja-JP" altLang="en-US" dirty="0"/>
-              <a:t>スキーマ定義から各言語のコードを自動生成できます</a:t>
-            </a:r>
-            <a:br>
-              <a:rPr lang="ja-JP" altLang="en-US" dirty="0"/>
-            </a:br>
-            <a:endParaRPr lang="ja-JP" altLang="en-US" dirty="0"/>
-          </a:p>
-          <a:p>
-            <a:pPr marL="0" indent="0">
-              <a:buNone/>
-            </a:pPr>
-            <a:endParaRPr lang="en-US" altLang="ja-JP" sz="2400" dirty="0"/>
-          </a:p>
-          <a:p>
-            <a:pPr marL="0" indent="0">
-              <a:buNone/>
-            </a:pPr>
-            <a:endParaRPr lang="en-US" altLang="ja-JP" sz="2400" dirty="0"/>
-          </a:p>
-          <a:p>
-            <a:pPr marL="0" indent="0">
-              <a:buNone/>
-            </a:pPr>
-            <a:endParaRPr lang="en-US" altLang="ja-JP" sz="2400" dirty="0"/>
-          </a:p>
-          <a:p>
-            <a:pPr>
-              <a:buFontTx/>
-              <a:buChar char="-"/>
-            </a:pPr>
-            <a:endParaRPr lang="en-US" altLang="ja-JP" sz="2400" dirty="0"/>
-          </a:p>
-          <a:p>
-            <a:pPr>
-              <a:buFontTx/>
-              <a:buChar char="-"/>
-            </a:pPr>
-            <a:endParaRPr lang="en-US" altLang="ja-JP" sz="2400" dirty="0"/>
-          </a:p>
-          <a:p>
-            <a:pPr>
-              <a:buFontTx/>
-              <a:buChar char="-"/>
-            </a:pPr>
-            <a:endParaRPr lang="en-US" altLang="ja-JP" sz="2400" dirty="0"/>
-          </a:p>
-        </p:txBody>
-      </p:sp>
-    </p:spTree>
-    <p:extLst>
-      <p:ext uri="{BB962C8B-B14F-4D97-AF65-F5344CB8AC3E}">
-        <p14:creationId xmlns:p14="http://schemas.microsoft.com/office/powerpoint/2010/main" val="3129097109"/>
-      </p:ext>
-    </p:extLst>
-  </p:cSld>
-  <p:clrMapOvr>
-    <a:masterClrMapping/>
-  </p:clrMapOvr>
-</p:sld>
-</file>
-
-<file path=ppt/slides/slide5.xml><?xml version="1.0" encoding="utf-8"?>
-<p:sld xmlns:a="http://schemas.openxmlformats.org/drawingml/2006/main" xmlns:r="http://schemas.openxmlformats.org/officeDocument/2006/relationships" xmlns:p="http://schemas.openxmlformats.org/presentationml/2006/main">
-  <p:cSld>
-    <p:spTree>
-      <p:nvGrpSpPr>
-        <p:cNvPr id="1" name=""/>
-        <p:cNvGrpSpPr/>
-        <p:nvPr/>
-      </p:nvGrpSpPr>
-      <p:grpSpPr>
-        <a:xfrm>
-          <a:off x="0" y="0"/>
-          <a:ext cx="0" cy="0"/>
-          <a:chOff x="0" y="0"/>
-          <a:chExt cx="0" cy="0"/>
-        </a:xfrm>
-      </p:grpSpPr>
-      <p:sp>
-        <p:nvSpPr>
-          <p:cNvPr id="2" name="タイトル 1">
-            <a:extLst>
-              <a:ext uri="{FF2B5EF4-FFF2-40B4-BE49-F238E27FC236}">
-                <a16:creationId xmlns:a16="http://schemas.microsoft.com/office/drawing/2014/main" id="{9C784ACA-9376-15C6-DD93-68B5D582FADA}"/>
-              </a:ext>
-            </a:extLst>
-          </p:cNvPr>
-          <p:cNvSpPr>
-            <a:spLocks noGrp="1"/>
-          </p:cNvSpPr>
-          <p:nvPr>
-            <p:ph type="title"/>
-          </p:nvPr>
-        </p:nvSpPr>
-        <p:spPr>
-          <a:xfrm>
-            <a:off x="838200" y="365126"/>
-            <a:ext cx="10515600" cy="891020"/>
-          </a:xfrm>
-        </p:spPr>
-        <p:txBody>
-          <a:bodyPr>
-            <a:normAutofit/>
-          </a:bodyPr>
-          <a:lstStyle/>
-          <a:p>
-            <a:r>
-              <a:rPr lang="en-US" altLang="ja-JP" dirty="0"/>
-              <a:t>Protocol Buffers</a:t>
-            </a:r>
-            <a:endParaRPr kumimoji="1" lang="ja-JP" altLang="en-US" dirty="0"/>
-          </a:p>
-        </p:txBody>
-      </p:sp>
-      <p:sp>
-        <p:nvSpPr>
-          <p:cNvPr id="12" name="コンテンツ プレースホルダー 11">
-            <a:extLst>
-              <a:ext uri="{FF2B5EF4-FFF2-40B4-BE49-F238E27FC236}">
-                <a16:creationId xmlns:a16="http://schemas.microsoft.com/office/drawing/2014/main" id="{E944DFBB-A102-FEAA-D487-BCBEE3A4BD63}"/>
-              </a:ext>
-            </a:extLst>
-          </p:cNvPr>
-          <p:cNvSpPr>
-            <a:spLocks noGrp="1"/>
-          </p:cNvSpPr>
-          <p:nvPr>
-            <p:ph idx="1"/>
-          </p:nvPr>
-        </p:nvSpPr>
-        <p:spPr>
-          <a:xfrm>
-            <a:off x="838200" y="1401417"/>
-            <a:ext cx="10515600" cy="4775546"/>
-          </a:xfrm>
-        </p:spPr>
-        <p:txBody>
-          <a:bodyPr>
-            <a:normAutofit/>
-          </a:bodyPr>
-          <a:lstStyle/>
-          <a:p>
-            <a:r>
-              <a:rPr lang="en-US" altLang="ja-JP" dirty="0"/>
-              <a:t>JSON</a:t>
-            </a:r>
-            <a:r>
-              <a:rPr lang="ja-JP" altLang="en-US" dirty="0"/>
-              <a:t>と比べてバイナリ形式のため、データサイズが小さく高速です</a:t>
-            </a:r>
-            <a:endParaRPr lang="en-US" altLang="ja-JP" dirty="0"/>
-          </a:p>
-          <a:p>
-            <a:endParaRPr lang="en-US" altLang="ja-JP" dirty="0"/>
-          </a:p>
-          <a:p>
-            <a:r>
-              <a:rPr lang="en-US" altLang="ja-JP" dirty="0" err="1"/>
-              <a:t>gRPC</a:t>
-            </a:r>
-            <a:r>
-              <a:rPr lang="ja-JP" altLang="en-US" dirty="0"/>
-              <a:t>と</a:t>
-            </a:r>
-            <a:r>
-              <a:rPr lang="en-US" altLang="ja-JP" dirty="0"/>
-              <a:t>Protocol Buffers</a:t>
-            </a:r>
-            <a:r>
-              <a:rPr lang="ja-JP" altLang="en-US" dirty="0"/>
-              <a:t>をインストール</a:t>
-            </a:r>
-            <a:endParaRPr lang="en-US" altLang="ja-JP" dirty="0"/>
-          </a:p>
-          <a:p>
-            <a:endParaRPr lang="en-US" altLang="ja-JP" dirty="0"/>
-          </a:p>
-          <a:p>
-            <a:pPr marL="0" indent="0">
-              <a:buNone/>
-            </a:pPr>
-            <a:endParaRPr lang="en-US" altLang="ja-JP" sz="2400" dirty="0"/>
-          </a:p>
-          <a:p>
-            <a:pPr marL="0" indent="0">
-              <a:buNone/>
-            </a:pPr>
-            <a:endParaRPr lang="en-US" altLang="ja-JP" sz="2400" dirty="0"/>
-          </a:p>
-          <a:p>
-            <a:pPr marL="0" indent="0">
-              <a:buNone/>
-            </a:pPr>
-            <a:endParaRPr lang="en-US" altLang="ja-JP" sz="2400" dirty="0"/>
-          </a:p>
-          <a:p>
-            <a:pPr>
-              <a:buFontTx/>
-              <a:buChar char="-"/>
-            </a:pPr>
-            <a:endParaRPr lang="en-US" altLang="ja-JP" sz="2400" dirty="0"/>
-          </a:p>
-          <a:p>
-            <a:pPr>
-              <a:buFontTx/>
-              <a:buChar char="-"/>
-            </a:pPr>
-            <a:endParaRPr lang="en-US" altLang="ja-JP" sz="2400" dirty="0"/>
-          </a:p>
-          <a:p>
-            <a:pPr>
-              <a:buFontTx/>
-              <a:buChar char="-"/>
-            </a:pPr>
-            <a:endParaRPr lang="en-US" altLang="ja-JP" sz="2400" dirty="0"/>
-          </a:p>
-        </p:txBody>
-      </p:sp>
-      <p:pic>
-        <p:nvPicPr>
-          <p:cNvPr id="4" name="図 3">
-            <a:extLst>
-              <a:ext uri="{FF2B5EF4-FFF2-40B4-BE49-F238E27FC236}">
-                <a16:creationId xmlns:a16="http://schemas.microsoft.com/office/drawing/2014/main" id="{A27EC174-2CDA-B99D-713F-6907C7F831AD}"/>
-              </a:ext>
-            </a:extLst>
-          </p:cNvPr>
-          <p:cNvPicPr>
-            <a:picLocks noChangeAspect="1"/>
-          </p:cNvPicPr>
-          <p:nvPr/>
-        </p:nvPicPr>
-        <p:blipFill>
-          <a:blip r:embed="rId2"/>
-          <a:stretch>
-            <a:fillRect/>
-          </a:stretch>
-        </p:blipFill>
-        <p:spPr>
-          <a:xfrm>
-            <a:off x="6321170" y="2274503"/>
-            <a:ext cx="4658375" cy="3029373"/>
-          </a:xfrm>
-          <a:prstGeom prst="rect">
-            <a:avLst/>
-          </a:prstGeom>
-        </p:spPr>
-      </p:pic>
-    </p:spTree>
-    <p:extLst>
-      <p:ext uri="{BB962C8B-B14F-4D97-AF65-F5344CB8AC3E}">
-        <p14:creationId xmlns:p14="http://schemas.microsoft.com/office/powerpoint/2010/main" val="259682668"/>
-      </p:ext>
-    </p:extLst>
-  </p:cSld>
-  <p:clrMapOvr>
-    <a:masterClrMapping/>
-  </p:clrMapOvr>
-</p:sld>
-</file>
-
-<file path=ppt/slides/slide6.xml><?xml version="1.0" encoding="utf-8"?>
-<p:sld xmlns:a="http://schemas.openxmlformats.org/drawingml/2006/main" xmlns:r="http://schemas.openxmlformats.org/officeDocument/2006/relationships" xmlns:p="http://schemas.openxmlformats.org/presentationml/2006/main">
-  <p:cSld>
-    <p:spTree>
-      <p:nvGrpSpPr>
-        <p:cNvPr id="1" name=""/>
-        <p:cNvGrpSpPr/>
-        <p:nvPr/>
-      </p:nvGrpSpPr>
-      <p:grpSpPr>
-        <a:xfrm>
-          <a:off x="0" y="0"/>
-          <a:ext cx="0" cy="0"/>
-          <a:chOff x="0" y="0"/>
-          <a:chExt cx="0" cy="0"/>
-        </a:xfrm>
-      </p:grpSpPr>
-      <p:sp>
-        <p:nvSpPr>
-          <p:cNvPr id="2" name="タイトル 1">
-            <a:extLst>
-              <a:ext uri="{FF2B5EF4-FFF2-40B4-BE49-F238E27FC236}">
-                <a16:creationId xmlns:a16="http://schemas.microsoft.com/office/drawing/2014/main" id="{9C784ACA-9376-15C6-DD93-68B5D582FADA}"/>
-              </a:ext>
-            </a:extLst>
-          </p:cNvPr>
-          <p:cNvSpPr>
-            <a:spLocks noGrp="1"/>
-          </p:cNvSpPr>
-          <p:nvPr>
-            <p:ph type="title"/>
-          </p:nvPr>
-        </p:nvSpPr>
-        <p:spPr>
-          <a:xfrm>
-            <a:off x="838200" y="365126"/>
-            <a:ext cx="10515600" cy="891020"/>
-          </a:xfrm>
-        </p:spPr>
-        <p:txBody>
-          <a:bodyPr>
-            <a:normAutofit/>
-          </a:bodyPr>
-          <a:lstStyle/>
-          <a:p>
-            <a:r>
-              <a:rPr kumimoji="1" lang="en-US" altLang="ja-JP" dirty="0"/>
-              <a:t>HTTP/2</a:t>
-            </a:r>
-            <a:r>
-              <a:rPr kumimoji="1" lang="ja-JP" altLang="en-US" dirty="0"/>
-              <a:t>ベース</a:t>
-            </a:r>
-          </a:p>
-        </p:txBody>
-      </p:sp>
-      <p:sp>
-        <p:nvSpPr>
-          <p:cNvPr id="12" name="コンテンツ プレースホルダー 11">
-            <a:extLst>
-              <a:ext uri="{FF2B5EF4-FFF2-40B4-BE49-F238E27FC236}">
-                <a16:creationId xmlns:a16="http://schemas.microsoft.com/office/drawing/2014/main" id="{E944DFBB-A102-FEAA-D487-BCBEE3A4BD63}"/>
-              </a:ext>
-            </a:extLst>
-          </p:cNvPr>
-          <p:cNvSpPr>
-            <a:spLocks noGrp="1"/>
-          </p:cNvSpPr>
-          <p:nvPr>
-            <p:ph idx="1"/>
-          </p:nvPr>
-        </p:nvSpPr>
-        <p:spPr>
-          <a:xfrm>
-            <a:off x="838200" y="1401417"/>
-            <a:ext cx="10515600" cy="4775546"/>
-          </a:xfrm>
-        </p:spPr>
-        <p:txBody>
-          <a:bodyPr>
-            <a:normAutofit/>
-          </a:bodyPr>
-          <a:lstStyle/>
-          <a:p>
-            <a:r>
-              <a:rPr lang="en-US" altLang="ja-JP" dirty="0"/>
-              <a:t>HTTP/2</a:t>
-            </a:r>
-            <a:r>
-              <a:rPr lang="ja-JP" altLang="en-US" dirty="0"/>
-              <a:t>の多重化機能により</a:t>
-            </a:r>
-            <a:r>
-              <a:rPr lang="en-US" altLang="ja-JP" dirty="0"/>
-              <a:t>1</a:t>
-            </a:r>
-            <a:r>
-              <a:rPr lang="ja-JP" altLang="en-US" dirty="0"/>
-              <a:t>つの</a:t>
-            </a:r>
-            <a:r>
-              <a:rPr lang="en-US" altLang="ja-JP" dirty="0"/>
-              <a:t>TCP</a:t>
-            </a:r>
-            <a:r>
-              <a:rPr lang="ja-JP" altLang="en-US" dirty="0"/>
-              <a:t>接続で複数のリクエストを並列処理できます</a:t>
-            </a:r>
-            <a:endParaRPr lang="en-US" altLang="ja-JP" dirty="0"/>
-          </a:p>
-          <a:p>
-            <a:endParaRPr lang="ja-JP" altLang="en-US" dirty="0"/>
-          </a:p>
-          <a:p>
-            <a:r>
-              <a:rPr lang="ja-JP" altLang="en-US" dirty="0"/>
-              <a:t>ヘッダー圧縮によりオーバーヘッドが削減されます</a:t>
-            </a:r>
-            <a:endParaRPr lang="en-US" altLang="ja-JP" dirty="0"/>
-          </a:p>
-          <a:p>
-            <a:endParaRPr lang="ja-JP" altLang="en-US" dirty="0"/>
-          </a:p>
-          <a:p>
-            <a:r>
-              <a:rPr lang="ja-JP" altLang="en-US" dirty="0"/>
-              <a:t>双方向ストリーミングをサポートしています</a:t>
-            </a:r>
-          </a:p>
-          <a:p>
-            <a:pPr marL="0" indent="0">
-              <a:buNone/>
-            </a:pPr>
-            <a:br>
-              <a:rPr lang="ja-JP" altLang="en-US" dirty="0"/>
-            </a:br>
-            <a:endParaRPr lang="ja-JP" altLang="en-US" dirty="0"/>
-          </a:p>
-          <a:p>
-            <a:pPr marL="0" indent="0">
-              <a:buNone/>
-            </a:pPr>
-            <a:endParaRPr lang="en-US" altLang="ja-JP" sz="2400" dirty="0"/>
-          </a:p>
-          <a:p>
-            <a:pPr marL="0" indent="0">
-              <a:buNone/>
-            </a:pPr>
-            <a:endParaRPr lang="en-US" altLang="ja-JP" sz="2400" dirty="0"/>
-          </a:p>
-          <a:p>
-            <a:pPr marL="0" indent="0">
-              <a:buNone/>
-            </a:pPr>
-            <a:endParaRPr lang="en-US" altLang="ja-JP" sz="2400" dirty="0"/>
-          </a:p>
-          <a:p>
-            <a:pPr>
-              <a:buFontTx/>
-              <a:buChar char="-"/>
-            </a:pPr>
-            <a:endParaRPr lang="en-US" altLang="ja-JP" sz="2400" dirty="0"/>
-          </a:p>
-          <a:p>
-            <a:pPr>
-              <a:buFontTx/>
-              <a:buChar char="-"/>
-            </a:pPr>
-            <a:endParaRPr lang="en-US" altLang="ja-JP" sz="2400" dirty="0"/>
-          </a:p>
-          <a:p>
-            <a:pPr>
-              <a:buFontTx/>
-              <a:buChar char="-"/>
-            </a:pPr>
-            <a:endParaRPr lang="en-US" altLang="ja-JP" sz="2400" dirty="0"/>
-          </a:p>
-        </p:txBody>
-      </p:sp>
-    </p:spTree>
-    <p:extLst>
-      <p:ext uri="{BB962C8B-B14F-4D97-AF65-F5344CB8AC3E}">
-        <p14:creationId xmlns:p14="http://schemas.microsoft.com/office/powerpoint/2010/main" val="4154140404"/>
-      </p:ext>
-    </p:extLst>
-  </p:cSld>
-  <p:clrMapOvr>
-    <a:masterClrMapping/>
-  </p:clrMapOvr>
-</p:sld>
-</file>
-
-<file path=ppt/slides/slide7.xml><?xml version="1.0" encoding="utf-8"?>
-<p:sld xmlns:a="http://schemas.openxmlformats.org/drawingml/2006/main" xmlns:r="http://schemas.openxmlformats.org/officeDocument/2006/relationships" xmlns:p="http://schemas.openxmlformats.org/presentationml/2006/main">
-  <p:cSld>
-    <p:spTree>
-      <p:nvGrpSpPr>
-        <p:cNvPr id="1" name=""/>
-        <p:cNvGrpSpPr/>
-        <p:nvPr/>
-      </p:nvGrpSpPr>
-      <p:grpSpPr>
-        <a:xfrm>
-          <a:off x="0" y="0"/>
-          <a:ext cx="0" cy="0"/>
-          <a:chOff x="0" y="0"/>
-          <a:chExt cx="0" cy="0"/>
-        </a:xfrm>
-      </p:grpSpPr>
-      <p:sp>
-        <p:nvSpPr>
-          <p:cNvPr id="2" name="タイトル 1">
-            <a:extLst>
-              <a:ext uri="{FF2B5EF4-FFF2-40B4-BE49-F238E27FC236}">
-                <a16:creationId xmlns:a16="http://schemas.microsoft.com/office/drawing/2014/main" id="{9C784ACA-9376-15C6-DD93-68B5D582FADA}"/>
-              </a:ext>
-            </a:extLst>
-          </p:cNvPr>
-          <p:cNvSpPr>
-            <a:spLocks noGrp="1"/>
-          </p:cNvSpPr>
-          <p:nvPr>
-            <p:ph type="title"/>
-          </p:nvPr>
-        </p:nvSpPr>
-        <p:spPr>
-          <a:xfrm>
-            <a:off x="838200" y="365126"/>
-            <a:ext cx="10515600" cy="891020"/>
-          </a:xfrm>
-        </p:spPr>
-        <p:txBody>
-          <a:bodyPr>
-            <a:normAutofit/>
-          </a:bodyPr>
-          <a:lstStyle/>
-          <a:p>
-            <a:r>
-              <a:rPr kumimoji="1" lang="ja-JP" altLang="en-US" dirty="0"/>
-              <a:t>多言語対応</a:t>
-            </a:r>
-          </a:p>
-        </p:txBody>
-      </p:sp>
-      <p:sp>
-        <p:nvSpPr>
-          <p:cNvPr id="12" name="コンテンツ プレースホルダー 11">
-            <a:extLst>
-              <a:ext uri="{FF2B5EF4-FFF2-40B4-BE49-F238E27FC236}">
-                <a16:creationId xmlns:a16="http://schemas.microsoft.com/office/drawing/2014/main" id="{E944DFBB-A102-FEAA-D487-BCBEE3A4BD63}"/>
-              </a:ext>
-            </a:extLst>
-          </p:cNvPr>
-          <p:cNvSpPr>
-            <a:spLocks noGrp="1"/>
-          </p:cNvSpPr>
-          <p:nvPr>
-            <p:ph idx="1"/>
-          </p:nvPr>
-        </p:nvSpPr>
-        <p:spPr>
-          <a:xfrm>
-            <a:off x="838200" y="1401417"/>
-            <a:ext cx="10515600" cy="4775546"/>
-          </a:xfrm>
-        </p:spPr>
-        <p:txBody>
-          <a:bodyPr>
-            <a:normAutofit/>
-          </a:bodyPr>
-          <a:lstStyle/>
-          <a:p>
-            <a:r>
-              <a:rPr lang="en-US" altLang="ja-JP" dirty="0"/>
-              <a:t>C, C++, Java, Python, Go, Rust, C#</a:t>
-            </a:r>
-            <a:r>
-              <a:rPr lang="ja-JP" altLang="en-US" dirty="0"/>
-              <a:t>など多くの言語をサポートしています。</a:t>
-            </a:r>
-          </a:p>
-          <a:p>
-            <a:br>
-              <a:rPr lang="ja-JP" altLang="en-US" dirty="0"/>
-            </a:br>
-            <a:endParaRPr lang="ja-JP" altLang="en-US" dirty="0"/>
-          </a:p>
-          <a:p>
-            <a:pPr marL="0" indent="0">
-              <a:buNone/>
-            </a:pPr>
-            <a:endParaRPr lang="en-US" altLang="ja-JP" sz="2400" dirty="0"/>
-          </a:p>
-          <a:p>
-            <a:pPr marL="0" indent="0">
-              <a:buNone/>
-            </a:pPr>
-            <a:endParaRPr lang="en-US" altLang="ja-JP" sz="2400" dirty="0"/>
-          </a:p>
-          <a:p>
-            <a:pPr marL="0" indent="0">
-              <a:buNone/>
-            </a:pPr>
-            <a:endParaRPr lang="en-US" altLang="ja-JP" sz="2400" dirty="0"/>
-          </a:p>
-          <a:p>
-            <a:pPr>
-              <a:buFontTx/>
-              <a:buChar char="-"/>
-            </a:pPr>
-            <a:endParaRPr lang="en-US" altLang="ja-JP" sz="2400" dirty="0"/>
-          </a:p>
-          <a:p>
-            <a:pPr>
-              <a:buFontTx/>
-              <a:buChar char="-"/>
-            </a:pPr>
-            <a:endParaRPr lang="en-US" altLang="ja-JP" sz="2400" dirty="0"/>
-          </a:p>
-          <a:p>
-            <a:pPr>
-              <a:buFontTx/>
-              <a:buChar char="-"/>
-            </a:pPr>
-            <a:endParaRPr lang="en-US" altLang="ja-JP" sz="2400" dirty="0"/>
-          </a:p>
-        </p:txBody>
-      </p:sp>
-    </p:spTree>
-    <p:extLst>
-      <p:ext uri="{BB962C8B-B14F-4D97-AF65-F5344CB8AC3E}">
-        <p14:creationId xmlns:p14="http://schemas.microsoft.com/office/powerpoint/2010/main" val="2314387547"/>
-      </p:ext>
-    </p:extLst>
-  </p:cSld>
-  <p:clrMapOvr>
-    <a:masterClrMapping/>
-  </p:clrMapOvr>
-</p:sld>
-</file>
-
-<file path=ppt/slides/slide8.xml><?xml version="1.0" encoding="utf-8"?>
-<p:sld xmlns:a="http://schemas.openxmlformats.org/drawingml/2006/main" xmlns:r="http://schemas.openxmlformats.org/officeDocument/2006/relationships" xmlns:p="http://schemas.openxmlformats.org/presentationml/2006/main">
-  <p:cSld>
-    <p:spTree>
-      <p:nvGrpSpPr>
-        <p:cNvPr id="1" name=""/>
-        <p:cNvGrpSpPr/>
-        <p:nvPr/>
-      </p:nvGrpSpPr>
-      <p:grpSpPr>
-        <a:xfrm>
-          <a:off x="0" y="0"/>
-          <a:ext cx="0" cy="0"/>
-          <a:chOff x="0" y="0"/>
-          <a:chExt cx="0" cy="0"/>
-        </a:xfrm>
-      </p:grpSpPr>
-      <p:sp>
-        <p:nvSpPr>
-          <p:cNvPr id="2" name="タイトル 1">
-            <a:extLst>
-              <a:ext uri="{FF2B5EF4-FFF2-40B4-BE49-F238E27FC236}">
-                <a16:creationId xmlns:a16="http://schemas.microsoft.com/office/drawing/2014/main" id="{9C784ACA-9376-15C6-DD93-68B5D582FADA}"/>
-              </a:ext>
-            </a:extLst>
-          </p:cNvPr>
-          <p:cNvSpPr>
-            <a:spLocks noGrp="1"/>
-          </p:cNvSpPr>
-          <p:nvPr>
-            <p:ph type="title"/>
-          </p:nvPr>
-        </p:nvSpPr>
-        <p:spPr>
-          <a:xfrm>
-            <a:off x="838200" y="365126"/>
-            <a:ext cx="10515600" cy="891020"/>
-          </a:xfrm>
-        </p:spPr>
-        <p:txBody>
-          <a:bodyPr>
-            <a:normAutofit/>
-          </a:bodyPr>
-          <a:lstStyle/>
-          <a:p>
-            <a:r>
-              <a:rPr lang="ja-JP" altLang="en-US" dirty="0"/>
-              <a:t>整理すると</a:t>
-            </a:r>
-            <a:endParaRPr kumimoji="1" lang="ja-JP" altLang="en-US" dirty="0"/>
-          </a:p>
-        </p:txBody>
-      </p:sp>
-      <p:sp>
-        <p:nvSpPr>
-          <p:cNvPr id="12" name="コンテンツ プレースホルダー 11">
-            <a:extLst>
-              <a:ext uri="{FF2B5EF4-FFF2-40B4-BE49-F238E27FC236}">
-                <a16:creationId xmlns:a16="http://schemas.microsoft.com/office/drawing/2014/main" id="{E944DFBB-A102-FEAA-D487-BCBEE3A4BD63}"/>
-              </a:ext>
-            </a:extLst>
-          </p:cNvPr>
-          <p:cNvSpPr>
-            <a:spLocks noGrp="1"/>
-          </p:cNvSpPr>
-          <p:nvPr>
-            <p:ph idx="1"/>
-          </p:nvPr>
-        </p:nvSpPr>
-        <p:spPr>
-          <a:xfrm>
-            <a:off x="838200" y="1401417"/>
-            <a:ext cx="10515600" cy="4775546"/>
-          </a:xfrm>
-        </p:spPr>
-        <p:txBody>
-          <a:bodyPr>
-            <a:normAutofit/>
-          </a:bodyPr>
-          <a:lstStyle/>
-          <a:p>
             <a:br>
               <a:rPr lang="ja-JP" altLang="en-US" dirty="0"/>
             </a:br>
@@ -9878,14 +9179,14 @@
           <p:nvPr>
             <p:extLst>
               <p:ext uri="{D42A27DB-BD31-4B8C-83A1-F6EECF244321}">
-                <p14:modId xmlns:p14="http://schemas.microsoft.com/office/powerpoint/2010/main" val="286467555"/>
+                <p14:modId xmlns:p14="http://schemas.microsoft.com/office/powerpoint/2010/main" val="667311172"/>
               </p:ext>
             </p:extLst>
           </p:nvPr>
         </p:nvGraphicFramePr>
         <p:xfrm>
           <a:off x="1098549" y="1581150"/>
-          <a:ext cx="10112376" cy="1478280"/>
+          <a:ext cx="10112376" cy="1747520"/>
         </p:xfrm>
         <a:graphic>
           <a:graphicData uri="http://schemas.openxmlformats.org/drawingml/2006/table">
@@ -10059,7 +9360,19 @@
                     <a:p>
                       <a:r>
                         <a:rPr kumimoji="1" lang="en-US" altLang="ja-JP" dirty="0"/>
-                        <a:t>RPC1: AIDL(ICP)※Android</a:t>
+                        <a:t>RPC1: </a:t>
+                      </a:r>
+                      <a:r>
+                        <a:rPr kumimoji="1" lang="ja-JP" altLang="en-US" dirty="0"/>
+                        <a:t>プロセス間</a:t>
+                      </a:r>
+                      <a:r>
+                        <a:rPr kumimoji="1" lang="en-US" altLang="ja-JP"/>
+                        <a:t>※AIDL</a:t>
+                      </a:r>
+                      <a:r>
+                        <a:rPr kumimoji="1" lang="en-US" altLang="ja-JP" dirty="0"/>
+                        <a:t>(ICP)※Android</a:t>
                       </a:r>
                       <a:endParaRPr kumimoji="1" lang="ja-JP" altLang="en-US" dirty="0"/>
                     </a:p>
@@ -10188,6 +9501,705 @@
     <p:extLst>
       <p:ext uri="{BB962C8B-B14F-4D97-AF65-F5344CB8AC3E}">
         <p14:creationId xmlns:p14="http://schemas.microsoft.com/office/powerpoint/2010/main" val="3315305235"/>
+      </p:ext>
+    </p:extLst>
+  </p:cSld>
+  <p:clrMapOvr>
+    <a:masterClrMapping/>
+  </p:clrMapOvr>
+</p:sld>
+</file>
+
+<file path=ppt/slides/slide5.xml><?xml version="1.0" encoding="utf-8"?>
+<p:sld xmlns:a="http://schemas.openxmlformats.org/drawingml/2006/main" xmlns:r="http://schemas.openxmlformats.org/officeDocument/2006/relationships" xmlns:p="http://schemas.openxmlformats.org/presentationml/2006/main">
+  <p:cSld>
+    <p:spTree>
+      <p:nvGrpSpPr>
+        <p:cNvPr id="1" name=""/>
+        <p:cNvGrpSpPr/>
+        <p:nvPr/>
+      </p:nvGrpSpPr>
+      <p:grpSpPr>
+        <a:xfrm>
+          <a:off x="0" y="0"/>
+          <a:ext cx="0" cy="0"/>
+          <a:chOff x="0" y="0"/>
+          <a:chExt cx="0" cy="0"/>
+        </a:xfrm>
+      </p:grpSpPr>
+      <p:sp>
+        <p:nvSpPr>
+          <p:cNvPr id="2" name="タイトル 1">
+            <a:extLst>
+              <a:ext uri="{FF2B5EF4-FFF2-40B4-BE49-F238E27FC236}">
+                <a16:creationId xmlns:a16="http://schemas.microsoft.com/office/drawing/2014/main" id="{9C784ACA-9376-15C6-DD93-68B5D582FADA}"/>
+              </a:ext>
+            </a:extLst>
+          </p:cNvPr>
+          <p:cNvSpPr>
+            <a:spLocks noGrp="1"/>
+          </p:cNvSpPr>
+          <p:nvPr>
+            <p:ph type="title"/>
+          </p:nvPr>
+        </p:nvSpPr>
+        <p:spPr>
+          <a:xfrm>
+            <a:off x="838200" y="365126"/>
+            <a:ext cx="10515600" cy="891020"/>
+          </a:xfrm>
+        </p:spPr>
+        <p:txBody>
+          <a:bodyPr>
+            <a:normAutofit/>
+          </a:bodyPr>
+          <a:lstStyle/>
+          <a:p>
+            <a:r>
+              <a:rPr lang="en-US" altLang="ja-JP" dirty="0"/>
+              <a:t>Protocol Buffers</a:t>
+            </a:r>
+            <a:endParaRPr kumimoji="1" lang="ja-JP" altLang="en-US" dirty="0"/>
+          </a:p>
+        </p:txBody>
+      </p:sp>
+      <p:sp>
+        <p:nvSpPr>
+          <p:cNvPr id="12" name="コンテンツ プレースホルダー 11">
+            <a:extLst>
+              <a:ext uri="{FF2B5EF4-FFF2-40B4-BE49-F238E27FC236}">
+                <a16:creationId xmlns:a16="http://schemas.microsoft.com/office/drawing/2014/main" id="{E944DFBB-A102-FEAA-D487-BCBEE3A4BD63}"/>
+              </a:ext>
+            </a:extLst>
+          </p:cNvPr>
+          <p:cNvSpPr>
+            <a:spLocks noGrp="1"/>
+          </p:cNvSpPr>
+          <p:nvPr>
+            <p:ph idx="1"/>
+          </p:nvPr>
+        </p:nvSpPr>
+        <p:spPr>
+          <a:xfrm>
+            <a:off x="838200" y="1401417"/>
+            <a:ext cx="10515600" cy="4775546"/>
+          </a:xfrm>
+        </p:spPr>
+        <p:txBody>
+          <a:bodyPr>
+            <a:normAutofit/>
+          </a:bodyPr>
+          <a:lstStyle/>
+          <a:p>
+            <a:r>
+              <a:rPr lang="en-US" altLang="ja-JP" dirty="0"/>
+              <a:t>JSON</a:t>
+            </a:r>
+            <a:r>
+              <a:rPr lang="ja-JP" altLang="en-US" dirty="0"/>
+              <a:t>と比べてバイナリ形式のため、データサイズが小さく高速です</a:t>
+            </a:r>
+            <a:endParaRPr lang="en-US" altLang="ja-JP" dirty="0"/>
+          </a:p>
+          <a:p>
+            <a:endParaRPr lang="ja-JP" altLang="en-US" dirty="0"/>
+          </a:p>
+          <a:p>
+            <a:r>
+              <a:rPr lang="ja-JP" altLang="en-US" dirty="0"/>
+              <a:t>スキーマ定義から各言語のコードを自動生成できます</a:t>
+            </a:r>
+            <a:br>
+              <a:rPr lang="ja-JP" altLang="en-US" dirty="0"/>
+            </a:br>
+            <a:endParaRPr lang="ja-JP" altLang="en-US" dirty="0"/>
+          </a:p>
+          <a:p>
+            <a:pPr marL="0" indent="0">
+              <a:buNone/>
+            </a:pPr>
+            <a:endParaRPr lang="en-US" altLang="ja-JP" sz="2400" dirty="0"/>
+          </a:p>
+          <a:p>
+            <a:pPr marL="0" indent="0">
+              <a:buNone/>
+            </a:pPr>
+            <a:endParaRPr lang="en-US" altLang="ja-JP" sz="2400" dirty="0"/>
+          </a:p>
+          <a:p>
+            <a:pPr marL="0" indent="0">
+              <a:buNone/>
+            </a:pPr>
+            <a:endParaRPr lang="en-US" altLang="ja-JP" sz="2400" dirty="0"/>
+          </a:p>
+          <a:p>
+            <a:pPr>
+              <a:buFontTx/>
+              <a:buChar char="-"/>
+            </a:pPr>
+            <a:endParaRPr lang="en-US" altLang="ja-JP" sz="2400" dirty="0"/>
+          </a:p>
+          <a:p>
+            <a:pPr>
+              <a:buFontTx/>
+              <a:buChar char="-"/>
+            </a:pPr>
+            <a:endParaRPr lang="en-US" altLang="ja-JP" sz="2400" dirty="0"/>
+          </a:p>
+          <a:p>
+            <a:pPr>
+              <a:buFontTx/>
+              <a:buChar char="-"/>
+            </a:pPr>
+            <a:endParaRPr lang="en-US" altLang="ja-JP" sz="2400" dirty="0"/>
+          </a:p>
+        </p:txBody>
+      </p:sp>
+    </p:spTree>
+    <p:extLst>
+      <p:ext uri="{BB962C8B-B14F-4D97-AF65-F5344CB8AC3E}">
+        <p14:creationId xmlns:p14="http://schemas.microsoft.com/office/powerpoint/2010/main" val="3129097109"/>
+      </p:ext>
+    </p:extLst>
+  </p:cSld>
+  <p:clrMapOvr>
+    <a:masterClrMapping/>
+  </p:clrMapOvr>
+</p:sld>
+</file>
+
+<file path=ppt/slides/slide6.xml><?xml version="1.0" encoding="utf-8"?>
+<p:sld xmlns:a="http://schemas.openxmlformats.org/drawingml/2006/main" xmlns:r="http://schemas.openxmlformats.org/officeDocument/2006/relationships" xmlns:p="http://schemas.openxmlformats.org/presentationml/2006/main">
+  <p:cSld>
+    <p:spTree>
+      <p:nvGrpSpPr>
+        <p:cNvPr id="1" name=""/>
+        <p:cNvGrpSpPr/>
+        <p:nvPr/>
+      </p:nvGrpSpPr>
+      <p:grpSpPr>
+        <a:xfrm>
+          <a:off x="0" y="0"/>
+          <a:ext cx="0" cy="0"/>
+          <a:chOff x="0" y="0"/>
+          <a:chExt cx="0" cy="0"/>
+        </a:xfrm>
+      </p:grpSpPr>
+      <p:sp>
+        <p:nvSpPr>
+          <p:cNvPr id="2" name="タイトル 1">
+            <a:extLst>
+              <a:ext uri="{FF2B5EF4-FFF2-40B4-BE49-F238E27FC236}">
+                <a16:creationId xmlns:a16="http://schemas.microsoft.com/office/drawing/2014/main" id="{9C784ACA-9376-15C6-DD93-68B5D582FADA}"/>
+              </a:ext>
+            </a:extLst>
+          </p:cNvPr>
+          <p:cNvSpPr>
+            <a:spLocks noGrp="1"/>
+          </p:cNvSpPr>
+          <p:nvPr>
+            <p:ph type="title"/>
+          </p:nvPr>
+        </p:nvSpPr>
+        <p:spPr>
+          <a:xfrm>
+            <a:off x="838200" y="365126"/>
+            <a:ext cx="10515600" cy="891020"/>
+          </a:xfrm>
+        </p:spPr>
+        <p:txBody>
+          <a:bodyPr>
+            <a:normAutofit/>
+          </a:bodyPr>
+          <a:lstStyle/>
+          <a:p>
+            <a:r>
+              <a:rPr lang="en-US" altLang="ja-JP" dirty="0"/>
+              <a:t>Protocol Buffers</a:t>
+            </a:r>
+            <a:endParaRPr kumimoji="1" lang="ja-JP" altLang="en-US" dirty="0"/>
+          </a:p>
+        </p:txBody>
+      </p:sp>
+      <p:sp>
+        <p:nvSpPr>
+          <p:cNvPr id="12" name="コンテンツ プレースホルダー 11">
+            <a:extLst>
+              <a:ext uri="{FF2B5EF4-FFF2-40B4-BE49-F238E27FC236}">
+                <a16:creationId xmlns:a16="http://schemas.microsoft.com/office/drawing/2014/main" id="{E944DFBB-A102-FEAA-D487-BCBEE3A4BD63}"/>
+              </a:ext>
+            </a:extLst>
+          </p:cNvPr>
+          <p:cNvSpPr>
+            <a:spLocks noGrp="1"/>
+          </p:cNvSpPr>
+          <p:nvPr>
+            <p:ph idx="1"/>
+          </p:nvPr>
+        </p:nvSpPr>
+        <p:spPr>
+          <a:xfrm>
+            <a:off x="838200" y="1401417"/>
+            <a:ext cx="10515600" cy="4775546"/>
+          </a:xfrm>
+        </p:spPr>
+        <p:txBody>
+          <a:bodyPr>
+            <a:normAutofit/>
+          </a:bodyPr>
+          <a:lstStyle/>
+          <a:p>
+            <a:r>
+              <a:rPr lang="en-US" altLang="ja-JP" dirty="0"/>
+              <a:t>JSON</a:t>
+            </a:r>
+            <a:r>
+              <a:rPr lang="ja-JP" altLang="en-US" dirty="0"/>
+              <a:t>と比べてバイナリ形式のため、データサイズが小さく高速です</a:t>
+            </a:r>
+            <a:endParaRPr lang="en-US" altLang="ja-JP" dirty="0"/>
+          </a:p>
+          <a:p>
+            <a:endParaRPr lang="en-US" altLang="ja-JP" dirty="0"/>
+          </a:p>
+          <a:p>
+            <a:r>
+              <a:rPr lang="en-US" altLang="ja-JP" dirty="0" err="1"/>
+              <a:t>gRPC</a:t>
+            </a:r>
+            <a:r>
+              <a:rPr lang="ja-JP" altLang="en-US" dirty="0"/>
+              <a:t>と</a:t>
+            </a:r>
+            <a:r>
+              <a:rPr lang="en-US" altLang="ja-JP" dirty="0"/>
+              <a:t>Protocol Buffers</a:t>
+            </a:r>
+            <a:r>
+              <a:rPr lang="ja-JP" altLang="en-US" dirty="0"/>
+              <a:t>をインストール</a:t>
+            </a:r>
+            <a:endParaRPr lang="en-US" altLang="ja-JP" dirty="0"/>
+          </a:p>
+          <a:p>
+            <a:endParaRPr lang="en-US" altLang="ja-JP" dirty="0"/>
+          </a:p>
+          <a:p>
+            <a:pPr marL="0" indent="0">
+              <a:buNone/>
+            </a:pPr>
+            <a:endParaRPr lang="en-US" altLang="ja-JP" sz="2400" dirty="0"/>
+          </a:p>
+          <a:p>
+            <a:pPr marL="0" indent="0">
+              <a:buNone/>
+            </a:pPr>
+            <a:endParaRPr lang="en-US" altLang="ja-JP" sz="2400" dirty="0"/>
+          </a:p>
+          <a:p>
+            <a:pPr marL="0" indent="0">
+              <a:buNone/>
+            </a:pPr>
+            <a:endParaRPr lang="en-US" altLang="ja-JP" sz="2400" dirty="0"/>
+          </a:p>
+          <a:p>
+            <a:pPr>
+              <a:buFontTx/>
+              <a:buChar char="-"/>
+            </a:pPr>
+            <a:endParaRPr lang="en-US" altLang="ja-JP" sz="2400" dirty="0"/>
+          </a:p>
+          <a:p>
+            <a:pPr>
+              <a:buFontTx/>
+              <a:buChar char="-"/>
+            </a:pPr>
+            <a:endParaRPr lang="en-US" altLang="ja-JP" sz="2400" dirty="0"/>
+          </a:p>
+          <a:p>
+            <a:pPr>
+              <a:buFontTx/>
+              <a:buChar char="-"/>
+            </a:pPr>
+            <a:endParaRPr lang="en-US" altLang="ja-JP" sz="2400" dirty="0"/>
+          </a:p>
+        </p:txBody>
+      </p:sp>
+      <p:pic>
+        <p:nvPicPr>
+          <p:cNvPr id="4" name="図 3">
+            <a:extLst>
+              <a:ext uri="{FF2B5EF4-FFF2-40B4-BE49-F238E27FC236}">
+                <a16:creationId xmlns:a16="http://schemas.microsoft.com/office/drawing/2014/main" id="{A27EC174-2CDA-B99D-713F-6907C7F831AD}"/>
+              </a:ext>
+            </a:extLst>
+          </p:cNvPr>
+          <p:cNvPicPr>
+            <a:picLocks noChangeAspect="1"/>
+          </p:cNvPicPr>
+          <p:nvPr/>
+        </p:nvPicPr>
+        <p:blipFill>
+          <a:blip r:embed="rId2"/>
+          <a:stretch>
+            <a:fillRect/>
+          </a:stretch>
+        </p:blipFill>
+        <p:spPr>
+          <a:xfrm>
+            <a:off x="6321170" y="2274503"/>
+            <a:ext cx="4658375" cy="3029373"/>
+          </a:xfrm>
+          <a:prstGeom prst="rect">
+            <a:avLst/>
+          </a:prstGeom>
+        </p:spPr>
+      </p:pic>
+    </p:spTree>
+    <p:extLst>
+      <p:ext uri="{BB962C8B-B14F-4D97-AF65-F5344CB8AC3E}">
+        <p14:creationId xmlns:p14="http://schemas.microsoft.com/office/powerpoint/2010/main" val="259682668"/>
+      </p:ext>
+    </p:extLst>
+  </p:cSld>
+  <p:clrMapOvr>
+    <a:masterClrMapping/>
+  </p:clrMapOvr>
+</p:sld>
+</file>
+
+<file path=ppt/slides/slide7.xml><?xml version="1.0" encoding="utf-8"?>
+<p:sld xmlns:a="http://schemas.openxmlformats.org/drawingml/2006/main" xmlns:r="http://schemas.openxmlformats.org/officeDocument/2006/relationships" xmlns:p="http://schemas.openxmlformats.org/presentationml/2006/main">
+  <p:cSld>
+    <p:spTree>
+      <p:nvGrpSpPr>
+        <p:cNvPr id="1" name=""/>
+        <p:cNvGrpSpPr/>
+        <p:nvPr/>
+      </p:nvGrpSpPr>
+      <p:grpSpPr>
+        <a:xfrm>
+          <a:off x="0" y="0"/>
+          <a:ext cx="0" cy="0"/>
+          <a:chOff x="0" y="0"/>
+          <a:chExt cx="0" cy="0"/>
+        </a:xfrm>
+      </p:grpSpPr>
+      <p:sp>
+        <p:nvSpPr>
+          <p:cNvPr id="2" name="タイトル 1">
+            <a:extLst>
+              <a:ext uri="{FF2B5EF4-FFF2-40B4-BE49-F238E27FC236}">
+                <a16:creationId xmlns:a16="http://schemas.microsoft.com/office/drawing/2014/main" id="{9C784ACA-9376-15C6-DD93-68B5D582FADA}"/>
+              </a:ext>
+            </a:extLst>
+          </p:cNvPr>
+          <p:cNvSpPr>
+            <a:spLocks noGrp="1"/>
+          </p:cNvSpPr>
+          <p:nvPr>
+            <p:ph type="title"/>
+          </p:nvPr>
+        </p:nvSpPr>
+        <p:spPr>
+          <a:xfrm>
+            <a:off x="838200" y="365126"/>
+            <a:ext cx="10515600" cy="891020"/>
+          </a:xfrm>
+        </p:spPr>
+        <p:txBody>
+          <a:bodyPr>
+            <a:normAutofit/>
+          </a:bodyPr>
+          <a:lstStyle/>
+          <a:p>
+            <a:r>
+              <a:rPr kumimoji="1" lang="en-US" altLang="ja-JP" dirty="0"/>
+              <a:t>HTTP/2</a:t>
+            </a:r>
+            <a:r>
+              <a:rPr kumimoji="1" lang="ja-JP" altLang="en-US" dirty="0"/>
+              <a:t>ベース</a:t>
+            </a:r>
+          </a:p>
+        </p:txBody>
+      </p:sp>
+      <p:sp>
+        <p:nvSpPr>
+          <p:cNvPr id="12" name="コンテンツ プレースホルダー 11">
+            <a:extLst>
+              <a:ext uri="{FF2B5EF4-FFF2-40B4-BE49-F238E27FC236}">
+                <a16:creationId xmlns:a16="http://schemas.microsoft.com/office/drawing/2014/main" id="{E944DFBB-A102-FEAA-D487-BCBEE3A4BD63}"/>
+              </a:ext>
+            </a:extLst>
+          </p:cNvPr>
+          <p:cNvSpPr>
+            <a:spLocks noGrp="1"/>
+          </p:cNvSpPr>
+          <p:nvPr>
+            <p:ph idx="1"/>
+          </p:nvPr>
+        </p:nvSpPr>
+        <p:spPr>
+          <a:xfrm>
+            <a:off x="838200" y="1401417"/>
+            <a:ext cx="10515600" cy="4775546"/>
+          </a:xfrm>
+        </p:spPr>
+        <p:txBody>
+          <a:bodyPr>
+            <a:normAutofit/>
+          </a:bodyPr>
+          <a:lstStyle/>
+          <a:p>
+            <a:r>
+              <a:rPr lang="en-US" altLang="ja-JP" dirty="0"/>
+              <a:t>HTTP/2</a:t>
+            </a:r>
+            <a:r>
+              <a:rPr lang="ja-JP" altLang="en-US" dirty="0"/>
+              <a:t>の多重化機能により</a:t>
+            </a:r>
+            <a:r>
+              <a:rPr lang="en-US" altLang="ja-JP" dirty="0"/>
+              <a:t>1</a:t>
+            </a:r>
+            <a:r>
+              <a:rPr lang="ja-JP" altLang="en-US" dirty="0"/>
+              <a:t>つの</a:t>
+            </a:r>
+            <a:r>
+              <a:rPr lang="en-US" altLang="ja-JP" dirty="0"/>
+              <a:t>TCP</a:t>
+            </a:r>
+            <a:r>
+              <a:rPr lang="ja-JP" altLang="en-US" dirty="0"/>
+              <a:t>接続で複数のリクエストを並列処理できます</a:t>
+            </a:r>
+            <a:endParaRPr lang="en-US" altLang="ja-JP" dirty="0"/>
+          </a:p>
+          <a:p>
+            <a:endParaRPr lang="ja-JP" altLang="en-US" dirty="0"/>
+          </a:p>
+          <a:p>
+            <a:r>
+              <a:rPr lang="ja-JP" altLang="en-US" dirty="0"/>
+              <a:t>ヘッダー圧縮によりオーバーヘッドが削減されます</a:t>
+            </a:r>
+            <a:endParaRPr lang="en-US" altLang="ja-JP" dirty="0"/>
+          </a:p>
+          <a:p>
+            <a:endParaRPr lang="ja-JP" altLang="en-US" dirty="0"/>
+          </a:p>
+          <a:p>
+            <a:r>
+              <a:rPr lang="ja-JP" altLang="en-US" dirty="0"/>
+              <a:t>双方向ストリーミングをサポートしています</a:t>
+            </a:r>
+          </a:p>
+          <a:p>
+            <a:pPr marL="0" indent="0">
+              <a:buNone/>
+            </a:pPr>
+            <a:br>
+              <a:rPr lang="ja-JP" altLang="en-US" dirty="0"/>
+            </a:br>
+            <a:endParaRPr lang="ja-JP" altLang="en-US" dirty="0"/>
+          </a:p>
+          <a:p>
+            <a:pPr marL="0" indent="0">
+              <a:buNone/>
+            </a:pPr>
+            <a:endParaRPr lang="en-US" altLang="ja-JP" sz="2400" dirty="0"/>
+          </a:p>
+          <a:p>
+            <a:pPr marL="0" indent="0">
+              <a:buNone/>
+            </a:pPr>
+            <a:endParaRPr lang="en-US" altLang="ja-JP" sz="2400" dirty="0"/>
+          </a:p>
+          <a:p>
+            <a:pPr marL="0" indent="0">
+              <a:buNone/>
+            </a:pPr>
+            <a:endParaRPr lang="en-US" altLang="ja-JP" sz="2400" dirty="0"/>
+          </a:p>
+          <a:p>
+            <a:pPr>
+              <a:buFontTx/>
+              <a:buChar char="-"/>
+            </a:pPr>
+            <a:endParaRPr lang="en-US" altLang="ja-JP" sz="2400" dirty="0"/>
+          </a:p>
+          <a:p>
+            <a:pPr>
+              <a:buFontTx/>
+              <a:buChar char="-"/>
+            </a:pPr>
+            <a:endParaRPr lang="en-US" altLang="ja-JP" sz="2400" dirty="0"/>
+          </a:p>
+          <a:p>
+            <a:pPr>
+              <a:buFontTx/>
+              <a:buChar char="-"/>
+            </a:pPr>
+            <a:endParaRPr lang="en-US" altLang="ja-JP" sz="2400" dirty="0"/>
+          </a:p>
+        </p:txBody>
+      </p:sp>
+    </p:spTree>
+    <p:extLst>
+      <p:ext uri="{BB962C8B-B14F-4D97-AF65-F5344CB8AC3E}">
+        <p14:creationId xmlns:p14="http://schemas.microsoft.com/office/powerpoint/2010/main" val="4154140404"/>
+      </p:ext>
+    </p:extLst>
+  </p:cSld>
+  <p:clrMapOvr>
+    <a:masterClrMapping/>
+  </p:clrMapOvr>
+</p:sld>
+</file>
+
+<file path=ppt/slides/slide8.xml><?xml version="1.0" encoding="utf-8"?>
+<p:sld xmlns:a="http://schemas.openxmlformats.org/drawingml/2006/main" xmlns:r="http://schemas.openxmlformats.org/officeDocument/2006/relationships" xmlns:p="http://schemas.openxmlformats.org/presentationml/2006/main">
+  <p:cSld>
+    <p:spTree>
+      <p:nvGrpSpPr>
+        <p:cNvPr id="1" name=""/>
+        <p:cNvGrpSpPr/>
+        <p:nvPr/>
+      </p:nvGrpSpPr>
+      <p:grpSpPr>
+        <a:xfrm>
+          <a:off x="0" y="0"/>
+          <a:ext cx="0" cy="0"/>
+          <a:chOff x="0" y="0"/>
+          <a:chExt cx="0" cy="0"/>
+        </a:xfrm>
+      </p:grpSpPr>
+      <p:sp>
+        <p:nvSpPr>
+          <p:cNvPr id="2" name="タイトル 1">
+            <a:extLst>
+              <a:ext uri="{FF2B5EF4-FFF2-40B4-BE49-F238E27FC236}">
+                <a16:creationId xmlns:a16="http://schemas.microsoft.com/office/drawing/2014/main" id="{9C784ACA-9376-15C6-DD93-68B5D582FADA}"/>
+              </a:ext>
+            </a:extLst>
+          </p:cNvPr>
+          <p:cNvSpPr>
+            <a:spLocks noGrp="1"/>
+          </p:cNvSpPr>
+          <p:nvPr>
+            <p:ph type="title"/>
+          </p:nvPr>
+        </p:nvSpPr>
+        <p:spPr>
+          <a:xfrm>
+            <a:off x="838200" y="365126"/>
+            <a:ext cx="10515600" cy="891020"/>
+          </a:xfrm>
+        </p:spPr>
+        <p:txBody>
+          <a:bodyPr>
+            <a:normAutofit/>
+          </a:bodyPr>
+          <a:lstStyle/>
+          <a:p>
+            <a:r>
+              <a:rPr kumimoji="1" lang="ja-JP" altLang="en-US" dirty="0"/>
+              <a:t>多言語対応</a:t>
+            </a:r>
+          </a:p>
+        </p:txBody>
+      </p:sp>
+      <p:sp>
+        <p:nvSpPr>
+          <p:cNvPr id="12" name="コンテンツ プレースホルダー 11">
+            <a:extLst>
+              <a:ext uri="{FF2B5EF4-FFF2-40B4-BE49-F238E27FC236}">
+                <a16:creationId xmlns:a16="http://schemas.microsoft.com/office/drawing/2014/main" id="{E944DFBB-A102-FEAA-D487-BCBEE3A4BD63}"/>
+              </a:ext>
+            </a:extLst>
+          </p:cNvPr>
+          <p:cNvSpPr>
+            <a:spLocks noGrp="1"/>
+          </p:cNvSpPr>
+          <p:nvPr>
+            <p:ph idx="1"/>
+          </p:nvPr>
+        </p:nvSpPr>
+        <p:spPr>
+          <a:xfrm>
+            <a:off x="838200" y="1401417"/>
+            <a:ext cx="10515600" cy="4775546"/>
+          </a:xfrm>
+        </p:spPr>
+        <p:txBody>
+          <a:bodyPr>
+            <a:normAutofit/>
+          </a:bodyPr>
+          <a:lstStyle/>
+          <a:p>
+            <a:r>
+              <a:rPr lang="en-US" altLang="ja-JP" dirty="0"/>
+              <a:t>C, C++, Java, Python, Go, Rust, C#</a:t>
+            </a:r>
+            <a:r>
+              <a:rPr lang="ja-JP" altLang="en-US" dirty="0"/>
+              <a:t>など多くの言語をサポートしています。</a:t>
+            </a:r>
+          </a:p>
+          <a:p>
+            <a:br>
+              <a:rPr lang="ja-JP" altLang="en-US" dirty="0"/>
+            </a:br>
+            <a:endParaRPr lang="ja-JP" altLang="en-US" dirty="0"/>
+          </a:p>
+          <a:p>
+            <a:pPr marL="0" indent="0">
+              <a:buNone/>
+            </a:pPr>
+            <a:endParaRPr lang="en-US" altLang="ja-JP" sz="2400" dirty="0"/>
+          </a:p>
+          <a:p>
+            <a:pPr marL="0" indent="0">
+              <a:buNone/>
+            </a:pPr>
+            <a:endParaRPr lang="en-US" altLang="ja-JP" sz="2400" dirty="0"/>
+          </a:p>
+          <a:p>
+            <a:pPr marL="0" indent="0">
+              <a:buNone/>
+            </a:pPr>
+            <a:endParaRPr lang="en-US" altLang="ja-JP" sz="2400" dirty="0"/>
+          </a:p>
+          <a:p>
+            <a:pPr>
+              <a:buFontTx/>
+              <a:buChar char="-"/>
+            </a:pPr>
+            <a:endParaRPr lang="en-US" altLang="ja-JP" sz="2400" dirty="0"/>
+          </a:p>
+          <a:p>
+            <a:pPr>
+              <a:buFontTx/>
+              <a:buChar char="-"/>
+            </a:pPr>
+            <a:endParaRPr lang="en-US" altLang="ja-JP" sz="2400" dirty="0"/>
+          </a:p>
+          <a:p>
+            <a:pPr>
+              <a:buFontTx/>
+              <a:buChar char="-"/>
+            </a:pPr>
+            <a:endParaRPr lang="en-US" altLang="ja-JP" sz="2400" dirty="0"/>
+          </a:p>
+        </p:txBody>
+      </p:sp>
+    </p:spTree>
+    <p:extLst>
+      <p:ext uri="{BB962C8B-B14F-4D97-AF65-F5344CB8AC3E}">
+        <p14:creationId xmlns:p14="http://schemas.microsoft.com/office/powerpoint/2010/main" val="2314387547"/>
       </p:ext>
     </p:extLst>
   </p:cSld>

--- a/raspberry-pi-report/gRPCについて.pptx
+++ b/raspberry-pi-report/gRPCについて.pptx
@@ -5,19 +5,23 @@
     <p:sldMasterId id="2147483648" r:id="rId1"/>
   </p:sldMasterIdLst>
   <p:notesMasterIdLst>
-    <p:notesMasterId r:id="rId12"/>
+    <p:notesMasterId r:id="rId16"/>
   </p:notesMasterIdLst>
   <p:sldIdLst>
     <p:sldId id="256" r:id="rId2"/>
     <p:sldId id="271" r:id="rId3"/>
     <p:sldId id="285" r:id="rId4"/>
-    <p:sldId id="288" r:id="rId5"/>
-    <p:sldId id="272" r:id="rId6"/>
-    <p:sldId id="290" r:id="rId7"/>
-    <p:sldId id="286" r:id="rId8"/>
-    <p:sldId id="287" r:id="rId9"/>
-    <p:sldId id="289" r:id="rId10"/>
-    <p:sldId id="291" r:id="rId11"/>
+    <p:sldId id="293" r:id="rId5"/>
+    <p:sldId id="288" r:id="rId6"/>
+    <p:sldId id="294" r:id="rId7"/>
+    <p:sldId id="290" r:id="rId8"/>
+    <p:sldId id="292" r:id="rId9"/>
+    <p:sldId id="286" r:id="rId10"/>
+    <p:sldId id="299" r:id="rId11"/>
+    <p:sldId id="287" r:id="rId12"/>
+    <p:sldId id="291" r:id="rId13"/>
+    <p:sldId id="297" r:id="rId14"/>
+    <p:sldId id="298" r:id="rId15"/>
   </p:sldIdLst>
   <p:sldSz cx="12192000" cy="6858000"/>
   <p:notesSz cx="6858000" cy="9144000"/>
@@ -1722,281 +1726,6 @@
     </pc:docChg>
   </pc:docChgLst>
   <pc:docChgLst>
-    <pc:chgData name="Yoshiharu Hamaguchi" userId="470e288704938fe9" providerId="LiveId" clId="{70332866-803F-45E9-A120-6101FBB807E0}"/>
-    <pc:docChg chg="undo custSel addSld delSld modSld">
-      <pc:chgData name="Yoshiharu Hamaguchi" userId="470e288704938fe9" providerId="LiveId" clId="{70332866-803F-45E9-A120-6101FBB807E0}" dt="2025-09-08T14:56:44.792" v="4266"/>
-      <pc:docMkLst>
-        <pc:docMk/>
-      </pc:docMkLst>
-      <pc:sldChg chg="modSp mod">
-        <pc:chgData name="Yoshiharu Hamaguchi" userId="470e288704938fe9" providerId="LiveId" clId="{70332866-803F-45E9-A120-6101FBB807E0}" dt="2025-09-08T13:07:11.513" v="792" actId="20577"/>
-        <pc:sldMkLst>
-          <pc:docMk/>
-          <pc:sldMk cId="634982452" sldId="256"/>
-        </pc:sldMkLst>
-        <pc:spChg chg="mod">
-          <ac:chgData name="Yoshiharu Hamaguchi" userId="470e288704938fe9" providerId="LiveId" clId="{70332866-803F-45E9-A120-6101FBB807E0}" dt="2025-09-08T13:07:11.513" v="792" actId="20577"/>
-          <ac:spMkLst>
-            <pc:docMk/>
-            <pc:sldMk cId="634982452" sldId="256"/>
-            <ac:spMk id="2" creationId="{3F0D190A-A8DB-32F1-0D56-13F6D381B778}"/>
-          </ac:spMkLst>
-        </pc:spChg>
-      </pc:sldChg>
-      <pc:sldChg chg="addSp delSp modSp mod">
-        <pc:chgData name="Yoshiharu Hamaguchi" userId="470e288704938fe9" providerId="LiveId" clId="{70332866-803F-45E9-A120-6101FBB807E0}" dt="2025-09-08T13:46:04.454" v="2267" actId="20577"/>
-        <pc:sldMkLst>
-          <pc:docMk/>
-          <pc:sldMk cId="4019972730" sldId="262"/>
-        </pc:sldMkLst>
-        <pc:spChg chg="mod">
-          <ac:chgData name="Yoshiharu Hamaguchi" userId="470e288704938fe9" providerId="LiveId" clId="{70332866-803F-45E9-A120-6101FBB807E0}" dt="2025-09-08T13:45:37.751" v="2219" actId="20577"/>
-          <ac:spMkLst>
-            <pc:docMk/>
-            <pc:sldMk cId="4019972730" sldId="262"/>
-            <ac:spMk id="3" creationId="{37025C41-8921-578C-16F8-6B5CF0A93AE0}"/>
-          </ac:spMkLst>
-        </pc:spChg>
-        <pc:spChg chg="mod">
-          <ac:chgData name="Yoshiharu Hamaguchi" userId="470e288704938fe9" providerId="LiveId" clId="{70332866-803F-45E9-A120-6101FBB807E0}" dt="2025-09-08T13:46:04.454" v="2267" actId="20577"/>
-          <ac:spMkLst>
-            <pc:docMk/>
-            <pc:sldMk cId="4019972730" sldId="262"/>
-            <ac:spMk id="6" creationId="{34FF66A4-5BCB-CEE2-BCDE-1006905C1554}"/>
-          </ac:spMkLst>
-        </pc:spChg>
-        <pc:picChg chg="add mod">
-          <ac:chgData name="Yoshiharu Hamaguchi" userId="470e288704938fe9" providerId="LiveId" clId="{70332866-803F-45E9-A120-6101FBB807E0}" dt="2025-09-08T13:36:11.455" v="1273" actId="1076"/>
-          <ac:picMkLst>
-            <pc:docMk/>
-            <pc:sldMk cId="4019972730" sldId="262"/>
-            <ac:picMk id="4" creationId="{0422C9E0-B473-A1C3-1880-8559272F9630}"/>
-          </ac:picMkLst>
-        </pc:picChg>
-      </pc:sldChg>
-      <pc:sldChg chg="modSp mod">
-        <pc:chgData name="Yoshiharu Hamaguchi" userId="470e288704938fe9" providerId="LiveId" clId="{70332866-803F-45E9-A120-6101FBB807E0}" dt="2025-09-08T13:29:27.377" v="1054" actId="20577"/>
-        <pc:sldMkLst>
-          <pc:docMk/>
-          <pc:sldMk cId="3365730422" sldId="264"/>
-        </pc:sldMkLst>
-        <pc:spChg chg="mod">
-          <ac:chgData name="Yoshiharu Hamaguchi" userId="470e288704938fe9" providerId="LiveId" clId="{70332866-803F-45E9-A120-6101FBB807E0}" dt="2025-09-08T13:29:27.377" v="1054" actId="20577"/>
-          <ac:spMkLst>
-            <pc:docMk/>
-            <pc:sldMk cId="3365730422" sldId="264"/>
-            <ac:spMk id="3" creationId="{37025C41-8921-578C-16F8-6B5CF0A93AE0}"/>
-          </ac:spMkLst>
-        </pc:spChg>
-      </pc:sldChg>
-      <pc:sldChg chg="del">
-        <pc:chgData name="Yoshiharu Hamaguchi" userId="470e288704938fe9" providerId="LiveId" clId="{70332866-803F-45E9-A120-6101FBB807E0}" dt="2025-09-08T13:17:08.942" v="912" actId="47"/>
-        <pc:sldMkLst>
-          <pc:docMk/>
-          <pc:sldMk cId="3544669301" sldId="266"/>
-        </pc:sldMkLst>
-      </pc:sldChg>
-      <pc:sldChg chg="addSp delSp modSp mod">
-        <pc:chgData name="Yoshiharu Hamaguchi" userId="470e288704938fe9" providerId="LiveId" clId="{70332866-803F-45E9-A120-6101FBB807E0}" dt="2025-09-08T13:26:51.657" v="1028" actId="255"/>
-        <pc:sldMkLst>
-          <pc:docMk/>
-          <pc:sldMk cId="2142688305" sldId="269"/>
-        </pc:sldMkLst>
-      </pc:sldChg>
-      <pc:sldChg chg="del">
-        <pc:chgData name="Yoshiharu Hamaguchi" userId="470e288704938fe9" providerId="LiveId" clId="{70332866-803F-45E9-A120-6101FBB807E0}" dt="2025-09-08T13:16:59.642" v="911" actId="47"/>
-        <pc:sldMkLst>
-          <pc:docMk/>
-          <pc:sldMk cId="2038620804" sldId="270"/>
-        </pc:sldMkLst>
-      </pc:sldChg>
-      <pc:sldChg chg="addSp delSp modSp add mod">
-        <pc:chgData name="Yoshiharu Hamaguchi" userId="470e288704938fe9" providerId="LiveId" clId="{70332866-803F-45E9-A120-6101FBB807E0}" dt="2025-09-08T13:43:04.555" v="2015" actId="20577"/>
-        <pc:sldMkLst>
-          <pc:docMk/>
-          <pc:sldMk cId="1473502982" sldId="271"/>
-        </pc:sldMkLst>
-        <pc:spChg chg="add mod">
-          <ac:chgData name="Yoshiharu Hamaguchi" userId="470e288704938fe9" providerId="LiveId" clId="{70332866-803F-45E9-A120-6101FBB807E0}" dt="2025-09-08T13:43:04.555" v="2015" actId="20577"/>
-          <ac:spMkLst>
-            <pc:docMk/>
-            <pc:sldMk cId="1473502982" sldId="271"/>
-            <ac:spMk id="12" creationId="{E944DFBB-A102-FEAA-D487-BCBEE3A4BD63}"/>
-          </ac:spMkLst>
-        </pc:spChg>
-      </pc:sldChg>
-      <pc:sldChg chg="addSp modSp add mod">
-        <pc:chgData name="Yoshiharu Hamaguchi" userId="470e288704938fe9" providerId="LiveId" clId="{70332866-803F-45E9-A120-6101FBB807E0}" dt="2025-09-08T13:44:13.842" v="2060" actId="1076"/>
-        <pc:sldMkLst>
-          <pc:docMk/>
-          <pc:sldMk cId="3129097109" sldId="272"/>
-        </pc:sldMkLst>
-        <pc:spChg chg="mod">
-          <ac:chgData name="Yoshiharu Hamaguchi" userId="470e288704938fe9" providerId="LiveId" clId="{70332866-803F-45E9-A120-6101FBB807E0}" dt="2025-09-08T13:42:49.731" v="2008" actId="20577"/>
-          <ac:spMkLst>
-            <pc:docMk/>
-            <pc:sldMk cId="3129097109" sldId="272"/>
-            <ac:spMk id="2" creationId="{9C784ACA-9376-15C6-DD93-68B5D582FADA}"/>
-          </ac:spMkLst>
-        </pc:spChg>
-        <pc:spChg chg="mod">
-          <ac:chgData name="Yoshiharu Hamaguchi" userId="470e288704938fe9" providerId="LiveId" clId="{70332866-803F-45E9-A120-6101FBB807E0}" dt="2025-09-08T13:43:46.783" v="2055" actId="6549"/>
-          <ac:spMkLst>
-            <pc:docMk/>
-            <pc:sldMk cId="3129097109" sldId="272"/>
-            <ac:spMk id="12" creationId="{E944DFBB-A102-FEAA-D487-BCBEE3A4BD63}"/>
-          </ac:spMkLst>
-        </pc:spChg>
-        <pc:picChg chg="add mod">
-          <ac:chgData name="Yoshiharu Hamaguchi" userId="470e288704938fe9" providerId="LiveId" clId="{70332866-803F-45E9-A120-6101FBB807E0}" dt="2025-09-08T13:44:13.842" v="2060" actId="1076"/>
-          <ac:picMkLst>
-            <pc:docMk/>
-            <pc:sldMk cId="3129097109" sldId="272"/>
-            <ac:picMk id="4" creationId="{0AB3AA65-1C33-C627-0C02-C48972C6F5CD}"/>
-          </ac:picMkLst>
-        </pc:picChg>
-      </pc:sldChg>
-      <pc:sldChg chg="addSp modSp add mod">
-        <pc:chgData name="Yoshiharu Hamaguchi" userId="470e288704938fe9" providerId="LiveId" clId="{70332866-803F-45E9-A120-6101FBB807E0}" dt="2025-09-08T14:48:55.172" v="3078" actId="1076"/>
-        <pc:sldMkLst>
-          <pc:docMk/>
-          <pc:sldMk cId="3565779213" sldId="273"/>
-        </pc:sldMkLst>
-        <pc:spChg chg="mod">
-          <ac:chgData name="Yoshiharu Hamaguchi" userId="470e288704938fe9" providerId="LiveId" clId="{70332866-803F-45E9-A120-6101FBB807E0}" dt="2025-09-08T14:35:56.978" v="2617" actId="20577"/>
-          <ac:spMkLst>
-            <pc:docMk/>
-            <pc:sldMk cId="3565779213" sldId="273"/>
-            <ac:spMk id="2" creationId="{9C784ACA-9376-15C6-DD93-68B5D582FADA}"/>
-          </ac:spMkLst>
-        </pc:spChg>
-        <pc:spChg chg="mod">
-          <ac:chgData name="Yoshiharu Hamaguchi" userId="470e288704938fe9" providerId="LiveId" clId="{70332866-803F-45E9-A120-6101FBB807E0}" dt="2025-09-08T14:48:52.592" v="3077" actId="1076"/>
-          <ac:spMkLst>
-            <pc:docMk/>
-            <pc:sldMk cId="3565779213" sldId="273"/>
-            <ac:spMk id="12" creationId="{E944DFBB-A102-FEAA-D487-BCBEE3A4BD63}"/>
-          </ac:spMkLst>
-        </pc:spChg>
-        <pc:graphicFrameChg chg="add mod modGraphic">
-          <ac:chgData name="Yoshiharu Hamaguchi" userId="470e288704938fe9" providerId="LiveId" clId="{70332866-803F-45E9-A120-6101FBB807E0}" dt="2025-09-08T14:48:55.172" v="3078" actId="1076"/>
-          <ac:graphicFrameMkLst>
-            <pc:docMk/>
-            <pc:sldMk cId="3565779213" sldId="273"/>
-            <ac:graphicFrameMk id="3" creationId="{BB32AE2C-65C1-A108-C432-F1FF4EBEB96B}"/>
-          </ac:graphicFrameMkLst>
-        </pc:graphicFrameChg>
-      </pc:sldChg>
-      <pc:sldChg chg="addSp modSp add mod">
-        <pc:chgData name="Yoshiharu Hamaguchi" userId="470e288704938fe9" providerId="LiveId" clId="{70332866-803F-45E9-A120-6101FBB807E0}" dt="2025-09-08T14:56:44.792" v="4266"/>
-        <pc:sldMkLst>
-          <pc:docMk/>
-          <pc:sldMk cId="2114986016" sldId="274"/>
-        </pc:sldMkLst>
-        <pc:spChg chg="mod">
-          <ac:chgData name="Yoshiharu Hamaguchi" userId="470e288704938fe9" providerId="LiveId" clId="{70332866-803F-45E9-A120-6101FBB807E0}" dt="2025-09-08T14:06:42.942" v="2396" actId="20577"/>
-          <ac:spMkLst>
-            <pc:docMk/>
-            <pc:sldMk cId="2114986016" sldId="274"/>
-            <ac:spMk id="2" creationId="{9C784ACA-9376-15C6-DD93-68B5D582FADA}"/>
-          </ac:spMkLst>
-        </pc:spChg>
-        <pc:spChg chg="mod">
-          <ac:chgData name="Yoshiharu Hamaguchi" userId="470e288704938fe9" providerId="LiveId" clId="{70332866-803F-45E9-A120-6101FBB807E0}" dt="2025-09-08T14:56:44.792" v="4266"/>
-          <ac:spMkLst>
-            <pc:docMk/>
-            <pc:sldMk cId="2114986016" sldId="274"/>
-            <ac:spMk id="12" creationId="{E944DFBB-A102-FEAA-D487-BCBEE3A4BD63}"/>
-          </ac:spMkLst>
-        </pc:spChg>
-        <pc:picChg chg="add mod">
-          <ac:chgData name="Yoshiharu Hamaguchi" userId="470e288704938fe9" providerId="LiveId" clId="{70332866-803F-45E9-A120-6101FBB807E0}" dt="2025-09-08T14:30:40.720" v="2574" actId="1036"/>
-          <ac:picMkLst>
-            <pc:docMk/>
-            <pc:sldMk cId="2114986016" sldId="274"/>
-            <ac:picMk id="3" creationId="{7E3945CA-055B-F40B-6033-6F28B417F04D}"/>
-          </ac:picMkLst>
-        </pc:picChg>
-      </pc:sldChg>
-      <pc:sldChg chg="delSp modSp add mod">
-        <pc:chgData name="Yoshiharu Hamaguchi" userId="470e288704938fe9" providerId="LiveId" clId="{70332866-803F-45E9-A120-6101FBB807E0}" dt="2025-09-08T14:54:43.380" v="4101" actId="20577"/>
-        <pc:sldMkLst>
-          <pc:docMk/>
-          <pc:sldMk cId="914960372" sldId="275"/>
-        </pc:sldMkLst>
-        <pc:spChg chg="mod">
-          <ac:chgData name="Yoshiharu Hamaguchi" userId="470e288704938fe9" providerId="LiveId" clId="{70332866-803F-45E9-A120-6101FBB807E0}" dt="2025-09-08T14:54:43.380" v="4101" actId="20577"/>
-          <ac:spMkLst>
-            <pc:docMk/>
-            <pc:sldMk cId="914960372" sldId="275"/>
-            <ac:spMk id="2" creationId="{9C784ACA-9376-15C6-DD93-68B5D582FADA}"/>
-          </ac:spMkLst>
-        </pc:spChg>
-        <pc:spChg chg="mod">
-          <ac:chgData name="Yoshiharu Hamaguchi" userId="470e288704938fe9" providerId="LiveId" clId="{70332866-803F-45E9-A120-6101FBB807E0}" dt="2025-09-08T14:52:48.660" v="3756" actId="20577"/>
-          <ac:spMkLst>
-            <pc:docMk/>
-            <pc:sldMk cId="914960372" sldId="275"/>
-            <ac:spMk id="12" creationId="{E944DFBB-A102-FEAA-D487-BCBEE3A4BD63}"/>
-          </ac:spMkLst>
-        </pc:spChg>
-      </pc:sldChg>
-      <pc:sldChg chg="addSp delSp modSp add del mod">
-        <pc:chgData name="Yoshiharu Hamaguchi" userId="470e288704938fe9" providerId="LiveId" clId="{70332866-803F-45E9-A120-6101FBB807E0}" dt="2025-09-08T14:29:29.771" v="2540" actId="47"/>
-        <pc:sldMkLst>
-          <pc:docMk/>
-          <pc:sldMk cId="3512689603" sldId="275"/>
-        </pc:sldMkLst>
-      </pc:sldChg>
-      <pc:sldChg chg="modSp add mod">
-        <pc:chgData name="Yoshiharu Hamaguchi" userId="470e288704938fe9" providerId="LiveId" clId="{70332866-803F-45E9-A120-6101FBB807E0}" dt="2025-09-08T14:54:17.815" v="4085" actId="20577"/>
-        <pc:sldMkLst>
-          <pc:docMk/>
-          <pc:sldMk cId="11239393" sldId="276"/>
-        </pc:sldMkLst>
-        <pc:spChg chg="mod">
-          <ac:chgData name="Yoshiharu Hamaguchi" userId="470e288704938fe9" providerId="LiveId" clId="{70332866-803F-45E9-A120-6101FBB807E0}" dt="2025-09-08T14:53:27.147" v="3866" actId="20577"/>
-          <ac:spMkLst>
-            <pc:docMk/>
-            <pc:sldMk cId="11239393" sldId="276"/>
-            <ac:spMk id="2" creationId="{9C784ACA-9376-15C6-DD93-68B5D582FADA}"/>
-          </ac:spMkLst>
-        </pc:spChg>
-        <pc:spChg chg="mod">
-          <ac:chgData name="Yoshiharu Hamaguchi" userId="470e288704938fe9" providerId="LiveId" clId="{70332866-803F-45E9-A120-6101FBB807E0}" dt="2025-09-08T14:54:17.815" v="4085" actId="20577"/>
-          <ac:spMkLst>
-            <pc:docMk/>
-            <pc:sldMk cId="11239393" sldId="276"/>
-            <ac:spMk id="12" creationId="{E944DFBB-A102-FEAA-D487-BCBEE3A4BD63}"/>
-          </ac:spMkLst>
-        </pc:spChg>
-      </pc:sldChg>
-      <pc:sldChg chg="modSp add mod">
-        <pc:chgData name="Yoshiharu Hamaguchi" userId="470e288704938fe9" providerId="LiveId" clId="{70332866-803F-45E9-A120-6101FBB807E0}" dt="2025-09-08T14:55:11.230" v="4201" actId="20577"/>
-        <pc:sldMkLst>
-          <pc:docMk/>
-          <pc:sldMk cId="2816348142" sldId="277"/>
-        </pc:sldMkLst>
-        <pc:spChg chg="mod">
-          <ac:chgData name="Yoshiharu Hamaguchi" userId="470e288704938fe9" providerId="LiveId" clId="{70332866-803F-45E9-A120-6101FBB807E0}" dt="2025-09-08T14:54:58.097" v="4136" actId="20577"/>
-          <ac:spMkLst>
-            <pc:docMk/>
-            <pc:sldMk cId="2816348142" sldId="277"/>
-            <ac:spMk id="2" creationId="{9C784ACA-9376-15C6-DD93-68B5D582FADA}"/>
-          </ac:spMkLst>
-        </pc:spChg>
-        <pc:spChg chg="mod">
-          <ac:chgData name="Yoshiharu Hamaguchi" userId="470e288704938fe9" providerId="LiveId" clId="{70332866-803F-45E9-A120-6101FBB807E0}" dt="2025-09-08T14:55:11.230" v="4201" actId="20577"/>
-          <ac:spMkLst>
-            <pc:docMk/>
-            <pc:sldMk cId="2816348142" sldId="277"/>
-            <ac:spMk id="12" creationId="{E944DFBB-A102-FEAA-D487-BCBEE3A4BD63}"/>
-          </ac:spMkLst>
-        </pc:spChg>
-      </pc:sldChg>
-    </pc:docChg>
-  </pc:docChgLst>
-  <pc:docChgLst>
     <pc:chgData name="Yoshiharu Hamaguchi" userId="470e288704938fe9" providerId="LiveId" clId="{7FF04D8D-0E5C-4D85-91C7-38CEECAF421B}"/>
     <pc:docChg chg="delSld modSld">
       <pc:chgData name="Yoshiharu Hamaguchi" userId="470e288704938fe9" providerId="LiveId" clId="{7FF04D8D-0E5C-4D85-91C7-38CEECAF421B}" dt="2024-08-30T00:39:52.340" v="69" actId="47"/>
@@ -2030,6 +1759,281 @@
           <pc:docMk/>
           <pc:sldMk cId="1265752602" sldId="261"/>
         </pc:sldMkLst>
+      </pc:sldChg>
+    </pc:docChg>
+  </pc:docChgLst>
+  <pc:docChgLst>
+    <pc:chgData name="Yoshiharu Hamaguchi" userId="470e288704938fe9" providerId="LiveId" clId="{70332866-803F-45E9-A120-6101FBB807E0}"/>
+    <pc:docChg chg="undo custSel addSld delSld modSld">
+      <pc:chgData name="Yoshiharu Hamaguchi" userId="470e288704938fe9" providerId="LiveId" clId="{70332866-803F-45E9-A120-6101FBB807E0}" dt="2025-09-08T14:56:44.792" v="4266"/>
+      <pc:docMkLst>
+        <pc:docMk/>
+      </pc:docMkLst>
+      <pc:sldChg chg="modSp mod">
+        <pc:chgData name="Yoshiharu Hamaguchi" userId="470e288704938fe9" providerId="LiveId" clId="{70332866-803F-45E9-A120-6101FBB807E0}" dt="2025-09-08T13:07:11.513" v="792" actId="20577"/>
+        <pc:sldMkLst>
+          <pc:docMk/>
+          <pc:sldMk cId="634982452" sldId="256"/>
+        </pc:sldMkLst>
+        <pc:spChg chg="mod">
+          <ac:chgData name="Yoshiharu Hamaguchi" userId="470e288704938fe9" providerId="LiveId" clId="{70332866-803F-45E9-A120-6101FBB807E0}" dt="2025-09-08T13:07:11.513" v="792" actId="20577"/>
+          <ac:spMkLst>
+            <pc:docMk/>
+            <pc:sldMk cId="634982452" sldId="256"/>
+            <ac:spMk id="2" creationId="{3F0D190A-A8DB-32F1-0D56-13F6D381B778}"/>
+          </ac:spMkLst>
+        </pc:spChg>
+      </pc:sldChg>
+      <pc:sldChg chg="addSp delSp modSp mod">
+        <pc:chgData name="Yoshiharu Hamaguchi" userId="470e288704938fe9" providerId="LiveId" clId="{70332866-803F-45E9-A120-6101FBB807E0}" dt="2025-09-08T13:46:04.454" v="2267" actId="20577"/>
+        <pc:sldMkLst>
+          <pc:docMk/>
+          <pc:sldMk cId="4019972730" sldId="262"/>
+        </pc:sldMkLst>
+        <pc:spChg chg="mod">
+          <ac:chgData name="Yoshiharu Hamaguchi" userId="470e288704938fe9" providerId="LiveId" clId="{70332866-803F-45E9-A120-6101FBB807E0}" dt="2025-09-08T13:45:37.751" v="2219" actId="20577"/>
+          <ac:spMkLst>
+            <pc:docMk/>
+            <pc:sldMk cId="4019972730" sldId="262"/>
+            <ac:spMk id="3" creationId="{37025C41-8921-578C-16F8-6B5CF0A93AE0}"/>
+          </ac:spMkLst>
+        </pc:spChg>
+        <pc:spChg chg="mod">
+          <ac:chgData name="Yoshiharu Hamaguchi" userId="470e288704938fe9" providerId="LiveId" clId="{70332866-803F-45E9-A120-6101FBB807E0}" dt="2025-09-08T13:46:04.454" v="2267" actId="20577"/>
+          <ac:spMkLst>
+            <pc:docMk/>
+            <pc:sldMk cId="4019972730" sldId="262"/>
+            <ac:spMk id="6" creationId="{34FF66A4-5BCB-CEE2-BCDE-1006905C1554}"/>
+          </ac:spMkLst>
+        </pc:spChg>
+        <pc:picChg chg="add mod">
+          <ac:chgData name="Yoshiharu Hamaguchi" userId="470e288704938fe9" providerId="LiveId" clId="{70332866-803F-45E9-A120-6101FBB807E0}" dt="2025-09-08T13:36:11.455" v="1273" actId="1076"/>
+          <ac:picMkLst>
+            <pc:docMk/>
+            <pc:sldMk cId="4019972730" sldId="262"/>
+            <ac:picMk id="4" creationId="{0422C9E0-B473-A1C3-1880-8559272F9630}"/>
+          </ac:picMkLst>
+        </pc:picChg>
+      </pc:sldChg>
+      <pc:sldChg chg="modSp mod">
+        <pc:chgData name="Yoshiharu Hamaguchi" userId="470e288704938fe9" providerId="LiveId" clId="{70332866-803F-45E9-A120-6101FBB807E0}" dt="2025-09-08T13:29:27.377" v="1054" actId="20577"/>
+        <pc:sldMkLst>
+          <pc:docMk/>
+          <pc:sldMk cId="3365730422" sldId="264"/>
+        </pc:sldMkLst>
+        <pc:spChg chg="mod">
+          <ac:chgData name="Yoshiharu Hamaguchi" userId="470e288704938fe9" providerId="LiveId" clId="{70332866-803F-45E9-A120-6101FBB807E0}" dt="2025-09-08T13:29:27.377" v="1054" actId="20577"/>
+          <ac:spMkLst>
+            <pc:docMk/>
+            <pc:sldMk cId="3365730422" sldId="264"/>
+            <ac:spMk id="3" creationId="{37025C41-8921-578C-16F8-6B5CF0A93AE0}"/>
+          </ac:spMkLst>
+        </pc:spChg>
+      </pc:sldChg>
+      <pc:sldChg chg="del">
+        <pc:chgData name="Yoshiharu Hamaguchi" userId="470e288704938fe9" providerId="LiveId" clId="{70332866-803F-45E9-A120-6101FBB807E0}" dt="2025-09-08T13:17:08.942" v="912" actId="47"/>
+        <pc:sldMkLst>
+          <pc:docMk/>
+          <pc:sldMk cId="3544669301" sldId="266"/>
+        </pc:sldMkLst>
+      </pc:sldChg>
+      <pc:sldChg chg="addSp delSp modSp mod">
+        <pc:chgData name="Yoshiharu Hamaguchi" userId="470e288704938fe9" providerId="LiveId" clId="{70332866-803F-45E9-A120-6101FBB807E0}" dt="2025-09-08T13:26:51.657" v="1028" actId="255"/>
+        <pc:sldMkLst>
+          <pc:docMk/>
+          <pc:sldMk cId="2142688305" sldId="269"/>
+        </pc:sldMkLst>
+      </pc:sldChg>
+      <pc:sldChg chg="del">
+        <pc:chgData name="Yoshiharu Hamaguchi" userId="470e288704938fe9" providerId="LiveId" clId="{70332866-803F-45E9-A120-6101FBB807E0}" dt="2025-09-08T13:16:59.642" v="911" actId="47"/>
+        <pc:sldMkLst>
+          <pc:docMk/>
+          <pc:sldMk cId="2038620804" sldId="270"/>
+        </pc:sldMkLst>
+      </pc:sldChg>
+      <pc:sldChg chg="addSp delSp modSp add mod">
+        <pc:chgData name="Yoshiharu Hamaguchi" userId="470e288704938fe9" providerId="LiveId" clId="{70332866-803F-45E9-A120-6101FBB807E0}" dt="2025-09-08T13:43:04.555" v="2015" actId="20577"/>
+        <pc:sldMkLst>
+          <pc:docMk/>
+          <pc:sldMk cId="1473502982" sldId="271"/>
+        </pc:sldMkLst>
+        <pc:spChg chg="add mod">
+          <ac:chgData name="Yoshiharu Hamaguchi" userId="470e288704938fe9" providerId="LiveId" clId="{70332866-803F-45E9-A120-6101FBB807E0}" dt="2025-09-08T13:43:04.555" v="2015" actId="20577"/>
+          <ac:spMkLst>
+            <pc:docMk/>
+            <pc:sldMk cId="1473502982" sldId="271"/>
+            <ac:spMk id="12" creationId="{E944DFBB-A102-FEAA-D487-BCBEE3A4BD63}"/>
+          </ac:spMkLst>
+        </pc:spChg>
+      </pc:sldChg>
+      <pc:sldChg chg="addSp modSp add mod">
+        <pc:chgData name="Yoshiharu Hamaguchi" userId="470e288704938fe9" providerId="LiveId" clId="{70332866-803F-45E9-A120-6101FBB807E0}" dt="2025-09-08T13:44:13.842" v="2060" actId="1076"/>
+        <pc:sldMkLst>
+          <pc:docMk/>
+          <pc:sldMk cId="3129097109" sldId="272"/>
+        </pc:sldMkLst>
+        <pc:spChg chg="mod">
+          <ac:chgData name="Yoshiharu Hamaguchi" userId="470e288704938fe9" providerId="LiveId" clId="{70332866-803F-45E9-A120-6101FBB807E0}" dt="2025-09-08T13:42:49.731" v="2008" actId="20577"/>
+          <ac:spMkLst>
+            <pc:docMk/>
+            <pc:sldMk cId="3129097109" sldId="272"/>
+            <ac:spMk id="2" creationId="{9C784ACA-9376-15C6-DD93-68B5D582FADA}"/>
+          </ac:spMkLst>
+        </pc:spChg>
+        <pc:spChg chg="mod">
+          <ac:chgData name="Yoshiharu Hamaguchi" userId="470e288704938fe9" providerId="LiveId" clId="{70332866-803F-45E9-A120-6101FBB807E0}" dt="2025-09-08T13:43:46.783" v="2055" actId="6549"/>
+          <ac:spMkLst>
+            <pc:docMk/>
+            <pc:sldMk cId="3129097109" sldId="272"/>
+            <ac:spMk id="12" creationId="{E944DFBB-A102-FEAA-D487-BCBEE3A4BD63}"/>
+          </ac:spMkLst>
+        </pc:spChg>
+        <pc:picChg chg="add mod">
+          <ac:chgData name="Yoshiharu Hamaguchi" userId="470e288704938fe9" providerId="LiveId" clId="{70332866-803F-45E9-A120-6101FBB807E0}" dt="2025-09-08T13:44:13.842" v="2060" actId="1076"/>
+          <ac:picMkLst>
+            <pc:docMk/>
+            <pc:sldMk cId="3129097109" sldId="272"/>
+            <ac:picMk id="4" creationId="{0AB3AA65-1C33-C627-0C02-C48972C6F5CD}"/>
+          </ac:picMkLst>
+        </pc:picChg>
+      </pc:sldChg>
+      <pc:sldChg chg="addSp modSp add mod">
+        <pc:chgData name="Yoshiharu Hamaguchi" userId="470e288704938fe9" providerId="LiveId" clId="{70332866-803F-45E9-A120-6101FBB807E0}" dt="2025-09-08T14:48:55.172" v="3078" actId="1076"/>
+        <pc:sldMkLst>
+          <pc:docMk/>
+          <pc:sldMk cId="3565779213" sldId="273"/>
+        </pc:sldMkLst>
+        <pc:spChg chg="mod">
+          <ac:chgData name="Yoshiharu Hamaguchi" userId="470e288704938fe9" providerId="LiveId" clId="{70332866-803F-45E9-A120-6101FBB807E0}" dt="2025-09-08T14:35:56.978" v="2617" actId="20577"/>
+          <ac:spMkLst>
+            <pc:docMk/>
+            <pc:sldMk cId="3565779213" sldId="273"/>
+            <ac:spMk id="2" creationId="{9C784ACA-9376-15C6-DD93-68B5D582FADA}"/>
+          </ac:spMkLst>
+        </pc:spChg>
+        <pc:spChg chg="mod">
+          <ac:chgData name="Yoshiharu Hamaguchi" userId="470e288704938fe9" providerId="LiveId" clId="{70332866-803F-45E9-A120-6101FBB807E0}" dt="2025-09-08T14:48:52.592" v="3077" actId="1076"/>
+          <ac:spMkLst>
+            <pc:docMk/>
+            <pc:sldMk cId="3565779213" sldId="273"/>
+            <ac:spMk id="12" creationId="{E944DFBB-A102-FEAA-D487-BCBEE3A4BD63}"/>
+          </ac:spMkLst>
+        </pc:spChg>
+        <pc:graphicFrameChg chg="add mod modGraphic">
+          <ac:chgData name="Yoshiharu Hamaguchi" userId="470e288704938fe9" providerId="LiveId" clId="{70332866-803F-45E9-A120-6101FBB807E0}" dt="2025-09-08T14:48:55.172" v="3078" actId="1076"/>
+          <ac:graphicFrameMkLst>
+            <pc:docMk/>
+            <pc:sldMk cId="3565779213" sldId="273"/>
+            <ac:graphicFrameMk id="3" creationId="{BB32AE2C-65C1-A108-C432-F1FF4EBEB96B}"/>
+          </ac:graphicFrameMkLst>
+        </pc:graphicFrameChg>
+      </pc:sldChg>
+      <pc:sldChg chg="addSp modSp add mod">
+        <pc:chgData name="Yoshiharu Hamaguchi" userId="470e288704938fe9" providerId="LiveId" clId="{70332866-803F-45E9-A120-6101FBB807E0}" dt="2025-09-08T14:56:44.792" v="4266"/>
+        <pc:sldMkLst>
+          <pc:docMk/>
+          <pc:sldMk cId="2114986016" sldId="274"/>
+        </pc:sldMkLst>
+        <pc:spChg chg="mod">
+          <ac:chgData name="Yoshiharu Hamaguchi" userId="470e288704938fe9" providerId="LiveId" clId="{70332866-803F-45E9-A120-6101FBB807E0}" dt="2025-09-08T14:06:42.942" v="2396" actId="20577"/>
+          <ac:spMkLst>
+            <pc:docMk/>
+            <pc:sldMk cId="2114986016" sldId="274"/>
+            <ac:spMk id="2" creationId="{9C784ACA-9376-15C6-DD93-68B5D582FADA}"/>
+          </ac:spMkLst>
+        </pc:spChg>
+        <pc:spChg chg="mod">
+          <ac:chgData name="Yoshiharu Hamaguchi" userId="470e288704938fe9" providerId="LiveId" clId="{70332866-803F-45E9-A120-6101FBB807E0}" dt="2025-09-08T14:56:44.792" v="4266"/>
+          <ac:spMkLst>
+            <pc:docMk/>
+            <pc:sldMk cId="2114986016" sldId="274"/>
+            <ac:spMk id="12" creationId="{E944DFBB-A102-FEAA-D487-BCBEE3A4BD63}"/>
+          </ac:spMkLst>
+        </pc:spChg>
+        <pc:picChg chg="add mod">
+          <ac:chgData name="Yoshiharu Hamaguchi" userId="470e288704938fe9" providerId="LiveId" clId="{70332866-803F-45E9-A120-6101FBB807E0}" dt="2025-09-08T14:30:40.720" v="2574" actId="1036"/>
+          <ac:picMkLst>
+            <pc:docMk/>
+            <pc:sldMk cId="2114986016" sldId="274"/>
+            <ac:picMk id="3" creationId="{7E3945CA-055B-F40B-6033-6F28B417F04D}"/>
+          </ac:picMkLst>
+        </pc:picChg>
+      </pc:sldChg>
+      <pc:sldChg chg="delSp modSp add mod">
+        <pc:chgData name="Yoshiharu Hamaguchi" userId="470e288704938fe9" providerId="LiveId" clId="{70332866-803F-45E9-A120-6101FBB807E0}" dt="2025-09-08T14:54:43.380" v="4101" actId="20577"/>
+        <pc:sldMkLst>
+          <pc:docMk/>
+          <pc:sldMk cId="914960372" sldId="275"/>
+        </pc:sldMkLst>
+        <pc:spChg chg="mod">
+          <ac:chgData name="Yoshiharu Hamaguchi" userId="470e288704938fe9" providerId="LiveId" clId="{70332866-803F-45E9-A120-6101FBB807E0}" dt="2025-09-08T14:54:43.380" v="4101" actId="20577"/>
+          <ac:spMkLst>
+            <pc:docMk/>
+            <pc:sldMk cId="914960372" sldId="275"/>
+            <ac:spMk id="2" creationId="{9C784ACA-9376-15C6-DD93-68B5D582FADA}"/>
+          </ac:spMkLst>
+        </pc:spChg>
+        <pc:spChg chg="mod">
+          <ac:chgData name="Yoshiharu Hamaguchi" userId="470e288704938fe9" providerId="LiveId" clId="{70332866-803F-45E9-A120-6101FBB807E0}" dt="2025-09-08T14:52:48.660" v="3756" actId="20577"/>
+          <ac:spMkLst>
+            <pc:docMk/>
+            <pc:sldMk cId="914960372" sldId="275"/>
+            <ac:spMk id="12" creationId="{E944DFBB-A102-FEAA-D487-BCBEE3A4BD63}"/>
+          </ac:spMkLst>
+        </pc:spChg>
+      </pc:sldChg>
+      <pc:sldChg chg="addSp delSp modSp add del mod">
+        <pc:chgData name="Yoshiharu Hamaguchi" userId="470e288704938fe9" providerId="LiveId" clId="{70332866-803F-45E9-A120-6101FBB807E0}" dt="2025-09-08T14:29:29.771" v="2540" actId="47"/>
+        <pc:sldMkLst>
+          <pc:docMk/>
+          <pc:sldMk cId="3512689603" sldId="275"/>
+        </pc:sldMkLst>
+      </pc:sldChg>
+      <pc:sldChg chg="modSp add mod">
+        <pc:chgData name="Yoshiharu Hamaguchi" userId="470e288704938fe9" providerId="LiveId" clId="{70332866-803F-45E9-A120-6101FBB807E0}" dt="2025-09-08T14:54:17.815" v="4085" actId="20577"/>
+        <pc:sldMkLst>
+          <pc:docMk/>
+          <pc:sldMk cId="11239393" sldId="276"/>
+        </pc:sldMkLst>
+        <pc:spChg chg="mod">
+          <ac:chgData name="Yoshiharu Hamaguchi" userId="470e288704938fe9" providerId="LiveId" clId="{70332866-803F-45E9-A120-6101FBB807E0}" dt="2025-09-08T14:53:27.147" v="3866" actId="20577"/>
+          <ac:spMkLst>
+            <pc:docMk/>
+            <pc:sldMk cId="11239393" sldId="276"/>
+            <ac:spMk id="2" creationId="{9C784ACA-9376-15C6-DD93-68B5D582FADA}"/>
+          </ac:spMkLst>
+        </pc:spChg>
+        <pc:spChg chg="mod">
+          <ac:chgData name="Yoshiharu Hamaguchi" userId="470e288704938fe9" providerId="LiveId" clId="{70332866-803F-45E9-A120-6101FBB807E0}" dt="2025-09-08T14:54:17.815" v="4085" actId="20577"/>
+          <ac:spMkLst>
+            <pc:docMk/>
+            <pc:sldMk cId="11239393" sldId="276"/>
+            <ac:spMk id="12" creationId="{E944DFBB-A102-FEAA-D487-BCBEE3A4BD63}"/>
+          </ac:spMkLst>
+        </pc:spChg>
+      </pc:sldChg>
+      <pc:sldChg chg="modSp add mod">
+        <pc:chgData name="Yoshiharu Hamaguchi" userId="470e288704938fe9" providerId="LiveId" clId="{70332866-803F-45E9-A120-6101FBB807E0}" dt="2025-09-08T14:55:11.230" v="4201" actId="20577"/>
+        <pc:sldMkLst>
+          <pc:docMk/>
+          <pc:sldMk cId="2816348142" sldId="277"/>
+        </pc:sldMkLst>
+        <pc:spChg chg="mod">
+          <ac:chgData name="Yoshiharu Hamaguchi" userId="470e288704938fe9" providerId="LiveId" clId="{70332866-803F-45E9-A120-6101FBB807E0}" dt="2025-09-08T14:54:58.097" v="4136" actId="20577"/>
+          <ac:spMkLst>
+            <pc:docMk/>
+            <pc:sldMk cId="2816348142" sldId="277"/>
+            <ac:spMk id="2" creationId="{9C784ACA-9376-15C6-DD93-68B5D582FADA}"/>
+          </ac:spMkLst>
+        </pc:spChg>
+        <pc:spChg chg="mod">
+          <ac:chgData name="Yoshiharu Hamaguchi" userId="470e288704938fe9" providerId="LiveId" clId="{70332866-803F-45E9-A120-6101FBB807E0}" dt="2025-09-08T14:55:11.230" v="4201" actId="20577"/>
+          <ac:spMkLst>
+            <pc:docMk/>
+            <pc:sldMk cId="2816348142" sldId="277"/>
+            <ac:spMk id="12" creationId="{E944DFBB-A102-FEAA-D487-BCBEE3A4BD63}"/>
+          </ac:spMkLst>
+        </pc:spChg>
       </pc:sldChg>
     </pc:docChg>
   </pc:docChgLst>
@@ -2587,6 +2591,90 @@
     <p:extLst>
       <p:ext uri="{BB962C8B-B14F-4D97-AF65-F5344CB8AC3E}">
         <p14:creationId xmlns:p14="http://schemas.microsoft.com/office/powerpoint/2010/main" val="559587257"/>
+      </p:ext>
+    </p:extLst>
+  </p:cSld>
+  <p:clrMapOvr>
+    <a:masterClrMapping/>
+  </p:clrMapOvr>
+</p:notes>
+</file>
+
+<file path=ppt/notesSlides/notesSlide2.xml><?xml version="1.0" encoding="utf-8"?>
+<p:notes xmlns:a="http://schemas.openxmlformats.org/drawingml/2006/main" xmlns:r="http://schemas.openxmlformats.org/officeDocument/2006/relationships" xmlns:p="http://schemas.openxmlformats.org/presentationml/2006/main">
+  <p:cSld>
+    <p:spTree>
+      <p:nvGrpSpPr>
+        <p:cNvPr id="1" name=""/>
+        <p:cNvGrpSpPr/>
+        <p:nvPr/>
+      </p:nvGrpSpPr>
+      <p:grpSpPr>
+        <a:xfrm>
+          <a:off x="0" y="0"/>
+          <a:ext cx="0" cy="0"/>
+          <a:chOff x="0" y="0"/>
+          <a:chExt cx="0" cy="0"/>
+        </a:xfrm>
+      </p:grpSpPr>
+      <p:sp>
+        <p:nvSpPr>
+          <p:cNvPr id="2" name="スライド イメージ プレースホルダー 1"/>
+          <p:cNvSpPr>
+            <a:spLocks noGrp="1" noRot="1" noChangeAspect="1"/>
+          </p:cNvSpPr>
+          <p:nvPr>
+            <p:ph type="sldImg"/>
+          </p:nvPr>
+        </p:nvSpPr>
+        <p:spPr/>
+      </p:sp>
+      <p:sp>
+        <p:nvSpPr>
+          <p:cNvPr id="3" name="ノート プレースホルダー 2"/>
+          <p:cNvSpPr>
+            <a:spLocks noGrp="1"/>
+          </p:cNvSpPr>
+          <p:nvPr>
+            <p:ph type="body" idx="1"/>
+          </p:nvPr>
+        </p:nvSpPr>
+        <p:spPr/>
+        <p:txBody>
+          <a:bodyPr/>
+          <a:lstStyle/>
+          <a:p>
+            <a:endParaRPr kumimoji="1" lang="ja-JP" altLang="en-US" dirty="0"/>
+          </a:p>
+        </p:txBody>
+      </p:sp>
+      <p:sp>
+        <p:nvSpPr>
+          <p:cNvPr id="4" name="スライド番号プレースホルダー 3"/>
+          <p:cNvSpPr>
+            <a:spLocks noGrp="1"/>
+          </p:cNvSpPr>
+          <p:nvPr>
+            <p:ph type="sldNum" sz="quarter" idx="5"/>
+          </p:nvPr>
+        </p:nvSpPr>
+        <p:spPr/>
+        <p:txBody>
+          <a:bodyPr/>
+          <a:lstStyle/>
+          <a:p>
+            <a:fld id="{AD8AB98A-B502-4EB7-B22F-023A491565A8}" type="slidenum">
+              <a:rPr kumimoji="1" lang="ja-JP" altLang="en-US" smtClean="0"/>
+              <a:t>4</a:t>
+            </a:fld>
+            <a:endParaRPr kumimoji="1" lang="ja-JP" altLang="en-US"/>
+          </a:p>
+        </p:txBody>
+      </p:sp>
+    </p:spTree>
+    <p:extLst>
+      <p:ext uri="{BB962C8B-B14F-4D97-AF65-F5344CB8AC3E}">
+        <p14:creationId xmlns:p14="http://schemas.microsoft.com/office/powerpoint/2010/main" val="2178051445"/>
       </p:ext>
     </p:extLst>
   </p:cSld>
@@ -6190,6 +6278,177 @@
   <p:cSld>
     <p:spTree>
       <p:nvGrpSpPr>
+        <p:cNvPr id="1" name="">
+          <a:extLst>
+            <a:ext uri="{FF2B5EF4-FFF2-40B4-BE49-F238E27FC236}">
+              <a16:creationId xmlns:a16="http://schemas.microsoft.com/office/drawing/2014/main" id="{C0771CB3-4764-1DAC-89D7-15532E1065C6}"/>
+            </a:ext>
+          </a:extLst>
+        </p:cNvPr>
+        <p:cNvGrpSpPr/>
+        <p:nvPr/>
+      </p:nvGrpSpPr>
+      <p:grpSpPr>
+        <a:xfrm>
+          <a:off x="0" y="0"/>
+          <a:ext cx="0" cy="0"/>
+          <a:chOff x="0" y="0"/>
+          <a:chExt cx="0" cy="0"/>
+        </a:xfrm>
+      </p:grpSpPr>
+      <p:sp>
+        <p:nvSpPr>
+          <p:cNvPr id="2" name="タイトル 1">
+            <a:extLst>
+              <a:ext uri="{FF2B5EF4-FFF2-40B4-BE49-F238E27FC236}">
+                <a16:creationId xmlns:a16="http://schemas.microsoft.com/office/drawing/2014/main" id="{08323153-8C2D-F374-32C5-D28DA262A3B8}"/>
+              </a:ext>
+            </a:extLst>
+          </p:cNvPr>
+          <p:cNvSpPr>
+            <a:spLocks noGrp="1"/>
+          </p:cNvSpPr>
+          <p:nvPr>
+            <p:ph type="title"/>
+          </p:nvPr>
+        </p:nvSpPr>
+        <p:spPr>
+          <a:xfrm>
+            <a:off x="838200" y="365126"/>
+            <a:ext cx="10515600" cy="891020"/>
+          </a:xfrm>
+        </p:spPr>
+        <p:txBody>
+          <a:bodyPr>
+            <a:normAutofit/>
+          </a:bodyPr>
+          <a:lstStyle/>
+          <a:p>
+            <a:r>
+              <a:rPr lang="en-US" altLang="ja-JP" dirty="0" err="1"/>
+              <a:t>gRPC</a:t>
+            </a:r>
+            <a:r>
+              <a:rPr lang="ja-JP" altLang="en-US"/>
+              <a:t>のシーケンス</a:t>
+            </a:r>
+            <a:endParaRPr kumimoji="1" lang="ja-JP" altLang="en-US" dirty="0"/>
+          </a:p>
+        </p:txBody>
+      </p:sp>
+      <p:sp>
+        <p:nvSpPr>
+          <p:cNvPr id="12" name="コンテンツ プレースホルダー 11">
+            <a:extLst>
+              <a:ext uri="{FF2B5EF4-FFF2-40B4-BE49-F238E27FC236}">
+                <a16:creationId xmlns:a16="http://schemas.microsoft.com/office/drawing/2014/main" id="{D08F6526-88BE-95AD-7089-49D9D0C8C2C8}"/>
+              </a:ext>
+            </a:extLst>
+          </p:cNvPr>
+          <p:cNvSpPr>
+            <a:spLocks noGrp="1"/>
+          </p:cNvSpPr>
+          <p:nvPr>
+            <p:ph idx="1"/>
+          </p:nvPr>
+        </p:nvSpPr>
+        <p:spPr>
+          <a:xfrm>
+            <a:off x="838200" y="1401417"/>
+            <a:ext cx="10515600" cy="4775546"/>
+          </a:xfrm>
+        </p:spPr>
+        <p:txBody>
+          <a:bodyPr>
+            <a:normAutofit/>
+          </a:bodyPr>
+          <a:lstStyle/>
+          <a:p>
+            <a:pPr marL="0" indent="0">
+              <a:buNone/>
+            </a:pPr>
+            <a:r>
+              <a:rPr lang="ja-JP" altLang="en-US"/>
+              <a:t>・</a:t>
+            </a:r>
+            <a:r>
+              <a:rPr lang="en-US" altLang="ja-JP" dirty="0"/>
+              <a:t>.md</a:t>
+            </a:r>
+            <a:r>
+              <a:rPr lang="ja-JP" altLang="en-US"/>
+              <a:t>で説明します</a:t>
+            </a:r>
+            <a:endParaRPr lang="ja-JP" altLang="en-US" dirty="0"/>
+          </a:p>
+          <a:p>
+            <a:pPr marL="0" indent="0">
+              <a:buNone/>
+            </a:pPr>
+            <a:br>
+              <a:rPr lang="ja-JP" altLang="en-US" dirty="0"/>
+            </a:br>
+            <a:endParaRPr lang="ja-JP" altLang="en-US" dirty="0"/>
+          </a:p>
+          <a:p>
+            <a:pPr marL="0" indent="0">
+              <a:buNone/>
+            </a:pPr>
+            <a:endParaRPr lang="en-US" altLang="ja-JP" sz="2400" dirty="0"/>
+          </a:p>
+          <a:p>
+            <a:pPr marL="0" indent="0">
+              <a:buNone/>
+            </a:pPr>
+            <a:endParaRPr lang="en-US" altLang="ja-JP" sz="2400" dirty="0"/>
+          </a:p>
+          <a:p>
+            <a:pPr marL="0" indent="0">
+              <a:buNone/>
+            </a:pPr>
+            <a:endParaRPr lang="en-US" altLang="ja-JP" sz="2400" dirty="0"/>
+          </a:p>
+          <a:p>
+            <a:pPr>
+              <a:buFontTx/>
+              <a:buChar char="-"/>
+            </a:pPr>
+            <a:endParaRPr lang="en-US" altLang="ja-JP" sz="2400" dirty="0"/>
+          </a:p>
+          <a:p>
+            <a:pPr>
+              <a:buFontTx/>
+              <a:buChar char="-"/>
+            </a:pPr>
+            <a:endParaRPr lang="en-US" altLang="ja-JP" sz="2400" dirty="0"/>
+          </a:p>
+          <a:p>
+            <a:pPr>
+              <a:buFontTx/>
+              <a:buChar char="-"/>
+            </a:pPr>
+            <a:endParaRPr lang="en-US" altLang="ja-JP" sz="2400" dirty="0"/>
+          </a:p>
+        </p:txBody>
+      </p:sp>
+    </p:spTree>
+    <p:extLst>
+      <p:ext uri="{BB962C8B-B14F-4D97-AF65-F5344CB8AC3E}">
+        <p14:creationId xmlns:p14="http://schemas.microsoft.com/office/powerpoint/2010/main" val="1729486246"/>
+      </p:ext>
+    </p:extLst>
+  </p:cSld>
+  <p:clrMapOvr>
+    <a:masterClrMapping/>
+  </p:clrMapOvr>
+</p:sld>
+</file>
+
+<file path=ppt/slides/slide11.xml><?xml version="1.0" encoding="utf-8"?>
+<p:sld xmlns:a="http://schemas.openxmlformats.org/drawingml/2006/main" xmlns:r="http://schemas.openxmlformats.org/officeDocument/2006/relationships" xmlns:p="http://schemas.openxmlformats.org/presentationml/2006/main">
+  <p:cSld>
+    <p:spTree>
+      <p:nvGrpSpPr>
         <p:cNvPr id="1" name=""/>
         <p:cNvGrpSpPr/>
         <p:nvPr/>
@@ -6231,9 +6490,10 @@
           <a:lstStyle/>
           <a:p>
             <a:r>
-              <a:rPr kumimoji="1" lang="ja-JP" altLang="en-US" dirty="0"/>
-              <a:t>多言語対応</a:t>
-            </a:r>
+              <a:rPr kumimoji="1" lang="ja-JP" altLang="en-US"/>
+              <a:t>サンプルプログラムと通信内容</a:t>
+            </a:r>
+            <a:endParaRPr kumimoji="1" lang="ja-JP" altLang="en-US" dirty="0"/>
           </a:p>
         </p:txBody>
       </p:sp>
@@ -6266,8 +6526,218 @@
           <a:lstStyle/>
           <a:p>
             <a:r>
+              <a:rPr lang="ja-JP" altLang="en-US"/>
+              <a:t>一例として</a:t>
+            </a:r>
+            <a:r>
+              <a:rPr lang="en-US" altLang="ja-JP" dirty="0"/>
+              <a:t>C++</a:t>
+            </a:r>
+            <a:r>
+              <a:rPr lang="ja-JP" altLang="en-US"/>
+              <a:t>で</a:t>
+            </a:r>
+            <a:r>
+              <a:rPr lang="en-US" altLang="ja-JP" dirty="0" err="1"/>
+              <a:t>gRPC</a:t>
+            </a:r>
+            <a:r>
+              <a:rPr lang="ja-JP" altLang="en-US"/>
+              <a:t>を使ってチャットするサンプルプログラム（</a:t>
+            </a:r>
+            <a:r>
+              <a:rPr lang="en-US" altLang="ja-JP" dirty="0" err="1"/>
+              <a:t>Claudecode</a:t>
+            </a:r>
+            <a:r>
+              <a:rPr lang="ja-JP" altLang="en-US"/>
+              <a:t>で作成したもの）をもとに、具体的にどのようなコードが自動生成され、どのようにコードを書いて通信するのか、説明します。</a:t>
+            </a:r>
+            <a:endParaRPr lang="en-US" altLang="ja-JP" dirty="0"/>
+          </a:p>
+          <a:p>
+            <a:endParaRPr lang="en-US" altLang="ja-JP" dirty="0"/>
+          </a:p>
+          <a:p>
+            <a:r>
+              <a:rPr lang="ja-JP" altLang="en-US"/>
+              <a:t>実際にサンプルを動かした際の通信内容を</a:t>
+            </a:r>
+            <a:r>
+              <a:rPr lang="en-US" altLang="ja-JP" dirty="0"/>
+              <a:t>Wireshark</a:t>
+            </a:r>
+            <a:r>
+              <a:rPr lang="ja-JP" altLang="en-US"/>
+              <a:t>を使って確認してみます。</a:t>
+            </a:r>
+            <a:endParaRPr lang="ja-JP" altLang="en-US" dirty="0"/>
+          </a:p>
+          <a:p>
+            <a:pPr marL="0" indent="0">
+              <a:buNone/>
+            </a:pPr>
+            <a:endParaRPr lang="en-US" altLang="ja-JP" dirty="0"/>
+          </a:p>
+          <a:p>
+            <a:pPr marL="0" indent="0">
+              <a:buNone/>
+            </a:pPr>
+            <a:br>
               <a:rPr lang="ja-JP" altLang="en-US" dirty="0"/>
-              <a:t>ああ</a:t>
+            </a:br>
+            <a:endParaRPr lang="ja-JP" altLang="en-US" dirty="0"/>
+          </a:p>
+          <a:p>
+            <a:pPr marL="0" indent="0">
+              <a:buNone/>
+            </a:pPr>
+            <a:endParaRPr lang="en-US" altLang="ja-JP" sz="2400" dirty="0"/>
+          </a:p>
+          <a:p>
+            <a:pPr marL="0" indent="0">
+              <a:buNone/>
+            </a:pPr>
+            <a:endParaRPr lang="en-US" altLang="ja-JP" sz="2400" dirty="0"/>
+          </a:p>
+          <a:p>
+            <a:pPr marL="0" indent="0">
+              <a:buNone/>
+            </a:pPr>
+            <a:endParaRPr lang="en-US" altLang="ja-JP" sz="2400" dirty="0"/>
+          </a:p>
+          <a:p>
+            <a:pPr>
+              <a:buFontTx/>
+              <a:buChar char="-"/>
+            </a:pPr>
+            <a:endParaRPr lang="en-US" altLang="ja-JP" sz="2400" dirty="0"/>
+          </a:p>
+          <a:p>
+            <a:pPr>
+              <a:buFontTx/>
+              <a:buChar char="-"/>
+            </a:pPr>
+            <a:endParaRPr lang="en-US" altLang="ja-JP" sz="2400" dirty="0"/>
+          </a:p>
+          <a:p>
+            <a:pPr>
+              <a:buFontTx/>
+              <a:buChar char="-"/>
+            </a:pPr>
+            <a:endParaRPr lang="en-US" altLang="ja-JP" sz="2400" dirty="0"/>
+          </a:p>
+        </p:txBody>
+      </p:sp>
+    </p:spTree>
+    <p:extLst>
+      <p:ext uri="{BB962C8B-B14F-4D97-AF65-F5344CB8AC3E}">
+        <p14:creationId xmlns:p14="http://schemas.microsoft.com/office/powerpoint/2010/main" val="2314387547"/>
+      </p:ext>
+    </p:extLst>
+  </p:cSld>
+  <p:clrMapOvr>
+    <a:masterClrMapping/>
+  </p:clrMapOvr>
+</p:sld>
+</file>
+
+<file path=ppt/slides/slide12.xml><?xml version="1.0" encoding="utf-8"?>
+<p:sld xmlns:a="http://schemas.openxmlformats.org/drawingml/2006/main" xmlns:r="http://schemas.openxmlformats.org/officeDocument/2006/relationships" xmlns:p="http://schemas.openxmlformats.org/presentationml/2006/main">
+  <p:cSld>
+    <p:spTree>
+      <p:nvGrpSpPr>
+        <p:cNvPr id="1" name=""/>
+        <p:cNvGrpSpPr/>
+        <p:nvPr/>
+      </p:nvGrpSpPr>
+      <p:grpSpPr>
+        <a:xfrm>
+          <a:off x="0" y="0"/>
+          <a:ext cx="0" cy="0"/>
+          <a:chOff x="0" y="0"/>
+          <a:chExt cx="0" cy="0"/>
+        </a:xfrm>
+      </p:grpSpPr>
+      <p:sp>
+        <p:nvSpPr>
+          <p:cNvPr id="2" name="タイトル 1">
+            <a:extLst>
+              <a:ext uri="{FF2B5EF4-FFF2-40B4-BE49-F238E27FC236}">
+                <a16:creationId xmlns:a16="http://schemas.microsoft.com/office/drawing/2014/main" id="{9C784ACA-9376-15C6-DD93-68B5D582FADA}"/>
+              </a:ext>
+            </a:extLst>
+          </p:cNvPr>
+          <p:cNvSpPr>
+            <a:spLocks noGrp="1"/>
+          </p:cNvSpPr>
+          <p:nvPr>
+            <p:ph type="title"/>
+          </p:nvPr>
+        </p:nvSpPr>
+        <p:spPr>
+          <a:xfrm>
+            <a:off x="838200" y="365126"/>
+            <a:ext cx="10515600" cy="891020"/>
+          </a:xfrm>
+        </p:spPr>
+        <p:txBody>
+          <a:bodyPr>
+            <a:normAutofit/>
+          </a:bodyPr>
+          <a:lstStyle/>
+          <a:p>
+            <a:r>
+              <a:rPr lang="en-US" altLang="ja-JP" dirty="0"/>
+              <a:t>C++</a:t>
+            </a:r>
+            <a:r>
+              <a:rPr lang="ja-JP" altLang="en-US"/>
+              <a:t>の</a:t>
+            </a:r>
+            <a:r>
+              <a:rPr lang="en-US" altLang="ja-JP" dirty="0" err="1"/>
+              <a:t>gRPC</a:t>
+            </a:r>
+            <a:r>
+              <a:rPr lang="ja-JP" altLang="en-US"/>
+              <a:t>チャットプログラム</a:t>
+            </a:r>
+            <a:endParaRPr kumimoji="1" lang="ja-JP" altLang="en-US" dirty="0"/>
+          </a:p>
+        </p:txBody>
+      </p:sp>
+      <p:sp>
+        <p:nvSpPr>
+          <p:cNvPr id="12" name="コンテンツ プレースホルダー 11">
+            <a:extLst>
+              <a:ext uri="{FF2B5EF4-FFF2-40B4-BE49-F238E27FC236}">
+                <a16:creationId xmlns:a16="http://schemas.microsoft.com/office/drawing/2014/main" id="{E944DFBB-A102-FEAA-D487-BCBEE3A4BD63}"/>
+              </a:ext>
+            </a:extLst>
+          </p:cNvPr>
+          <p:cNvSpPr>
+            <a:spLocks noGrp="1"/>
+          </p:cNvSpPr>
+          <p:nvPr>
+            <p:ph idx="1"/>
+          </p:nvPr>
+        </p:nvSpPr>
+        <p:spPr>
+          <a:xfrm>
+            <a:off x="421511" y="1154459"/>
+            <a:ext cx="10515600" cy="1237611"/>
+          </a:xfrm>
+        </p:spPr>
+        <p:txBody>
+          <a:bodyPr>
+            <a:normAutofit/>
+          </a:bodyPr>
+          <a:lstStyle/>
+          <a:p>
+            <a:r>
+              <a:rPr lang="ja-JP" altLang="en-US"/>
+              <a:t>動いてる様の抜粋</a:t>
             </a:r>
             <a:endParaRPr lang="en-US" altLang="ja-JP" dirty="0"/>
           </a:p>
@@ -6331,7 +6801,7 @@
         </p:blipFill>
         <p:spPr>
           <a:xfrm>
-            <a:off x="6881502" y="2971484"/>
+            <a:off x="7856745" y="3329263"/>
             <a:ext cx="3842949" cy="1779420"/>
           </a:xfrm>
           <a:prstGeom prst="rect">
@@ -6361,8 +6831,8 @@
         </p:blipFill>
         <p:spPr>
           <a:xfrm>
-            <a:off x="1651736" y="4103069"/>
-            <a:ext cx="4013027" cy="1602424"/>
+            <a:off x="115747" y="1892922"/>
+            <a:ext cx="5825242" cy="2326051"/>
           </a:xfrm>
           <a:prstGeom prst="rect">
             <a:avLst/>
@@ -6391,8 +6861,8 @@
         </p:blipFill>
         <p:spPr>
           <a:xfrm>
-            <a:off x="1651736" y="2316266"/>
-            <a:ext cx="4173579" cy="1468751"/>
+            <a:off x="180996" y="4616555"/>
+            <a:ext cx="5694744" cy="2004074"/>
           </a:xfrm>
           <a:prstGeom prst="rect">
             <a:avLst/>
@@ -6403,6 +6873,316 @@
     <p:extLst>
       <p:ext uri="{BB962C8B-B14F-4D97-AF65-F5344CB8AC3E}">
         <p14:creationId xmlns:p14="http://schemas.microsoft.com/office/powerpoint/2010/main" val="2502532709"/>
+      </p:ext>
+    </p:extLst>
+  </p:cSld>
+  <p:clrMapOvr>
+    <a:masterClrMapping/>
+  </p:clrMapOvr>
+</p:sld>
+</file>
+
+<file path=ppt/slides/slide13.xml><?xml version="1.0" encoding="utf-8"?>
+<p:sld xmlns:a="http://schemas.openxmlformats.org/drawingml/2006/main" xmlns:r="http://schemas.openxmlformats.org/officeDocument/2006/relationships" xmlns:p="http://schemas.openxmlformats.org/presentationml/2006/main">
+  <p:cSld>
+    <p:spTree>
+      <p:nvGrpSpPr>
+        <p:cNvPr id="1" name=""/>
+        <p:cNvGrpSpPr/>
+        <p:nvPr/>
+      </p:nvGrpSpPr>
+      <p:grpSpPr>
+        <a:xfrm>
+          <a:off x="0" y="0"/>
+          <a:ext cx="0" cy="0"/>
+          <a:chOff x="0" y="0"/>
+          <a:chExt cx="0" cy="0"/>
+        </a:xfrm>
+      </p:grpSpPr>
+      <p:sp>
+        <p:nvSpPr>
+          <p:cNvPr id="2" name="タイトル 1">
+            <a:extLst>
+              <a:ext uri="{FF2B5EF4-FFF2-40B4-BE49-F238E27FC236}">
+                <a16:creationId xmlns:a16="http://schemas.microsoft.com/office/drawing/2014/main" id="{9C784ACA-9376-15C6-DD93-68B5D582FADA}"/>
+              </a:ext>
+            </a:extLst>
+          </p:cNvPr>
+          <p:cNvSpPr>
+            <a:spLocks noGrp="1"/>
+          </p:cNvSpPr>
+          <p:nvPr>
+            <p:ph type="title"/>
+          </p:nvPr>
+        </p:nvSpPr>
+        <p:spPr>
+          <a:xfrm>
+            <a:off x="838200" y="365126"/>
+            <a:ext cx="10515600" cy="891020"/>
+          </a:xfrm>
+        </p:spPr>
+        <p:txBody>
+          <a:bodyPr>
+            <a:normAutofit/>
+          </a:bodyPr>
+          <a:lstStyle/>
+          <a:p>
+            <a:r>
+              <a:rPr kumimoji="1" lang="ja-JP" altLang="en-US"/>
+              <a:t>通信内容の確認</a:t>
+            </a:r>
+            <a:endParaRPr kumimoji="1" lang="ja-JP" altLang="en-US" dirty="0"/>
+          </a:p>
+        </p:txBody>
+      </p:sp>
+      <p:sp>
+        <p:nvSpPr>
+          <p:cNvPr id="12" name="コンテンツ プレースホルダー 11">
+            <a:extLst>
+              <a:ext uri="{FF2B5EF4-FFF2-40B4-BE49-F238E27FC236}">
+                <a16:creationId xmlns:a16="http://schemas.microsoft.com/office/drawing/2014/main" id="{E944DFBB-A102-FEAA-D487-BCBEE3A4BD63}"/>
+              </a:ext>
+            </a:extLst>
+          </p:cNvPr>
+          <p:cNvSpPr>
+            <a:spLocks noGrp="1"/>
+          </p:cNvSpPr>
+          <p:nvPr>
+            <p:ph idx="1"/>
+          </p:nvPr>
+        </p:nvSpPr>
+        <p:spPr>
+          <a:xfrm>
+            <a:off x="838200" y="1401417"/>
+            <a:ext cx="10515600" cy="4775546"/>
+          </a:xfrm>
+        </p:spPr>
+        <p:txBody>
+          <a:bodyPr>
+            <a:normAutofit/>
+          </a:bodyPr>
+          <a:lstStyle/>
+          <a:p>
+            <a:r>
+              <a:rPr lang="en-US" altLang="ja-JP" dirty="0"/>
+              <a:t>Wireshark</a:t>
+            </a:r>
+            <a:r>
+              <a:rPr lang="ja-JP" altLang="en-US"/>
+              <a:t>を使って、サンプルプログラムを動作させた際の通信内容を確認します。</a:t>
+            </a:r>
+            <a:endParaRPr lang="en-US" altLang="ja-JP" dirty="0"/>
+          </a:p>
+          <a:p>
+            <a:pPr marL="0" indent="0">
+              <a:buNone/>
+            </a:pPr>
+            <a:endParaRPr lang="en-US" altLang="ja-JP" dirty="0"/>
+          </a:p>
+          <a:p>
+            <a:pPr marL="0" indent="0">
+              <a:buNone/>
+            </a:pPr>
+            <a:br>
+              <a:rPr lang="ja-JP" altLang="en-US" dirty="0"/>
+            </a:br>
+            <a:endParaRPr lang="ja-JP" altLang="en-US" dirty="0"/>
+          </a:p>
+          <a:p>
+            <a:pPr marL="0" indent="0">
+              <a:buNone/>
+            </a:pPr>
+            <a:endParaRPr lang="en-US" altLang="ja-JP" sz="2400" dirty="0"/>
+          </a:p>
+          <a:p>
+            <a:pPr marL="0" indent="0">
+              <a:buNone/>
+            </a:pPr>
+            <a:endParaRPr lang="en-US" altLang="ja-JP" sz="2400" dirty="0"/>
+          </a:p>
+          <a:p>
+            <a:pPr marL="0" indent="0">
+              <a:buNone/>
+            </a:pPr>
+            <a:endParaRPr lang="en-US" altLang="ja-JP" sz="2400" dirty="0"/>
+          </a:p>
+          <a:p>
+            <a:pPr>
+              <a:buFontTx/>
+              <a:buChar char="-"/>
+            </a:pPr>
+            <a:endParaRPr lang="en-US" altLang="ja-JP" sz="2400" dirty="0"/>
+          </a:p>
+          <a:p>
+            <a:pPr>
+              <a:buFontTx/>
+              <a:buChar char="-"/>
+            </a:pPr>
+            <a:endParaRPr lang="en-US" altLang="ja-JP" sz="2400" dirty="0"/>
+          </a:p>
+          <a:p>
+            <a:pPr>
+              <a:buFontTx/>
+              <a:buChar char="-"/>
+            </a:pPr>
+            <a:endParaRPr lang="en-US" altLang="ja-JP" sz="2400" dirty="0"/>
+          </a:p>
+        </p:txBody>
+      </p:sp>
+    </p:spTree>
+    <p:extLst>
+      <p:ext uri="{BB962C8B-B14F-4D97-AF65-F5344CB8AC3E}">
+        <p14:creationId xmlns:p14="http://schemas.microsoft.com/office/powerpoint/2010/main" val="3549695415"/>
+      </p:ext>
+    </p:extLst>
+  </p:cSld>
+  <p:clrMapOvr>
+    <a:masterClrMapping/>
+  </p:clrMapOvr>
+</p:sld>
+</file>
+
+<file path=ppt/slides/slide14.xml><?xml version="1.0" encoding="utf-8"?>
+<p:sld xmlns:a="http://schemas.openxmlformats.org/drawingml/2006/main" xmlns:r="http://schemas.openxmlformats.org/officeDocument/2006/relationships" xmlns:p="http://schemas.openxmlformats.org/presentationml/2006/main">
+  <p:cSld>
+    <p:spTree>
+      <p:nvGrpSpPr>
+        <p:cNvPr id="1" name="">
+          <a:extLst>
+            <a:ext uri="{FF2B5EF4-FFF2-40B4-BE49-F238E27FC236}">
+              <a16:creationId xmlns:a16="http://schemas.microsoft.com/office/drawing/2014/main" id="{A9FEB409-E4DB-852B-ED2E-278FDEEA9F33}"/>
+            </a:ext>
+          </a:extLst>
+        </p:cNvPr>
+        <p:cNvGrpSpPr/>
+        <p:nvPr/>
+      </p:nvGrpSpPr>
+      <p:grpSpPr>
+        <a:xfrm>
+          <a:off x="0" y="0"/>
+          <a:ext cx="0" cy="0"/>
+          <a:chOff x="0" y="0"/>
+          <a:chExt cx="0" cy="0"/>
+        </a:xfrm>
+      </p:grpSpPr>
+      <p:sp>
+        <p:nvSpPr>
+          <p:cNvPr id="2" name="タイトル 1">
+            <a:extLst>
+              <a:ext uri="{FF2B5EF4-FFF2-40B4-BE49-F238E27FC236}">
+                <a16:creationId xmlns:a16="http://schemas.microsoft.com/office/drawing/2014/main" id="{38C3A938-6124-C30B-FC90-594FC5328FE2}"/>
+              </a:ext>
+            </a:extLst>
+          </p:cNvPr>
+          <p:cNvSpPr>
+            <a:spLocks noGrp="1"/>
+          </p:cNvSpPr>
+          <p:nvPr>
+            <p:ph type="title"/>
+          </p:nvPr>
+        </p:nvSpPr>
+        <p:spPr>
+          <a:xfrm>
+            <a:off x="838200" y="365126"/>
+            <a:ext cx="10515600" cy="891020"/>
+          </a:xfrm>
+        </p:spPr>
+        <p:txBody>
+          <a:bodyPr>
+            <a:normAutofit/>
+          </a:bodyPr>
+          <a:lstStyle/>
+          <a:p>
+            <a:r>
+              <a:rPr lang="ja-JP" altLang="en-US"/>
+              <a:t>まとめ</a:t>
+            </a:r>
+            <a:endParaRPr kumimoji="1" lang="ja-JP" altLang="en-US" dirty="0"/>
+          </a:p>
+        </p:txBody>
+      </p:sp>
+      <p:sp>
+        <p:nvSpPr>
+          <p:cNvPr id="12" name="コンテンツ プレースホルダー 11">
+            <a:extLst>
+              <a:ext uri="{FF2B5EF4-FFF2-40B4-BE49-F238E27FC236}">
+                <a16:creationId xmlns:a16="http://schemas.microsoft.com/office/drawing/2014/main" id="{1BDC26F9-FE6D-EE0B-F8C3-FEC5AE02268F}"/>
+              </a:ext>
+            </a:extLst>
+          </p:cNvPr>
+          <p:cNvSpPr>
+            <a:spLocks noGrp="1"/>
+          </p:cNvSpPr>
+          <p:nvPr>
+            <p:ph idx="1"/>
+          </p:nvPr>
+        </p:nvSpPr>
+        <p:spPr>
+          <a:xfrm>
+            <a:off x="838200" y="1401417"/>
+            <a:ext cx="10515600" cy="4775546"/>
+          </a:xfrm>
+        </p:spPr>
+        <p:txBody>
+          <a:bodyPr>
+            <a:normAutofit/>
+          </a:bodyPr>
+          <a:lstStyle/>
+          <a:p>
+            <a:r>
+              <a:rPr lang="en-US" altLang="ja-JP" dirty="0"/>
+              <a:t>xxx</a:t>
+            </a:r>
+            <a:br>
+              <a:rPr lang="ja-JP" altLang="en-US" dirty="0"/>
+            </a:br>
+            <a:endParaRPr lang="ja-JP" altLang="en-US" dirty="0"/>
+          </a:p>
+          <a:p>
+            <a:pPr marL="0" indent="0">
+              <a:buNone/>
+            </a:pPr>
+            <a:endParaRPr lang="en-US" altLang="ja-JP" sz="2400" dirty="0"/>
+          </a:p>
+          <a:p>
+            <a:pPr marL="0" indent="0">
+              <a:buNone/>
+            </a:pPr>
+            <a:endParaRPr lang="en-US" altLang="ja-JP" sz="2400" dirty="0"/>
+          </a:p>
+          <a:p>
+            <a:pPr marL="0" indent="0">
+              <a:buNone/>
+            </a:pPr>
+            <a:endParaRPr lang="en-US" altLang="ja-JP" sz="2400" dirty="0"/>
+          </a:p>
+          <a:p>
+            <a:pPr>
+              <a:buFontTx/>
+              <a:buChar char="-"/>
+            </a:pPr>
+            <a:endParaRPr lang="en-US" altLang="ja-JP" sz="2400" dirty="0"/>
+          </a:p>
+          <a:p>
+            <a:pPr>
+              <a:buFontTx/>
+              <a:buChar char="-"/>
+            </a:pPr>
+            <a:endParaRPr lang="en-US" altLang="ja-JP" sz="2400" dirty="0"/>
+          </a:p>
+          <a:p>
+            <a:pPr>
+              <a:buFontTx/>
+              <a:buChar char="-"/>
+            </a:pPr>
+            <a:endParaRPr lang="en-US" altLang="ja-JP" sz="2400" dirty="0"/>
+          </a:p>
+        </p:txBody>
+      </p:sp>
+    </p:spTree>
+    <p:extLst>
+      <p:ext uri="{BB962C8B-B14F-4D97-AF65-F5344CB8AC3E}">
+        <p14:creationId xmlns:p14="http://schemas.microsoft.com/office/powerpoint/2010/main" val="1080319012"/>
       </p:ext>
     </p:extLst>
   </p:cSld>
@@ -6506,15 +7286,47 @@
             </a:r>
             <a:r>
               <a:rPr lang="ja-JP" altLang="en-US" sz="2400" dirty="0"/>
-              <a:t>が開発したオープンソースの高性能リモートプロシージャコール（</a:t>
-            </a:r>
-            <a:r>
-              <a:rPr lang="en-US" altLang="ja-JP" sz="2400" dirty="0"/>
-              <a:t>RPC: Remote Procedure Call</a:t>
+              <a:t>が開発したオープンソースの高性能</a:t>
+            </a:r>
+            <a:r>
+              <a:rPr lang="ja-JP" altLang="en-US" sz="2400" dirty="0">
+                <a:solidFill>
+                  <a:srgbClr val="FF0000"/>
+                </a:solidFill>
+              </a:rPr>
+              <a:t>リモートプロシージャコール</a:t>
+            </a:r>
+            <a:r>
+              <a:rPr lang="ja-JP" altLang="en-US" sz="2400">
+                <a:solidFill>
+                  <a:srgbClr val="FF0000"/>
+                </a:solidFill>
+              </a:rPr>
+              <a:t>（</a:t>
+            </a:r>
+            <a:r>
+              <a:rPr lang="en-US" altLang="ja-JP" sz="2400" dirty="0">
+                <a:solidFill>
+                  <a:srgbClr val="FF0000"/>
+                </a:solidFill>
+              </a:rPr>
+              <a:t>RPC</a:t>
+            </a:r>
+            <a:r>
+              <a:rPr lang="ja-JP" altLang="en-US" sz="2400">
+                <a:solidFill>
+                  <a:srgbClr val="FF0000"/>
+                </a:solidFill>
+              </a:rPr>
+              <a:t>）</a:t>
+            </a:r>
+            <a:r>
+              <a:rPr lang="ja-JP" altLang="en-US" sz="2400"/>
+              <a:t>のフレームワーク</a:t>
             </a:r>
             <a:r>
               <a:rPr lang="ja-JP" altLang="en-US" sz="2400" dirty="0"/>
-              <a:t>）フレームワークです。</a:t>
+              <a:t>です。</a:t>
             </a:r>
             <a:endParaRPr lang="en-US" altLang="ja-JP" sz="2400" dirty="0"/>
           </a:p>
@@ -6523,34 +7335,21 @@
           </a:p>
           <a:p>
             <a:r>
+              <a:rPr lang="ja-JP" altLang="en-US" sz="2400"/>
+              <a:t>特徴</a:t>
+            </a:r>
+            <a:r>
               <a:rPr lang="ja-JP" altLang="en-US" sz="2400" dirty="0"/>
-              <a:t>マイクロサービスアーキテクチャや分散システムで広く使われています。</a:t>
-            </a:r>
-            <a:endParaRPr lang="en-US" altLang="ja-JP" sz="2400" dirty="0"/>
-          </a:p>
-          <a:p>
-            <a:endParaRPr lang="en-US" altLang="ja-JP" sz="2400" dirty="0"/>
-          </a:p>
-          <a:p>
-            <a:r>
-              <a:rPr lang="ja-JP" altLang="en-US" sz="2400" dirty="0"/>
-              <a:t>特徴としては、以下の</a:t>
+              <a:t>としては、以下の</a:t>
             </a:r>
             <a:r>
               <a:rPr lang="en-US" altLang="ja-JP" sz="2400" dirty="0"/>
               <a:t>3</a:t>
             </a:r>
             <a:r>
-              <a:rPr lang="ja-JP" altLang="en-US" sz="2400" dirty="0"/>
+              <a:rPr lang="ja-JP" altLang="en-US" sz="2400"/>
               <a:t>つが挙げられます</a:t>
             </a:r>
-            <a:endParaRPr lang="en-US" altLang="ja-JP" sz="2400" dirty="0"/>
-          </a:p>
-          <a:p>
-            <a:pPr>
-              <a:buFontTx/>
-              <a:buChar char="-"/>
-            </a:pPr>
             <a:endParaRPr lang="en-US" altLang="ja-JP" sz="2400" dirty="0"/>
           </a:p>
           <a:p>
@@ -6559,16 +7358,32 @@
               <a:buAutoNum type="arabicPeriod"/>
             </a:pPr>
             <a:r>
-              <a:rPr lang="en-US" altLang="ja-JP" dirty="0"/>
+              <a:rPr lang="en-US" altLang="ja-JP" dirty="0">
+                <a:solidFill>
+                  <a:srgbClr val="FF0000"/>
+                </a:solidFill>
+              </a:rPr>
               <a:t>Protocol Buffers (</a:t>
             </a:r>
             <a:r>
-              <a:rPr lang="en-US" altLang="ja-JP" dirty="0" err="1"/>
+              <a:rPr lang="en-US" altLang="ja-JP" dirty="0" err="1">
+                <a:solidFill>
+                  <a:srgbClr val="FF0000"/>
+                </a:solidFill>
+              </a:rPr>
               <a:t>protobuf</a:t>
             </a:r>
             <a:r>
+              <a:rPr lang="ja-JP" altLang="en-US" dirty="0">
+                <a:solidFill>
+                  <a:srgbClr val="FF0000"/>
+                </a:solidFill>
+              </a:rPr>
+              <a:t>）</a:t>
+            </a:r>
+            <a:r>
               <a:rPr lang="ja-JP" altLang="en-US" dirty="0"/>
-              <a:t>）の使用</a:t>
+              <a:t>の使用</a:t>
             </a:r>
             <a:endParaRPr lang="en-US" altLang="ja-JP" dirty="0"/>
           </a:p>
@@ -6578,14 +7393,26 @@
               <a:buAutoNum type="arabicPeriod"/>
             </a:pPr>
             <a:r>
-              <a:rPr lang="en-US" altLang="ja-JP" dirty="0"/>
+              <a:rPr lang="en-US" altLang="ja-JP" dirty="0">
+                <a:solidFill>
+                  <a:srgbClr val="FF0000"/>
+                </a:solidFill>
+              </a:rPr>
               <a:t>HTTP/2 </a:t>
             </a:r>
             <a:r>
-              <a:rPr lang="ja-JP" altLang="en-US" dirty="0"/>
+              <a:rPr lang="ja-JP" altLang="en-US" dirty="0">
+                <a:solidFill>
+                  <a:srgbClr val="FF0000"/>
+                </a:solidFill>
+              </a:rPr>
               <a:t>ベース</a:t>
             </a:r>
-            <a:endParaRPr lang="en-US" altLang="ja-JP" dirty="0"/>
+            <a:endParaRPr lang="en-US" altLang="ja-JP" dirty="0">
+              <a:solidFill>
+                <a:srgbClr val="FF0000"/>
+              </a:solidFill>
+            </a:endParaRPr>
           </a:p>
           <a:p>
             <a:pPr marL="800100" lvl="1" indent="-342900">
@@ -6593,9 +7420,40 @@
               <a:buAutoNum type="arabicPeriod"/>
             </a:pPr>
             <a:r>
-              <a:rPr lang="ja-JP" altLang="en-US" dirty="0"/>
+              <a:rPr lang="ja-JP" altLang="en-US"/>
               <a:t>多言語対応</a:t>
             </a:r>
+            <a:endParaRPr lang="en-US" altLang="ja-JP" dirty="0"/>
+          </a:p>
+          <a:p>
+            <a:pPr lvl="2"/>
+            <a:r>
+              <a:rPr lang="en-US" altLang="ja-JP" dirty="0"/>
+              <a:t>C, </a:t>
+            </a:r>
+            <a:r>
+              <a:rPr lang="en-US" altLang="ja-JP" dirty="0">
+                <a:solidFill>
+                  <a:srgbClr val="FF0000"/>
+                </a:solidFill>
+              </a:rPr>
+              <a:t>C++, </a:t>
+            </a:r>
+            <a:r>
+              <a:rPr lang="en-US" altLang="ja-JP" dirty="0"/>
+              <a:t>Java, Python, Go, Rust, C#</a:t>
+            </a:r>
+            <a:r>
+              <a:rPr lang="ja-JP" altLang="en-US"/>
+              <a:t>など多くの言語をサポートしています。</a:t>
+            </a:r>
+            <a:endParaRPr lang="en-US" altLang="ja-JP" dirty="0"/>
+          </a:p>
+          <a:p>
+            <a:pPr marL="800100" lvl="1" indent="-342900">
+              <a:buFont typeface="+mj-lt"/>
+              <a:buAutoNum type="arabicPeriod"/>
+            </a:pPr>
             <a:endParaRPr lang="en-US" altLang="ja-JP" dirty="0"/>
           </a:p>
           <a:p>
@@ -6666,10 +7524,10 @@
       </p:grpSpPr>
       <p:sp>
         <p:nvSpPr>
-          <p:cNvPr id="50" name="吹き出し: 四角形 49">
-            <a:extLst>
-              <a:ext uri="{FF2B5EF4-FFF2-40B4-BE49-F238E27FC236}">
-                <a16:creationId xmlns:a16="http://schemas.microsoft.com/office/drawing/2014/main" id="{A4465586-956D-F89E-D839-C2DA703394A3}"/>
+          <p:cNvPr id="21" name="吹き出し: 四角形 20">
+            <a:extLst>
+              <a:ext uri="{FF2B5EF4-FFF2-40B4-BE49-F238E27FC236}">
+                <a16:creationId xmlns:a16="http://schemas.microsoft.com/office/drawing/2014/main" id="{A2945F19-147E-ADB5-8E8B-2ECBAA18220E}"/>
               </a:ext>
             </a:extLst>
           </p:cNvPr>
@@ -6678,243 +7536,7 @@
         </p:nvSpPr>
         <p:spPr>
           <a:xfrm>
-            <a:off x="2489839" y="3861680"/>
-            <a:ext cx="3346990" cy="1256401"/>
-          </a:xfrm>
-          <a:prstGeom prst="wedgeRectCallout">
-            <a:avLst>
-              <a:gd name="adj1" fmla="val -19609"/>
-              <a:gd name="adj2" fmla="val 61055"/>
-            </a:avLst>
-          </a:prstGeom>
-        </p:spPr>
-        <p:style>
-          <a:lnRef idx="2">
-            <a:schemeClr val="accent6">
-              <a:shade val="15000"/>
-            </a:schemeClr>
-          </a:lnRef>
-          <a:fillRef idx="1">
-            <a:schemeClr val="accent6"/>
-          </a:fillRef>
-          <a:effectRef idx="0">
-            <a:schemeClr val="accent6"/>
-          </a:effectRef>
-          <a:fontRef idx="minor">
-            <a:schemeClr val="lt1"/>
-          </a:fontRef>
-        </p:style>
-        <p:txBody>
-          <a:bodyPr rtlCol="0" anchor="ctr"/>
-          <a:lstStyle/>
-          <a:p>
-            <a:pPr algn="ctr"/>
-            <a:endParaRPr kumimoji="1" lang="ja-JP" altLang="en-US"/>
-          </a:p>
-        </p:txBody>
-      </p:sp>
-      <p:sp>
-        <p:nvSpPr>
-          <p:cNvPr id="62" name="フローチャート: 処理 61">
-            <a:extLst>
-              <a:ext uri="{FF2B5EF4-FFF2-40B4-BE49-F238E27FC236}">
-                <a16:creationId xmlns:a16="http://schemas.microsoft.com/office/drawing/2014/main" id="{92215028-BFBC-5CB0-96F7-7B07C0F0DEED}"/>
-              </a:ext>
-            </a:extLst>
-          </p:cNvPr>
-          <p:cNvSpPr/>
-          <p:nvPr/>
-        </p:nvSpPr>
-        <p:spPr>
-          <a:xfrm>
-            <a:off x="2626040" y="3924366"/>
-            <a:ext cx="3106436" cy="1058951"/>
-          </a:xfrm>
-          <a:prstGeom prst="flowChartProcess">
-            <a:avLst/>
-          </a:prstGeom>
-        </p:spPr>
-        <p:style>
-          <a:lnRef idx="2">
-            <a:schemeClr val="accent1">
-              <a:shade val="15000"/>
-            </a:schemeClr>
-          </a:lnRef>
-          <a:fillRef idx="1">
-            <a:schemeClr val="accent1"/>
-          </a:fillRef>
-          <a:effectRef idx="0">
-            <a:schemeClr val="accent1"/>
-          </a:effectRef>
-          <a:fontRef idx="minor">
-            <a:schemeClr val="lt1"/>
-          </a:fontRef>
-        </p:style>
-        <p:txBody>
-          <a:bodyPr rtlCol="0" anchor="ctr"/>
-          <a:lstStyle/>
-          <a:p>
-            <a:pPr algn="ctr"/>
-            <a:endParaRPr kumimoji="1" lang="ja-JP" altLang="en-US" dirty="0"/>
-          </a:p>
-        </p:txBody>
-      </p:sp>
-      <p:sp>
-        <p:nvSpPr>
-          <p:cNvPr id="35" name="吹き出し: 四角形 34">
-            <a:extLst>
-              <a:ext uri="{FF2B5EF4-FFF2-40B4-BE49-F238E27FC236}">
-                <a16:creationId xmlns:a16="http://schemas.microsoft.com/office/drawing/2014/main" id="{F29F98E3-A156-F7C4-0370-3AB1B1227FA1}"/>
-              </a:ext>
-            </a:extLst>
-          </p:cNvPr>
-          <p:cNvSpPr/>
-          <p:nvPr/>
-        </p:nvSpPr>
-        <p:spPr>
-          <a:xfrm>
-            <a:off x="4133224" y="1650898"/>
-            <a:ext cx="7843512" cy="1354424"/>
-          </a:xfrm>
-          <a:prstGeom prst="wedgeRectCallout">
-            <a:avLst>
-              <a:gd name="adj1" fmla="val -21319"/>
-              <a:gd name="adj2" fmla="val 66720"/>
-            </a:avLst>
-          </a:prstGeom>
-        </p:spPr>
-        <p:style>
-          <a:lnRef idx="2">
-            <a:schemeClr val="accent6">
-              <a:shade val="15000"/>
-            </a:schemeClr>
-          </a:lnRef>
-          <a:fillRef idx="1">
-            <a:schemeClr val="accent6"/>
-          </a:fillRef>
-          <a:effectRef idx="0">
-            <a:schemeClr val="accent6"/>
-          </a:effectRef>
-          <a:fontRef idx="minor">
-            <a:schemeClr val="lt1"/>
-          </a:fontRef>
-        </p:style>
-        <p:txBody>
-          <a:bodyPr rtlCol="0" anchor="ctr"/>
-          <a:lstStyle/>
-          <a:p>
-            <a:pPr algn="ctr"/>
-            <a:endParaRPr kumimoji="1" lang="ja-JP" altLang="en-US"/>
-          </a:p>
-        </p:txBody>
-      </p:sp>
-      <p:sp>
-        <p:nvSpPr>
-          <p:cNvPr id="38" name="フローチャート: 処理 37">
-            <a:extLst>
-              <a:ext uri="{FF2B5EF4-FFF2-40B4-BE49-F238E27FC236}">
-                <a16:creationId xmlns:a16="http://schemas.microsoft.com/office/drawing/2014/main" id="{74EB806C-63B1-A2FB-8A44-3E75C3DC9869}"/>
-              </a:ext>
-            </a:extLst>
-          </p:cNvPr>
-          <p:cNvSpPr/>
-          <p:nvPr/>
-        </p:nvSpPr>
-        <p:spPr>
-          <a:xfrm>
-            <a:off x="4201560" y="1748746"/>
-            <a:ext cx="3104282" cy="1198889"/>
-          </a:xfrm>
-          <a:prstGeom prst="flowChartProcess">
-            <a:avLst/>
-          </a:prstGeom>
-        </p:spPr>
-        <p:style>
-          <a:lnRef idx="2">
-            <a:schemeClr val="accent1">
-              <a:shade val="15000"/>
-            </a:schemeClr>
-          </a:lnRef>
-          <a:fillRef idx="1">
-            <a:schemeClr val="accent1"/>
-          </a:fillRef>
-          <a:effectRef idx="0">
-            <a:schemeClr val="accent1"/>
-          </a:effectRef>
-          <a:fontRef idx="minor">
-            <a:schemeClr val="lt1"/>
-          </a:fontRef>
-        </p:style>
-        <p:txBody>
-          <a:bodyPr rtlCol="0" anchor="ctr"/>
-          <a:lstStyle/>
-          <a:p>
-            <a:pPr algn="ctr"/>
-            <a:endParaRPr kumimoji="1" lang="ja-JP" altLang="en-US" dirty="0"/>
-          </a:p>
-        </p:txBody>
-      </p:sp>
-      <p:sp>
-        <p:nvSpPr>
-          <p:cNvPr id="39" name="フローチャート: 処理 38">
-            <a:extLst>
-              <a:ext uri="{FF2B5EF4-FFF2-40B4-BE49-F238E27FC236}">
-                <a16:creationId xmlns:a16="http://schemas.microsoft.com/office/drawing/2014/main" id="{1C9273D3-58DA-9E3F-0FB6-45D06971E159}"/>
-              </a:ext>
-            </a:extLst>
-          </p:cNvPr>
-          <p:cNvSpPr/>
-          <p:nvPr/>
-        </p:nvSpPr>
-        <p:spPr>
-          <a:xfrm>
-            <a:off x="8175394" y="1748746"/>
-            <a:ext cx="3672503" cy="1198889"/>
-          </a:xfrm>
-          <a:prstGeom prst="flowChartProcess">
-            <a:avLst/>
-          </a:prstGeom>
-        </p:spPr>
-        <p:style>
-          <a:lnRef idx="2">
-            <a:schemeClr val="accent1">
-              <a:shade val="15000"/>
-            </a:schemeClr>
-          </a:lnRef>
-          <a:fillRef idx="1">
-            <a:schemeClr val="accent1"/>
-          </a:fillRef>
-          <a:effectRef idx="0">
-            <a:schemeClr val="accent1"/>
-          </a:effectRef>
-          <a:fontRef idx="minor">
-            <a:schemeClr val="lt1"/>
-          </a:fontRef>
-        </p:style>
-        <p:txBody>
-          <a:bodyPr rtlCol="0" anchor="ctr"/>
-          <a:lstStyle/>
-          <a:p>
-            <a:pPr algn="ctr"/>
-            <a:endParaRPr kumimoji="1" lang="ja-JP" altLang="en-US" dirty="0"/>
-          </a:p>
-        </p:txBody>
-      </p:sp>
-      <p:sp>
-        <p:nvSpPr>
-          <p:cNvPr id="21" name="吹き出し: 四角形 20">
-            <a:extLst>
-              <a:ext uri="{FF2B5EF4-FFF2-40B4-BE49-F238E27FC236}">
-                <a16:creationId xmlns:a16="http://schemas.microsoft.com/office/drawing/2014/main" id="{A2945F19-147E-ADB5-8E8B-2ECBAA18220E}"/>
-              </a:ext>
-            </a:extLst>
-          </p:cNvPr>
-          <p:cNvSpPr/>
-          <p:nvPr/>
-        </p:nvSpPr>
-        <p:spPr>
-          <a:xfrm>
-            <a:off x="320120" y="1302031"/>
+            <a:off x="2348875" y="2031810"/>
             <a:ext cx="3101400" cy="1930466"/>
           </a:xfrm>
           <a:prstGeom prst="wedgeRectCallout">
@@ -6960,7 +7582,7 @@
         </p:nvSpPr>
         <p:spPr>
           <a:xfrm>
-            <a:off x="377189" y="1404055"/>
+            <a:off x="2405944" y="2133834"/>
             <a:ext cx="2942591" cy="1728582"/>
           </a:xfrm>
           <a:prstGeom prst="flowChartProcess">
@@ -7021,12 +7643,8 @@
           <a:lstStyle/>
           <a:p>
             <a:r>
-              <a:rPr kumimoji="1" lang="ja-JP" altLang="en-US" dirty="0"/>
-              <a:t>プロシージャコール</a:t>
-            </a:r>
-            <a:r>
-              <a:rPr lang="ja-JP" altLang="en-US" dirty="0"/>
-              <a:t>とは？</a:t>
+              <a:rPr kumimoji="1" lang="ja-JP" altLang="en-US"/>
+              <a:t>プロシージャコールとは？</a:t>
             </a:r>
             <a:endParaRPr kumimoji="1" lang="ja-JP" altLang="en-US" dirty="0"/>
           </a:p>
@@ -7050,8 +7668,8 @@
         </p:nvSpPr>
         <p:spPr>
           <a:xfrm>
-            <a:off x="71827" y="847729"/>
-            <a:ext cx="3943973" cy="891020"/>
+            <a:off x="751448" y="1008367"/>
+            <a:ext cx="10996856" cy="845340"/>
           </a:xfrm>
         </p:spPr>
         <p:txBody>
@@ -7064,59 +7682,48 @@
               <a:buNone/>
             </a:pPr>
             <a:r>
-              <a:rPr lang="en-US" altLang="ja-JP" sz="1600" b="1" u="sng" dirty="0"/>
-              <a:t>1. </a:t>
-            </a:r>
-            <a:r>
-              <a:rPr lang="ja-JP" altLang="en-US" sz="1600" b="1" u="sng" dirty="0"/>
-              <a:t>プロシージャコールとは？</a:t>
-            </a:r>
-            <a:br>
-              <a:rPr lang="en-US" altLang="ja-JP" sz="1600" b="1" u="sng" dirty="0"/>
-            </a:br>
-            <a:r>
-              <a:rPr lang="ja-JP" altLang="en-US" sz="1600" dirty="0"/>
-              <a:t>同一プロセス内の関数コールのことです</a:t>
+              <a:rPr lang="ja-JP" altLang="en-US" sz="2400"/>
+              <a:t>まず、プロシージャコールとは、同一プロセス内の関数コールのことです</a:t>
             </a:r>
           </a:p>
           <a:p>
             <a:pPr marL="0" indent="0">
               <a:buNone/>
             </a:pPr>
-            <a:endParaRPr lang="en-US" altLang="ja-JP" sz="1600" dirty="0"/>
+            <a:endParaRPr lang="en-US" altLang="ja-JP" sz="2400" dirty="0"/>
           </a:p>
           <a:p>
             <a:pPr marL="0" indent="0">
               <a:buNone/>
             </a:pPr>
-            <a:endParaRPr lang="en-US" altLang="ja-JP" sz="1600" dirty="0"/>
+            <a:endParaRPr lang="en-US" altLang="ja-JP" sz="2400" dirty="0"/>
           </a:p>
           <a:p>
             <a:pPr marL="0" indent="0">
               <a:buNone/>
             </a:pPr>
-            <a:endParaRPr lang="en-US" altLang="ja-JP" sz="1600" dirty="0"/>
+            <a:endParaRPr lang="en-US" altLang="ja-JP" sz="2400" dirty="0"/>
           </a:p>
           <a:p>
             <a:pPr>
               <a:buFontTx/>
               <a:buChar char="-"/>
             </a:pPr>
-            <a:endParaRPr lang="en-US" altLang="ja-JP" sz="1600" dirty="0"/>
+            <a:endParaRPr lang="en-US" altLang="ja-JP" sz="2400" dirty="0"/>
           </a:p>
           <a:p>
             <a:pPr>
               <a:buFontTx/>
               <a:buChar char="-"/>
             </a:pPr>
-            <a:endParaRPr lang="en-US" altLang="ja-JP" sz="1600" dirty="0"/>
+            <a:endParaRPr lang="en-US" altLang="ja-JP" sz="2400" dirty="0"/>
           </a:p>
           <a:p>
             <a:pPr>
               <a:buFontTx/>
               <a:buChar char="-"/>
             </a:pPr>
-            <a:endParaRPr lang="en-US" altLang="ja-JP" sz="1600" dirty="0"/>
+            <a:endParaRPr lang="en-US" altLang="ja-JP" sz="2400" dirty="0"/>
           </a:p>
         </p:txBody>
       </p:sp>
@@ -7142,7 +7749,7 @@
         </p:blipFill>
         <p:spPr>
           <a:xfrm>
-            <a:off x="1148301" y="1762533"/>
+            <a:off x="3177056" y="2492312"/>
             <a:ext cx="1846470" cy="1219856"/>
           </a:xfrm>
           <a:prstGeom prst="rect">
@@ -7150,60 +7757,6 @@
           </a:prstGeom>
         </p:spPr>
       </p:pic>
-      <p:sp>
-        <p:nvSpPr>
-          <p:cNvPr id="8" name="矢印: 左カーブ 7">
-            <a:extLst>
-              <a:ext uri="{FF2B5EF4-FFF2-40B4-BE49-F238E27FC236}">
-                <a16:creationId xmlns:a16="http://schemas.microsoft.com/office/drawing/2014/main" id="{819FC1AA-B420-0090-264A-5CA02BE42D91}"/>
-              </a:ext>
-            </a:extLst>
-          </p:cNvPr>
-          <p:cNvSpPr/>
-          <p:nvPr/>
-        </p:nvSpPr>
-        <p:spPr>
-          <a:xfrm rot="10800000" flipH="1">
-            <a:off x="2922408" y="2088765"/>
-            <a:ext cx="471283" cy="690504"/>
-          </a:xfrm>
-          <a:prstGeom prst="curvedLeftArrow">
-            <a:avLst>
-              <a:gd name="adj1" fmla="val 25000"/>
-              <a:gd name="adj2" fmla="val 49384"/>
-              <a:gd name="adj3" fmla="val 25000"/>
-            </a:avLst>
-          </a:prstGeom>
-        </p:spPr>
-        <p:style>
-          <a:lnRef idx="2">
-            <a:schemeClr val="accent2">
-              <a:shade val="15000"/>
-            </a:schemeClr>
-          </a:lnRef>
-          <a:fillRef idx="1">
-            <a:schemeClr val="accent2"/>
-          </a:fillRef>
-          <a:effectRef idx="0">
-            <a:schemeClr val="accent2"/>
-          </a:effectRef>
-          <a:fontRef idx="minor">
-            <a:schemeClr val="lt1"/>
-          </a:fontRef>
-        </p:style>
-        <p:txBody>
-          <a:bodyPr rtlCol="0" anchor="ctr"/>
-          <a:lstStyle/>
-          <a:p>
-            <a:pPr algn="ctr"/>
-            <a:endParaRPr kumimoji="1" lang="ja-JP" altLang="en-US">
-              <a:solidFill>
-                <a:schemeClr val="tx1"/>
-              </a:solidFill>
-            </a:endParaRPr>
-          </a:p>
-        </p:txBody>
-      </p:sp>
       <p:cxnSp>
         <p:nvCxnSpPr>
           <p:cNvPr id="14" name="直線コネクタ 13">
@@ -7220,7 +7773,7 @@
         </p:nvCxnSpPr>
         <p:spPr>
           <a:xfrm>
-            <a:off x="1409700" y="2241682"/>
+            <a:off x="3438455" y="2971461"/>
             <a:ext cx="1553979" cy="0"/>
           </a:xfrm>
           <a:prstGeom prst="line">
@@ -7242,269 +7795,6 @@
           </a:fontRef>
         </p:style>
       </p:cxnSp>
-      <p:sp>
-        <p:nvSpPr>
-          <p:cNvPr id="15" name="コンテンツ プレースホルダー 11">
-            <a:extLst>
-              <a:ext uri="{FF2B5EF4-FFF2-40B4-BE49-F238E27FC236}">
-                <a16:creationId xmlns:a16="http://schemas.microsoft.com/office/drawing/2014/main" id="{7C6EF597-823B-D1E9-EA6E-8B8C2E9C59E9}"/>
-              </a:ext>
-            </a:extLst>
-          </p:cNvPr>
-          <p:cNvSpPr txBox="1">
-            <a:spLocks/>
-          </p:cNvSpPr>
-          <p:nvPr/>
-        </p:nvSpPr>
-        <p:spPr>
-          <a:xfrm>
-            <a:off x="3971299" y="835458"/>
-            <a:ext cx="7099844" cy="788356"/>
-          </a:xfrm>
-          <a:prstGeom prst="rect">
-            <a:avLst/>
-          </a:prstGeom>
-        </p:spPr>
-        <p:txBody>
-          <a:bodyPr vert="horz" lIns="91440" tIns="45720" rIns="91440" bIns="45720" rtlCol="0">
-            <a:normAutofit fontScale="92500"/>
-          </a:bodyPr>
-          <a:lstStyle>
-            <a:lvl1pPr marL="228600" indent="-228600" algn="l" defTabSz="914400" rtl="0" eaLnBrk="1" latinLnBrk="0" hangingPunct="1">
-              <a:lnSpc>
-                <a:spcPct val="90000"/>
-              </a:lnSpc>
-              <a:spcBef>
-                <a:spcPts val="1000"/>
-              </a:spcBef>
-              <a:buFont typeface="Arial" panose="020B0604020202020204" pitchFamily="34" charset="0"/>
-              <a:buChar char="•"/>
-              <a:defRPr kumimoji="1" sz="2800" kern="1200">
-                <a:solidFill>
-                  <a:schemeClr val="tx1"/>
-                </a:solidFill>
-                <a:latin typeface="+mn-lt"/>
-                <a:ea typeface="+mn-ea"/>
-                <a:cs typeface="+mn-cs"/>
-              </a:defRPr>
-            </a:lvl1pPr>
-            <a:lvl2pPr marL="685800" indent="-228600" algn="l" defTabSz="914400" rtl="0" eaLnBrk="1" latinLnBrk="0" hangingPunct="1">
-              <a:lnSpc>
-                <a:spcPct val="90000"/>
-              </a:lnSpc>
-              <a:spcBef>
-                <a:spcPts val="500"/>
-              </a:spcBef>
-              <a:buFont typeface="Arial" panose="020B0604020202020204" pitchFamily="34" charset="0"/>
-              <a:buChar char="•"/>
-              <a:defRPr kumimoji="1" sz="2400" kern="1200">
-                <a:solidFill>
-                  <a:schemeClr val="tx1"/>
-                </a:solidFill>
-                <a:latin typeface="+mn-lt"/>
-                <a:ea typeface="+mn-ea"/>
-                <a:cs typeface="+mn-cs"/>
-              </a:defRPr>
-            </a:lvl2pPr>
-            <a:lvl3pPr marL="1143000" indent="-228600" algn="l" defTabSz="914400" rtl="0" eaLnBrk="1" latinLnBrk="0" hangingPunct="1">
-              <a:lnSpc>
-                <a:spcPct val="90000"/>
-              </a:lnSpc>
-              <a:spcBef>
-                <a:spcPts val="500"/>
-              </a:spcBef>
-              <a:buFont typeface="Arial" panose="020B0604020202020204" pitchFamily="34" charset="0"/>
-              <a:buChar char="•"/>
-              <a:defRPr kumimoji="1" sz="2000" kern="1200">
-                <a:solidFill>
-                  <a:schemeClr val="tx1"/>
-                </a:solidFill>
-                <a:latin typeface="+mn-lt"/>
-                <a:ea typeface="+mn-ea"/>
-                <a:cs typeface="+mn-cs"/>
-              </a:defRPr>
-            </a:lvl3pPr>
-            <a:lvl4pPr marL="1600200" indent="-228600" algn="l" defTabSz="914400" rtl="0" eaLnBrk="1" latinLnBrk="0" hangingPunct="1">
-              <a:lnSpc>
-                <a:spcPct val="90000"/>
-              </a:lnSpc>
-              <a:spcBef>
-                <a:spcPts val="500"/>
-              </a:spcBef>
-              <a:buFont typeface="Arial" panose="020B0604020202020204" pitchFamily="34" charset="0"/>
-              <a:buChar char="•"/>
-              <a:defRPr kumimoji="1" sz="1800" kern="1200">
-                <a:solidFill>
-                  <a:schemeClr val="tx1"/>
-                </a:solidFill>
-                <a:latin typeface="+mn-lt"/>
-                <a:ea typeface="+mn-ea"/>
-                <a:cs typeface="+mn-cs"/>
-              </a:defRPr>
-            </a:lvl4pPr>
-            <a:lvl5pPr marL="2057400" indent="-228600" algn="l" defTabSz="914400" rtl="0" eaLnBrk="1" latinLnBrk="0" hangingPunct="1">
-              <a:lnSpc>
-                <a:spcPct val="90000"/>
-              </a:lnSpc>
-              <a:spcBef>
-                <a:spcPts val="500"/>
-              </a:spcBef>
-              <a:buFont typeface="Arial" panose="020B0604020202020204" pitchFamily="34" charset="0"/>
-              <a:buChar char="•"/>
-              <a:defRPr kumimoji="1" sz="1800" kern="1200">
-                <a:solidFill>
-                  <a:schemeClr val="tx1"/>
-                </a:solidFill>
-                <a:latin typeface="+mn-lt"/>
-                <a:ea typeface="+mn-ea"/>
-                <a:cs typeface="+mn-cs"/>
-              </a:defRPr>
-            </a:lvl5pPr>
-            <a:lvl6pPr marL="2514600" indent="-228600" algn="l" defTabSz="914400" rtl="0" eaLnBrk="1" latinLnBrk="0" hangingPunct="1">
-              <a:lnSpc>
-                <a:spcPct val="90000"/>
-              </a:lnSpc>
-              <a:spcBef>
-                <a:spcPts val="500"/>
-              </a:spcBef>
-              <a:buFont typeface="Arial" panose="020B0604020202020204" pitchFamily="34" charset="0"/>
-              <a:buChar char="•"/>
-              <a:defRPr kumimoji="1" sz="1800" kern="1200">
-                <a:solidFill>
-                  <a:schemeClr val="tx1"/>
-                </a:solidFill>
-                <a:latin typeface="+mn-lt"/>
-                <a:ea typeface="+mn-ea"/>
-                <a:cs typeface="+mn-cs"/>
-              </a:defRPr>
-            </a:lvl6pPr>
-            <a:lvl7pPr marL="2971800" indent="-228600" algn="l" defTabSz="914400" rtl="0" eaLnBrk="1" latinLnBrk="0" hangingPunct="1">
-              <a:lnSpc>
-                <a:spcPct val="90000"/>
-              </a:lnSpc>
-              <a:spcBef>
-                <a:spcPts val="500"/>
-              </a:spcBef>
-              <a:buFont typeface="Arial" panose="020B0604020202020204" pitchFamily="34" charset="0"/>
-              <a:buChar char="•"/>
-              <a:defRPr kumimoji="1" sz="1800" kern="1200">
-                <a:solidFill>
-                  <a:schemeClr val="tx1"/>
-                </a:solidFill>
-                <a:latin typeface="+mn-lt"/>
-                <a:ea typeface="+mn-ea"/>
-                <a:cs typeface="+mn-cs"/>
-              </a:defRPr>
-            </a:lvl7pPr>
-            <a:lvl8pPr marL="3429000" indent="-228600" algn="l" defTabSz="914400" rtl="0" eaLnBrk="1" latinLnBrk="0" hangingPunct="1">
-              <a:lnSpc>
-                <a:spcPct val="90000"/>
-              </a:lnSpc>
-              <a:spcBef>
-                <a:spcPts val="500"/>
-              </a:spcBef>
-              <a:buFont typeface="Arial" panose="020B0604020202020204" pitchFamily="34" charset="0"/>
-              <a:buChar char="•"/>
-              <a:defRPr kumimoji="1" sz="1800" kern="1200">
-                <a:solidFill>
-                  <a:schemeClr val="tx1"/>
-                </a:solidFill>
-                <a:latin typeface="+mn-lt"/>
-                <a:ea typeface="+mn-ea"/>
-                <a:cs typeface="+mn-cs"/>
-              </a:defRPr>
-            </a:lvl8pPr>
-            <a:lvl9pPr marL="3886200" indent="-228600" algn="l" defTabSz="914400" rtl="0" eaLnBrk="1" latinLnBrk="0" hangingPunct="1">
-              <a:lnSpc>
-                <a:spcPct val="90000"/>
-              </a:lnSpc>
-              <a:spcBef>
-                <a:spcPts val="500"/>
-              </a:spcBef>
-              <a:buFont typeface="Arial" panose="020B0604020202020204" pitchFamily="34" charset="0"/>
-              <a:buChar char="•"/>
-              <a:defRPr kumimoji="1" sz="1800" kern="1200">
-                <a:solidFill>
-                  <a:schemeClr val="tx1"/>
-                </a:solidFill>
-                <a:latin typeface="+mn-lt"/>
-                <a:ea typeface="+mn-ea"/>
-                <a:cs typeface="+mn-cs"/>
-              </a:defRPr>
-            </a:lvl9pPr>
-          </a:lstStyle>
-          <a:p>
-            <a:pPr marL="0" indent="0">
-              <a:buNone/>
-            </a:pPr>
-            <a:r>
-              <a:rPr lang="en-US" altLang="ja-JP" sz="2000" b="1" u="sng" dirty="0"/>
-              <a:t>2. </a:t>
-            </a:r>
-            <a:r>
-              <a:rPr lang="ja-JP" altLang="en-US" sz="2000" b="1" u="sng" dirty="0"/>
-              <a:t>リモートプロシージャコールとは？</a:t>
-            </a:r>
-            <a:br>
-              <a:rPr lang="en-US" altLang="ja-JP" sz="2000" u="sng" dirty="0"/>
-            </a:br>
-            <a:r>
-              <a:rPr lang="ja-JP" altLang="en-US" sz="2000" dirty="0"/>
-              <a:t>異なるプロセス間 </a:t>
-            </a:r>
-            <a:r>
-              <a:rPr lang="en-US" altLang="ja-JP" sz="2000" dirty="0"/>
-              <a:t>or </a:t>
-            </a:r>
-            <a:r>
-              <a:rPr lang="ja-JP" altLang="en-US" sz="2000" dirty="0"/>
-              <a:t>コンピュータ間で関数風コールのことです</a:t>
-            </a:r>
-            <a:endParaRPr lang="en-US" altLang="ja-JP" sz="2000" dirty="0"/>
-          </a:p>
-          <a:p>
-            <a:endParaRPr lang="en-US" altLang="ja-JP" sz="2000" dirty="0"/>
-          </a:p>
-          <a:p>
-            <a:endParaRPr lang="ja-JP" altLang="en-US" sz="2000" dirty="0"/>
-          </a:p>
-          <a:p>
-            <a:pPr marL="0" indent="0">
-              <a:buFont typeface="Arial" panose="020B0604020202020204" pitchFamily="34" charset="0"/>
-              <a:buNone/>
-            </a:pPr>
-            <a:endParaRPr lang="en-US" altLang="ja-JP" sz="2000" dirty="0"/>
-          </a:p>
-          <a:p>
-            <a:pPr marL="0" indent="0">
-              <a:buFont typeface="Arial" panose="020B0604020202020204" pitchFamily="34" charset="0"/>
-              <a:buNone/>
-            </a:pPr>
-            <a:endParaRPr lang="en-US" altLang="ja-JP" sz="2000" dirty="0"/>
-          </a:p>
-          <a:p>
-            <a:pPr marL="0" indent="0">
-              <a:buFont typeface="Arial" panose="020B0604020202020204" pitchFamily="34" charset="0"/>
-              <a:buNone/>
-            </a:pPr>
-            <a:endParaRPr lang="en-US" altLang="ja-JP" sz="2000" dirty="0"/>
-          </a:p>
-          <a:p>
-            <a:pPr>
-              <a:buFontTx/>
-              <a:buChar char="-"/>
-            </a:pPr>
-            <a:endParaRPr lang="en-US" altLang="ja-JP" sz="2000" dirty="0"/>
-          </a:p>
-          <a:p>
-            <a:pPr>
-              <a:buFontTx/>
-              <a:buChar char="-"/>
-            </a:pPr>
-            <a:endParaRPr lang="en-US" altLang="ja-JP" sz="2000" dirty="0"/>
-          </a:p>
-        </p:txBody>
-      </p:sp>
       <p:pic>
         <p:nvPicPr>
           <p:cNvPr id="20" name="グラフィックス 19" descr="環状の矢印 単色塗りつぶし">
@@ -7533,7 +7823,7 @@
         </p:blipFill>
         <p:spPr>
           <a:xfrm>
-            <a:off x="360751" y="1391091"/>
+            <a:off x="2389506" y="2120870"/>
             <a:ext cx="529298" cy="494255"/>
           </a:xfrm>
           <a:prstGeom prst="rect">
@@ -7557,7 +7847,7 @@
         </p:nvSpPr>
         <p:spPr>
           <a:xfrm>
-            <a:off x="808133" y="1480051"/>
+            <a:off x="2836888" y="2209830"/>
             <a:ext cx="2259412" cy="546665"/>
           </a:xfrm>
           <a:prstGeom prst="rect">
@@ -7780,8 +8070,8 @@
         </p:blipFill>
         <p:spPr>
           <a:xfrm>
-            <a:off x="866202" y="3336785"/>
-            <a:ext cx="721394" cy="721394"/>
+            <a:off x="2174473" y="3734258"/>
+            <a:ext cx="2040971" cy="2040971"/>
           </a:xfrm>
           <a:prstGeom prst="rect">
             <a:avLst/>
@@ -7804,7 +8094,7 @@
         </p:nvCxnSpPr>
         <p:spPr>
           <a:xfrm>
-            <a:off x="1350724" y="2732144"/>
+            <a:off x="3379479" y="3461923"/>
             <a:ext cx="1644047" cy="0"/>
           </a:xfrm>
           <a:prstGeom prst="line">
@@ -7826,469 +8116,12 @@
           </a:fontRef>
         </p:style>
       </p:cxnSp>
-      <p:pic>
-        <p:nvPicPr>
-          <p:cNvPr id="23" name="グラフィックス 22" descr="ノート PC 単色塗りつぶし">
-            <a:extLst>
-              <a:ext uri="{FF2B5EF4-FFF2-40B4-BE49-F238E27FC236}">
-                <a16:creationId xmlns:a16="http://schemas.microsoft.com/office/drawing/2014/main" id="{E8ED8820-4625-1005-E60E-6A6014183A6A}"/>
-              </a:ext>
-            </a:extLst>
-          </p:cNvPr>
-          <p:cNvPicPr>
-            <a:picLocks noChangeAspect="1"/>
-          </p:cNvPicPr>
-          <p:nvPr/>
-        </p:nvPicPr>
-        <p:blipFill>
-          <a:blip r:embed="rId6">
-            <a:extLst>
-              <a:ext uri="{96DAC541-7B7A-43D3-8B79-37D633B846F1}">
-                <asvg:svgBlip xmlns:asvg="http://schemas.microsoft.com/office/drawing/2016/SVG/main" r:embed="rId7"/>
-              </a:ext>
-            </a:extLst>
-          </a:blip>
-          <a:stretch>
-            <a:fillRect/>
-          </a:stretch>
-        </p:blipFill>
-        <p:spPr>
-          <a:xfrm>
-            <a:off x="6153150" y="3113384"/>
-            <a:ext cx="550648" cy="550648"/>
-          </a:xfrm>
-          <a:prstGeom prst="rect">
-            <a:avLst/>
-          </a:prstGeom>
-        </p:spPr>
-      </p:pic>
-      <p:sp>
-        <p:nvSpPr>
-          <p:cNvPr id="46" name="テキスト ボックス 45">
-            <a:extLst>
-              <a:ext uri="{FF2B5EF4-FFF2-40B4-BE49-F238E27FC236}">
-                <a16:creationId xmlns:a16="http://schemas.microsoft.com/office/drawing/2014/main" id="{1F2B9C43-4550-B3D5-7228-B3B01FFCA19F}"/>
-              </a:ext>
-            </a:extLst>
-          </p:cNvPr>
-          <p:cNvSpPr txBox="1"/>
-          <p:nvPr/>
-        </p:nvSpPr>
-        <p:spPr>
-          <a:xfrm>
-            <a:off x="4094317" y="1386800"/>
-            <a:ext cx="5602133" cy="307777"/>
-          </a:xfrm>
-          <a:prstGeom prst="rect">
-            <a:avLst/>
-          </a:prstGeom>
-          <a:noFill/>
-        </p:spPr>
-        <p:txBody>
-          <a:bodyPr wrap="square" rtlCol="0">
-            <a:spAutoFit/>
-          </a:bodyPr>
-          <a:lstStyle/>
-          <a:p>
-            <a:r>
-              <a:rPr lang="en-US" altLang="ja-JP" sz="1400" b="1" dirty="0"/>
-              <a:t>2-1.</a:t>
-            </a:r>
-            <a:r>
-              <a:rPr lang="ja-JP" altLang="en-US" sz="1400" b="1" dirty="0"/>
-              <a:t> 異なるプロセス間の通信</a:t>
-            </a:r>
-            <a:r>
-              <a:rPr lang="en-US" altLang="ja-JP" sz="1400" b="1" dirty="0"/>
-              <a:t>(IPC)</a:t>
-            </a:r>
-            <a:r>
-              <a:rPr lang="ja-JP" altLang="en-US" sz="1400" b="1" dirty="0"/>
-              <a:t>の例：</a:t>
-            </a:r>
-            <a:r>
-              <a:rPr lang="en-US" altLang="ja-JP" sz="1400" b="1" dirty="0"/>
-              <a:t>AIDL</a:t>
-            </a:r>
-            <a:r>
-              <a:rPr lang="ja-JP" altLang="en-US" sz="1400" b="1" dirty="0"/>
-              <a:t>の場合</a:t>
-            </a:r>
-            <a:endParaRPr kumimoji="1" lang="ja-JP" altLang="en-US" sz="1400" b="1" dirty="0"/>
-          </a:p>
-        </p:txBody>
-      </p:sp>
-      <p:sp>
-        <p:nvSpPr>
-          <p:cNvPr id="47" name="テキスト ボックス 46">
-            <a:extLst>
-              <a:ext uri="{FF2B5EF4-FFF2-40B4-BE49-F238E27FC236}">
-                <a16:creationId xmlns:a16="http://schemas.microsoft.com/office/drawing/2014/main" id="{A91F51B5-2714-6616-7DF2-2365DDF3DCA6}"/>
-              </a:ext>
-            </a:extLst>
-          </p:cNvPr>
-          <p:cNvSpPr txBox="1"/>
-          <p:nvPr/>
-        </p:nvSpPr>
-        <p:spPr>
-          <a:xfrm>
-            <a:off x="2395864" y="3589429"/>
-            <a:ext cx="4185911" cy="338554"/>
-          </a:xfrm>
-          <a:prstGeom prst="rect">
-            <a:avLst/>
-          </a:prstGeom>
-          <a:noFill/>
-        </p:spPr>
-        <p:txBody>
-          <a:bodyPr wrap="square" rtlCol="0">
-            <a:spAutoFit/>
-          </a:bodyPr>
-          <a:lstStyle/>
-          <a:p>
-            <a:r>
-              <a:rPr lang="en-US" altLang="ja-JP" sz="1600" b="1" dirty="0">
-                <a:solidFill>
-                  <a:srgbClr val="00B0F0"/>
-                </a:solidFill>
-              </a:rPr>
-              <a:t>2-2.</a:t>
-            </a:r>
-            <a:r>
-              <a:rPr lang="ja-JP" altLang="en-US" sz="1600" b="1" dirty="0">
-                <a:solidFill>
-                  <a:srgbClr val="00B0F0"/>
-                </a:solidFill>
-              </a:rPr>
-              <a:t> 異なる</a:t>
-            </a:r>
-            <a:r>
-              <a:rPr lang="en-US" altLang="ja-JP" sz="1600" b="1" dirty="0">
-                <a:solidFill>
-                  <a:srgbClr val="00B0F0"/>
-                </a:solidFill>
-              </a:rPr>
-              <a:t>PC</a:t>
-            </a:r>
-            <a:r>
-              <a:rPr lang="ja-JP" altLang="en-US" sz="1600" b="1" dirty="0">
-                <a:solidFill>
-                  <a:srgbClr val="00B0F0"/>
-                </a:solidFill>
-              </a:rPr>
-              <a:t>間の通信の例：</a:t>
-            </a:r>
-            <a:r>
-              <a:rPr lang="en-US" altLang="ja-JP" sz="1600" b="1" dirty="0" err="1">
-                <a:solidFill>
-                  <a:srgbClr val="00B0F0"/>
-                </a:solidFill>
-              </a:rPr>
-              <a:t>gRPC</a:t>
-            </a:r>
-            <a:r>
-              <a:rPr lang="ja-JP" altLang="en-US" sz="1600" b="1" dirty="0">
-                <a:solidFill>
-                  <a:srgbClr val="00B0F0"/>
-                </a:solidFill>
-              </a:rPr>
-              <a:t>の場合</a:t>
-            </a:r>
-            <a:endParaRPr kumimoji="1" lang="ja-JP" altLang="en-US" sz="1600" b="1" dirty="0">
-              <a:solidFill>
-                <a:srgbClr val="00B0F0"/>
-              </a:solidFill>
-            </a:endParaRPr>
-          </a:p>
-        </p:txBody>
-      </p:sp>
-      <p:pic>
-        <p:nvPicPr>
-          <p:cNvPr id="48" name="グラフィックス 47" descr="ノート PC 単色塗りつぶし">
-            <a:extLst>
-              <a:ext uri="{FF2B5EF4-FFF2-40B4-BE49-F238E27FC236}">
-                <a16:creationId xmlns:a16="http://schemas.microsoft.com/office/drawing/2014/main" id="{C4E45BF6-1066-B2FE-9749-4516EC41E731}"/>
-              </a:ext>
-            </a:extLst>
-          </p:cNvPr>
-          <p:cNvPicPr>
-            <a:picLocks noChangeAspect="1"/>
-          </p:cNvPicPr>
-          <p:nvPr/>
-        </p:nvPicPr>
-        <p:blipFill>
-          <a:blip r:embed="rId6">
-            <a:extLst>
-              <a:ext uri="{96DAC541-7B7A-43D3-8B79-37D633B846F1}">
-                <asvg:svgBlip xmlns:asvg="http://schemas.microsoft.com/office/drawing/2016/SVG/main" r:embed="rId7"/>
-              </a:ext>
-            </a:extLst>
-          </a:blip>
-          <a:stretch>
-            <a:fillRect/>
-          </a:stretch>
-        </p:blipFill>
-        <p:spPr>
-          <a:xfrm>
-            <a:off x="3158689" y="5118081"/>
-            <a:ext cx="690523" cy="690523"/>
-          </a:xfrm>
-          <a:prstGeom prst="rect">
-            <a:avLst/>
-          </a:prstGeom>
-        </p:spPr>
-      </p:pic>
-      <p:pic>
-        <p:nvPicPr>
-          <p:cNvPr id="65" name="図 64">
-            <a:extLst>
-              <a:ext uri="{FF2B5EF4-FFF2-40B4-BE49-F238E27FC236}">
-                <a16:creationId xmlns:a16="http://schemas.microsoft.com/office/drawing/2014/main" id="{5FCE79B1-48D7-11B5-35ED-D6A16898F508}"/>
-              </a:ext>
-            </a:extLst>
-          </p:cNvPr>
-          <p:cNvPicPr>
-            <a:picLocks noChangeAspect="1"/>
-          </p:cNvPicPr>
-          <p:nvPr/>
-        </p:nvPicPr>
-        <p:blipFill>
-          <a:blip r:embed="rId8"/>
-          <a:stretch>
-            <a:fillRect/>
-          </a:stretch>
-        </p:blipFill>
-        <p:spPr>
-          <a:xfrm>
-            <a:off x="4467465" y="1857623"/>
-            <a:ext cx="2466735" cy="938054"/>
-          </a:xfrm>
-          <a:prstGeom prst="rect">
-            <a:avLst/>
-          </a:prstGeom>
-        </p:spPr>
-      </p:pic>
-      <p:cxnSp>
-        <p:nvCxnSpPr>
-          <p:cNvPr id="42" name="直線コネクタ 41">
-            <a:extLst>
-              <a:ext uri="{FF2B5EF4-FFF2-40B4-BE49-F238E27FC236}">
-                <a16:creationId xmlns:a16="http://schemas.microsoft.com/office/drawing/2014/main" id="{50C80588-BA39-BB1B-9EBC-7BA86DCD3DFE}"/>
-              </a:ext>
-            </a:extLst>
-          </p:cNvPr>
-          <p:cNvCxnSpPr>
-            <a:cxnSpLocks/>
-          </p:cNvCxnSpPr>
-          <p:nvPr/>
-        </p:nvCxnSpPr>
-        <p:spPr>
-          <a:xfrm flipV="1">
-            <a:off x="4584260" y="2289559"/>
-            <a:ext cx="2259412" cy="3"/>
-          </a:xfrm>
-          <a:prstGeom prst="line">
-            <a:avLst/>
-          </a:prstGeom>
-        </p:spPr>
-        <p:style>
-          <a:lnRef idx="2">
-            <a:schemeClr val="accent2"/>
-          </a:lnRef>
-          <a:fillRef idx="0">
-            <a:schemeClr val="accent2"/>
-          </a:fillRef>
-          <a:effectRef idx="1">
-            <a:schemeClr val="accent2"/>
-          </a:effectRef>
-          <a:fontRef idx="minor">
-            <a:schemeClr val="tx1"/>
-          </a:fontRef>
-        </p:style>
-      </p:cxnSp>
-      <p:pic>
-        <p:nvPicPr>
-          <p:cNvPr id="36" name="グラフィックス 35" descr="環状の矢印 単色塗りつぶし">
-            <a:extLst>
-              <a:ext uri="{FF2B5EF4-FFF2-40B4-BE49-F238E27FC236}">
-                <a16:creationId xmlns:a16="http://schemas.microsoft.com/office/drawing/2014/main" id="{FC5FA179-03FF-CC31-6F0D-80DF2475DBAC}"/>
-              </a:ext>
-            </a:extLst>
-          </p:cNvPr>
-          <p:cNvPicPr>
-            <a:picLocks noChangeAspect="1"/>
-          </p:cNvPicPr>
-          <p:nvPr/>
-        </p:nvPicPr>
-        <p:blipFill>
-          <a:blip r:embed="rId4">
-            <a:extLst>
-              <a:ext uri="{96DAC541-7B7A-43D3-8B79-37D633B846F1}">
-                <asvg:svgBlip xmlns:asvg="http://schemas.microsoft.com/office/drawing/2016/SVG/main" r:embed="rId5"/>
-              </a:ext>
-            </a:extLst>
-          </a:blip>
-          <a:stretch>
-            <a:fillRect/>
-          </a:stretch>
-        </p:blipFill>
-        <p:spPr>
-          <a:xfrm>
-            <a:off x="4133224" y="1688386"/>
-            <a:ext cx="432219" cy="432219"/>
-          </a:xfrm>
-          <a:prstGeom prst="rect">
-            <a:avLst/>
-          </a:prstGeom>
-        </p:spPr>
-      </p:pic>
-      <p:pic>
-        <p:nvPicPr>
-          <p:cNvPr id="67" name="図 66">
-            <a:extLst>
-              <a:ext uri="{FF2B5EF4-FFF2-40B4-BE49-F238E27FC236}">
-                <a16:creationId xmlns:a16="http://schemas.microsoft.com/office/drawing/2014/main" id="{6EC38E18-03DF-FD22-2794-FC5733BFF16C}"/>
-              </a:ext>
-            </a:extLst>
-          </p:cNvPr>
-          <p:cNvPicPr>
-            <a:picLocks noChangeAspect="1"/>
-          </p:cNvPicPr>
-          <p:nvPr/>
-        </p:nvPicPr>
-        <p:blipFill>
-          <a:blip r:embed="rId9"/>
-          <a:stretch>
-            <a:fillRect/>
-          </a:stretch>
-        </p:blipFill>
-        <p:spPr>
-          <a:xfrm>
-            <a:off x="8225775" y="1903704"/>
-            <a:ext cx="3536052" cy="977930"/>
-          </a:xfrm>
-          <a:prstGeom prst="rect">
-            <a:avLst/>
-          </a:prstGeom>
-        </p:spPr>
-      </p:pic>
-      <p:pic>
-        <p:nvPicPr>
-          <p:cNvPr id="40" name="グラフィックス 39" descr="環状の矢印 単色塗りつぶし">
-            <a:extLst>
-              <a:ext uri="{FF2B5EF4-FFF2-40B4-BE49-F238E27FC236}">
-                <a16:creationId xmlns:a16="http://schemas.microsoft.com/office/drawing/2014/main" id="{908999EE-F3AA-10DC-2F7D-C95A4183BD7E}"/>
-              </a:ext>
-            </a:extLst>
-          </p:cNvPr>
-          <p:cNvPicPr>
-            <a:picLocks noChangeAspect="1"/>
-          </p:cNvPicPr>
-          <p:nvPr/>
-        </p:nvPicPr>
-        <p:blipFill>
-          <a:blip r:embed="rId4">
-            <a:extLst>
-              <a:ext uri="{96DAC541-7B7A-43D3-8B79-37D633B846F1}">
-                <asvg:svgBlip xmlns:asvg="http://schemas.microsoft.com/office/drawing/2016/SVG/main" r:embed="rId5"/>
-              </a:ext>
-            </a:extLst>
-          </a:blip>
-          <a:stretch>
-            <a:fillRect/>
-          </a:stretch>
-        </p:blipFill>
-        <p:spPr>
-          <a:xfrm>
-            <a:off x="8120655" y="1695156"/>
-            <a:ext cx="358675" cy="358675"/>
-          </a:xfrm>
-          <a:prstGeom prst="rect">
-            <a:avLst/>
-          </a:prstGeom>
-        </p:spPr>
-      </p:pic>
-      <p:cxnSp>
-        <p:nvCxnSpPr>
-          <p:cNvPr id="43" name="直線コネクタ 42">
-            <a:extLst>
-              <a:ext uri="{FF2B5EF4-FFF2-40B4-BE49-F238E27FC236}">
-                <a16:creationId xmlns:a16="http://schemas.microsoft.com/office/drawing/2014/main" id="{E3C334C1-00B2-CD7D-FFBD-AA0EF65F8EAA}"/>
-              </a:ext>
-            </a:extLst>
-          </p:cNvPr>
-          <p:cNvCxnSpPr>
-            <a:cxnSpLocks/>
-          </p:cNvCxnSpPr>
-          <p:nvPr/>
-        </p:nvCxnSpPr>
-        <p:spPr>
-          <a:xfrm>
-            <a:off x="8697605" y="2385843"/>
-            <a:ext cx="2913370" cy="0"/>
-          </a:xfrm>
-          <a:prstGeom prst="line">
-            <a:avLst/>
-          </a:prstGeom>
-        </p:spPr>
-        <p:style>
-          <a:lnRef idx="2">
-            <a:schemeClr val="accent2"/>
-          </a:lnRef>
-          <a:fillRef idx="0">
-            <a:schemeClr val="accent2"/>
-          </a:fillRef>
-          <a:effectRef idx="1">
-            <a:schemeClr val="accent2"/>
-          </a:effectRef>
-          <a:fontRef idx="minor">
-            <a:schemeClr val="tx1"/>
-          </a:fontRef>
-        </p:style>
-      </p:cxnSp>
-      <p:pic>
-        <p:nvPicPr>
-          <p:cNvPr id="34" name="図 33">
-            <a:extLst>
-              <a:ext uri="{FF2B5EF4-FFF2-40B4-BE49-F238E27FC236}">
-                <a16:creationId xmlns:a16="http://schemas.microsoft.com/office/drawing/2014/main" id="{BD642750-7A0F-7212-B5F3-27190BDA0390}"/>
-              </a:ext>
-            </a:extLst>
-          </p:cNvPr>
-          <p:cNvPicPr>
-            <a:picLocks noChangeAspect="1"/>
-          </p:cNvPicPr>
-          <p:nvPr/>
-        </p:nvPicPr>
-        <p:blipFill>
-          <a:blip r:embed="rId10"/>
-          <a:stretch>
-            <a:fillRect/>
-          </a:stretch>
-        </p:blipFill>
-        <p:spPr>
-          <a:xfrm>
-            <a:off x="6786303" y="2434103"/>
-            <a:ext cx="1727414" cy="1107042"/>
-          </a:xfrm>
-          <a:prstGeom prst="rect">
-            <a:avLst/>
-          </a:prstGeom>
-          <a:ln>
-            <a:solidFill>
-              <a:schemeClr val="accent2">
-                <a:lumMod val="50000"/>
-              </a:schemeClr>
-            </a:solidFill>
-          </a:ln>
-        </p:spPr>
-      </p:pic>
-      <p:sp>
-        <p:nvSpPr>
-          <p:cNvPr id="41" name="矢印: 右 40">
-            <a:extLst>
-              <a:ext uri="{FF2B5EF4-FFF2-40B4-BE49-F238E27FC236}">
-                <a16:creationId xmlns:a16="http://schemas.microsoft.com/office/drawing/2014/main" id="{D806922E-66A0-45A4-2289-14DBBE6DE243}"/>
+      <p:sp>
+        <p:nvSpPr>
+          <p:cNvPr id="3" name="矢印: 左カーブ 7">
+            <a:extLst>
+              <a:ext uri="{FF2B5EF4-FFF2-40B4-BE49-F238E27FC236}">
+                <a16:creationId xmlns:a16="http://schemas.microsoft.com/office/drawing/2014/main" id="{3E8349AF-A405-6FB4-D5D5-ED964C619FF7}"/>
               </a:ext>
             </a:extLst>
           </p:cNvPr>
@@ -8296,12 +8129,16 @@
           <p:nvPr/>
         </p:nvSpPr>
         <p:spPr>
-          <a:xfrm rot="244232">
-            <a:off x="6885054" y="2175508"/>
-            <a:ext cx="1767538" cy="222189"/>
+          <a:xfrm rot="10800000" flipH="1">
+            <a:off x="4877325" y="2790927"/>
+            <a:ext cx="913118" cy="690504"/>
           </a:xfrm>
-          <a:prstGeom prst="rightArrow">
-            <a:avLst/>
+          <a:prstGeom prst="curvedLeftArrow">
+            <a:avLst>
+              <a:gd name="adj1" fmla="val 25000"/>
+              <a:gd name="adj2" fmla="val 56811"/>
+              <a:gd name="adj3" fmla="val 25000"/>
+            </a:avLst>
           </a:prstGeom>
         </p:spPr>
         <p:style>
@@ -8325,672 +8162,29 @@
           <a:lstStyle/>
           <a:p>
             <a:pPr algn="ctr"/>
-            <a:endParaRPr kumimoji="1" lang="ja-JP" altLang="en-US"/>
+            <a:endParaRPr kumimoji="1" lang="ja-JP" altLang="en-US">
+              <a:solidFill>
+                <a:schemeClr val="tx1"/>
+              </a:solidFill>
+            </a:endParaRPr>
           </a:p>
         </p:txBody>
       </p:sp>
       <p:sp>
         <p:nvSpPr>
-          <p:cNvPr id="77" name="吹き出し: 四角形 76">
-            <a:extLst>
-              <a:ext uri="{FF2B5EF4-FFF2-40B4-BE49-F238E27FC236}">
-                <a16:creationId xmlns:a16="http://schemas.microsoft.com/office/drawing/2014/main" id="{9AB3BC9D-D553-16EE-4E10-408C05D2A487}"/>
-              </a:ext>
-            </a:extLst>
-          </p:cNvPr>
-          <p:cNvSpPr/>
+          <p:cNvPr id="4" name="テキスト ボックス 3">
+            <a:extLst>
+              <a:ext uri="{FF2B5EF4-FFF2-40B4-BE49-F238E27FC236}">
+                <a16:creationId xmlns:a16="http://schemas.microsoft.com/office/drawing/2014/main" id="{BD27D493-2EAF-E2A0-C198-B648D04A4FA7}"/>
+              </a:ext>
+            </a:extLst>
+          </p:cNvPr>
+          <p:cNvSpPr txBox="1"/>
           <p:nvPr/>
         </p:nvSpPr>
         <p:spPr>
           <a:xfrm>
-            <a:off x="7819471" y="3861680"/>
-            <a:ext cx="3956283" cy="1815219"/>
-          </a:xfrm>
-          <a:prstGeom prst="wedgeRectCallout">
-            <a:avLst>
-              <a:gd name="adj1" fmla="val -21151"/>
-              <a:gd name="adj2" fmla="val 61892"/>
-            </a:avLst>
-          </a:prstGeom>
-        </p:spPr>
-        <p:style>
-          <a:lnRef idx="2">
-            <a:schemeClr val="accent6">
-              <a:shade val="15000"/>
-            </a:schemeClr>
-          </a:lnRef>
-          <a:fillRef idx="1">
-            <a:schemeClr val="accent6"/>
-          </a:fillRef>
-          <a:effectRef idx="0">
-            <a:schemeClr val="accent6"/>
-          </a:effectRef>
-          <a:fontRef idx="minor">
-            <a:schemeClr val="lt1"/>
-          </a:fontRef>
-        </p:style>
-        <p:txBody>
-          <a:bodyPr rtlCol="0" anchor="ctr"/>
-          <a:lstStyle/>
-          <a:p>
-            <a:pPr algn="ctr"/>
-            <a:endParaRPr kumimoji="1" lang="ja-JP" altLang="en-US"/>
-          </a:p>
-        </p:txBody>
-      </p:sp>
-      <p:sp>
-        <p:nvSpPr>
-          <p:cNvPr id="78" name="フローチャート: 処理 77">
-            <a:extLst>
-              <a:ext uri="{FF2B5EF4-FFF2-40B4-BE49-F238E27FC236}">
-                <a16:creationId xmlns:a16="http://schemas.microsoft.com/office/drawing/2014/main" id="{3C6D5334-9F95-BED7-30BE-410EA5FFB48C}"/>
-              </a:ext>
-            </a:extLst>
-          </p:cNvPr>
-          <p:cNvSpPr/>
-          <p:nvPr/>
-        </p:nvSpPr>
-        <p:spPr>
-          <a:xfrm>
-            <a:off x="7917447" y="3970473"/>
-            <a:ext cx="3783179" cy="1587890"/>
-          </a:xfrm>
-          <a:prstGeom prst="flowChartProcess">
-            <a:avLst/>
-          </a:prstGeom>
-        </p:spPr>
-        <p:style>
-          <a:lnRef idx="2">
-            <a:schemeClr val="accent1">
-              <a:shade val="15000"/>
-            </a:schemeClr>
-          </a:lnRef>
-          <a:fillRef idx="1">
-            <a:schemeClr val="accent1"/>
-          </a:fillRef>
-          <a:effectRef idx="0">
-            <a:schemeClr val="accent1"/>
-          </a:effectRef>
-          <a:fontRef idx="minor">
-            <a:schemeClr val="lt1"/>
-          </a:fontRef>
-        </p:style>
-        <p:txBody>
-          <a:bodyPr rtlCol="0" anchor="ctr"/>
-          <a:lstStyle/>
-          <a:p>
-            <a:pPr algn="ctr"/>
-            <a:endParaRPr kumimoji="1" lang="ja-JP" altLang="en-US" dirty="0"/>
-          </a:p>
-        </p:txBody>
-      </p:sp>
-      <p:pic>
-        <p:nvPicPr>
-          <p:cNvPr id="82" name="図 81">
-            <a:extLst>
-              <a:ext uri="{FF2B5EF4-FFF2-40B4-BE49-F238E27FC236}">
-                <a16:creationId xmlns:a16="http://schemas.microsoft.com/office/drawing/2014/main" id="{EBF56FC1-CF7E-AF55-0DAC-D2E288AAA5BD}"/>
-              </a:ext>
-            </a:extLst>
-          </p:cNvPr>
-          <p:cNvPicPr>
-            <a:picLocks noChangeAspect="1"/>
-          </p:cNvPicPr>
-          <p:nvPr/>
-        </p:nvPicPr>
-        <p:blipFill>
-          <a:blip r:embed="rId11"/>
-          <a:stretch>
-            <a:fillRect/>
-          </a:stretch>
-        </p:blipFill>
-        <p:spPr>
-          <a:xfrm>
-            <a:off x="8259658" y="4157539"/>
-            <a:ext cx="3386481" cy="1245878"/>
-          </a:xfrm>
-          <a:prstGeom prst="rect">
-            <a:avLst/>
-          </a:prstGeom>
-        </p:spPr>
-      </p:pic>
-      <p:pic>
-        <p:nvPicPr>
-          <p:cNvPr id="83" name="グラフィックス 82" descr="ノート PC 単色塗りつぶし">
-            <a:extLst>
-              <a:ext uri="{FF2B5EF4-FFF2-40B4-BE49-F238E27FC236}">
-                <a16:creationId xmlns:a16="http://schemas.microsoft.com/office/drawing/2014/main" id="{55FA2EC1-922F-1176-4968-129505EBB14B}"/>
-              </a:ext>
-            </a:extLst>
-          </p:cNvPr>
-          <p:cNvPicPr>
-            <a:picLocks noChangeAspect="1"/>
-          </p:cNvPicPr>
-          <p:nvPr/>
-        </p:nvPicPr>
-        <p:blipFill>
-          <a:blip r:embed="rId6">
-            <a:extLst>
-              <a:ext uri="{96DAC541-7B7A-43D3-8B79-37D633B846F1}">
-                <asvg:svgBlip xmlns:asvg="http://schemas.microsoft.com/office/drawing/2016/SVG/main" r:embed="rId7"/>
-              </a:ext>
-            </a:extLst>
-          </a:blip>
-          <a:stretch>
-            <a:fillRect/>
-          </a:stretch>
-        </p:blipFill>
-        <p:spPr>
-          <a:xfrm>
-            <a:off x="8626009" y="5766642"/>
-            <a:ext cx="652279" cy="652279"/>
-          </a:xfrm>
-          <a:prstGeom prst="rect">
-            <a:avLst/>
-          </a:prstGeom>
-        </p:spPr>
-      </p:pic>
-      <p:pic>
-        <p:nvPicPr>
-          <p:cNvPr id="80" name="グラフィックス 79" descr="環状の矢印 単色塗りつぶし">
-            <a:extLst>
-              <a:ext uri="{FF2B5EF4-FFF2-40B4-BE49-F238E27FC236}">
-                <a16:creationId xmlns:a16="http://schemas.microsoft.com/office/drawing/2014/main" id="{5CF78A43-A495-0EA2-4D40-7A45BB13F174}"/>
-              </a:ext>
-            </a:extLst>
-          </p:cNvPr>
-          <p:cNvPicPr>
-            <a:picLocks noChangeAspect="1"/>
-          </p:cNvPicPr>
-          <p:nvPr/>
-        </p:nvPicPr>
-        <p:blipFill>
-          <a:blip r:embed="rId4">
-            <a:extLst>
-              <a:ext uri="{96DAC541-7B7A-43D3-8B79-37D633B846F1}">
-                <asvg:svgBlip xmlns:asvg="http://schemas.microsoft.com/office/drawing/2016/SVG/main" r:embed="rId5"/>
-              </a:ext>
-            </a:extLst>
-          </a:blip>
-          <a:stretch>
-            <a:fillRect/>
-          </a:stretch>
-        </p:blipFill>
-        <p:spPr>
-          <a:xfrm>
-            <a:off x="7854568" y="3913323"/>
-            <a:ext cx="432219" cy="432219"/>
-          </a:xfrm>
-          <a:prstGeom prst="rect">
-            <a:avLst/>
-          </a:prstGeom>
-        </p:spPr>
-      </p:pic>
-      <p:cxnSp>
-        <p:nvCxnSpPr>
-          <p:cNvPr id="52" name="直線コネクタ 51">
-            <a:extLst>
-              <a:ext uri="{FF2B5EF4-FFF2-40B4-BE49-F238E27FC236}">
-                <a16:creationId xmlns:a16="http://schemas.microsoft.com/office/drawing/2014/main" id="{89DCD11E-B178-21D9-F6F1-AFCBE6D24348}"/>
-              </a:ext>
-            </a:extLst>
-          </p:cNvPr>
-          <p:cNvCxnSpPr>
-            <a:cxnSpLocks/>
-            <a:endCxn id="34" idx="0"/>
-          </p:cNvCxnSpPr>
-          <p:nvPr/>
-        </p:nvCxnSpPr>
-        <p:spPr>
-          <a:xfrm>
-            <a:off x="7571747" y="2285309"/>
-            <a:ext cx="78263" cy="148794"/>
-          </a:xfrm>
-          <a:prstGeom prst="line">
-            <a:avLst/>
-          </a:prstGeom>
-          <a:ln>
-            <a:solidFill>
-              <a:schemeClr val="accent2">
-                <a:lumMod val="50000"/>
-              </a:schemeClr>
-            </a:solidFill>
-            <a:prstDash val="sysDash"/>
-          </a:ln>
-        </p:spPr>
-        <p:style>
-          <a:lnRef idx="2">
-            <a:schemeClr val="accent1"/>
-          </a:lnRef>
-          <a:fillRef idx="0">
-            <a:schemeClr val="accent1"/>
-          </a:fillRef>
-          <a:effectRef idx="1">
-            <a:schemeClr val="accent1"/>
-          </a:effectRef>
-          <a:fontRef idx="minor">
-            <a:schemeClr val="tx1"/>
-          </a:fontRef>
-        </p:style>
-      </p:cxnSp>
-      <p:sp>
-        <p:nvSpPr>
-          <p:cNvPr id="87" name="テキスト ボックス 86">
-            <a:extLst>
-              <a:ext uri="{FF2B5EF4-FFF2-40B4-BE49-F238E27FC236}">
-                <a16:creationId xmlns:a16="http://schemas.microsoft.com/office/drawing/2014/main" id="{085127A7-7441-1752-D7E0-BD2FB8FC86B8}"/>
-              </a:ext>
-            </a:extLst>
-          </p:cNvPr>
-          <p:cNvSpPr txBox="1"/>
-          <p:nvPr/>
-        </p:nvSpPr>
-        <p:spPr>
-          <a:xfrm>
-            <a:off x="7477998" y="1977532"/>
-            <a:ext cx="633941" cy="307777"/>
-          </a:xfrm>
-          <a:prstGeom prst="rect">
-            <a:avLst/>
-          </a:prstGeom>
-          <a:noFill/>
-        </p:spPr>
-        <p:txBody>
-          <a:bodyPr wrap="square" rtlCol="0">
-            <a:spAutoFit/>
-          </a:bodyPr>
-          <a:lstStyle/>
-          <a:p>
-            <a:r>
-              <a:rPr lang="en-US" altLang="ja-JP" sz="1400" b="1" dirty="0">
-                <a:solidFill>
-                  <a:schemeClr val="accent2">
-                    <a:lumMod val="50000"/>
-                  </a:schemeClr>
-                </a:solidFill>
-              </a:rPr>
-              <a:t>IPC</a:t>
-            </a:r>
-            <a:endParaRPr kumimoji="1" lang="ja-JP" altLang="en-US" sz="1400" b="1" dirty="0">
-              <a:solidFill>
-                <a:schemeClr val="accent2">
-                  <a:lumMod val="50000"/>
-                </a:schemeClr>
-              </a:solidFill>
-            </a:endParaRPr>
-          </a:p>
-        </p:txBody>
-      </p:sp>
-      <p:sp>
-        <p:nvSpPr>
-          <p:cNvPr id="88" name="テキスト ボックス 87">
-            <a:extLst>
-              <a:ext uri="{FF2B5EF4-FFF2-40B4-BE49-F238E27FC236}">
-                <a16:creationId xmlns:a16="http://schemas.microsoft.com/office/drawing/2014/main" id="{A488E3B3-16E1-521B-B6EB-CDD872BEB8A3}"/>
-              </a:ext>
-            </a:extLst>
-          </p:cNvPr>
-          <p:cNvSpPr txBox="1"/>
-          <p:nvPr/>
-        </p:nvSpPr>
-        <p:spPr>
-          <a:xfrm>
-            <a:off x="6531065" y="4014754"/>
-            <a:ext cx="633941" cy="307777"/>
-          </a:xfrm>
-          <a:prstGeom prst="rect">
-            <a:avLst/>
-          </a:prstGeom>
-          <a:noFill/>
-        </p:spPr>
-        <p:txBody>
-          <a:bodyPr wrap="square" rtlCol="0">
-            <a:spAutoFit/>
-          </a:bodyPr>
-          <a:lstStyle/>
-          <a:p>
-            <a:r>
-              <a:rPr lang="en-US" altLang="ja-JP" sz="1400" b="1" dirty="0">
-                <a:solidFill>
-                  <a:schemeClr val="bg1"/>
-                </a:solidFill>
-              </a:rPr>
-              <a:t>IPC</a:t>
-            </a:r>
-            <a:endParaRPr kumimoji="1" lang="ja-JP" altLang="en-US" sz="1400" b="1" dirty="0">
-              <a:solidFill>
-                <a:schemeClr val="bg1"/>
-              </a:solidFill>
-            </a:endParaRPr>
-          </a:p>
-        </p:txBody>
-      </p:sp>
-      <p:sp>
-        <p:nvSpPr>
-          <p:cNvPr id="89" name="テキスト ボックス 88">
-            <a:extLst>
-              <a:ext uri="{FF2B5EF4-FFF2-40B4-BE49-F238E27FC236}">
-                <a16:creationId xmlns:a16="http://schemas.microsoft.com/office/drawing/2014/main" id="{1E01647E-6CF4-0A9D-B910-19585EED3CD1}"/>
-              </a:ext>
-            </a:extLst>
-          </p:cNvPr>
-          <p:cNvSpPr txBox="1"/>
-          <p:nvPr/>
-        </p:nvSpPr>
-        <p:spPr>
-          <a:xfrm>
-            <a:off x="6179040" y="4036313"/>
-            <a:ext cx="1298958" cy="307777"/>
-          </a:xfrm>
-          <a:prstGeom prst="rect">
-            <a:avLst/>
-          </a:prstGeom>
-          <a:noFill/>
-        </p:spPr>
-        <p:txBody>
-          <a:bodyPr wrap="square" rtlCol="0">
-            <a:spAutoFit/>
-          </a:bodyPr>
-          <a:lstStyle/>
-          <a:p>
-            <a:r>
-              <a:rPr kumimoji="1" lang="en-US" altLang="ja-JP" sz="1400" b="1" dirty="0">
-                <a:solidFill>
-                  <a:srgbClr val="00B0F0"/>
-                </a:solidFill>
-              </a:rPr>
-              <a:t>HTTP(Ver2)</a:t>
-            </a:r>
-            <a:endParaRPr kumimoji="1" lang="ja-JP" altLang="en-US" sz="1400" b="1" dirty="0">
-              <a:solidFill>
-                <a:srgbClr val="00B0F0"/>
-              </a:solidFill>
-            </a:endParaRPr>
-          </a:p>
-        </p:txBody>
-      </p:sp>
-      <p:pic>
-        <p:nvPicPr>
-          <p:cNvPr id="95" name="図 94">
-            <a:extLst>
-              <a:ext uri="{FF2B5EF4-FFF2-40B4-BE49-F238E27FC236}">
-                <a16:creationId xmlns:a16="http://schemas.microsoft.com/office/drawing/2014/main" id="{C079DA94-95FF-1055-136E-6E13B919CCF5}"/>
-              </a:ext>
-            </a:extLst>
-          </p:cNvPr>
-          <p:cNvPicPr>
-            <a:picLocks noChangeAspect="1"/>
-          </p:cNvPicPr>
-          <p:nvPr/>
-        </p:nvPicPr>
-        <p:blipFill>
-          <a:blip r:embed="rId12"/>
-          <a:stretch>
-            <a:fillRect/>
-          </a:stretch>
-        </p:blipFill>
-        <p:spPr>
-          <a:xfrm>
-            <a:off x="2876083" y="3982315"/>
-            <a:ext cx="2813785" cy="725778"/>
-          </a:xfrm>
-          <a:prstGeom prst="rect">
-            <a:avLst/>
-          </a:prstGeom>
-        </p:spPr>
-      </p:pic>
-      <p:cxnSp>
-        <p:nvCxnSpPr>
-          <p:cNvPr id="91" name="直線コネクタ 90">
-            <a:extLst>
-              <a:ext uri="{FF2B5EF4-FFF2-40B4-BE49-F238E27FC236}">
-                <a16:creationId xmlns:a16="http://schemas.microsoft.com/office/drawing/2014/main" id="{80353972-5FDA-5C61-C592-2EE4E747DF4B}"/>
-              </a:ext>
-            </a:extLst>
-          </p:cNvPr>
-          <p:cNvCxnSpPr>
-            <a:cxnSpLocks/>
-          </p:cNvCxnSpPr>
-          <p:nvPr/>
-        </p:nvCxnSpPr>
-        <p:spPr>
-          <a:xfrm>
-            <a:off x="3067545" y="4414117"/>
-            <a:ext cx="2569955" cy="0"/>
-          </a:xfrm>
-          <a:prstGeom prst="line">
-            <a:avLst/>
-          </a:prstGeom>
-        </p:spPr>
-        <p:style>
-          <a:lnRef idx="2">
-            <a:schemeClr val="accent4"/>
-          </a:lnRef>
-          <a:fillRef idx="0">
-            <a:schemeClr val="accent4"/>
-          </a:fillRef>
-          <a:effectRef idx="1">
-            <a:schemeClr val="accent4"/>
-          </a:effectRef>
-          <a:fontRef idx="minor">
-            <a:schemeClr val="tx1"/>
-          </a:fontRef>
-        </p:style>
-      </p:cxnSp>
-      <p:pic>
-        <p:nvPicPr>
-          <p:cNvPr id="63" name="グラフィックス 62" descr="環状の矢印 単色塗りつぶし">
-            <a:extLst>
-              <a:ext uri="{FF2B5EF4-FFF2-40B4-BE49-F238E27FC236}">
-                <a16:creationId xmlns:a16="http://schemas.microsoft.com/office/drawing/2014/main" id="{D5EAD792-30D3-EEDD-4C58-0D857575FB21}"/>
-              </a:ext>
-            </a:extLst>
-          </p:cNvPr>
-          <p:cNvPicPr>
-            <a:picLocks noChangeAspect="1"/>
-          </p:cNvPicPr>
-          <p:nvPr/>
-        </p:nvPicPr>
-        <p:blipFill>
-          <a:blip r:embed="rId4">
-            <a:extLst>
-              <a:ext uri="{96DAC541-7B7A-43D3-8B79-37D633B846F1}">
-                <asvg:svgBlip xmlns:asvg="http://schemas.microsoft.com/office/drawing/2016/SVG/main" r:embed="rId5"/>
-              </a:ext>
-            </a:extLst>
-          </a:blip>
-          <a:stretch>
-            <a:fillRect/>
-          </a:stretch>
-        </p:blipFill>
-        <p:spPr>
-          <a:xfrm>
-            <a:off x="2626039" y="3733866"/>
-            <a:ext cx="432219" cy="432219"/>
-          </a:xfrm>
-          <a:prstGeom prst="rect">
-            <a:avLst/>
-          </a:prstGeom>
-        </p:spPr>
-      </p:pic>
-      <p:pic>
-        <p:nvPicPr>
-          <p:cNvPr id="54" name="図 53">
-            <a:extLst>
-              <a:ext uri="{FF2B5EF4-FFF2-40B4-BE49-F238E27FC236}">
-                <a16:creationId xmlns:a16="http://schemas.microsoft.com/office/drawing/2014/main" id="{81C549FB-6409-3B1F-5F4E-EBB3168223AC}"/>
-              </a:ext>
-            </a:extLst>
-          </p:cNvPr>
-          <p:cNvPicPr>
-            <a:picLocks noChangeAspect="1"/>
-          </p:cNvPicPr>
-          <p:nvPr/>
-        </p:nvPicPr>
-        <p:blipFill>
-          <a:blip r:embed="rId13"/>
-          <a:stretch>
-            <a:fillRect/>
-          </a:stretch>
-        </p:blipFill>
-        <p:spPr>
-          <a:xfrm>
-            <a:off x="5627163" y="4465094"/>
-            <a:ext cx="2441743" cy="2328550"/>
-          </a:xfrm>
-          <a:prstGeom prst="rect">
-            <a:avLst/>
-          </a:prstGeom>
-          <a:ln w="19050">
-            <a:solidFill>
-              <a:srgbClr val="00B0F0"/>
-            </a:solidFill>
-          </a:ln>
-        </p:spPr>
-      </p:pic>
-      <p:sp>
-        <p:nvSpPr>
-          <p:cNvPr id="84" name="矢印: 右 83">
-            <a:extLst>
-              <a:ext uri="{FF2B5EF4-FFF2-40B4-BE49-F238E27FC236}">
-                <a16:creationId xmlns:a16="http://schemas.microsoft.com/office/drawing/2014/main" id="{1563D2A3-6F1E-59F8-F9AF-5B1DD9BCFFCF}"/>
-              </a:ext>
-            </a:extLst>
-          </p:cNvPr>
-          <p:cNvSpPr/>
-          <p:nvPr/>
-        </p:nvSpPr>
-        <p:spPr>
-          <a:xfrm>
-            <a:off x="5495408" y="4218279"/>
-            <a:ext cx="2759421" cy="251622"/>
-          </a:xfrm>
-          <a:prstGeom prst="rightArrow">
-            <a:avLst/>
-          </a:prstGeom>
-        </p:spPr>
-        <p:style>
-          <a:lnRef idx="2">
-            <a:schemeClr val="accent4">
-              <a:shade val="15000"/>
-            </a:schemeClr>
-          </a:lnRef>
-          <a:fillRef idx="1">
-            <a:schemeClr val="accent4"/>
-          </a:fillRef>
-          <a:effectRef idx="0">
-            <a:schemeClr val="accent4"/>
-          </a:effectRef>
-          <a:fontRef idx="minor">
-            <a:schemeClr val="lt1"/>
-          </a:fontRef>
-        </p:style>
-        <p:txBody>
-          <a:bodyPr rtlCol="0" anchor="ctr"/>
-          <a:lstStyle/>
-          <a:p>
-            <a:pPr algn="ctr"/>
-            <a:endParaRPr kumimoji="1" lang="ja-JP" altLang="en-US"/>
-          </a:p>
-        </p:txBody>
-      </p:sp>
-      <p:cxnSp>
-        <p:nvCxnSpPr>
-          <p:cNvPr id="97" name="直線コネクタ 96">
-            <a:extLst>
-              <a:ext uri="{FF2B5EF4-FFF2-40B4-BE49-F238E27FC236}">
-                <a16:creationId xmlns:a16="http://schemas.microsoft.com/office/drawing/2014/main" id="{1716964B-C1CA-8A75-B4DB-B3684DB77B81}"/>
-              </a:ext>
-            </a:extLst>
-          </p:cNvPr>
-          <p:cNvCxnSpPr>
-            <a:cxnSpLocks/>
-          </p:cNvCxnSpPr>
-          <p:nvPr/>
-        </p:nvCxnSpPr>
-        <p:spPr>
-          <a:xfrm>
-            <a:off x="8286774" y="4385542"/>
-            <a:ext cx="3359365" cy="0"/>
-          </a:xfrm>
-          <a:prstGeom prst="line">
-            <a:avLst/>
-          </a:prstGeom>
-        </p:spPr>
-        <p:style>
-          <a:lnRef idx="2">
-            <a:schemeClr val="accent4"/>
-          </a:lnRef>
-          <a:fillRef idx="0">
-            <a:schemeClr val="accent4"/>
-          </a:fillRef>
-          <a:effectRef idx="1">
-            <a:schemeClr val="accent4"/>
-          </a:effectRef>
-          <a:fontRef idx="minor">
-            <a:schemeClr val="tx1"/>
-          </a:fontRef>
-        </p:style>
-      </p:cxnSp>
-      <p:cxnSp>
-        <p:nvCxnSpPr>
-          <p:cNvPr id="85" name="直線コネクタ 84">
-            <a:extLst>
-              <a:ext uri="{FF2B5EF4-FFF2-40B4-BE49-F238E27FC236}">
-                <a16:creationId xmlns:a16="http://schemas.microsoft.com/office/drawing/2014/main" id="{064319D3-28EF-E1C2-7779-71F16519E1D0}"/>
-              </a:ext>
-            </a:extLst>
-          </p:cNvPr>
-          <p:cNvCxnSpPr>
-            <a:cxnSpLocks/>
-          </p:cNvCxnSpPr>
-          <p:nvPr/>
-        </p:nvCxnSpPr>
-        <p:spPr>
-          <a:xfrm flipH="1">
-            <a:off x="6634717" y="4350135"/>
-            <a:ext cx="193106" cy="108914"/>
-          </a:xfrm>
-          <a:prstGeom prst="line">
-            <a:avLst/>
-          </a:prstGeom>
-          <a:ln>
-            <a:solidFill>
-              <a:srgbClr val="00B0F0"/>
-            </a:solidFill>
-            <a:prstDash val="sysDash"/>
-          </a:ln>
-        </p:spPr>
-        <p:style>
-          <a:lnRef idx="2">
-            <a:schemeClr val="accent1"/>
-          </a:lnRef>
-          <a:fillRef idx="0">
-            <a:schemeClr val="accent1"/>
-          </a:fillRef>
-          <a:effectRef idx="1">
-            <a:schemeClr val="accent1"/>
-          </a:effectRef>
-          <a:fontRef idx="minor">
-            <a:schemeClr val="tx1"/>
-          </a:fontRef>
-        </p:style>
-      </p:cxnSp>
-      <p:sp>
-        <p:nvSpPr>
-          <p:cNvPr id="99" name="テキスト ボックス 98">
-            <a:extLst>
-              <a:ext uri="{FF2B5EF4-FFF2-40B4-BE49-F238E27FC236}">
-                <a16:creationId xmlns:a16="http://schemas.microsoft.com/office/drawing/2014/main" id="{1C5D877C-A63C-FB2D-13C2-E8EE47417886}"/>
-              </a:ext>
-            </a:extLst>
-          </p:cNvPr>
-          <p:cNvSpPr txBox="1"/>
-          <p:nvPr/>
-        </p:nvSpPr>
-        <p:spPr>
-          <a:xfrm>
-            <a:off x="2981011" y="1939432"/>
+            <a:off x="5790443" y="2997043"/>
             <a:ext cx="1160072" cy="307777"/>
           </a:xfrm>
           <a:prstGeom prst="rect">
@@ -9056,6 +8250,1758 @@
       </p:grpSpPr>
       <p:sp>
         <p:nvSpPr>
+          <p:cNvPr id="50" name="吹き出し: 四角形 49">
+            <a:extLst>
+              <a:ext uri="{FF2B5EF4-FFF2-40B4-BE49-F238E27FC236}">
+                <a16:creationId xmlns:a16="http://schemas.microsoft.com/office/drawing/2014/main" id="{A4465586-956D-F89E-D839-C2DA703394A3}"/>
+              </a:ext>
+            </a:extLst>
+          </p:cNvPr>
+          <p:cNvSpPr/>
+          <p:nvPr/>
+        </p:nvSpPr>
+        <p:spPr>
+          <a:xfrm>
+            <a:off x="756542" y="3850745"/>
+            <a:ext cx="3346990" cy="1256401"/>
+          </a:xfrm>
+          <a:prstGeom prst="wedgeRectCallout">
+            <a:avLst>
+              <a:gd name="adj1" fmla="val -19609"/>
+              <a:gd name="adj2" fmla="val 61055"/>
+            </a:avLst>
+          </a:prstGeom>
+        </p:spPr>
+        <p:style>
+          <a:lnRef idx="2">
+            <a:schemeClr val="accent6">
+              <a:shade val="15000"/>
+            </a:schemeClr>
+          </a:lnRef>
+          <a:fillRef idx="1">
+            <a:schemeClr val="accent6"/>
+          </a:fillRef>
+          <a:effectRef idx="0">
+            <a:schemeClr val="accent6"/>
+          </a:effectRef>
+          <a:fontRef idx="minor">
+            <a:schemeClr val="lt1"/>
+          </a:fontRef>
+        </p:style>
+        <p:txBody>
+          <a:bodyPr rtlCol="0" anchor="ctr"/>
+          <a:lstStyle/>
+          <a:p>
+            <a:pPr algn="ctr"/>
+            <a:endParaRPr kumimoji="1" lang="ja-JP" altLang="en-US"/>
+          </a:p>
+        </p:txBody>
+      </p:sp>
+      <p:sp>
+        <p:nvSpPr>
+          <p:cNvPr id="62" name="フローチャート: 処理 61">
+            <a:extLst>
+              <a:ext uri="{FF2B5EF4-FFF2-40B4-BE49-F238E27FC236}">
+                <a16:creationId xmlns:a16="http://schemas.microsoft.com/office/drawing/2014/main" id="{92215028-BFBC-5CB0-96F7-7B07C0F0DEED}"/>
+              </a:ext>
+            </a:extLst>
+          </p:cNvPr>
+          <p:cNvSpPr/>
+          <p:nvPr/>
+        </p:nvSpPr>
+        <p:spPr>
+          <a:xfrm>
+            <a:off x="892743" y="3913431"/>
+            <a:ext cx="3106436" cy="1058951"/>
+          </a:xfrm>
+          <a:prstGeom prst="flowChartProcess">
+            <a:avLst/>
+          </a:prstGeom>
+        </p:spPr>
+        <p:style>
+          <a:lnRef idx="2">
+            <a:schemeClr val="accent1">
+              <a:shade val="15000"/>
+            </a:schemeClr>
+          </a:lnRef>
+          <a:fillRef idx="1">
+            <a:schemeClr val="accent1"/>
+          </a:fillRef>
+          <a:effectRef idx="0">
+            <a:schemeClr val="accent1"/>
+          </a:effectRef>
+          <a:fontRef idx="minor">
+            <a:schemeClr val="lt1"/>
+          </a:fontRef>
+        </p:style>
+        <p:txBody>
+          <a:bodyPr rtlCol="0" anchor="ctr"/>
+          <a:lstStyle/>
+          <a:p>
+            <a:pPr algn="ctr"/>
+            <a:endParaRPr kumimoji="1" lang="ja-JP" altLang="en-US" dirty="0"/>
+          </a:p>
+        </p:txBody>
+      </p:sp>
+      <p:sp>
+        <p:nvSpPr>
+          <p:cNvPr id="35" name="吹き出し: 四角形 34">
+            <a:extLst>
+              <a:ext uri="{FF2B5EF4-FFF2-40B4-BE49-F238E27FC236}">
+                <a16:creationId xmlns:a16="http://schemas.microsoft.com/office/drawing/2014/main" id="{F29F98E3-A156-F7C4-0370-3AB1B1227FA1}"/>
+              </a:ext>
+            </a:extLst>
+          </p:cNvPr>
+          <p:cNvSpPr/>
+          <p:nvPr/>
+        </p:nvSpPr>
+        <p:spPr>
+          <a:xfrm>
+            <a:off x="701474" y="1586529"/>
+            <a:ext cx="7843512" cy="1354424"/>
+          </a:xfrm>
+          <a:prstGeom prst="wedgeRectCallout">
+            <a:avLst>
+              <a:gd name="adj1" fmla="val -21319"/>
+              <a:gd name="adj2" fmla="val 66720"/>
+            </a:avLst>
+          </a:prstGeom>
+        </p:spPr>
+        <p:style>
+          <a:lnRef idx="2">
+            <a:schemeClr val="accent6">
+              <a:shade val="15000"/>
+            </a:schemeClr>
+          </a:lnRef>
+          <a:fillRef idx="1">
+            <a:schemeClr val="accent6"/>
+          </a:fillRef>
+          <a:effectRef idx="0">
+            <a:schemeClr val="accent6"/>
+          </a:effectRef>
+          <a:fontRef idx="minor">
+            <a:schemeClr val="lt1"/>
+          </a:fontRef>
+        </p:style>
+        <p:txBody>
+          <a:bodyPr rtlCol="0" anchor="ctr"/>
+          <a:lstStyle/>
+          <a:p>
+            <a:pPr algn="ctr"/>
+            <a:endParaRPr kumimoji="1" lang="ja-JP" altLang="en-US"/>
+          </a:p>
+        </p:txBody>
+      </p:sp>
+      <p:sp>
+        <p:nvSpPr>
+          <p:cNvPr id="38" name="フローチャート: 処理 37">
+            <a:extLst>
+              <a:ext uri="{FF2B5EF4-FFF2-40B4-BE49-F238E27FC236}">
+                <a16:creationId xmlns:a16="http://schemas.microsoft.com/office/drawing/2014/main" id="{74EB806C-63B1-A2FB-8A44-3E75C3DC9869}"/>
+              </a:ext>
+            </a:extLst>
+          </p:cNvPr>
+          <p:cNvSpPr/>
+          <p:nvPr/>
+        </p:nvSpPr>
+        <p:spPr>
+          <a:xfrm>
+            <a:off x="769810" y="1684377"/>
+            <a:ext cx="3104282" cy="1198889"/>
+          </a:xfrm>
+          <a:prstGeom prst="flowChartProcess">
+            <a:avLst/>
+          </a:prstGeom>
+        </p:spPr>
+        <p:style>
+          <a:lnRef idx="2">
+            <a:schemeClr val="accent1">
+              <a:shade val="15000"/>
+            </a:schemeClr>
+          </a:lnRef>
+          <a:fillRef idx="1">
+            <a:schemeClr val="accent1"/>
+          </a:fillRef>
+          <a:effectRef idx="0">
+            <a:schemeClr val="accent1"/>
+          </a:effectRef>
+          <a:fontRef idx="minor">
+            <a:schemeClr val="lt1"/>
+          </a:fontRef>
+        </p:style>
+        <p:txBody>
+          <a:bodyPr rtlCol="0" anchor="ctr"/>
+          <a:lstStyle/>
+          <a:p>
+            <a:pPr algn="ctr"/>
+            <a:endParaRPr kumimoji="1" lang="ja-JP" altLang="en-US" dirty="0"/>
+          </a:p>
+        </p:txBody>
+      </p:sp>
+      <p:sp>
+        <p:nvSpPr>
+          <p:cNvPr id="39" name="フローチャート: 処理 38">
+            <a:extLst>
+              <a:ext uri="{FF2B5EF4-FFF2-40B4-BE49-F238E27FC236}">
+                <a16:creationId xmlns:a16="http://schemas.microsoft.com/office/drawing/2014/main" id="{1C9273D3-58DA-9E3F-0FB6-45D06971E159}"/>
+              </a:ext>
+            </a:extLst>
+          </p:cNvPr>
+          <p:cNvSpPr/>
+          <p:nvPr/>
+        </p:nvSpPr>
+        <p:spPr>
+          <a:xfrm>
+            <a:off x="4743644" y="1684377"/>
+            <a:ext cx="3672503" cy="1198889"/>
+          </a:xfrm>
+          <a:prstGeom prst="flowChartProcess">
+            <a:avLst/>
+          </a:prstGeom>
+        </p:spPr>
+        <p:style>
+          <a:lnRef idx="2">
+            <a:schemeClr val="accent1">
+              <a:shade val="15000"/>
+            </a:schemeClr>
+          </a:lnRef>
+          <a:fillRef idx="1">
+            <a:schemeClr val="accent1"/>
+          </a:fillRef>
+          <a:effectRef idx="0">
+            <a:schemeClr val="accent1"/>
+          </a:effectRef>
+          <a:fontRef idx="minor">
+            <a:schemeClr val="lt1"/>
+          </a:fontRef>
+        </p:style>
+        <p:txBody>
+          <a:bodyPr rtlCol="0" anchor="ctr"/>
+          <a:lstStyle/>
+          <a:p>
+            <a:pPr algn="ctr"/>
+            <a:endParaRPr kumimoji="1" lang="ja-JP" altLang="en-US" dirty="0"/>
+          </a:p>
+        </p:txBody>
+      </p:sp>
+      <p:sp>
+        <p:nvSpPr>
+          <p:cNvPr id="2" name="タイトル 1">
+            <a:extLst>
+              <a:ext uri="{FF2B5EF4-FFF2-40B4-BE49-F238E27FC236}">
+                <a16:creationId xmlns:a16="http://schemas.microsoft.com/office/drawing/2014/main" id="{9C784ACA-9376-15C6-DD93-68B5D582FADA}"/>
+              </a:ext>
+            </a:extLst>
+          </p:cNvPr>
+          <p:cNvSpPr>
+            <a:spLocks noGrp="1"/>
+          </p:cNvSpPr>
+          <p:nvPr>
+            <p:ph type="title"/>
+          </p:nvPr>
+        </p:nvSpPr>
+        <p:spPr>
+          <a:xfrm>
+            <a:off x="320119" y="126662"/>
+            <a:ext cx="10489721" cy="749282"/>
+          </a:xfrm>
+        </p:spPr>
+        <p:txBody>
+          <a:bodyPr>
+            <a:normAutofit/>
+          </a:bodyPr>
+          <a:lstStyle/>
+          <a:p>
+            <a:r>
+              <a:rPr kumimoji="1" lang="ja-JP" altLang="en-US"/>
+              <a:t>リモートプロシージャコール</a:t>
+            </a:r>
+            <a:r>
+              <a:rPr lang="ja-JP" altLang="en-US" dirty="0"/>
+              <a:t>とは？</a:t>
+            </a:r>
+            <a:endParaRPr kumimoji="1" lang="ja-JP" altLang="en-US" dirty="0"/>
+          </a:p>
+        </p:txBody>
+      </p:sp>
+      <p:sp>
+        <p:nvSpPr>
+          <p:cNvPr id="15" name="コンテンツ プレースホルダー 11">
+            <a:extLst>
+              <a:ext uri="{FF2B5EF4-FFF2-40B4-BE49-F238E27FC236}">
+                <a16:creationId xmlns:a16="http://schemas.microsoft.com/office/drawing/2014/main" id="{7C6EF597-823B-D1E9-EA6E-8B8C2E9C59E9}"/>
+              </a:ext>
+            </a:extLst>
+          </p:cNvPr>
+          <p:cNvSpPr txBox="1">
+            <a:spLocks/>
+          </p:cNvSpPr>
+          <p:nvPr/>
+        </p:nvSpPr>
+        <p:spPr>
+          <a:xfrm>
+            <a:off x="527975" y="908902"/>
+            <a:ext cx="10826790" cy="481900"/>
+          </a:xfrm>
+          <a:prstGeom prst="rect">
+            <a:avLst/>
+          </a:prstGeom>
+        </p:spPr>
+        <p:txBody>
+          <a:bodyPr vert="horz" lIns="91440" tIns="45720" rIns="91440" bIns="45720" rtlCol="0">
+            <a:normAutofit/>
+          </a:bodyPr>
+          <a:lstStyle>
+            <a:lvl1pPr marL="228600" indent="-228600" algn="l" defTabSz="914400" rtl="0" eaLnBrk="1" latinLnBrk="0" hangingPunct="1">
+              <a:lnSpc>
+                <a:spcPct val="90000"/>
+              </a:lnSpc>
+              <a:spcBef>
+                <a:spcPts val="1000"/>
+              </a:spcBef>
+              <a:buFont typeface="Arial" panose="020B0604020202020204" pitchFamily="34" charset="0"/>
+              <a:buChar char="•"/>
+              <a:defRPr kumimoji="1" sz="2800" kern="1200">
+                <a:solidFill>
+                  <a:schemeClr val="tx1"/>
+                </a:solidFill>
+                <a:latin typeface="+mn-lt"/>
+                <a:ea typeface="+mn-ea"/>
+                <a:cs typeface="+mn-cs"/>
+              </a:defRPr>
+            </a:lvl1pPr>
+            <a:lvl2pPr marL="685800" indent="-228600" algn="l" defTabSz="914400" rtl="0" eaLnBrk="1" latinLnBrk="0" hangingPunct="1">
+              <a:lnSpc>
+                <a:spcPct val="90000"/>
+              </a:lnSpc>
+              <a:spcBef>
+                <a:spcPts val="500"/>
+              </a:spcBef>
+              <a:buFont typeface="Arial" panose="020B0604020202020204" pitchFamily="34" charset="0"/>
+              <a:buChar char="•"/>
+              <a:defRPr kumimoji="1" sz="2400" kern="1200">
+                <a:solidFill>
+                  <a:schemeClr val="tx1"/>
+                </a:solidFill>
+                <a:latin typeface="+mn-lt"/>
+                <a:ea typeface="+mn-ea"/>
+                <a:cs typeface="+mn-cs"/>
+              </a:defRPr>
+            </a:lvl2pPr>
+            <a:lvl3pPr marL="1143000" indent="-228600" algn="l" defTabSz="914400" rtl="0" eaLnBrk="1" latinLnBrk="0" hangingPunct="1">
+              <a:lnSpc>
+                <a:spcPct val="90000"/>
+              </a:lnSpc>
+              <a:spcBef>
+                <a:spcPts val="500"/>
+              </a:spcBef>
+              <a:buFont typeface="Arial" panose="020B0604020202020204" pitchFamily="34" charset="0"/>
+              <a:buChar char="•"/>
+              <a:defRPr kumimoji="1" sz="2000" kern="1200">
+                <a:solidFill>
+                  <a:schemeClr val="tx1"/>
+                </a:solidFill>
+                <a:latin typeface="+mn-lt"/>
+                <a:ea typeface="+mn-ea"/>
+                <a:cs typeface="+mn-cs"/>
+              </a:defRPr>
+            </a:lvl3pPr>
+            <a:lvl4pPr marL="1600200" indent="-228600" algn="l" defTabSz="914400" rtl="0" eaLnBrk="1" latinLnBrk="0" hangingPunct="1">
+              <a:lnSpc>
+                <a:spcPct val="90000"/>
+              </a:lnSpc>
+              <a:spcBef>
+                <a:spcPts val="500"/>
+              </a:spcBef>
+              <a:buFont typeface="Arial" panose="020B0604020202020204" pitchFamily="34" charset="0"/>
+              <a:buChar char="•"/>
+              <a:defRPr kumimoji="1" sz="1800" kern="1200">
+                <a:solidFill>
+                  <a:schemeClr val="tx1"/>
+                </a:solidFill>
+                <a:latin typeface="+mn-lt"/>
+                <a:ea typeface="+mn-ea"/>
+                <a:cs typeface="+mn-cs"/>
+              </a:defRPr>
+            </a:lvl4pPr>
+            <a:lvl5pPr marL="2057400" indent="-228600" algn="l" defTabSz="914400" rtl="0" eaLnBrk="1" latinLnBrk="0" hangingPunct="1">
+              <a:lnSpc>
+                <a:spcPct val="90000"/>
+              </a:lnSpc>
+              <a:spcBef>
+                <a:spcPts val="500"/>
+              </a:spcBef>
+              <a:buFont typeface="Arial" panose="020B0604020202020204" pitchFamily="34" charset="0"/>
+              <a:buChar char="•"/>
+              <a:defRPr kumimoji="1" sz="1800" kern="1200">
+                <a:solidFill>
+                  <a:schemeClr val="tx1"/>
+                </a:solidFill>
+                <a:latin typeface="+mn-lt"/>
+                <a:ea typeface="+mn-ea"/>
+                <a:cs typeface="+mn-cs"/>
+              </a:defRPr>
+            </a:lvl5pPr>
+            <a:lvl6pPr marL="2514600" indent="-228600" algn="l" defTabSz="914400" rtl="0" eaLnBrk="1" latinLnBrk="0" hangingPunct="1">
+              <a:lnSpc>
+                <a:spcPct val="90000"/>
+              </a:lnSpc>
+              <a:spcBef>
+                <a:spcPts val="500"/>
+              </a:spcBef>
+              <a:buFont typeface="Arial" panose="020B0604020202020204" pitchFamily="34" charset="0"/>
+              <a:buChar char="•"/>
+              <a:defRPr kumimoji="1" sz="1800" kern="1200">
+                <a:solidFill>
+                  <a:schemeClr val="tx1"/>
+                </a:solidFill>
+                <a:latin typeface="+mn-lt"/>
+                <a:ea typeface="+mn-ea"/>
+                <a:cs typeface="+mn-cs"/>
+              </a:defRPr>
+            </a:lvl6pPr>
+            <a:lvl7pPr marL="2971800" indent="-228600" algn="l" defTabSz="914400" rtl="0" eaLnBrk="1" latinLnBrk="0" hangingPunct="1">
+              <a:lnSpc>
+                <a:spcPct val="90000"/>
+              </a:lnSpc>
+              <a:spcBef>
+                <a:spcPts val="500"/>
+              </a:spcBef>
+              <a:buFont typeface="Arial" panose="020B0604020202020204" pitchFamily="34" charset="0"/>
+              <a:buChar char="•"/>
+              <a:defRPr kumimoji="1" sz="1800" kern="1200">
+                <a:solidFill>
+                  <a:schemeClr val="tx1"/>
+                </a:solidFill>
+                <a:latin typeface="+mn-lt"/>
+                <a:ea typeface="+mn-ea"/>
+                <a:cs typeface="+mn-cs"/>
+              </a:defRPr>
+            </a:lvl7pPr>
+            <a:lvl8pPr marL="3429000" indent="-228600" algn="l" defTabSz="914400" rtl="0" eaLnBrk="1" latinLnBrk="0" hangingPunct="1">
+              <a:lnSpc>
+                <a:spcPct val="90000"/>
+              </a:lnSpc>
+              <a:spcBef>
+                <a:spcPts val="500"/>
+              </a:spcBef>
+              <a:buFont typeface="Arial" panose="020B0604020202020204" pitchFamily="34" charset="0"/>
+              <a:buChar char="•"/>
+              <a:defRPr kumimoji="1" sz="1800" kern="1200">
+                <a:solidFill>
+                  <a:schemeClr val="tx1"/>
+                </a:solidFill>
+                <a:latin typeface="+mn-lt"/>
+                <a:ea typeface="+mn-ea"/>
+                <a:cs typeface="+mn-cs"/>
+              </a:defRPr>
+            </a:lvl8pPr>
+            <a:lvl9pPr marL="3886200" indent="-228600" algn="l" defTabSz="914400" rtl="0" eaLnBrk="1" latinLnBrk="0" hangingPunct="1">
+              <a:lnSpc>
+                <a:spcPct val="90000"/>
+              </a:lnSpc>
+              <a:spcBef>
+                <a:spcPts val="500"/>
+              </a:spcBef>
+              <a:buFont typeface="Arial" panose="020B0604020202020204" pitchFamily="34" charset="0"/>
+              <a:buChar char="•"/>
+              <a:defRPr kumimoji="1" sz="1800" kern="1200">
+                <a:solidFill>
+                  <a:schemeClr val="tx1"/>
+                </a:solidFill>
+                <a:latin typeface="+mn-lt"/>
+                <a:ea typeface="+mn-ea"/>
+                <a:cs typeface="+mn-cs"/>
+              </a:defRPr>
+            </a:lvl9pPr>
+          </a:lstStyle>
+          <a:p>
+            <a:pPr marL="0" indent="0">
+              <a:buNone/>
+            </a:pPr>
+            <a:r>
+              <a:rPr lang="ja-JP" altLang="en-US" sz="2400"/>
+              <a:t>異なる</a:t>
+            </a:r>
+            <a:r>
+              <a:rPr lang="ja-JP" altLang="en-US" sz="2400" dirty="0"/>
+              <a:t>プロセス間 </a:t>
+            </a:r>
+            <a:r>
+              <a:rPr lang="en-US" altLang="ja-JP" sz="2400" dirty="0"/>
+              <a:t>or </a:t>
+            </a:r>
+            <a:r>
+              <a:rPr lang="ja-JP" altLang="en-US" sz="2400"/>
+              <a:t>コンピュータ間で行われる関数風</a:t>
+            </a:r>
+            <a:r>
+              <a:rPr lang="ja-JP" altLang="en-US" sz="2400" dirty="0"/>
+              <a:t>コールのことです</a:t>
+            </a:r>
+            <a:endParaRPr lang="en-US" altLang="ja-JP" sz="2400" dirty="0"/>
+          </a:p>
+          <a:p>
+            <a:endParaRPr lang="en-US" altLang="ja-JP" sz="2400" dirty="0"/>
+          </a:p>
+          <a:p>
+            <a:endParaRPr lang="ja-JP" altLang="en-US" sz="2400" dirty="0"/>
+          </a:p>
+          <a:p>
+            <a:pPr marL="0" indent="0">
+              <a:buFont typeface="Arial" panose="020B0604020202020204" pitchFamily="34" charset="0"/>
+              <a:buNone/>
+            </a:pPr>
+            <a:endParaRPr lang="en-US" altLang="ja-JP" sz="2400" dirty="0"/>
+          </a:p>
+          <a:p>
+            <a:pPr marL="0" indent="0">
+              <a:buFont typeface="Arial" panose="020B0604020202020204" pitchFamily="34" charset="0"/>
+              <a:buNone/>
+            </a:pPr>
+            <a:endParaRPr lang="en-US" altLang="ja-JP" sz="2400" dirty="0"/>
+          </a:p>
+          <a:p>
+            <a:pPr marL="0" indent="0">
+              <a:buFont typeface="Arial" panose="020B0604020202020204" pitchFamily="34" charset="0"/>
+              <a:buNone/>
+            </a:pPr>
+            <a:endParaRPr lang="en-US" altLang="ja-JP" sz="2400" dirty="0"/>
+          </a:p>
+          <a:p>
+            <a:pPr>
+              <a:buFontTx/>
+              <a:buChar char="-"/>
+            </a:pPr>
+            <a:endParaRPr lang="en-US" altLang="ja-JP" sz="2400" dirty="0"/>
+          </a:p>
+          <a:p>
+            <a:pPr>
+              <a:buFontTx/>
+              <a:buChar char="-"/>
+            </a:pPr>
+            <a:endParaRPr lang="en-US" altLang="ja-JP" sz="2400" dirty="0"/>
+          </a:p>
+        </p:txBody>
+      </p:sp>
+      <p:pic>
+        <p:nvPicPr>
+          <p:cNvPr id="20" name="グラフィックス 19" descr="環状の矢印 単色塗りつぶし">
+            <a:extLst>
+              <a:ext uri="{FF2B5EF4-FFF2-40B4-BE49-F238E27FC236}">
+                <a16:creationId xmlns:a16="http://schemas.microsoft.com/office/drawing/2014/main" id="{574DF10B-344C-A477-8A39-DD0423B59168}"/>
+              </a:ext>
+            </a:extLst>
+          </p:cNvPr>
+          <p:cNvPicPr>
+            <a:picLocks noChangeAspect="1"/>
+          </p:cNvPicPr>
+          <p:nvPr/>
+        </p:nvPicPr>
+        <p:blipFill>
+          <a:blip r:embed="rId3">
+            <a:extLst>
+              <a:ext uri="{96DAC541-7B7A-43D3-8B79-37D633B846F1}">
+                <asvg:svgBlip xmlns:asvg="http://schemas.microsoft.com/office/drawing/2016/SVG/main" r:embed="rId4"/>
+              </a:ext>
+            </a:extLst>
+          </a:blip>
+          <a:stretch>
+            <a:fillRect/>
+          </a:stretch>
+        </p:blipFill>
+        <p:spPr>
+          <a:xfrm>
+            <a:off x="360751" y="1391091"/>
+            <a:ext cx="529298" cy="494255"/>
+          </a:xfrm>
+          <a:prstGeom prst="rect">
+            <a:avLst/>
+          </a:prstGeom>
+        </p:spPr>
+      </p:pic>
+      <p:pic>
+        <p:nvPicPr>
+          <p:cNvPr id="23" name="グラフィックス 22" descr="ノート PC 単色塗りつぶし">
+            <a:extLst>
+              <a:ext uri="{FF2B5EF4-FFF2-40B4-BE49-F238E27FC236}">
+                <a16:creationId xmlns:a16="http://schemas.microsoft.com/office/drawing/2014/main" id="{E8ED8820-4625-1005-E60E-6A6014183A6A}"/>
+              </a:ext>
+            </a:extLst>
+          </p:cNvPr>
+          <p:cNvPicPr>
+            <a:picLocks noChangeAspect="1"/>
+          </p:cNvPicPr>
+          <p:nvPr/>
+        </p:nvPicPr>
+        <p:blipFill>
+          <a:blip r:embed="rId5">
+            <a:extLst>
+              <a:ext uri="{96DAC541-7B7A-43D3-8B79-37D633B846F1}">
+                <asvg:svgBlip xmlns:asvg="http://schemas.microsoft.com/office/drawing/2016/SVG/main" r:embed="rId6"/>
+              </a:ext>
+            </a:extLst>
+          </a:blip>
+          <a:stretch>
+            <a:fillRect/>
+          </a:stretch>
+        </p:blipFill>
+        <p:spPr>
+          <a:xfrm>
+            <a:off x="2721400" y="3049015"/>
+            <a:ext cx="550648" cy="550648"/>
+          </a:xfrm>
+          <a:prstGeom prst="rect">
+            <a:avLst/>
+          </a:prstGeom>
+        </p:spPr>
+      </p:pic>
+      <p:sp>
+        <p:nvSpPr>
+          <p:cNvPr id="46" name="テキスト ボックス 45">
+            <a:extLst>
+              <a:ext uri="{FF2B5EF4-FFF2-40B4-BE49-F238E27FC236}">
+                <a16:creationId xmlns:a16="http://schemas.microsoft.com/office/drawing/2014/main" id="{1F2B9C43-4550-B3D5-7228-B3B01FFCA19F}"/>
+              </a:ext>
+            </a:extLst>
+          </p:cNvPr>
+          <p:cNvSpPr txBox="1"/>
+          <p:nvPr/>
+        </p:nvSpPr>
+        <p:spPr>
+          <a:xfrm>
+            <a:off x="662567" y="1322431"/>
+            <a:ext cx="5602133" cy="307777"/>
+          </a:xfrm>
+          <a:prstGeom prst="rect">
+            <a:avLst/>
+          </a:prstGeom>
+          <a:noFill/>
+        </p:spPr>
+        <p:txBody>
+          <a:bodyPr wrap="square" rtlCol="0">
+            <a:spAutoFit/>
+          </a:bodyPr>
+          <a:lstStyle/>
+          <a:p>
+            <a:r>
+              <a:rPr lang="en-US" altLang="ja-JP" sz="1400" b="1" dirty="0"/>
+              <a:t>2-1.</a:t>
+            </a:r>
+            <a:r>
+              <a:rPr lang="ja-JP" altLang="en-US" sz="1400" b="1" dirty="0"/>
+              <a:t> 異なるプロセス間の通信</a:t>
+            </a:r>
+            <a:r>
+              <a:rPr lang="en-US" altLang="ja-JP" sz="1400" b="1" dirty="0"/>
+              <a:t>(IPC)</a:t>
+            </a:r>
+            <a:r>
+              <a:rPr lang="ja-JP" altLang="en-US" sz="1400" b="1" dirty="0"/>
+              <a:t>の例：</a:t>
+            </a:r>
+            <a:r>
+              <a:rPr lang="en-US" altLang="ja-JP" sz="1400" b="1" dirty="0"/>
+              <a:t>AIDL</a:t>
+            </a:r>
+            <a:r>
+              <a:rPr lang="ja-JP" altLang="en-US" sz="1400" b="1" dirty="0"/>
+              <a:t>の場合</a:t>
+            </a:r>
+            <a:endParaRPr kumimoji="1" lang="ja-JP" altLang="en-US" sz="1400" b="1" dirty="0"/>
+          </a:p>
+        </p:txBody>
+      </p:sp>
+      <p:sp>
+        <p:nvSpPr>
+          <p:cNvPr id="47" name="テキスト ボックス 46">
+            <a:extLst>
+              <a:ext uri="{FF2B5EF4-FFF2-40B4-BE49-F238E27FC236}">
+                <a16:creationId xmlns:a16="http://schemas.microsoft.com/office/drawing/2014/main" id="{A91F51B5-2714-6616-7DF2-2365DDF3DCA6}"/>
+              </a:ext>
+            </a:extLst>
+          </p:cNvPr>
+          <p:cNvSpPr txBox="1"/>
+          <p:nvPr/>
+        </p:nvSpPr>
+        <p:spPr>
+          <a:xfrm>
+            <a:off x="662567" y="3578494"/>
+            <a:ext cx="4185911" cy="338554"/>
+          </a:xfrm>
+          <a:prstGeom prst="rect">
+            <a:avLst/>
+          </a:prstGeom>
+          <a:noFill/>
+        </p:spPr>
+        <p:txBody>
+          <a:bodyPr wrap="square" rtlCol="0">
+            <a:spAutoFit/>
+          </a:bodyPr>
+          <a:lstStyle/>
+          <a:p>
+            <a:r>
+              <a:rPr lang="en-US" altLang="ja-JP" sz="1600" b="1" dirty="0">
+                <a:solidFill>
+                  <a:srgbClr val="00B0F0"/>
+                </a:solidFill>
+              </a:rPr>
+              <a:t>2-2.</a:t>
+            </a:r>
+            <a:r>
+              <a:rPr lang="ja-JP" altLang="en-US" sz="1600" b="1" dirty="0">
+                <a:solidFill>
+                  <a:srgbClr val="00B0F0"/>
+                </a:solidFill>
+              </a:rPr>
+              <a:t> 異なる</a:t>
+            </a:r>
+            <a:r>
+              <a:rPr lang="en-US" altLang="ja-JP" sz="1600" b="1" dirty="0">
+                <a:solidFill>
+                  <a:srgbClr val="00B0F0"/>
+                </a:solidFill>
+              </a:rPr>
+              <a:t>PC</a:t>
+            </a:r>
+            <a:r>
+              <a:rPr lang="ja-JP" altLang="en-US" sz="1600" b="1" dirty="0">
+                <a:solidFill>
+                  <a:srgbClr val="00B0F0"/>
+                </a:solidFill>
+              </a:rPr>
+              <a:t>間の通信の例：</a:t>
+            </a:r>
+            <a:r>
+              <a:rPr lang="en-US" altLang="ja-JP" sz="1600" b="1" dirty="0" err="1">
+                <a:solidFill>
+                  <a:srgbClr val="00B0F0"/>
+                </a:solidFill>
+              </a:rPr>
+              <a:t>gRPC</a:t>
+            </a:r>
+            <a:r>
+              <a:rPr lang="ja-JP" altLang="en-US" sz="1600" b="1" dirty="0">
+                <a:solidFill>
+                  <a:srgbClr val="00B0F0"/>
+                </a:solidFill>
+              </a:rPr>
+              <a:t>の場合</a:t>
+            </a:r>
+            <a:endParaRPr kumimoji="1" lang="ja-JP" altLang="en-US" sz="1600" b="1" dirty="0">
+              <a:solidFill>
+                <a:srgbClr val="00B0F0"/>
+              </a:solidFill>
+            </a:endParaRPr>
+          </a:p>
+        </p:txBody>
+      </p:sp>
+      <p:pic>
+        <p:nvPicPr>
+          <p:cNvPr id="48" name="グラフィックス 47" descr="ノート PC 単色塗りつぶし">
+            <a:extLst>
+              <a:ext uri="{FF2B5EF4-FFF2-40B4-BE49-F238E27FC236}">
+                <a16:creationId xmlns:a16="http://schemas.microsoft.com/office/drawing/2014/main" id="{C4E45BF6-1066-B2FE-9749-4516EC41E731}"/>
+              </a:ext>
+            </a:extLst>
+          </p:cNvPr>
+          <p:cNvPicPr>
+            <a:picLocks noChangeAspect="1"/>
+          </p:cNvPicPr>
+          <p:nvPr/>
+        </p:nvPicPr>
+        <p:blipFill>
+          <a:blip r:embed="rId5">
+            <a:extLst>
+              <a:ext uri="{96DAC541-7B7A-43D3-8B79-37D633B846F1}">
+                <asvg:svgBlip xmlns:asvg="http://schemas.microsoft.com/office/drawing/2016/SVG/main" r:embed="rId6"/>
+              </a:ext>
+            </a:extLst>
+          </a:blip>
+          <a:stretch>
+            <a:fillRect/>
+          </a:stretch>
+        </p:blipFill>
+        <p:spPr>
+          <a:xfrm>
+            <a:off x="1425392" y="5107146"/>
+            <a:ext cx="690523" cy="690523"/>
+          </a:xfrm>
+          <a:prstGeom prst="rect">
+            <a:avLst/>
+          </a:prstGeom>
+        </p:spPr>
+      </p:pic>
+      <p:pic>
+        <p:nvPicPr>
+          <p:cNvPr id="65" name="図 64">
+            <a:extLst>
+              <a:ext uri="{FF2B5EF4-FFF2-40B4-BE49-F238E27FC236}">
+                <a16:creationId xmlns:a16="http://schemas.microsoft.com/office/drawing/2014/main" id="{5FCE79B1-48D7-11B5-35ED-D6A16898F508}"/>
+              </a:ext>
+            </a:extLst>
+          </p:cNvPr>
+          <p:cNvPicPr>
+            <a:picLocks noChangeAspect="1"/>
+          </p:cNvPicPr>
+          <p:nvPr/>
+        </p:nvPicPr>
+        <p:blipFill>
+          <a:blip r:embed="rId7"/>
+          <a:stretch>
+            <a:fillRect/>
+          </a:stretch>
+        </p:blipFill>
+        <p:spPr>
+          <a:xfrm>
+            <a:off x="1035715" y="1793254"/>
+            <a:ext cx="2466735" cy="938054"/>
+          </a:xfrm>
+          <a:prstGeom prst="rect">
+            <a:avLst/>
+          </a:prstGeom>
+        </p:spPr>
+      </p:pic>
+      <p:cxnSp>
+        <p:nvCxnSpPr>
+          <p:cNvPr id="42" name="直線コネクタ 41">
+            <a:extLst>
+              <a:ext uri="{FF2B5EF4-FFF2-40B4-BE49-F238E27FC236}">
+                <a16:creationId xmlns:a16="http://schemas.microsoft.com/office/drawing/2014/main" id="{50C80588-BA39-BB1B-9EBC-7BA86DCD3DFE}"/>
+              </a:ext>
+            </a:extLst>
+          </p:cNvPr>
+          <p:cNvCxnSpPr>
+            <a:cxnSpLocks/>
+          </p:cNvCxnSpPr>
+          <p:nvPr/>
+        </p:nvCxnSpPr>
+        <p:spPr>
+          <a:xfrm flipV="1">
+            <a:off x="1152510" y="2225190"/>
+            <a:ext cx="2259412" cy="3"/>
+          </a:xfrm>
+          <a:prstGeom prst="line">
+            <a:avLst/>
+          </a:prstGeom>
+        </p:spPr>
+        <p:style>
+          <a:lnRef idx="2">
+            <a:schemeClr val="accent2"/>
+          </a:lnRef>
+          <a:fillRef idx="0">
+            <a:schemeClr val="accent2"/>
+          </a:fillRef>
+          <a:effectRef idx="1">
+            <a:schemeClr val="accent2"/>
+          </a:effectRef>
+          <a:fontRef idx="minor">
+            <a:schemeClr val="tx1"/>
+          </a:fontRef>
+        </p:style>
+      </p:cxnSp>
+      <p:pic>
+        <p:nvPicPr>
+          <p:cNvPr id="36" name="グラフィックス 35" descr="環状の矢印 単色塗りつぶし">
+            <a:extLst>
+              <a:ext uri="{FF2B5EF4-FFF2-40B4-BE49-F238E27FC236}">
+                <a16:creationId xmlns:a16="http://schemas.microsoft.com/office/drawing/2014/main" id="{FC5FA179-03FF-CC31-6F0D-80DF2475DBAC}"/>
+              </a:ext>
+            </a:extLst>
+          </p:cNvPr>
+          <p:cNvPicPr>
+            <a:picLocks noChangeAspect="1"/>
+          </p:cNvPicPr>
+          <p:nvPr/>
+        </p:nvPicPr>
+        <p:blipFill>
+          <a:blip r:embed="rId3">
+            <a:extLst>
+              <a:ext uri="{96DAC541-7B7A-43D3-8B79-37D633B846F1}">
+                <asvg:svgBlip xmlns:asvg="http://schemas.microsoft.com/office/drawing/2016/SVG/main" r:embed="rId4"/>
+              </a:ext>
+            </a:extLst>
+          </a:blip>
+          <a:stretch>
+            <a:fillRect/>
+          </a:stretch>
+        </p:blipFill>
+        <p:spPr>
+          <a:xfrm>
+            <a:off x="701474" y="1624017"/>
+            <a:ext cx="432219" cy="432219"/>
+          </a:xfrm>
+          <a:prstGeom prst="rect">
+            <a:avLst/>
+          </a:prstGeom>
+        </p:spPr>
+      </p:pic>
+      <p:pic>
+        <p:nvPicPr>
+          <p:cNvPr id="67" name="図 66">
+            <a:extLst>
+              <a:ext uri="{FF2B5EF4-FFF2-40B4-BE49-F238E27FC236}">
+                <a16:creationId xmlns:a16="http://schemas.microsoft.com/office/drawing/2014/main" id="{6EC38E18-03DF-FD22-2794-FC5733BFF16C}"/>
+              </a:ext>
+            </a:extLst>
+          </p:cNvPr>
+          <p:cNvPicPr>
+            <a:picLocks noChangeAspect="1"/>
+          </p:cNvPicPr>
+          <p:nvPr/>
+        </p:nvPicPr>
+        <p:blipFill>
+          <a:blip r:embed="rId8"/>
+          <a:stretch>
+            <a:fillRect/>
+          </a:stretch>
+        </p:blipFill>
+        <p:spPr>
+          <a:xfrm>
+            <a:off x="4794025" y="1839335"/>
+            <a:ext cx="3536052" cy="977930"/>
+          </a:xfrm>
+          <a:prstGeom prst="rect">
+            <a:avLst/>
+          </a:prstGeom>
+        </p:spPr>
+      </p:pic>
+      <p:pic>
+        <p:nvPicPr>
+          <p:cNvPr id="40" name="グラフィックス 39" descr="環状の矢印 単色塗りつぶし">
+            <a:extLst>
+              <a:ext uri="{FF2B5EF4-FFF2-40B4-BE49-F238E27FC236}">
+                <a16:creationId xmlns:a16="http://schemas.microsoft.com/office/drawing/2014/main" id="{908999EE-F3AA-10DC-2F7D-C95A4183BD7E}"/>
+              </a:ext>
+            </a:extLst>
+          </p:cNvPr>
+          <p:cNvPicPr>
+            <a:picLocks noChangeAspect="1"/>
+          </p:cNvPicPr>
+          <p:nvPr/>
+        </p:nvPicPr>
+        <p:blipFill>
+          <a:blip r:embed="rId3">
+            <a:extLst>
+              <a:ext uri="{96DAC541-7B7A-43D3-8B79-37D633B846F1}">
+                <asvg:svgBlip xmlns:asvg="http://schemas.microsoft.com/office/drawing/2016/SVG/main" r:embed="rId4"/>
+              </a:ext>
+            </a:extLst>
+          </a:blip>
+          <a:stretch>
+            <a:fillRect/>
+          </a:stretch>
+        </p:blipFill>
+        <p:spPr>
+          <a:xfrm>
+            <a:off x="4688905" y="1630787"/>
+            <a:ext cx="358675" cy="358675"/>
+          </a:xfrm>
+          <a:prstGeom prst="rect">
+            <a:avLst/>
+          </a:prstGeom>
+        </p:spPr>
+      </p:pic>
+      <p:cxnSp>
+        <p:nvCxnSpPr>
+          <p:cNvPr id="43" name="直線コネクタ 42">
+            <a:extLst>
+              <a:ext uri="{FF2B5EF4-FFF2-40B4-BE49-F238E27FC236}">
+                <a16:creationId xmlns:a16="http://schemas.microsoft.com/office/drawing/2014/main" id="{E3C334C1-00B2-CD7D-FFBD-AA0EF65F8EAA}"/>
+              </a:ext>
+            </a:extLst>
+          </p:cNvPr>
+          <p:cNvCxnSpPr>
+            <a:cxnSpLocks/>
+          </p:cNvCxnSpPr>
+          <p:nvPr/>
+        </p:nvCxnSpPr>
+        <p:spPr>
+          <a:xfrm>
+            <a:off x="5265855" y="2321474"/>
+            <a:ext cx="2913370" cy="0"/>
+          </a:xfrm>
+          <a:prstGeom prst="line">
+            <a:avLst/>
+          </a:prstGeom>
+        </p:spPr>
+        <p:style>
+          <a:lnRef idx="2">
+            <a:schemeClr val="accent2"/>
+          </a:lnRef>
+          <a:fillRef idx="0">
+            <a:schemeClr val="accent2"/>
+          </a:fillRef>
+          <a:effectRef idx="1">
+            <a:schemeClr val="accent2"/>
+          </a:effectRef>
+          <a:fontRef idx="minor">
+            <a:schemeClr val="tx1"/>
+          </a:fontRef>
+        </p:style>
+      </p:cxnSp>
+      <p:pic>
+        <p:nvPicPr>
+          <p:cNvPr id="34" name="図 33">
+            <a:extLst>
+              <a:ext uri="{FF2B5EF4-FFF2-40B4-BE49-F238E27FC236}">
+                <a16:creationId xmlns:a16="http://schemas.microsoft.com/office/drawing/2014/main" id="{BD642750-7A0F-7212-B5F3-27190BDA0390}"/>
+              </a:ext>
+            </a:extLst>
+          </p:cNvPr>
+          <p:cNvPicPr>
+            <a:picLocks noChangeAspect="1"/>
+          </p:cNvPicPr>
+          <p:nvPr/>
+        </p:nvPicPr>
+        <p:blipFill>
+          <a:blip r:embed="rId9"/>
+          <a:stretch>
+            <a:fillRect/>
+          </a:stretch>
+        </p:blipFill>
+        <p:spPr>
+          <a:xfrm>
+            <a:off x="3354553" y="2369734"/>
+            <a:ext cx="1727414" cy="1107042"/>
+          </a:xfrm>
+          <a:prstGeom prst="rect">
+            <a:avLst/>
+          </a:prstGeom>
+          <a:ln>
+            <a:solidFill>
+              <a:schemeClr val="accent2">
+                <a:lumMod val="50000"/>
+              </a:schemeClr>
+            </a:solidFill>
+          </a:ln>
+        </p:spPr>
+      </p:pic>
+      <p:sp>
+        <p:nvSpPr>
+          <p:cNvPr id="41" name="矢印: 右 40">
+            <a:extLst>
+              <a:ext uri="{FF2B5EF4-FFF2-40B4-BE49-F238E27FC236}">
+                <a16:creationId xmlns:a16="http://schemas.microsoft.com/office/drawing/2014/main" id="{D806922E-66A0-45A4-2289-14DBBE6DE243}"/>
+              </a:ext>
+            </a:extLst>
+          </p:cNvPr>
+          <p:cNvSpPr/>
+          <p:nvPr/>
+        </p:nvSpPr>
+        <p:spPr>
+          <a:xfrm rot="244232">
+            <a:off x="3453304" y="2111139"/>
+            <a:ext cx="1767538" cy="222189"/>
+          </a:xfrm>
+          <a:prstGeom prst="rightArrow">
+            <a:avLst/>
+          </a:prstGeom>
+        </p:spPr>
+        <p:style>
+          <a:lnRef idx="2">
+            <a:schemeClr val="accent2">
+              <a:shade val="15000"/>
+            </a:schemeClr>
+          </a:lnRef>
+          <a:fillRef idx="1">
+            <a:schemeClr val="accent2"/>
+          </a:fillRef>
+          <a:effectRef idx="0">
+            <a:schemeClr val="accent2"/>
+          </a:effectRef>
+          <a:fontRef idx="minor">
+            <a:schemeClr val="lt1"/>
+          </a:fontRef>
+        </p:style>
+        <p:txBody>
+          <a:bodyPr rtlCol="0" anchor="ctr"/>
+          <a:lstStyle/>
+          <a:p>
+            <a:pPr algn="ctr"/>
+            <a:endParaRPr kumimoji="1" lang="ja-JP" altLang="en-US"/>
+          </a:p>
+        </p:txBody>
+      </p:sp>
+      <p:sp>
+        <p:nvSpPr>
+          <p:cNvPr id="77" name="吹き出し: 四角形 76">
+            <a:extLst>
+              <a:ext uri="{FF2B5EF4-FFF2-40B4-BE49-F238E27FC236}">
+                <a16:creationId xmlns:a16="http://schemas.microsoft.com/office/drawing/2014/main" id="{9AB3BC9D-D553-16EE-4E10-408C05D2A487}"/>
+              </a:ext>
+            </a:extLst>
+          </p:cNvPr>
+          <p:cNvSpPr/>
+          <p:nvPr/>
+        </p:nvSpPr>
+        <p:spPr>
+          <a:xfrm>
+            <a:off x="6086174" y="3850745"/>
+            <a:ext cx="3956283" cy="1815219"/>
+          </a:xfrm>
+          <a:prstGeom prst="wedgeRectCallout">
+            <a:avLst>
+              <a:gd name="adj1" fmla="val -21151"/>
+              <a:gd name="adj2" fmla="val 61892"/>
+            </a:avLst>
+          </a:prstGeom>
+        </p:spPr>
+        <p:style>
+          <a:lnRef idx="2">
+            <a:schemeClr val="accent6">
+              <a:shade val="15000"/>
+            </a:schemeClr>
+          </a:lnRef>
+          <a:fillRef idx="1">
+            <a:schemeClr val="accent6"/>
+          </a:fillRef>
+          <a:effectRef idx="0">
+            <a:schemeClr val="accent6"/>
+          </a:effectRef>
+          <a:fontRef idx="minor">
+            <a:schemeClr val="lt1"/>
+          </a:fontRef>
+        </p:style>
+        <p:txBody>
+          <a:bodyPr rtlCol="0" anchor="ctr"/>
+          <a:lstStyle/>
+          <a:p>
+            <a:pPr algn="ctr"/>
+            <a:endParaRPr kumimoji="1" lang="ja-JP" altLang="en-US"/>
+          </a:p>
+        </p:txBody>
+      </p:sp>
+      <p:sp>
+        <p:nvSpPr>
+          <p:cNvPr id="78" name="フローチャート: 処理 77">
+            <a:extLst>
+              <a:ext uri="{FF2B5EF4-FFF2-40B4-BE49-F238E27FC236}">
+                <a16:creationId xmlns:a16="http://schemas.microsoft.com/office/drawing/2014/main" id="{3C6D5334-9F95-BED7-30BE-410EA5FFB48C}"/>
+              </a:ext>
+            </a:extLst>
+          </p:cNvPr>
+          <p:cNvSpPr/>
+          <p:nvPr/>
+        </p:nvSpPr>
+        <p:spPr>
+          <a:xfrm>
+            <a:off x="6184150" y="3959538"/>
+            <a:ext cx="3783179" cy="1587890"/>
+          </a:xfrm>
+          <a:prstGeom prst="flowChartProcess">
+            <a:avLst/>
+          </a:prstGeom>
+        </p:spPr>
+        <p:style>
+          <a:lnRef idx="2">
+            <a:schemeClr val="accent1">
+              <a:shade val="15000"/>
+            </a:schemeClr>
+          </a:lnRef>
+          <a:fillRef idx="1">
+            <a:schemeClr val="accent1"/>
+          </a:fillRef>
+          <a:effectRef idx="0">
+            <a:schemeClr val="accent1"/>
+          </a:effectRef>
+          <a:fontRef idx="minor">
+            <a:schemeClr val="lt1"/>
+          </a:fontRef>
+        </p:style>
+        <p:txBody>
+          <a:bodyPr rtlCol="0" anchor="ctr"/>
+          <a:lstStyle/>
+          <a:p>
+            <a:pPr algn="ctr"/>
+            <a:endParaRPr kumimoji="1" lang="ja-JP" altLang="en-US" dirty="0"/>
+          </a:p>
+        </p:txBody>
+      </p:sp>
+      <p:pic>
+        <p:nvPicPr>
+          <p:cNvPr id="82" name="図 81">
+            <a:extLst>
+              <a:ext uri="{FF2B5EF4-FFF2-40B4-BE49-F238E27FC236}">
+                <a16:creationId xmlns:a16="http://schemas.microsoft.com/office/drawing/2014/main" id="{EBF56FC1-CF7E-AF55-0DAC-D2E288AAA5BD}"/>
+              </a:ext>
+            </a:extLst>
+          </p:cNvPr>
+          <p:cNvPicPr>
+            <a:picLocks noChangeAspect="1"/>
+          </p:cNvPicPr>
+          <p:nvPr/>
+        </p:nvPicPr>
+        <p:blipFill>
+          <a:blip r:embed="rId10"/>
+          <a:stretch>
+            <a:fillRect/>
+          </a:stretch>
+        </p:blipFill>
+        <p:spPr>
+          <a:xfrm>
+            <a:off x="6526361" y="4146604"/>
+            <a:ext cx="3386481" cy="1245878"/>
+          </a:xfrm>
+          <a:prstGeom prst="rect">
+            <a:avLst/>
+          </a:prstGeom>
+        </p:spPr>
+      </p:pic>
+      <p:pic>
+        <p:nvPicPr>
+          <p:cNvPr id="83" name="グラフィックス 82" descr="ノート PC 単色塗りつぶし">
+            <a:extLst>
+              <a:ext uri="{FF2B5EF4-FFF2-40B4-BE49-F238E27FC236}">
+                <a16:creationId xmlns:a16="http://schemas.microsoft.com/office/drawing/2014/main" id="{55FA2EC1-922F-1176-4968-129505EBB14B}"/>
+              </a:ext>
+            </a:extLst>
+          </p:cNvPr>
+          <p:cNvPicPr>
+            <a:picLocks noChangeAspect="1"/>
+          </p:cNvPicPr>
+          <p:nvPr/>
+        </p:nvPicPr>
+        <p:blipFill>
+          <a:blip r:embed="rId5">
+            <a:extLst>
+              <a:ext uri="{96DAC541-7B7A-43D3-8B79-37D633B846F1}">
+                <asvg:svgBlip xmlns:asvg="http://schemas.microsoft.com/office/drawing/2016/SVG/main" r:embed="rId6"/>
+              </a:ext>
+            </a:extLst>
+          </a:blip>
+          <a:stretch>
+            <a:fillRect/>
+          </a:stretch>
+        </p:blipFill>
+        <p:spPr>
+          <a:xfrm>
+            <a:off x="6892712" y="5755707"/>
+            <a:ext cx="652279" cy="652279"/>
+          </a:xfrm>
+          <a:prstGeom prst="rect">
+            <a:avLst/>
+          </a:prstGeom>
+        </p:spPr>
+      </p:pic>
+      <p:pic>
+        <p:nvPicPr>
+          <p:cNvPr id="80" name="グラフィックス 79" descr="環状の矢印 単色塗りつぶし">
+            <a:extLst>
+              <a:ext uri="{FF2B5EF4-FFF2-40B4-BE49-F238E27FC236}">
+                <a16:creationId xmlns:a16="http://schemas.microsoft.com/office/drawing/2014/main" id="{5CF78A43-A495-0EA2-4D40-7A45BB13F174}"/>
+              </a:ext>
+            </a:extLst>
+          </p:cNvPr>
+          <p:cNvPicPr>
+            <a:picLocks noChangeAspect="1"/>
+          </p:cNvPicPr>
+          <p:nvPr/>
+        </p:nvPicPr>
+        <p:blipFill>
+          <a:blip r:embed="rId3">
+            <a:extLst>
+              <a:ext uri="{96DAC541-7B7A-43D3-8B79-37D633B846F1}">
+                <asvg:svgBlip xmlns:asvg="http://schemas.microsoft.com/office/drawing/2016/SVG/main" r:embed="rId4"/>
+              </a:ext>
+            </a:extLst>
+          </a:blip>
+          <a:stretch>
+            <a:fillRect/>
+          </a:stretch>
+        </p:blipFill>
+        <p:spPr>
+          <a:xfrm>
+            <a:off x="6121271" y="3902388"/>
+            <a:ext cx="432219" cy="432219"/>
+          </a:xfrm>
+          <a:prstGeom prst="rect">
+            <a:avLst/>
+          </a:prstGeom>
+        </p:spPr>
+      </p:pic>
+      <p:cxnSp>
+        <p:nvCxnSpPr>
+          <p:cNvPr id="52" name="直線コネクタ 51">
+            <a:extLst>
+              <a:ext uri="{FF2B5EF4-FFF2-40B4-BE49-F238E27FC236}">
+                <a16:creationId xmlns:a16="http://schemas.microsoft.com/office/drawing/2014/main" id="{89DCD11E-B178-21D9-F6F1-AFCBE6D24348}"/>
+              </a:ext>
+            </a:extLst>
+          </p:cNvPr>
+          <p:cNvCxnSpPr>
+            <a:cxnSpLocks/>
+            <a:endCxn id="34" idx="0"/>
+          </p:cNvCxnSpPr>
+          <p:nvPr/>
+        </p:nvCxnSpPr>
+        <p:spPr>
+          <a:xfrm>
+            <a:off x="4139997" y="2220940"/>
+            <a:ext cx="78263" cy="148794"/>
+          </a:xfrm>
+          <a:prstGeom prst="line">
+            <a:avLst/>
+          </a:prstGeom>
+          <a:ln>
+            <a:solidFill>
+              <a:schemeClr val="accent2">
+                <a:lumMod val="50000"/>
+              </a:schemeClr>
+            </a:solidFill>
+            <a:prstDash val="sysDash"/>
+          </a:ln>
+        </p:spPr>
+        <p:style>
+          <a:lnRef idx="2">
+            <a:schemeClr val="accent1"/>
+          </a:lnRef>
+          <a:fillRef idx="0">
+            <a:schemeClr val="accent1"/>
+          </a:fillRef>
+          <a:effectRef idx="1">
+            <a:schemeClr val="accent1"/>
+          </a:effectRef>
+          <a:fontRef idx="minor">
+            <a:schemeClr val="tx1"/>
+          </a:fontRef>
+        </p:style>
+      </p:cxnSp>
+      <p:sp>
+        <p:nvSpPr>
+          <p:cNvPr id="87" name="テキスト ボックス 86">
+            <a:extLst>
+              <a:ext uri="{FF2B5EF4-FFF2-40B4-BE49-F238E27FC236}">
+                <a16:creationId xmlns:a16="http://schemas.microsoft.com/office/drawing/2014/main" id="{085127A7-7441-1752-D7E0-BD2FB8FC86B8}"/>
+              </a:ext>
+            </a:extLst>
+          </p:cNvPr>
+          <p:cNvSpPr txBox="1"/>
+          <p:nvPr/>
+        </p:nvSpPr>
+        <p:spPr>
+          <a:xfrm>
+            <a:off x="4046248" y="1913163"/>
+            <a:ext cx="633941" cy="307777"/>
+          </a:xfrm>
+          <a:prstGeom prst="rect">
+            <a:avLst/>
+          </a:prstGeom>
+          <a:noFill/>
+        </p:spPr>
+        <p:txBody>
+          <a:bodyPr wrap="square" rtlCol="0">
+            <a:spAutoFit/>
+          </a:bodyPr>
+          <a:lstStyle/>
+          <a:p>
+            <a:r>
+              <a:rPr lang="en-US" altLang="ja-JP" sz="1400" b="1" dirty="0">
+                <a:solidFill>
+                  <a:schemeClr val="accent2">
+                    <a:lumMod val="50000"/>
+                  </a:schemeClr>
+                </a:solidFill>
+              </a:rPr>
+              <a:t>IPC</a:t>
+            </a:r>
+            <a:endParaRPr kumimoji="1" lang="ja-JP" altLang="en-US" sz="1400" b="1" dirty="0">
+              <a:solidFill>
+                <a:schemeClr val="accent2">
+                  <a:lumMod val="50000"/>
+                </a:schemeClr>
+              </a:solidFill>
+            </a:endParaRPr>
+          </a:p>
+        </p:txBody>
+      </p:sp>
+      <p:sp>
+        <p:nvSpPr>
+          <p:cNvPr id="88" name="テキスト ボックス 87">
+            <a:extLst>
+              <a:ext uri="{FF2B5EF4-FFF2-40B4-BE49-F238E27FC236}">
+                <a16:creationId xmlns:a16="http://schemas.microsoft.com/office/drawing/2014/main" id="{A488E3B3-16E1-521B-B6EB-CDD872BEB8A3}"/>
+              </a:ext>
+            </a:extLst>
+          </p:cNvPr>
+          <p:cNvSpPr txBox="1"/>
+          <p:nvPr/>
+        </p:nvSpPr>
+        <p:spPr>
+          <a:xfrm>
+            <a:off x="4797768" y="4003819"/>
+            <a:ext cx="633941" cy="307777"/>
+          </a:xfrm>
+          <a:prstGeom prst="rect">
+            <a:avLst/>
+          </a:prstGeom>
+          <a:noFill/>
+        </p:spPr>
+        <p:txBody>
+          <a:bodyPr wrap="square" rtlCol="0">
+            <a:spAutoFit/>
+          </a:bodyPr>
+          <a:lstStyle/>
+          <a:p>
+            <a:r>
+              <a:rPr lang="en-US" altLang="ja-JP" sz="1400" b="1" dirty="0">
+                <a:solidFill>
+                  <a:schemeClr val="bg1"/>
+                </a:solidFill>
+              </a:rPr>
+              <a:t>IPC</a:t>
+            </a:r>
+            <a:endParaRPr kumimoji="1" lang="ja-JP" altLang="en-US" sz="1400" b="1" dirty="0">
+              <a:solidFill>
+                <a:schemeClr val="bg1"/>
+              </a:solidFill>
+            </a:endParaRPr>
+          </a:p>
+        </p:txBody>
+      </p:sp>
+      <p:sp>
+        <p:nvSpPr>
+          <p:cNvPr id="89" name="テキスト ボックス 88">
+            <a:extLst>
+              <a:ext uri="{FF2B5EF4-FFF2-40B4-BE49-F238E27FC236}">
+                <a16:creationId xmlns:a16="http://schemas.microsoft.com/office/drawing/2014/main" id="{1E01647E-6CF4-0A9D-B910-19585EED3CD1}"/>
+              </a:ext>
+            </a:extLst>
+          </p:cNvPr>
+          <p:cNvSpPr txBox="1"/>
+          <p:nvPr/>
+        </p:nvSpPr>
+        <p:spPr>
+          <a:xfrm>
+            <a:off x="4445743" y="4025378"/>
+            <a:ext cx="1298958" cy="307777"/>
+          </a:xfrm>
+          <a:prstGeom prst="rect">
+            <a:avLst/>
+          </a:prstGeom>
+          <a:noFill/>
+        </p:spPr>
+        <p:txBody>
+          <a:bodyPr wrap="square" rtlCol="0">
+            <a:spAutoFit/>
+          </a:bodyPr>
+          <a:lstStyle/>
+          <a:p>
+            <a:r>
+              <a:rPr kumimoji="1" lang="en-US" altLang="ja-JP" sz="1400" b="1" dirty="0">
+                <a:solidFill>
+                  <a:srgbClr val="00B0F0"/>
+                </a:solidFill>
+              </a:rPr>
+              <a:t>HTTP(Ver2)</a:t>
+            </a:r>
+            <a:endParaRPr kumimoji="1" lang="ja-JP" altLang="en-US" sz="1400" b="1" dirty="0">
+              <a:solidFill>
+                <a:srgbClr val="00B0F0"/>
+              </a:solidFill>
+            </a:endParaRPr>
+          </a:p>
+        </p:txBody>
+      </p:sp>
+      <p:pic>
+        <p:nvPicPr>
+          <p:cNvPr id="95" name="図 94">
+            <a:extLst>
+              <a:ext uri="{FF2B5EF4-FFF2-40B4-BE49-F238E27FC236}">
+                <a16:creationId xmlns:a16="http://schemas.microsoft.com/office/drawing/2014/main" id="{C079DA94-95FF-1055-136E-6E13B919CCF5}"/>
+              </a:ext>
+            </a:extLst>
+          </p:cNvPr>
+          <p:cNvPicPr>
+            <a:picLocks noChangeAspect="1"/>
+          </p:cNvPicPr>
+          <p:nvPr/>
+        </p:nvPicPr>
+        <p:blipFill>
+          <a:blip r:embed="rId11"/>
+          <a:stretch>
+            <a:fillRect/>
+          </a:stretch>
+        </p:blipFill>
+        <p:spPr>
+          <a:xfrm>
+            <a:off x="1142786" y="3971380"/>
+            <a:ext cx="2813785" cy="725778"/>
+          </a:xfrm>
+          <a:prstGeom prst="rect">
+            <a:avLst/>
+          </a:prstGeom>
+        </p:spPr>
+      </p:pic>
+      <p:cxnSp>
+        <p:nvCxnSpPr>
+          <p:cNvPr id="91" name="直線コネクタ 90">
+            <a:extLst>
+              <a:ext uri="{FF2B5EF4-FFF2-40B4-BE49-F238E27FC236}">
+                <a16:creationId xmlns:a16="http://schemas.microsoft.com/office/drawing/2014/main" id="{80353972-5FDA-5C61-C592-2EE4E747DF4B}"/>
+              </a:ext>
+            </a:extLst>
+          </p:cNvPr>
+          <p:cNvCxnSpPr>
+            <a:cxnSpLocks/>
+          </p:cNvCxnSpPr>
+          <p:nvPr/>
+        </p:nvCxnSpPr>
+        <p:spPr>
+          <a:xfrm>
+            <a:off x="1334248" y="4403182"/>
+            <a:ext cx="2569955" cy="0"/>
+          </a:xfrm>
+          <a:prstGeom prst="line">
+            <a:avLst/>
+          </a:prstGeom>
+        </p:spPr>
+        <p:style>
+          <a:lnRef idx="2">
+            <a:schemeClr val="accent4"/>
+          </a:lnRef>
+          <a:fillRef idx="0">
+            <a:schemeClr val="accent4"/>
+          </a:fillRef>
+          <a:effectRef idx="1">
+            <a:schemeClr val="accent4"/>
+          </a:effectRef>
+          <a:fontRef idx="minor">
+            <a:schemeClr val="tx1"/>
+          </a:fontRef>
+        </p:style>
+      </p:cxnSp>
+      <p:pic>
+        <p:nvPicPr>
+          <p:cNvPr id="63" name="グラフィックス 62" descr="環状の矢印 単色塗りつぶし">
+            <a:extLst>
+              <a:ext uri="{FF2B5EF4-FFF2-40B4-BE49-F238E27FC236}">
+                <a16:creationId xmlns:a16="http://schemas.microsoft.com/office/drawing/2014/main" id="{D5EAD792-30D3-EEDD-4C58-0D857575FB21}"/>
+              </a:ext>
+            </a:extLst>
+          </p:cNvPr>
+          <p:cNvPicPr>
+            <a:picLocks noChangeAspect="1"/>
+          </p:cNvPicPr>
+          <p:nvPr/>
+        </p:nvPicPr>
+        <p:blipFill>
+          <a:blip r:embed="rId3">
+            <a:extLst>
+              <a:ext uri="{96DAC541-7B7A-43D3-8B79-37D633B846F1}">
+                <asvg:svgBlip xmlns:asvg="http://schemas.microsoft.com/office/drawing/2016/SVG/main" r:embed="rId4"/>
+              </a:ext>
+            </a:extLst>
+          </a:blip>
+          <a:stretch>
+            <a:fillRect/>
+          </a:stretch>
+        </p:blipFill>
+        <p:spPr>
+          <a:xfrm>
+            <a:off x="892742" y="3722931"/>
+            <a:ext cx="432219" cy="432219"/>
+          </a:xfrm>
+          <a:prstGeom prst="rect">
+            <a:avLst/>
+          </a:prstGeom>
+        </p:spPr>
+      </p:pic>
+      <p:pic>
+        <p:nvPicPr>
+          <p:cNvPr id="54" name="図 53">
+            <a:extLst>
+              <a:ext uri="{FF2B5EF4-FFF2-40B4-BE49-F238E27FC236}">
+                <a16:creationId xmlns:a16="http://schemas.microsoft.com/office/drawing/2014/main" id="{81C549FB-6409-3B1F-5F4E-EBB3168223AC}"/>
+              </a:ext>
+            </a:extLst>
+          </p:cNvPr>
+          <p:cNvPicPr>
+            <a:picLocks noChangeAspect="1"/>
+          </p:cNvPicPr>
+          <p:nvPr/>
+        </p:nvPicPr>
+        <p:blipFill>
+          <a:blip r:embed="rId12"/>
+          <a:stretch>
+            <a:fillRect/>
+          </a:stretch>
+        </p:blipFill>
+        <p:spPr>
+          <a:xfrm>
+            <a:off x="3893866" y="4454159"/>
+            <a:ext cx="2441743" cy="2328550"/>
+          </a:xfrm>
+          <a:prstGeom prst="rect">
+            <a:avLst/>
+          </a:prstGeom>
+          <a:ln w="19050">
+            <a:solidFill>
+              <a:srgbClr val="00B0F0"/>
+            </a:solidFill>
+          </a:ln>
+        </p:spPr>
+      </p:pic>
+      <p:sp>
+        <p:nvSpPr>
+          <p:cNvPr id="84" name="矢印: 右 83">
+            <a:extLst>
+              <a:ext uri="{FF2B5EF4-FFF2-40B4-BE49-F238E27FC236}">
+                <a16:creationId xmlns:a16="http://schemas.microsoft.com/office/drawing/2014/main" id="{1563D2A3-6F1E-59F8-F9AF-5B1DD9BCFFCF}"/>
+              </a:ext>
+            </a:extLst>
+          </p:cNvPr>
+          <p:cNvSpPr/>
+          <p:nvPr/>
+        </p:nvSpPr>
+        <p:spPr>
+          <a:xfrm>
+            <a:off x="3762111" y="4207344"/>
+            <a:ext cx="2759421" cy="251622"/>
+          </a:xfrm>
+          <a:prstGeom prst="rightArrow">
+            <a:avLst/>
+          </a:prstGeom>
+        </p:spPr>
+        <p:style>
+          <a:lnRef idx="2">
+            <a:schemeClr val="accent4">
+              <a:shade val="15000"/>
+            </a:schemeClr>
+          </a:lnRef>
+          <a:fillRef idx="1">
+            <a:schemeClr val="accent4"/>
+          </a:fillRef>
+          <a:effectRef idx="0">
+            <a:schemeClr val="accent4"/>
+          </a:effectRef>
+          <a:fontRef idx="minor">
+            <a:schemeClr val="lt1"/>
+          </a:fontRef>
+        </p:style>
+        <p:txBody>
+          <a:bodyPr rtlCol="0" anchor="ctr"/>
+          <a:lstStyle/>
+          <a:p>
+            <a:pPr algn="ctr"/>
+            <a:endParaRPr kumimoji="1" lang="ja-JP" altLang="en-US"/>
+          </a:p>
+        </p:txBody>
+      </p:sp>
+      <p:cxnSp>
+        <p:nvCxnSpPr>
+          <p:cNvPr id="97" name="直線コネクタ 96">
+            <a:extLst>
+              <a:ext uri="{FF2B5EF4-FFF2-40B4-BE49-F238E27FC236}">
+                <a16:creationId xmlns:a16="http://schemas.microsoft.com/office/drawing/2014/main" id="{1716964B-C1CA-8A75-B4DB-B3684DB77B81}"/>
+              </a:ext>
+            </a:extLst>
+          </p:cNvPr>
+          <p:cNvCxnSpPr>
+            <a:cxnSpLocks/>
+          </p:cNvCxnSpPr>
+          <p:nvPr/>
+        </p:nvCxnSpPr>
+        <p:spPr>
+          <a:xfrm>
+            <a:off x="6553477" y="4374607"/>
+            <a:ext cx="3359365" cy="0"/>
+          </a:xfrm>
+          <a:prstGeom prst="line">
+            <a:avLst/>
+          </a:prstGeom>
+        </p:spPr>
+        <p:style>
+          <a:lnRef idx="2">
+            <a:schemeClr val="accent4"/>
+          </a:lnRef>
+          <a:fillRef idx="0">
+            <a:schemeClr val="accent4"/>
+          </a:fillRef>
+          <a:effectRef idx="1">
+            <a:schemeClr val="accent4"/>
+          </a:effectRef>
+          <a:fontRef idx="minor">
+            <a:schemeClr val="tx1"/>
+          </a:fontRef>
+        </p:style>
+      </p:cxnSp>
+      <p:cxnSp>
+        <p:nvCxnSpPr>
+          <p:cNvPr id="85" name="直線コネクタ 84">
+            <a:extLst>
+              <a:ext uri="{FF2B5EF4-FFF2-40B4-BE49-F238E27FC236}">
+                <a16:creationId xmlns:a16="http://schemas.microsoft.com/office/drawing/2014/main" id="{064319D3-28EF-E1C2-7779-71F16519E1D0}"/>
+              </a:ext>
+            </a:extLst>
+          </p:cNvPr>
+          <p:cNvCxnSpPr>
+            <a:cxnSpLocks/>
+          </p:cNvCxnSpPr>
+          <p:nvPr/>
+        </p:nvCxnSpPr>
+        <p:spPr>
+          <a:xfrm flipH="1">
+            <a:off x="4901420" y="4339200"/>
+            <a:ext cx="193106" cy="108914"/>
+          </a:xfrm>
+          <a:prstGeom prst="line">
+            <a:avLst/>
+          </a:prstGeom>
+          <a:ln>
+            <a:solidFill>
+              <a:srgbClr val="00B0F0"/>
+            </a:solidFill>
+            <a:prstDash val="sysDash"/>
+          </a:ln>
+        </p:spPr>
+        <p:style>
+          <a:lnRef idx="2">
+            <a:schemeClr val="accent1"/>
+          </a:lnRef>
+          <a:fillRef idx="0">
+            <a:schemeClr val="accent1"/>
+          </a:fillRef>
+          <a:effectRef idx="1">
+            <a:schemeClr val="accent1"/>
+          </a:effectRef>
+          <a:fontRef idx="minor">
+            <a:schemeClr val="tx1"/>
+          </a:fontRef>
+        </p:style>
+      </p:cxnSp>
+    </p:spTree>
+    <p:extLst>
+      <p:ext uri="{BB962C8B-B14F-4D97-AF65-F5344CB8AC3E}">
+        <p14:creationId xmlns:p14="http://schemas.microsoft.com/office/powerpoint/2010/main" val="876682863"/>
+      </p:ext>
+    </p:extLst>
+  </p:cSld>
+  <p:clrMapOvr>
+    <a:masterClrMapping/>
+  </p:clrMapOvr>
+</p:sld>
+</file>
+
+<file path=ppt/slides/slide5.xml><?xml version="1.0" encoding="utf-8"?>
+<p:sld xmlns:a="http://schemas.openxmlformats.org/drawingml/2006/main" xmlns:r="http://schemas.openxmlformats.org/officeDocument/2006/relationships" xmlns:p="http://schemas.openxmlformats.org/presentationml/2006/main">
+  <p:cSld>
+    <p:spTree>
+      <p:nvGrpSpPr>
+        <p:cNvPr id="1" name=""/>
+        <p:cNvGrpSpPr/>
+        <p:nvPr/>
+      </p:nvGrpSpPr>
+      <p:grpSpPr>
+        <a:xfrm>
+          <a:off x="0" y="0"/>
+          <a:ext cx="0" cy="0"/>
+          <a:chOff x="0" y="0"/>
+          <a:chExt cx="0" cy="0"/>
+        </a:xfrm>
+      </p:grpSpPr>
+      <p:sp>
+        <p:nvSpPr>
           <p:cNvPr id="2" name="タイトル 1">
             <a:extLst>
               <a:ext uri="{FF2B5EF4-FFF2-40B4-BE49-F238E27FC236}">
@@ -9083,8 +10029,8 @@
           <a:lstStyle/>
           <a:p>
             <a:r>
-              <a:rPr lang="ja-JP" altLang="en-US" dirty="0"/>
-              <a:t>整理すると</a:t>
+              <a:rPr kumimoji="1" lang="ja-JP" altLang="en-US"/>
+              <a:t>プロシージャコールまとめ</a:t>
             </a:r>
             <a:endParaRPr kumimoji="1" lang="ja-JP" altLang="en-US" dirty="0"/>
           </a:p>
@@ -9179,7 +10125,7 @@
           <p:nvPr>
             <p:extLst>
               <p:ext uri="{D42A27DB-BD31-4B8C-83A1-F6EECF244321}">
-                <p14:modId xmlns:p14="http://schemas.microsoft.com/office/powerpoint/2010/main" val="667311172"/>
+                <p14:modId xmlns:p14="http://schemas.microsoft.com/office/powerpoint/2010/main" val="3476179017"/>
               </p:ext>
             </p:extLst>
           </p:nvPr>
@@ -9298,9 +10244,10 @@
                     <a:lstStyle/>
                     <a:p>
                       <a:r>
-                        <a:rPr kumimoji="1" lang="ja-JP" altLang="en-US" dirty="0"/>
-                        <a:t>単純な関数コール</a:t>
+                        <a:rPr kumimoji="1" lang="ja-JP" altLang="en-US"/>
+                        <a:t>プロシージャ（関数）コール</a:t>
                       </a:r>
+                      <a:endParaRPr kumimoji="1" lang="ja-JP" altLang="en-US" dirty="0"/>
                     </a:p>
                   </a:txBody>
                   <a:tcPr/>
@@ -9363,16 +10310,12 @@
                         <a:t>RPC1: </a:t>
                       </a:r>
                       <a:r>
-                        <a:rPr kumimoji="1" lang="ja-JP" altLang="en-US" dirty="0"/>
+                        <a:rPr kumimoji="1" lang="ja-JP" altLang="en-US"/>
                         <a:t>プロセス間</a:t>
                       </a:r>
                       <a:r>
-                        <a:rPr kumimoji="1" lang="en-US" altLang="ja-JP"/>
-                        <a:t>※AIDL</a:t>
-                      </a:r>
-                      <a:r>
                         <a:rPr kumimoji="1" lang="en-US" altLang="ja-JP" dirty="0"/>
-                        <a:t>(ICP)※Android</a:t>
+                        <a:t>(IPC)</a:t>
                       </a:r>
                       <a:endParaRPr kumimoji="1" lang="ja-JP" altLang="en-US" dirty="0"/>
                     </a:p>
@@ -9436,12 +10379,23 @@
                         <a:t>RPC2: </a:t>
                       </a:r>
                       <a:r>
-                        <a:rPr kumimoji="1" lang="en-US" altLang="ja-JP" dirty="0" err="1"/>
-                        <a:t>gRPC</a:t>
+                        <a:rPr kumimoji="1" lang="ja-JP" altLang="en-US"/>
+                        <a:t>ネットワーク間</a:t>
+                      </a:r>
+                      <a:endParaRPr kumimoji="1" lang="en-US" altLang="ja-JP" dirty="0"/>
+                    </a:p>
+                    <a:p>
+                      <a:r>
+                        <a:rPr kumimoji="1" lang="en-US" altLang="ja-JP" dirty="0"/>
+                        <a:t>(TCP/IP</a:t>
+                      </a:r>
+                      <a:r>
+                        <a:rPr kumimoji="1" lang="ja-JP" altLang="en-US"/>
+                        <a:t>など</a:t>
                       </a:r>
                       <a:r>
                         <a:rPr kumimoji="1" lang="en-US" altLang="ja-JP" dirty="0"/>
-                        <a:t>(HTTP2)</a:t>
+                        <a:t>)</a:t>
                       </a:r>
                       <a:endParaRPr kumimoji="1" lang="ja-JP" altLang="en-US" dirty="0"/>
                     </a:p>
@@ -9497,137 +10451,218 @@
           </a:graphicData>
         </a:graphic>
       </p:graphicFrame>
-    </p:spTree>
-    <p:extLst>
-      <p:ext uri="{BB962C8B-B14F-4D97-AF65-F5344CB8AC3E}">
-        <p14:creationId xmlns:p14="http://schemas.microsoft.com/office/powerpoint/2010/main" val="3315305235"/>
-      </p:ext>
-    </p:extLst>
-  </p:cSld>
-  <p:clrMapOvr>
-    <a:masterClrMapping/>
-  </p:clrMapOvr>
-</p:sld>
-</file>
-
-<file path=ppt/slides/slide5.xml><?xml version="1.0" encoding="utf-8"?>
-<p:sld xmlns:a="http://schemas.openxmlformats.org/drawingml/2006/main" xmlns:r="http://schemas.openxmlformats.org/officeDocument/2006/relationships" xmlns:p="http://schemas.openxmlformats.org/presentationml/2006/main">
-  <p:cSld>
-    <p:spTree>
-      <p:nvGrpSpPr>
-        <p:cNvPr id="1" name=""/>
-        <p:cNvGrpSpPr/>
-        <p:nvPr/>
-      </p:nvGrpSpPr>
-      <p:grpSpPr>
-        <a:xfrm>
-          <a:off x="0" y="0"/>
-          <a:ext cx="0" cy="0"/>
-          <a:chOff x="0" y="0"/>
-          <a:chExt cx="0" cy="0"/>
-        </a:xfrm>
-      </p:grpSpPr>
-      <p:sp>
-        <p:nvSpPr>
-          <p:cNvPr id="2" name="タイトル 1">
-            <a:extLst>
-              <a:ext uri="{FF2B5EF4-FFF2-40B4-BE49-F238E27FC236}">
-                <a16:creationId xmlns:a16="http://schemas.microsoft.com/office/drawing/2014/main" id="{9C784ACA-9376-15C6-DD93-68B5D582FADA}"/>
-              </a:ext>
-            </a:extLst>
-          </p:cNvPr>
-          <p:cNvSpPr>
-            <a:spLocks noGrp="1"/>
+      <p:sp>
+        <p:nvSpPr>
+          <p:cNvPr id="4" name="コンテンツ プレースホルダー 11">
+            <a:extLst>
+              <a:ext uri="{FF2B5EF4-FFF2-40B4-BE49-F238E27FC236}">
+                <a16:creationId xmlns:a16="http://schemas.microsoft.com/office/drawing/2014/main" id="{17F172FA-E6D9-9820-7F86-4916D5698B45}"/>
+              </a:ext>
+            </a:extLst>
+          </p:cNvPr>
+          <p:cNvSpPr txBox="1">
+            <a:spLocks/>
           </p:cNvSpPr>
-          <p:nvPr>
-            <p:ph type="title"/>
-          </p:nvPr>
+          <p:nvPr/>
         </p:nvSpPr>
         <p:spPr>
           <a:xfrm>
-            <a:off x="838200" y="365126"/>
-            <a:ext cx="10515600" cy="891020"/>
+            <a:off x="656309" y="4237703"/>
+            <a:ext cx="10996856" cy="845340"/>
           </a:xfrm>
+          <a:prstGeom prst="rect">
+            <a:avLst/>
+          </a:prstGeom>
         </p:spPr>
         <p:txBody>
-          <a:bodyPr>
-            <a:normAutofit/>
+          <a:bodyPr vert="horz" lIns="91440" tIns="45720" rIns="91440" bIns="45720" rtlCol="0">
+            <a:noAutofit/>
           </a:bodyPr>
-          <a:lstStyle/>
-          <a:p>
-            <a:r>
-              <a:rPr lang="en-US" altLang="ja-JP" dirty="0"/>
-              <a:t>Protocol Buffers</a:t>
-            </a:r>
-            <a:endParaRPr kumimoji="1" lang="ja-JP" altLang="en-US" dirty="0"/>
-          </a:p>
-        </p:txBody>
-      </p:sp>
-      <p:sp>
-        <p:nvSpPr>
-          <p:cNvPr id="12" name="コンテンツ プレースホルダー 11">
-            <a:extLst>
-              <a:ext uri="{FF2B5EF4-FFF2-40B4-BE49-F238E27FC236}">
-                <a16:creationId xmlns:a16="http://schemas.microsoft.com/office/drawing/2014/main" id="{E944DFBB-A102-FEAA-D487-BCBEE3A4BD63}"/>
-              </a:ext>
-            </a:extLst>
-          </p:cNvPr>
-          <p:cNvSpPr>
-            <a:spLocks noGrp="1"/>
-          </p:cNvSpPr>
-          <p:nvPr>
-            <p:ph idx="1"/>
-          </p:nvPr>
-        </p:nvSpPr>
-        <p:spPr>
-          <a:xfrm>
-            <a:off x="838200" y="1401417"/>
-            <a:ext cx="10515600" cy="4775546"/>
-          </a:xfrm>
-        </p:spPr>
-        <p:txBody>
-          <a:bodyPr>
-            <a:normAutofit/>
-          </a:bodyPr>
-          <a:lstStyle/>
-          <a:p>
-            <a:r>
-              <a:rPr lang="en-US" altLang="ja-JP" dirty="0"/>
-              <a:t>JSON</a:t>
-            </a:r>
-            <a:r>
-              <a:rPr lang="ja-JP" altLang="en-US" dirty="0"/>
-              <a:t>と比べてバイナリ形式のため、データサイズが小さく高速です</a:t>
-            </a:r>
-            <a:endParaRPr lang="en-US" altLang="ja-JP" dirty="0"/>
-          </a:p>
-          <a:p>
-            <a:endParaRPr lang="ja-JP" altLang="en-US" dirty="0"/>
-          </a:p>
-          <a:p>
-            <a:r>
-              <a:rPr lang="ja-JP" altLang="en-US" dirty="0"/>
-              <a:t>スキーマ定義から各言語のコードを自動生成できます</a:t>
-            </a:r>
-            <a:br>
-              <a:rPr lang="ja-JP" altLang="en-US" dirty="0"/>
-            </a:br>
-            <a:endParaRPr lang="ja-JP" altLang="en-US" dirty="0"/>
-          </a:p>
+          <a:lstStyle>
+            <a:lvl1pPr marL="228600" indent="-228600" algn="l" defTabSz="914400" rtl="0" eaLnBrk="1" latinLnBrk="0" hangingPunct="1">
+              <a:lnSpc>
+                <a:spcPct val="90000"/>
+              </a:lnSpc>
+              <a:spcBef>
+                <a:spcPts val="1000"/>
+              </a:spcBef>
+              <a:buFont typeface="Arial" panose="020B0604020202020204" pitchFamily="34" charset="0"/>
+              <a:buChar char="•"/>
+              <a:defRPr kumimoji="1" sz="2800" kern="1200">
+                <a:solidFill>
+                  <a:schemeClr val="tx1"/>
+                </a:solidFill>
+                <a:latin typeface="+mn-lt"/>
+                <a:ea typeface="+mn-ea"/>
+                <a:cs typeface="+mn-cs"/>
+              </a:defRPr>
+            </a:lvl1pPr>
+            <a:lvl2pPr marL="685800" indent="-228600" algn="l" defTabSz="914400" rtl="0" eaLnBrk="1" latinLnBrk="0" hangingPunct="1">
+              <a:lnSpc>
+                <a:spcPct val="90000"/>
+              </a:lnSpc>
+              <a:spcBef>
+                <a:spcPts val="500"/>
+              </a:spcBef>
+              <a:buFont typeface="Arial" panose="020B0604020202020204" pitchFamily="34" charset="0"/>
+              <a:buChar char="•"/>
+              <a:defRPr kumimoji="1" sz="2400" kern="1200">
+                <a:solidFill>
+                  <a:schemeClr val="tx1"/>
+                </a:solidFill>
+                <a:latin typeface="+mn-lt"/>
+                <a:ea typeface="+mn-ea"/>
+                <a:cs typeface="+mn-cs"/>
+              </a:defRPr>
+            </a:lvl2pPr>
+            <a:lvl3pPr marL="1143000" indent="-228600" algn="l" defTabSz="914400" rtl="0" eaLnBrk="1" latinLnBrk="0" hangingPunct="1">
+              <a:lnSpc>
+                <a:spcPct val="90000"/>
+              </a:lnSpc>
+              <a:spcBef>
+                <a:spcPts val="500"/>
+              </a:spcBef>
+              <a:buFont typeface="Arial" panose="020B0604020202020204" pitchFamily="34" charset="0"/>
+              <a:buChar char="•"/>
+              <a:defRPr kumimoji="1" sz="2000" kern="1200">
+                <a:solidFill>
+                  <a:schemeClr val="tx1"/>
+                </a:solidFill>
+                <a:latin typeface="+mn-lt"/>
+                <a:ea typeface="+mn-ea"/>
+                <a:cs typeface="+mn-cs"/>
+              </a:defRPr>
+            </a:lvl3pPr>
+            <a:lvl4pPr marL="1600200" indent="-228600" algn="l" defTabSz="914400" rtl="0" eaLnBrk="1" latinLnBrk="0" hangingPunct="1">
+              <a:lnSpc>
+                <a:spcPct val="90000"/>
+              </a:lnSpc>
+              <a:spcBef>
+                <a:spcPts val="500"/>
+              </a:spcBef>
+              <a:buFont typeface="Arial" panose="020B0604020202020204" pitchFamily="34" charset="0"/>
+              <a:buChar char="•"/>
+              <a:defRPr kumimoji="1" sz="1800" kern="1200">
+                <a:solidFill>
+                  <a:schemeClr val="tx1"/>
+                </a:solidFill>
+                <a:latin typeface="+mn-lt"/>
+                <a:ea typeface="+mn-ea"/>
+                <a:cs typeface="+mn-cs"/>
+              </a:defRPr>
+            </a:lvl4pPr>
+            <a:lvl5pPr marL="2057400" indent="-228600" algn="l" defTabSz="914400" rtl="0" eaLnBrk="1" latinLnBrk="0" hangingPunct="1">
+              <a:lnSpc>
+                <a:spcPct val="90000"/>
+              </a:lnSpc>
+              <a:spcBef>
+                <a:spcPts val="500"/>
+              </a:spcBef>
+              <a:buFont typeface="Arial" panose="020B0604020202020204" pitchFamily="34" charset="0"/>
+              <a:buChar char="•"/>
+              <a:defRPr kumimoji="1" sz="1800" kern="1200">
+                <a:solidFill>
+                  <a:schemeClr val="tx1"/>
+                </a:solidFill>
+                <a:latin typeface="+mn-lt"/>
+                <a:ea typeface="+mn-ea"/>
+                <a:cs typeface="+mn-cs"/>
+              </a:defRPr>
+            </a:lvl5pPr>
+            <a:lvl6pPr marL="2514600" indent="-228600" algn="l" defTabSz="914400" rtl="0" eaLnBrk="1" latinLnBrk="0" hangingPunct="1">
+              <a:lnSpc>
+                <a:spcPct val="90000"/>
+              </a:lnSpc>
+              <a:spcBef>
+                <a:spcPts val="500"/>
+              </a:spcBef>
+              <a:buFont typeface="Arial" panose="020B0604020202020204" pitchFamily="34" charset="0"/>
+              <a:buChar char="•"/>
+              <a:defRPr kumimoji="1" sz="1800" kern="1200">
+                <a:solidFill>
+                  <a:schemeClr val="tx1"/>
+                </a:solidFill>
+                <a:latin typeface="+mn-lt"/>
+                <a:ea typeface="+mn-ea"/>
+                <a:cs typeface="+mn-cs"/>
+              </a:defRPr>
+            </a:lvl6pPr>
+            <a:lvl7pPr marL="2971800" indent="-228600" algn="l" defTabSz="914400" rtl="0" eaLnBrk="1" latinLnBrk="0" hangingPunct="1">
+              <a:lnSpc>
+                <a:spcPct val="90000"/>
+              </a:lnSpc>
+              <a:spcBef>
+                <a:spcPts val="500"/>
+              </a:spcBef>
+              <a:buFont typeface="Arial" panose="020B0604020202020204" pitchFamily="34" charset="0"/>
+              <a:buChar char="•"/>
+              <a:defRPr kumimoji="1" sz="1800" kern="1200">
+                <a:solidFill>
+                  <a:schemeClr val="tx1"/>
+                </a:solidFill>
+                <a:latin typeface="+mn-lt"/>
+                <a:ea typeface="+mn-ea"/>
+                <a:cs typeface="+mn-cs"/>
+              </a:defRPr>
+            </a:lvl7pPr>
+            <a:lvl8pPr marL="3429000" indent="-228600" algn="l" defTabSz="914400" rtl="0" eaLnBrk="1" latinLnBrk="0" hangingPunct="1">
+              <a:lnSpc>
+                <a:spcPct val="90000"/>
+              </a:lnSpc>
+              <a:spcBef>
+                <a:spcPts val="500"/>
+              </a:spcBef>
+              <a:buFont typeface="Arial" panose="020B0604020202020204" pitchFamily="34" charset="0"/>
+              <a:buChar char="•"/>
+              <a:defRPr kumimoji="1" sz="1800" kern="1200">
+                <a:solidFill>
+                  <a:schemeClr val="tx1"/>
+                </a:solidFill>
+                <a:latin typeface="+mn-lt"/>
+                <a:ea typeface="+mn-ea"/>
+                <a:cs typeface="+mn-cs"/>
+              </a:defRPr>
+            </a:lvl8pPr>
+            <a:lvl9pPr marL="3886200" indent="-228600" algn="l" defTabSz="914400" rtl="0" eaLnBrk="1" latinLnBrk="0" hangingPunct="1">
+              <a:lnSpc>
+                <a:spcPct val="90000"/>
+              </a:lnSpc>
+              <a:spcBef>
+                <a:spcPts val="500"/>
+              </a:spcBef>
+              <a:buFont typeface="Arial" panose="020B0604020202020204" pitchFamily="34" charset="0"/>
+              <a:buChar char="•"/>
+              <a:defRPr kumimoji="1" sz="1800" kern="1200">
+                <a:solidFill>
+                  <a:schemeClr val="tx1"/>
+                </a:solidFill>
+                <a:latin typeface="+mn-lt"/>
+                <a:ea typeface="+mn-ea"/>
+                <a:cs typeface="+mn-cs"/>
+              </a:defRPr>
+            </a:lvl9pPr>
+          </a:lstStyle>
           <a:p>
             <a:pPr marL="0" indent="0">
+              <a:buFont typeface="Arial" panose="020B0604020202020204" pitchFamily="34" charset="0"/>
+              <a:buNone/>
+            </a:pPr>
+            <a:r>
+              <a:rPr lang="ja-JP" altLang="en-US" sz="2400"/>
+              <a:t>リモートプロシージャを使うことで、</a:t>
+            </a:r>
+            <a:endParaRPr lang="en-US" altLang="ja-JP" sz="2400" dirty="0"/>
+          </a:p>
+          <a:p>
+            <a:pPr marL="0" indent="0">
+              <a:buFont typeface="Arial" panose="020B0604020202020204" pitchFamily="34" charset="0"/>
               <a:buNone/>
             </a:pPr>
             <a:endParaRPr lang="en-US" altLang="ja-JP" sz="2400" dirty="0"/>
           </a:p>
           <a:p>
             <a:pPr marL="0" indent="0">
-              <a:buNone/>
-            </a:pPr>
-            <a:endParaRPr lang="en-US" altLang="ja-JP" sz="2400" dirty="0"/>
-          </a:p>
-          <a:p>
-            <a:pPr marL="0" indent="0">
+              <a:buFont typeface="Arial" panose="020B0604020202020204" pitchFamily="34" charset="0"/>
               <a:buNone/>
             </a:pPr>
             <a:endParaRPr lang="en-US" altLang="ja-JP" sz="2400" dirty="0"/>
@@ -9658,7 +10693,7 @@
     </p:spTree>
     <p:extLst>
       <p:ext uri="{BB962C8B-B14F-4D97-AF65-F5344CB8AC3E}">
-        <p14:creationId xmlns:p14="http://schemas.microsoft.com/office/powerpoint/2010/main" val="3129097109"/>
+        <p14:creationId xmlns:p14="http://schemas.microsoft.com/office/powerpoint/2010/main" val="3315305235"/>
       </p:ext>
     </p:extLst>
   </p:cSld>
@@ -9717,6 +10752,10 @@
               <a:rPr lang="en-US" altLang="ja-JP" dirty="0"/>
               <a:t>Protocol Buffers</a:t>
             </a:r>
+            <a:r>
+              <a:rPr lang="ja-JP" altLang="en-US"/>
+              <a:t>とは？</a:t>
+            </a:r>
             <a:endParaRPr kumimoji="1" lang="ja-JP" altLang="en-US" dirty="0"/>
           </a:p>
         </p:txBody>
@@ -9750,34 +10789,30 @@
           <a:lstStyle/>
           <a:p>
             <a:r>
-              <a:rPr lang="en-US" altLang="ja-JP" dirty="0"/>
-              <a:t>JSON</a:t>
+              <a:rPr lang="en" altLang="ja-JP" dirty="0"/>
+              <a:t>Google</a:t>
+            </a:r>
+            <a:r>
+              <a:rPr lang="ja-JP" altLang="en-US"/>
+              <a:t>が開発した構造化データをシリアライズするための効率的で拡張可能なメカニズム</a:t>
+            </a:r>
+            <a:endParaRPr lang="en-US" altLang="ja-JP" dirty="0"/>
+          </a:p>
+          <a:p>
+            <a:endParaRPr lang="en-US" altLang="ja-JP" dirty="0"/>
+          </a:p>
+          <a:p>
+            <a:r>
+              <a:rPr lang="ja-JP" altLang="en-US"/>
+              <a:t>バイナリ</a:t>
             </a:r>
             <a:r>
               <a:rPr lang="ja-JP" altLang="en-US" dirty="0"/>
-              <a:t>と比べてバイナリ形式のため、データサイズが小さく高速です</a:t>
-            </a:r>
-            <a:endParaRPr lang="en-US" altLang="ja-JP" dirty="0"/>
-          </a:p>
-          <a:p>
-            <a:endParaRPr lang="en-US" altLang="ja-JP" dirty="0"/>
-          </a:p>
-          <a:p>
-            <a:r>
-              <a:rPr lang="en-US" altLang="ja-JP" dirty="0" err="1"/>
-              <a:t>gRPC</a:t>
-            </a:r>
-            <a:r>
-              <a:rPr lang="ja-JP" altLang="en-US" dirty="0"/>
-              <a:t>と</a:t>
-            </a:r>
-            <a:r>
-              <a:rPr lang="en-US" altLang="ja-JP" dirty="0"/>
-              <a:t>Protocol Buffers</a:t>
-            </a:r>
-            <a:r>
-              <a:rPr lang="ja-JP" altLang="en-US" dirty="0"/>
-              <a:t>をインストール</a:t>
+              <a:t>形式のため、データサイズが小さく</a:t>
+            </a:r>
+            <a:r>
+              <a:rPr lang="ja-JP" altLang="en-US"/>
+              <a:t>高速です。</a:t>
             </a:r>
             <a:endParaRPr lang="en-US" altLang="ja-JP" dirty="0"/>
           </a:p>
@@ -9825,40 +10860,10 @@
           </a:p>
         </p:txBody>
       </p:sp>
-      <p:pic>
-        <p:nvPicPr>
-          <p:cNvPr id="4" name="図 3">
-            <a:extLst>
-              <a:ext uri="{FF2B5EF4-FFF2-40B4-BE49-F238E27FC236}">
-                <a16:creationId xmlns:a16="http://schemas.microsoft.com/office/drawing/2014/main" id="{A27EC174-2CDA-B99D-713F-6907C7F831AD}"/>
-              </a:ext>
-            </a:extLst>
-          </p:cNvPr>
-          <p:cNvPicPr>
-            <a:picLocks noChangeAspect="1"/>
-          </p:cNvPicPr>
-          <p:nvPr/>
-        </p:nvPicPr>
-        <p:blipFill>
-          <a:blip r:embed="rId2"/>
-          <a:stretch>
-            <a:fillRect/>
-          </a:stretch>
-        </p:blipFill>
-        <p:spPr>
-          <a:xfrm>
-            <a:off x="6321170" y="2274503"/>
-            <a:ext cx="4658375" cy="3029373"/>
-          </a:xfrm>
-          <a:prstGeom prst="rect">
-            <a:avLst/>
-          </a:prstGeom>
-        </p:spPr>
-      </p:pic>
     </p:spTree>
     <p:extLst>
       <p:ext uri="{BB962C8B-B14F-4D97-AF65-F5344CB8AC3E}">
-        <p14:creationId xmlns:p14="http://schemas.microsoft.com/office/powerpoint/2010/main" val="259682668"/>
+        <p14:creationId xmlns:p14="http://schemas.microsoft.com/office/powerpoint/2010/main" val="1315659481"/>
       </p:ext>
     </p:extLst>
   </p:cSld>
@@ -9914,13 +10919,14 @@
           <a:lstStyle/>
           <a:p>
             <a:r>
-              <a:rPr kumimoji="1" lang="en-US" altLang="ja-JP" dirty="0"/>
-              <a:t>HTTP/2</a:t>
-            </a:r>
-            <a:r>
-              <a:rPr kumimoji="1" lang="ja-JP" altLang="en-US" dirty="0"/>
-              <a:t>ベース</a:t>
-            </a:r>
+              <a:rPr lang="en-US" altLang="ja-JP" dirty="0"/>
+              <a:t>Protocol Buffers </a:t>
+            </a:r>
+            <a:r>
+              <a:rPr lang="ja-JP" altLang="en-US"/>
+              <a:t>のイメージ</a:t>
+            </a:r>
+            <a:endParaRPr kumimoji="1" lang="ja-JP" altLang="en-US" dirty="0"/>
           </a:p>
         </p:txBody>
       </p:sp>
@@ -9952,59 +10958,7 @@
           </a:bodyPr>
           <a:lstStyle/>
           <a:p>
-            <a:r>
-              <a:rPr lang="en-US" altLang="ja-JP" dirty="0"/>
-              <a:t>HTTP/2</a:t>
-            </a:r>
-            <a:r>
-              <a:rPr lang="ja-JP" altLang="en-US" dirty="0"/>
-              <a:t>の多重化機能により</a:t>
-            </a:r>
-            <a:r>
-              <a:rPr lang="en-US" altLang="ja-JP" dirty="0"/>
-              <a:t>1</a:t>
-            </a:r>
-            <a:r>
-              <a:rPr lang="ja-JP" altLang="en-US" dirty="0"/>
-              <a:t>つの</a:t>
-            </a:r>
-            <a:r>
-              <a:rPr lang="en-US" altLang="ja-JP" dirty="0"/>
-              <a:t>TCP</a:t>
-            </a:r>
-            <a:r>
-              <a:rPr lang="ja-JP" altLang="en-US" dirty="0"/>
-              <a:t>接続で複数のリクエストを並列処理できます</a:t>
-            </a:r>
             <a:endParaRPr lang="en-US" altLang="ja-JP" dirty="0"/>
-          </a:p>
-          <a:p>
-            <a:endParaRPr lang="ja-JP" altLang="en-US" dirty="0"/>
-          </a:p>
-          <a:p>
-            <a:r>
-              <a:rPr lang="ja-JP" altLang="en-US" dirty="0"/>
-              <a:t>ヘッダー圧縮によりオーバーヘッドが削減されます</a:t>
-            </a:r>
-            <a:endParaRPr lang="en-US" altLang="ja-JP" dirty="0"/>
-          </a:p>
-          <a:p>
-            <a:endParaRPr lang="ja-JP" altLang="en-US" dirty="0"/>
-          </a:p>
-          <a:p>
-            <a:r>
-              <a:rPr lang="ja-JP" altLang="en-US" dirty="0"/>
-              <a:t>双方向ストリーミングをサポートしています</a:t>
-            </a:r>
-          </a:p>
-          <a:p>
-            <a:pPr marL="0" indent="0">
-              <a:buNone/>
-            </a:pPr>
-            <a:br>
-              <a:rPr lang="ja-JP" altLang="en-US" dirty="0"/>
-            </a:br>
-            <a:endParaRPr lang="ja-JP" altLang="en-US" dirty="0"/>
           </a:p>
           <a:p>
             <a:pPr marL="0" indent="0">
@@ -10047,10 +11001,260 @@
           </a:p>
         </p:txBody>
       </p:sp>
+      <p:sp>
+        <p:nvSpPr>
+          <p:cNvPr id="3" name="コンテンツ プレースホルダー 11">
+            <a:extLst>
+              <a:ext uri="{FF2B5EF4-FFF2-40B4-BE49-F238E27FC236}">
+                <a16:creationId xmlns:a16="http://schemas.microsoft.com/office/drawing/2014/main" id="{26A1970D-E910-1350-A36E-47BA73CFF1C5}"/>
+              </a:ext>
+            </a:extLst>
+          </p:cNvPr>
+          <p:cNvSpPr txBox="1">
+            <a:spLocks/>
+          </p:cNvSpPr>
+          <p:nvPr/>
+        </p:nvSpPr>
+        <p:spPr>
+          <a:xfrm>
+            <a:off x="990600" y="1553817"/>
+            <a:ext cx="10515600" cy="4775546"/>
+          </a:xfrm>
+          <a:prstGeom prst="rect">
+            <a:avLst/>
+          </a:prstGeom>
+        </p:spPr>
+        <p:txBody>
+          <a:bodyPr vert="horz" lIns="91440" tIns="45720" rIns="91440" bIns="45720" rtlCol="0">
+            <a:normAutofit/>
+          </a:bodyPr>
+          <a:lstStyle>
+            <a:lvl1pPr marL="228600" indent="-228600" algn="l" defTabSz="914400" rtl="0" eaLnBrk="1" latinLnBrk="0" hangingPunct="1">
+              <a:lnSpc>
+                <a:spcPct val="90000"/>
+              </a:lnSpc>
+              <a:spcBef>
+                <a:spcPts val="1000"/>
+              </a:spcBef>
+              <a:buFont typeface="Arial" panose="020B0604020202020204" pitchFamily="34" charset="0"/>
+              <a:buChar char="•"/>
+              <a:defRPr kumimoji="1" sz="2800" kern="1200">
+                <a:solidFill>
+                  <a:schemeClr val="tx1"/>
+                </a:solidFill>
+                <a:latin typeface="+mn-lt"/>
+                <a:ea typeface="+mn-ea"/>
+                <a:cs typeface="+mn-cs"/>
+              </a:defRPr>
+            </a:lvl1pPr>
+            <a:lvl2pPr marL="685800" indent="-228600" algn="l" defTabSz="914400" rtl="0" eaLnBrk="1" latinLnBrk="0" hangingPunct="1">
+              <a:lnSpc>
+                <a:spcPct val="90000"/>
+              </a:lnSpc>
+              <a:spcBef>
+                <a:spcPts val="500"/>
+              </a:spcBef>
+              <a:buFont typeface="Arial" panose="020B0604020202020204" pitchFamily="34" charset="0"/>
+              <a:buChar char="•"/>
+              <a:defRPr kumimoji="1" sz="2400" kern="1200">
+                <a:solidFill>
+                  <a:schemeClr val="tx1"/>
+                </a:solidFill>
+                <a:latin typeface="+mn-lt"/>
+                <a:ea typeface="+mn-ea"/>
+                <a:cs typeface="+mn-cs"/>
+              </a:defRPr>
+            </a:lvl2pPr>
+            <a:lvl3pPr marL="1143000" indent="-228600" algn="l" defTabSz="914400" rtl="0" eaLnBrk="1" latinLnBrk="0" hangingPunct="1">
+              <a:lnSpc>
+                <a:spcPct val="90000"/>
+              </a:lnSpc>
+              <a:spcBef>
+                <a:spcPts val="500"/>
+              </a:spcBef>
+              <a:buFont typeface="Arial" panose="020B0604020202020204" pitchFamily="34" charset="0"/>
+              <a:buChar char="•"/>
+              <a:defRPr kumimoji="1" sz="2000" kern="1200">
+                <a:solidFill>
+                  <a:schemeClr val="tx1"/>
+                </a:solidFill>
+                <a:latin typeface="+mn-lt"/>
+                <a:ea typeface="+mn-ea"/>
+                <a:cs typeface="+mn-cs"/>
+              </a:defRPr>
+            </a:lvl3pPr>
+            <a:lvl4pPr marL="1600200" indent="-228600" algn="l" defTabSz="914400" rtl="0" eaLnBrk="1" latinLnBrk="0" hangingPunct="1">
+              <a:lnSpc>
+                <a:spcPct val="90000"/>
+              </a:lnSpc>
+              <a:spcBef>
+                <a:spcPts val="500"/>
+              </a:spcBef>
+              <a:buFont typeface="Arial" panose="020B0604020202020204" pitchFamily="34" charset="0"/>
+              <a:buChar char="•"/>
+              <a:defRPr kumimoji="1" sz="1800" kern="1200">
+                <a:solidFill>
+                  <a:schemeClr val="tx1"/>
+                </a:solidFill>
+                <a:latin typeface="+mn-lt"/>
+                <a:ea typeface="+mn-ea"/>
+                <a:cs typeface="+mn-cs"/>
+              </a:defRPr>
+            </a:lvl4pPr>
+            <a:lvl5pPr marL="2057400" indent="-228600" algn="l" defTabSz="914400" rtl="0" eaLnBrk="1" latinLnBrk="0" hangingPunct="1">
+              <a:lnSpc>
+                <a:spcPct val="90000"/>
+              </a:lnSpc>
+              <a:spcBef>
+                <a:spcPts val="500"/>
+              </a:spcBef>
+              <a:buFont typeface="Arial" panose="020B0604020202020204" pitchFamily="34" charset="0"/>
+              <a:buChar char="•"/>
+              <a:defRPr kumimoji="1" sz="1800" kern="1200">
+                <a:solidFill>
+                  <a:schemeClr val="tx1"/>
+                </a:solidFill>
+                <a:latin typeface="+mn-lt"/>
+                <a:ea typeface="+mn-ea"/>
+                <a:cs typeface="+mn-cs"/>
+              </a:defRPr>
+            </a:lvl5pPr>
+            <a:lvl6pPr marL="2514600" indent="-228600" algn="l" defTabSz="914400" rtl="0" eaLnBrk="1" latinLnBrk="0" hangingPunct="1">
+              <a:lnSpc>
+                <a:spcPct val="90000"/>
+              </a:lnSpc>
+              <a:spcBef>
+                <a:spcPts val="500"/>
+              </a:spcBef>
+              <a:buFont typeface="Arial" panose="020B0604020202020204" pitchFamily="34" charset="0"/>
+              <a:buChar char="•"/>
+              <a:defRPr kumimoji="1" sz="1800" kern="1200">
+                <a:solidFill>
+                  <a:schemeClr val="tx1"/>
+                </a:solidFill>
+                <a:latin typeface="+mn-lt"/>
+                <a:ea typeface="+mn-ea"/>
+                <a:cs typeface="+mn-cs"/>
+              </a:defRPr>
+            </a:lvl6pPr>
+            <a:lvl7pPr marL="2971800" indent="-228600" algn="l" defTabSz="914400" rtl="0" eaLnBrk="1" latinLnBrk="0" hangingPunct="1">
+              <a:lnSpc>
+                <a:spcPct val="90000"/>
+              </a:lnSpc>
+              <a:spcBef>
+                <a:spcPts val="500"/>
+              </a:spcBef>
+              <a:buFont typeface="Arial" panose="020B0604020202020204" pitchFamily="34" charset="0"/>
+              <a:buChar char="•"/>
+              <a:defRPr kumimoji="1" sz="1800" kern="1200">
+                <a:solidFill>
+                  <a:schemeClr val="tx1"/>
+                </a:solidFill>
+                <a:latin typeface="+mn-lt"/>
+                <a:ea typeface="+mn-ea"/>
+                <a:cs typeface="+mn-cs"/>
+              </a:defRPr>
+            </a:lvl7pPr>
+            <a:lvl8pPr marL="3429000" indent="-228600" algn="l" defTabSz="914400" rtl="0" eaLnBrk="1" latinLnBrk="0" hangingPunct="1">
+              <a:lnSpc>
+                <a:spcPct val="90000"/>
+              </a:lnSpc>
+              <a:spcBef>
+                <a:spcPts val="500"/>
+              </a:spcBef>
+              <a:buFont typeface="Arial" panose="020B0604020202020204" pitchFamily="34" charset="0"/>
+              <a:buChar char="•"/>
+              <a:defRPr kumimoji="1" sz="1800" kern="1200">
+                <a:solidFill>
+                  <a:schemeClr val="tx1"/>
+                </a:solidFill>
+                <a:latin typeface="+mn-lt"/>
+                <a:ea typeface="+mn-ea"/>
+                <a:cs typeface="+mn-cs"/>
+              </a:defRPr>
+            </a:lvl8pPr>
+            <a:lvl9pPr marL="3886200" indent="-228600" algn="l" defTabSz="914400" rtl="0" eaLnBrk="1" latinLnBrk="0" hangingPunct="1">
+              <a:lnSpc>
+                <a:spcPct val="90000"/>
+              </a:lnSpc>
+              <a:spcBef>
+                <a:spcPts val="500"/>
+              </a:spcBef>
+              <a:buFont typeface="Arial" panose="020B0604020202020204" pitchFamily="34" charset="0"/>
+              <a:buChar char="•"/>
+              <a:defRPr kumimoji="1" sz="1800" kern="1200">
+                <a:solidFill>
+                  <a:schemeClr val="tx1"/>
+                </a:solidFill>
+                <a:latin typeface="+mn-lt"/>
+                <a:ea typeface="+mn-ea"/>
+                <a:cs typeface="+mn-cs"/>
+              </a:defRPr>
+            </a:lvl9pPr>
+          </a:lstStyle>
+          <a:p>
+            <a:r>
+              <a:rPr lang="ja-JP" altLang="en-US"/>
+              <a:t>とあるデータ内容が</a:t>
+            </a:r>
+            <a:r>
+              <a:rPr lang="en-US" altLang="ja-JP" dirty="0"/>
+              <a:t>.proto</a:t>
+            </a:r>
+            <a:r>
+              <a:rPr lang="ja-JP" altLang="en-US"/>
+              <a:t>を使って、どうなるかを書く。</a:t>
+            </a:r>
+            <a:endParaRPr lang="en-US" altLang="ja-JP" dirty="0"/>
+          </a:p>
+          <a:p>
+            <a:pPr marL="0" indent="0">
+              <a:buFont typeface="Arial" panose="020B0604020202020204" pitchFamily="34" charset="0"/>
+              <a:buNone/>
+            </a:pPr>
+            <a:endParaRPr lang="en-US" altLang="ja-JP" sz="2400" dirty="0"/>
+          </a:p>
+          <a:p>
+            <a:pPr marL="0" indent="0">
+              <a:buFont typeface="Arial" panose="020B0604020202020204" pitchFamily="34" charset="0"/>
+              <a:buNone/>
+            </a:pPr>
+            <a:endParaRPr lang="en-US" altLang="ja-JP" sz="2400" dirty="0"/>
+          </a:p>
+          <a:p>
+            <a:pPr marL="0" indent="0">
+              <a:buFont typeface="Arial" panose="020B0604020202020204" pitchFamily="34" charset="0"/>
+              <a:buNone/>
+            </a:pPr>
+            <a:endParaRPr lang="en-US" altLang="ja-JP" sz="2400" dirty="0"/>
+          </a:p>
+          <a:p>
+            <a:pPr>
+              <a:buFontTx/>
+              <a:buChar char="-"/>
+            </a:pPr>
+            <a:endParaRPr lang="en-US" altLang="ja-JP" sz="2400" dirty="0"/>
+          </a:p>
+          <a:p>
+            <a:pPr>
+              <a:buFontTx/>
+              <a:buChar char="-"/>
+            </a:pPr>
+            <a:endParaRPr lang="en-US" altLang="ja-JP" sz="2400" dirty="0"/>
+          </a:p>
+          <a:p>
+            <a:pPr>
+              <a:buFontTx/>
+              <a:buChar char="-"/>
+            </a:pPr>
+            <a:endParaRPr lang="en-US" altLang="ja-JP" sz="2400" dirty="0"/>
+          </a:p>
+        </p:txBody>
+      </p:sp>
     </p:spTree>
     <p:extLst>
       <p:ext uri="{BB962C8B-B14F-4D97-AF65-F5344CB8AC3E}">
-        <p14:creationId xmlns:p14="http://schemas.microsoft.com/office/powerpoint/2010/main" val="4154140404"/>
+        <p14:creationId xmlns:p14="http://schemas.microsoft.com/office/powerpoint/2010/main" val="259682668"/>
       </p:ext>
     </p:extLst>
   </p:cSld>
@@ -10082,7 +11286,7 @@
           <p:cNvPr id="2" name="タイトル 1">
             <a:extLst>
               <a:ext uri="{FF2B5EF4-FFF2-40B4-BE49-F238E27FC236}">
-                <a16:creationId xmlns:a16="http://schemas.microsoft.com/office/drawing/2014/main" id="{9C784ACA-9376-15C6-DD93-68B5D582FADA}"/>
+                <a16:creationId xmlns:a16="http://schemas.microsoft.com/office/drawing/2014/main" id="{4278554C-F87F-D2B4-6FA8-D7F2D393903A}"/>
               </a:ext>
             </a:extLst>
           </p:cNvPr>
@@ -10093,31 +11297,28 @@
             <p:ph type="title"/>
           </p:nvPr>
         </p:nvSpPr>
-        <p:spPr>
-          <a:xfrm>
-            <a:off x="838200" y="365126"/>
-            <a:ext cx="10515600" cy="891020"/>
-          </a:xfrm>
-        </p:spPr>
+        <p:spPr/>
         <p:txBody>
-          <a:bodyPr>
-            <a:normAutofit/>
-          </a:bodyPr>
+          <a:bodyPr/>
           <a:lstStyle/>
           <a:p>
             <a:r>
-              <a:rPr kumimoji="1" lang="ja-JP" altLang="en-US" dirty="0"/>
-              <a:t>多言語対応</a:t>
+              <a:rPr kumimoji="1" lang="en-US" altLang="ja-JP" dirty="0"/>
+              <a:t>Protocol Buffer </a:t>
+            </a:r>
+            <a:r>
+              <a:rPr kumimoji="1" lang="ja-JP" altLang="en-US"/>
+              <a:t>のフォーマット</a:t>
             </a:r>
           </a:p>
         </p:txBody>
       </p:sp>
       <p:sp>
         <p:nvSpPr>
-          <p:cNvPr id="12" name="コンテンツ プレースホルダー 11">
-            <a:extLst>
-              <a:ext uri="{FF2B5EF4-FFF2-40B4-BE49-F238E27FC236}">
-                <a16:creationId xmlns:a16="http://schemas.microsoft.com/office/drawing/2014/main" id="{E944DFBB-A102-FEAA-D487-BCBEE3A4BD63}"/>
+          <p:cNvPr id="3" name="コンテンツ プレースホルダー 2">
+            <a:extLst>
+              <a:ext uri="{FF2B5EF4-FFF2-40B4-BE49-F238E27FC236}">
+                <a16:creationId xmlns:a16="http://schemas.microsoft.com/office/drawing/2014/main" id="{B576BCAA-0E1E-A36C-797F-5B821CDBB458}"/>
               </a:ext>
             </a:extLst>
           </p:cNvPr>
@@ -10128,78 +11329,30 @@
             <p:ph idx="1"/>
           </p:nvPr>
         </p:nvSpPr>
-        <p:spPr>
-          <a:xfrm>
-            <a:off x="838200" y="1401417"/>
-            <a:ext cx="10515600" cy="4775546"/>
-          </a:xfrm>
-        </p:spPr>
+        <p:spPr/>
         <p:txBody>
-          <a:bodyPr>
-            <a:normAutofit/>
-          </a:bodyPr>
+          <a:bodyPr/>
           <a:lstStyle/>
           <a:p>
             <a:r>
-              <a:rPr lang="en-US" altLang="ja-JP" dirty="0"/>
-              <a:t>C, C++, Java, Python, Go, Rust, C#</a:t>
-            </a:r>
-            <a:r>
-              <a:rPr lang="ja-JP" altLang="en-US" dirty="0"/>
-              <a:t>など多くの言語をサポートしています。</a:t>
-            </a:r>
-          </a:p>
-          <a:p>
-            <a:br>
-              <a:rPr lang="ja-JP" altLang="en-US" dirty="0"/>
-            </a:br>
-            <a:endParaRPr lang="ja-JP" altLang="en-US" dirty="0"/>
-          </a:p>
-          <a:p>
-            <a:pPr marL="0" indent="0">
-              <a:buNone/>
-            </a:pPr>
-            <a:endParaRPr lang="en-US" altLang="ja-JP" sz="2400" dirty="0"/>
-          </a:p>
-          <a:p>
-            <a:pPr marL="0" indent="0">
-              <a:buNone/>
-            </a:pPr>
-            <a:endParaRPr lang="en-US" altLang="ja-JP" sz="2400" dirty="0"/>
-          </a:p>
-          <a:p>
-            <a:pPr marL="0" indent="0">
-              <a:buNone/>
-            </a:pPr>
-            <a:endParaRPr lang="en-US" altLang="ja-JP" sz="2400" dirty="0"/>
-          </a:p>
-          <a:p>
-            <a:pPr>
-              <a:buFontTx/>
-              <a:buChar char="-"/>
-            </a:pPr>
-            <a:endParaRPr lang="en-US" altLang="ja-JP" sz="2400" dirty="0"/>
-          </a:p>
-          <a:p>
-            <a:pPr>
-              <a:buFontTx/>
-              <a:buChar char="-"/>
-            </a:pPr>
-            <a:endParaRPr lang="en-US" altLang="ja-JP" sz="2400" dirty="0"/>
-          </a:p>
-          <a:p>
-            <a:pPr>
-              <a:buFontTx/>
-              <a:buChar char="-"/>
-            </a:pPr>
-            <a:endParaRPr lang="en-US" altLang="ja-JP" sz="2400" dirty="0"/>
+              <a:rPr kumimoji="1" lang="ja-JP" altLang="en-US"/>
+              <a:t>別途、</a:t>
+            </a:r>
+            <a:r>
+              <a:rPr kumimoji="1" lang="en-US" altLang="ja-JP" dirty="0"/>
+              <a:t>.md</a:t>
+            </a:r>
+            <a:r>
+              <a:rPr kumimoji="1" lang="ja-JP" altLang="en-US"/>
+              <a:t>ファイルに詳細書いたので、それベースで説明します。</a:t>
+            </a:r>
           </a:p>
         </p:txBody>
       </p:sp>
     </p:spTree>
     <p:extLst>
       <p:ext uri="{BB962C8B-B14F-4D97-AF65-F5344CB8AC3E}">
-        <p14:creationId xmlns:p14="http://schemas.microsoft.com/office/powerpoint/2010/main" val="2314387547"/>
+        <p14:creationId xmlns:p14="http://schemas.microsoft.com/office/powerpoint/2010/main" val="1266644968"/>
       </p:ext>
     </p:extLst>
   </p:cSld>
@@ -10255,8 +11408,12 @@
           <a:lstStyle/>
           <a:p>
             <a:r>
+              <a:rPr kumimoji="1" lang="en-US" altLang="ja-JP" dirty="0"/>
+              <a:t>HTTP/2</a:t>
+            </a:r>
+            <a:r>
               <a:rPr kumimoji="1" lang="ja-JP" altLang="en-US" dirty="0"/>
-              <a:t>多言語対応</a:t>
+              <a:t>ベース</a:t>
             </a:r>
           </a:p>
         </p:txBody>
@@ -10291,14 +11448,64 @@
           <a:p>
             <a:r>
               <a:rPr lang="en-US" altLang="ja-JP" dirty="0"/>
-              <a:t>C, C++, Java, Python, Go, Rust, C#</a:t>
+              <a:t>HTTP/2</a:t>
             </a:r>
             <a:r>
               <a:rPr lang="ja-JP" altLang="en-US" dirty="0"/>
-              <a:t>など多くの言語をサポートしています。</a:t>
-            </a:r>
-          </a:p>
-          <a:p>
+              <a:t>の多重化機能により</a:t>
+            </a:r>
+            <a:r>
+              <a:rPr lang="en-US" altLang="ja-JP" dirty="0"/>
+              <a:t>1</a:t>
+            </a:r>
+            <a:r>
+              <a:rPr lang="ja-JP" altLang="en-US" dirty="0"/>
+              <a:t>つの</a:t>
+            </a:r>
+            <a:r>
+              <a:rPr lang="en-US" altLang="ja-JP" dirty="0"/>
+              <a:t>TCP</a:t>
+            </a:r>
+            <a:r>
+              <a:rPr lang="ja-JP" altLang="en-US" dirty="0"/>
+              <a:t>接続で複数のリクエストを並列処理できます</a:t>
+            </a:r>
+            <a:endParaRPr lang="en-US" altLang="ja-JP" dirty="0"/>
+          </a:p>
+          <a:p>
+            <a:endParaRPr lang="ja-JP" altLang="en-US" dirty="0"/>
+          </a:p>
+          <a:p>
+            <a:r>
+              <a:rPr lang="ja-JP" altLang="en-US" dirty="0"/>
+              <a:t>ヘッダー圧縮によりオーバーヘッドが削減されます</a:t>
+            </a:r>
+            <a:endParaRPr lang="en-US" altLang="ja-JP" dirty="0"/>
+          </a:p>
+          <a:p>
+            <a:endParaRPr lang="ja-JP" altLang="en-US" dirty="0"/>
+          </a:p>
+          <a:p>
+            <a:r>
+              <a:rPr lang="ja-JP" altLang="en-US" dirty="0"/>
+              <a:t>双方向ストリーミングをサポート</a:t>
+            </a:r>
+            <a:r>
+              <a:rPr lang="ja-JP" altLang="en-US"/>
+              <a:t>しています</a:t>
+            </a:r>
+            <a:endParaRPr lang="en-US" altLang="ja-JP" dirty="0"/>
+          </a:p>
+          <a:p>
+            <a:pPr marL="0" indent="0">
+              <a:buNone/>
+            </a:pPr>
+            <a:endParaRPr lang="ja-JP" altLang="en-US" dirty="0"/>
+          </a:p>
+          <a:p>
+            <a:pPr marL="0" indent="0">
+              <a:buNone/>
+            </a:pPr>
             <a:br>
               <a:rPr lang="ja-JP" altLang="en-US" dirty="0"/>
             </a:br>
@@ -10348,7 +11555,7 @@
     </p:spTree>
     <p:extLst>
       <p:ext uri="{BB962C8B-B14F-4D97-AF65-F5344CB8AC3E}">
-        <p14:creationId xmlns:p14="http://schemas.microsoft.com/office/powerpoint/2010/main" val="2039960158"/>
+        <p14:creationId xmlns:p14="http://schemas.microsoft.com/office/powerpoint/2010/main" val="4154140404"/>
       </p:ext>
     </p:extLst>
   </p:cSld>

--- a/raspberry-pi-report/gRPCについて.pptx
+++ b/raspberry-pi-report/gRPCについて.pptx
@@ -1726,6 +1726,281 @@
     </pc:docChg>
   </pc:docChgLst>
   <pc:docChgLst>
+    <pc:chgData name="Yoshiharu Hamaguchi" userId="470e288704938fe9" providerId="LiveId" clId="{70332866-803F-45E9-A120-6101FBB807E0}"/>
+    <pc:docChg chg="undo custSel addSld delSld modSld">
+      <pc:chgData name="Yoshiharu Hamaguchi" userId="470e288704938fe9" providerId="LiveId" clId="{70332866-803F-45E9-A120-6101FBB807E0}" dt="2025-09-08T14:56:44.792" v="4266"/>
+      <pc:docMkLst>
+        <pc:docMk/>
+      </pc:docMkLst>
+      <pc:sldChg chg="modSp mod">
+        <pc:chgData name="Yoshiharu Hamaguchi" userId="470e288704938fe9" providerId="LiveId" clId="{70332866-803F-45E9-A120-6101FBB807E0}" dt="2025-09-08T13:07:11.513" v="792" actId="20577"/>
+        <pc:sldMkLst>
+          <pc:docMk/>
+          <pc:sldMk cId="634982452" sldId="256"/>
+        </pc:sldMkLst>
+        <pc:spChg chg="mod">
+          <ac:chgData name="Yoshiharu Hamaguchi" userId="470e288704938fe9" providerId="LiveId" clId="{70332866-803F-45E9-A120-6101FBB807E0}" dt="2025-09-08T13:07:11.513" v="792" actId="20577"/>
+          <ac:spMkLst>
+            <pc:docMk/>
+            <pc:sldMk cId="634982452" sldId="256"/>
+            <ac:spMk id="2" creationId="{3F0D190A-A8DB-32F1-0D56-13F6D381B778}"/>
+          </ac:spMkLst>
+        </pc:spChg>
+      </pc:sldChg>
+      <pc:sldChg chg="addSp delSp modSp mod">
+        <pc:chgData name="Yoshiharu Hamaguchi" userId="470e288704938fe9" providerId="LiveId" clId="{70332866-803F-45E9-A120-6101FBB807E0}" dt="2025-09-08T13:46:04.454" v="2267" actId="20577"/>
+        <pc:sldMkLst>
+          <pc:docMk/>
+          <pc:sldMk cId="4019972730" sldId="262"/>
+        </pc:sldMkLst>
+        <pc:spChg chg="mod">
+          <ac:chgData name="Yoshiharu Hamaguchi" userId="470e288704938fe9" providerId="LiveId" clId="{70332866-803F-45E9-A120-6101FBB807E0}" dt="2025-09-08T13:45:37.751" v="2219" actId="20577"/>
+          <ac:spMkLst>
+            <pc:docMk/>
+            <pc:sldMk cId="4019972730" sldId="262"/>
+            <ac:spMk id="3" creationId="{37025C41-8921-578C-16F8-6B5CF0A93AE0}"/>
+          </ac:spMkLst>
+        </pc:spChg>
+        <pc:spChg chg="mod">
+          <ac:chgData name="Yoshiharu Hamaguchi" userId="470e288704938fe9" providerId="LiveId" clId="{70332866-803F-45E9-A120-6101FBB807E0}" dt="2025-09-08T13:46:04.454" v="2267" actId="20577"/>
+          <ac:spMkLst>
+            <pc:docMk/>
+            <pc:sldMk cId="4019972730" sldId="262"/>
+            <ac:spMk id="6" creationId="{34FF66A4-5BCB-CEE2-BCDE-1006905C1554}"/>
+          </ac:spMkLst>
+        </pc:spChg>
+        <pc:picChg chg="add mod">
+          <ac:chgData name="Yoshiharu Hamaguchi" userId="470e288704938fe9" providerId="LiveId" clId="{70332866-803F-45E9-A120-6101FBB807E0}" dt="2025-09-08T13:36:11.455" v="1273" actId="1076"/>
+          <ac:picMkLst>
+            <pc:docMk/>
+            <pc:sldMk cId="4019972730" sldId="262"/>
+            <ac:picMk id="4" creationId="{0422C9E0-B473-A1C3-1880-8559272F9630}"/>
+          </ac:picMkLst>
+        </pc:picChg>
+      </pc:sldChg>
+      <pc:sldChg chg="modSp mod">
+        <pc:chgData name="Yoshiharu Hamaguchi" userId="470e288704938fe9" providerId="LiveId" clId="{70332866-803F-45E9-A120-6101FBB807E0}" dt="2025-09-08T13:29:27.377" v="1054" actId="20577"/>
+        <pc:sldMkLst>
+          <pc:docMk/>
+          <pc:sldMk cId="3365730422" sldId="264"/>
+        </pc:sldMkLst>
+        <pc:spChg chg="mod">
+          <ac:chgData name="Yoshiharu Hamaguchi" userId="470e288704938fe9" providerId="LiveId" clId="{70332866-803F-45E9-A120-6101FBB807E0}" dt="2025-09-08T13:29:27.377" v="1054" actId="20577"/>
+          <ac:spMkLst>
+            <pc:docMk/>
+            <pc:sldMk cId="3365730422" sldId="264"/>
+            <ac:spMk id="3" creationId="{37025C41-8921-578C-16F8-6B5CF0A93AE0}"/>
+          </ac:spMkLst>
+        </pc:spChg>
+      </pc:sldChg>
+      <pc:sldChg chg="del">
+        <pc:chgData name="Yoshiharu Hamaguchi" userId="470e288704938fe9" providerId="LiveId" clId="{70332866-803F-45E9-A120-6101FBB807E0}" dt="2025-09-08T13:17:08.942" v="912" actId="47"/>
+        <pc:sldMkLst>
+          <pc:docMk/>
+          <pc:sldMk cId="3544669301" sldId="266"/>
+        </pc:sldMkLst>
+      </pc:sldChg>
+      <pc:sldChg chg="addSp delSp modSp mod">
+        <pc:chgData name="Yoshiharu Hamaguchi" userId="470e288704938fe9" providerId="LiveId" clId="{70332866-803F-45E9-A120-6101FBB807E0}" dt="2025-09-08T13:26:51.657" v="1028" actId="255"/>
+        <pc:sldMkLst>
+          <pc:docMk/>
+          <pc:sldMk cId="2142688305" sldId="269"/>
+        </pc:sldMkLst>
+      </pc:sldChg>
+      <pc:sldChg chg="del">
+        <pc:chgData name="Yoshiharu Hamaguchi" userId="470e288704938fe9" providerId="LiveId" clId="{70332866-803F-45E9-A120-6101FBB807E0}" dt="2025-09-08T13:16:59.642" v="911" actId="47"/>
+        <pc:sldMkLst>
+          <pc:docMk/>
+          <pc:sldMk cId="2038620804" sldId="270"/>
+        </pc:sldMkLst>
+      </pc:sldChg>
+      <pc:sldChg chg="addSp delSp modSp add mod">
+        <pc:chgData name="Yoshiharu Hamaguchi" userId="470e288704938fe9" providerId="LiveId" clId="{70332866-803F-45E9-A120-6101FBB807E0}" dt="2025-09-08T13:43:04.555" v="2015" actId="20577"/>
+        <pc:sldMkLst>
+          <pc:docMk/>
+          <pc:sldMk cId="1473502982" sldId="271"/>
+        </pc:sldMkLst>
+        <pc:spChg chg="add mod">
+          <ac:chgData name="Yoshiharu Hamaguchi" userId="470e288704938fe9" providerId="LiveId" clId="{70332866-803F-45E9-A120-6101FBB807E0}" dt="2025-09-08T13:43:04.555" v="2015" actId="20577"/>
+          <ac:spMkLst>
+            <pc:docMk/>
+            <pc:sldMk cId="1473502982" sldId="271"/>
+            <ac:spMk id="12" creationId="{E944DFBB-A102-FEAA-D487-BCBEE3A4BD63}"/>
+          </ac:spMkLst>
+        </pc:spChg>
+      </pc:sldChg>
+      <pc:sldChg chg="addSp modSp add mod">
+        <pc:chgData name="Yoshiharu Hamaguchi" userId="470e288704938fe9" providerId="LiveId" clId="{70332866-803F-45E9-A120-6101FBB807E0}" dt="2025-09-08T13:44:13.842" v="2060" actId="1076"/>
+        <pc:sldMkLst>
+          <pc:docMk/>
+          <pc:sldMk cId="3129097109" sldId="272"/>
+        </pc:sldMkLst>
+        <pc:spChg chg="mod">
+          <ac:chgData name="Yoshiharu Hamaguchi" userId="470e288704938fe9" providerId="LiveId" clId="{70332866-803F-45E9-A120-6101FBB807E0}" dt="2025-09-08T13:42:49.731" v="2008" actId="20577"/>
+          <ac:spMkLst>
+            <pc:docMk/>
+            <pc:sldMk cId="3129097109" sldId="272"/>
+            <ac:spMk id="2" creationId="{9C784ACA-9376-15C6-DD93-68B5D582FADA}"/>
+          </ac:spMkLst>
+        </pc:spChg>
+        <pc:spChg chg="mod">
+          <ac:chgData name="Yoshiharu Hamaguchi" userId="470e288704938fe9" providerId="LiveId" clId="{70332866-803F-45E9-A120-6101FBB807E0}" dt="2025-09-08T13:43:46.783" v="2055" actId="6549"/>
+          <ac:spMkLst>
+            <pc:docMk/>
+            <pc:sldMk cId="3129097109" sldId="272"/>
+            <ac:spMk id="12" creationId="{E944DFBB-A102-FEAA-D487-BCBEE3A4BD63}"/>
+          </ac:spMkLst>
+        </pc:spChg>
+        <pc:picChg chg="add mod">
+          <ac:chgData name="Yoshiharu Hamaguchi" userId="470e288704938fe9" providerId="LiveId" clId="{70332866-803F-45E9-A120-6101FBB807E0}" dt="2025-09-08T13:44:13.842" v="2060" actId="1076"/>
+          <ac:picMkLst>
+            <pc:docMk/>
+            <pc:sldMk cId="3129097109" sldId="272"/>
+            <ac:picMk id="4" creationId="{0AB3AA65-1C33-C627-0C02-C48972C6F5CD}"/>
+          </ac:picMkLst>
+        </pc:picChg>
+      </pc:sldChg>
+      <pc:sldChg chg="addSp modSp add mod">
+        <pc:chgData name="Yoshiharu Hamaguchi" userId="470e288704938fe9" providerId="LiveId" clId="{70332866-803F-45E9-A120-6101FBB807E0}" dt="2025-09-08T14:48:55.172" v="3078" actId="1076"/>
+        <pc:sldMkLst>
+          <pc:docMk/>
+          <pc:sldMk cId="3565779213" sldId="273"/>
+        </pc:sldMkLst>
+        <pc:spChg chg="mod">
+          <ac:chgData name="Yoshiharu Hamaguchi" userId="470e288704938fe9" providerId="LiveId" clId="{70332866-803F-45E9-A120-6101FBB807E0}" dt="2025-09-08T14:35:56.978" v="2617" actId="20577"/>
+          <ac:spMkLst>
+            <pc:docMk/>
+            <pc:sldMk cId="3565779213" sldId="273"/>
+            <ac:spMk id="2" creationId="{9C784ACA-9376-15C6-DD93-68B5D582FADA}"/>
+          </ac:spMkLst>
+        </pc:spChg>
+        <pc:spChg chg="mod">
+          <ac:chgData name="Yoshiharu Hamaguchi" userId="470e288704938fe9" providerId="LiveId" clId="{70332866-803F-45E9-A120-6101FBB807E0}" dt="2025-09-08T14:48:52.592" v="3077" actId="1076"/>
+          <ac:spMkLst>
+            <pc:docMk/>
+            <pc:sldMk cId="3565779213" sldId="273"/>
+            <ac:spMk id="12" creationId="{E944DFBB-A102-FEAA-D487-BCBEE3A4BD63}"/>
+          </ac:spMkLst>
+        </pc:spChg>
+        <pc:graphicFrameChg chg="add mod modGraphic">
+          <ac:chgData name="Yoshiharu Hamaguchi" userId="470e288704938fe9" providerId="LiveId" clId="{70332866-803F-45E9-A120-6101FBB807E0}" dt="2025-09-08T14:48:55.172" v="3078" actId="1076"/>
+          <ac:graphicFrameMkLst>
+            <pc:docMk/>
+            <pc:sldMk cId="3565779213" sldId="273"/>
+            <ac:graphicFrameMk id="3" creationId="{BB32AE2C-65C1-A108-C432-F1FF4EBEB96B}"/>
+          </ac:graphicFrameMkLst>
+        </pc:graphicFrameChg>
+      </pc:sldChg>
+      <pc:sldChg chg="addSp modSp add mod">
+        <pc:chgData name="Yoshiharu Hamaguchi" userId="470e288704938fe9" providerId="LiveId" clId="{70332866-803F-45E9-A120-6101FBB807E0}" dt="2025-09-08T14:56:44.792" v="4266"/>
+        <pc:sldMkLst>
+          <pc:docMk/>
+          <pc:sldMk cId="2114986016" sldId="274"/>
+        </pc:sldMkLst>
+        <pc:spChg chg="mod">
+          <ac:chgData name="Yoshiharu Hamaguchi" userId="470e288704938fe9" providerId="LiveId" clId="{70332866-803F-45E9-A120-6101FBB807E0}" dt="2025-09-08T14:06:42.942" v="2396" actId="20577"/>
+          <ac:spMkLst>
+            <pc:docMk/>
+            <pc:sldMk cId="2114986016" sldId="274"/>
+            <ac:spMk id="2" creationId="{9C784ACA-9376-15C6-DD93-68B5D582FADA}"/>
+          </ac:spMkLst>
+        </pc:spChg>
+        <pc:spChg chg="mod">
+          <ac:chgData name="Yoshiharu Hamaguchi" userId="470e288704938fe9" providerId="LiveId" clId="{70332866-803F-45E9-A120-6101FBB807E0}" dt="2025-09-08T14:56:44.792" v="4266"/>
+          <ac:spMkLst>
+            <pc:docMk/>
+            <pc:sldMk cId="2114986016" sldId="274"/>
+            <ac:spMk id="12" creationId="{E944DFBB-A102-FEAA-D487-BCBEE3A4BD63}"/>
+          </ac:spMkLst>
+        </pc:spChg>
+        <pc:picChg chg="add mod">
+          <ac:chgData name="Yoshiharu Hamaguchi" userId="470e288704938fe9" providerId="LiveId" clId="{70332866-803F-45E9-A120-6101FBB807E0}" dt="2025-09-08T14:30:40.720" v="2574" actId="1036"/>
+          <ac:picMkLst>
+            <pc:docMk/>
+            <pc:sldMk cId="2114986016" sldId="274"/>
+            <ac:picMk id="3" creationId="{7E3945CA-055B-F40B-6033-6F28B417F04D}"/>
+          </ac:picMkLst>
+        </pc:picChg>
+      </pc:sldChg>
+      <pc:sldChg chg="delSp modSp add mod">
+        <pc:chgData name="Yoshiharu Hamaguchi" userId="470e288704938fe9" providerId="LiveId" clId="{70332866-803F-45E9-A120-6101FBB807E0}" dt="2025-09-08T14:54:43.380" v="4101" actId="20577"/>
+        <pc:sldMkLst>
+          <pc:docMk/>
+          <pc:sldMk cId="914960372" sldId="275"/>
+        </pc:sldMkLst>
+        <pc:spChg chg="mod">
+          <ac:chgData name="Yoshiharu Hamaguchi" userId="470e288704938fe9" providerId="LiveId" clId="{70332866-803F-45E9-A120-6101FBB807E0}" dt="2025-09-08T14:54:43.380" v="4101" actId="20577"/>
+          <ac:spMkLst>
+            <pc:docMk/>
+            <pc:sldMk cId="914960372" sldId="275"/>
+            <ac:spMk id="2" creationId="{9C784ACA-9376-15C6-DD93-68B5D582FADA}"/>
+          </ac:spMkLst>
+        </pc:spChg>
+        <pc:spChg chg="mod">
+          <ac:chgData name="Yoshiharu Hamaguchi" userId="470e288704938fe9" providerId="LiveId" clId="{70332866-803F-45E9-A120-6101FBB807E0}" dt="2025-09-08T14:52:48.660" v="3756" actId="20577"/>
+          <ac:spMkLst>
+            <pc:docMk/>
+            <pc:sldMk cId="914960372" sldId="275"/>
+            <ac:spMk id="12" creationId="{E944DFBB-A102-FEAA-D487-BCBEE3A4BD63}"/>
+          </ac:spMkLst>
+        </pc:spChg>
+      </pc:sldChg>
+      <pc:sldChg chg="addSp delSp modSp add del mod">
+        <pc:chgData name="Yoshiharu Hamaguchi" userId="470e288704938fe9" providerId="LiveId" clId="{70332866-803F-45E9-A120-6101FBB807E0}" dt="2025-09-08T14:29:29.771" v="2540" actId="47"/>
+        <pc:sldMkLst>
+          <pc:docMk/>
+          <pc:sldMk cId="3512689603" sldId="275"/>
+        </pc:sldMkLst>
+      </pc:sldChg>
+      <pc:sldChg chg="modSp add mod">
+        <pc:chgData name="Yoshiharu Hamaguchi" userId="470e288704938fe9" providerId="LiveId" clId="{70332866-803F-45E9-A120-6101FBB807E0}" dt="2025-09-08T14:54:17.815" v="4085" actId="20577"/>
+        <pc:sldMkLst>
+          <pc:docMk/>
+          <pc:sldMk cId="11239393" sldId="276"/>
+        </pc:sldMkLst>
+        <pc:spChg chg="mod">
+          <ac:chgData name="Yoshiharu Hamaguchi" userId="470e288704938fe9" providerId="LiveId" clId="{70332866-803F-45E9-A120-6101FBB807E0}" dt="2025-09-08T14:53:27.147" v="3866" actId="20577"/>
+          <ac:spMkLst>
+            <pc:docMk/>
+            <pc:sldMk cId="11239393" sldId="276"/>
+            <ac:spMk id="2" creationId="{9C784ACA-9376-15C6-DD93-68B5D582FADA}"/>
+          </ac:spMkLst>
+        </pc:spChg>
+        <pc:spChg chg="mod">
+          <ac:chgData name="Yoshiharu Hamaguchi" userId="470e288704938fe9" providerId="LiveId" clId="{70332866-803F-45E9-A120-6101FBB807E0}" dt="2025-09-08T14:54:17.815" v="4085" actId="20577"/>
+          <ac:spMkLst>
+            <pc:docMk/>
+            <pc:sldMk cId="11239393" sldId="276"/>
+            <ac:spMk id="12" creationId="{E944DFBB-A102-FEAA-D487-BCBEE3A4BD63}"/>
+          </ac:spMkLst>
+        </pc:spChg>
+      </pc:sldChg>
+      <pc:sldChg chg="modSp add mod">
+        <pc:chgData name="Yoshiharu Hamaguchi" userId="470e288704938fe9" providerId="LiveId" clId="{70332866-803F-45E9-A120-6101FBB807E0}" dt="2025-09-08T14:55:11.230" v="4201" actId="20577"/>
+        <pc:sldMkLst>
+          <pc:docMk/>
+          <pc:sldMk cId="2816348142" sldId="277"/>
+        </pc:sldMkLst>
+        <pc:spChg chg="mod">
+          <ac:chgData name="Yoshiharu Hamaguchi" userId="470e288704938fe9" providerId="LiveId" clId="{70332866-803F-45E9-A120-6101FBB807E0}" dt="2025-09-08T14:54:58.097" v="4136" actId="20577"/>
+          <ac:spMkLst>
+            <pc:docMk/>
+            <pc:sldMk cId="2816348142" sldId="277"/>
+            <ac:spMk id="2" creationId="{9C784ACA-9376-15C6-DD93-68B5D582FADA}"/>
+          </ac:spMkLst>
+        </pc:spChg>
+        <pc:spChg chg="mod">
+          <ac:chgData name="Yoshiharu Hamaguchi" userId="470e288704938fe9" providerId="LiveId" clId="{70332866-803F-45E9-A120-6101FBB807E0}" dt="2025-09-08T14:55:11.230" v="4201" actId="20577"/>
+          <ac:spMkLst>
+            <pc:docMk/>
+            <pc:sldMk cId="2816348142" sldId="277"/>
+            <ac:spMk id="12" creationId="{E944DFBB-A102-FEAA-D487-BCBEE3A4BD63}"/>
+          </ac:spMkLst>
+        </pc:spChg>
+      </pc:sldChg>
+    </pc:docChg>
+  </pc:docChgLst>
+  <pc:docChgLst>
     <pc:chgData name="Yoshiharu Hamaguchi" userId="470e288704938fe9" providerId="LiveId" clId="{7FF04D8D-0E5C-4D85-91C7-38CEECAF421B}"/>
     <pc:docChg chg="delSld modSld">
       <pc:chgData name="Yoshiharu Hamaguchi" userId="470e288704938fe9" providerId="LiveId" clId="{7FF04D8D-0E5C-4D85-91C7-38CEECAF421B}" dt="2024-08-30T00:39:52.340" v="69" actId="47"/>
@@ -1759,281 +2034,6 @@
           <pc:docMk/>
           <pc:sldMk cId="1265752602" sldId="261"/>
         </pc:sldMkLst>
-      </pc:sldChg>
-    </pc:docChg>
-  </pc:docChgLst>
-  <pc:docChgLst>
-    <pc:chgData name="Yoshiharu Hamaguchi" userId="470e288704938fe9" providerId="LiveId" clId="{70332866-803F-45E9-A120-6101FBB807E0}"/>
-    <pc:docChg chg="undo custSel addSld delSld modSld">
-      <pc:chgData name="Yoshiharu Hamaguchi" userId="470e288704938fe9" providerId="LiveId" clId="{70332866-803F-45E9-A120-6101FBB807E0}" dt="2025-09-08T14:56:44.792" v="4266"/>
-      <pc:docMkLst>
-        <pc:docMk/>
-      </pc:docMkLst>
-      <pc:sldChg chg="modSp mod">
-        <pc:chgData name="Yoshiharu Hamaguchi" userId="470e288704938fe9" providerId="LiveId" clId="{70332866-803F-45E9-A120-6101FBB807E0}" dt="2025-09-08T13:07:11.513" v="792" actId="20577"/>
-        <pc:sldMkLst>
-          <pc:docMk/>
-          <pc:sldMk cId="634982452" sldId="256"/>
-        </pc:sldMkLst>
-        <pc:spChg chg="mod">
-          <ac:chgData name="Yoshiharu Hamaguchi" userId="470e288704938fe9" providerId="LiveId" clId="{70332866-803F-45E9-A120-6101FBB807E0}" dt="2025-09-08T13:07:11.513" v="792" actId="20577"/>
-          <ac:spMkLst>
-            <pc:docMk/>
-            <pc:sldMk cId="634982452" sldId="256"/>
-            <ac:spMk id="2" creationId="{3F0D190A-A8DB-32F1-0D56-13F6D381B778}"/>
-          </ac:spMkLst>
-        </pc:spChg>
-      </pc:sldChg>
-      <pc:sldChg chg="addSp delSp modSp mod">
-        <pc:chgData name="Yoshiharu Hamaguchi" userId="470e288704938fe9" providerId="LiveId" clId="{70332866-803F-45E9-A120-6101FBB807E0}" dt="2025-09-08T13:46:04.454" v="2267" actId="20577"/>
-        <pc:sldMkLst>
-          <pc:docMk/>
-          <pc:sldMk cId="4019972730" sldId="262"/>
-        </pc:sldMkLst>
-        <pc:spChg chg="mod">
-          <ac:chgData name="Yoshiharu Hamaguchi" userId="470e288704938fe9" providerId="LiveId" clId="{70332866-803F-45E9-A120-6101FBB807E0}" dt="2025-09-08T13:45:37.751" v="2219" actId="20577"/>
-          <ac:spMkLst>
-            <pc:docMk/>
-            <pc:sldMk cId="4019972730" sldId="262"/>
-            <ac:spMk id="3" creationId="{37025C41-8921-578C-16F8-6B5CF0A93AE0}"/>
-          </ac:spMkLst>
-        </pc:spChg>
-        <pc:spChg chg="mod">
-          <ac:chgData name="Yoshiharu Hamaguchi" userId="470e288704938fe9" providerId="LiveId" clId="{70332866-803F-45E9-A120-6101FBB807E0}" dt="2025-09-08T13:46:04.454" v="2267" actId="20577"/>
-          <ac:spMkLst>
-            <pc:docMk/>
-            <pc:sldMk cId="4019972730" sldId="262"/>
-            <ac:spMk id="6" creationId="{34FF66A4-5BCB-CEE2-BCDE-1006905C1554}"/>
-          </ac:spMkLst>
-        </pc:spChg>
-        <pc:picChg chg="add mod">
-          <ac:chgData name="Yoshiharu Hamaguchi" userId="470e288704938fe9" providerId="LiveId" clId="{70332866-803F-45E9-A120-6101FBB807E0}" dt="2025-09-08T13:36:11.455" v="1273" actId="1076"/>
-          <ac:picMkLst>
-            <pc:docMk/>
-            <pc:sldMk cId="4019972730" sldId="262"/>
-            <ac:picMk id="4" creationId="{0422C9E0-B473-A1C3-1880-8559272F9630}"/>
-          </ac:picMkLst>
-        </pc:picChg>
-      </pc:sldChg>
-      <pc:sldChg chg="modSp mod">
-        <pc:chgData name="Yoshiharu Hamaguchi" userId="470e288704938fe9" providerId="LiveId" clId="{70332866-803F-45E9-A120-6101FBB807E0}" dt="2025-09-08T13:29:27.377" v="1054" actId="20577"/>
-        <pc:sldMkLst>
-          <pc:docMk/>
-          <pc:sldMk cId="3365730422" sldId="264"/>
-        </pc:sldMkLst>
-        <pc:spChg chg="mod">
-          <ac:chgData name="Yoshiharu Hamaguchi" userId="470e288704938fe9" providerId="LiveId" clId="{70332866-803F-45E9-A120-6101FBB807E0}" dt="2025-09-08T13:29:27.377" v="1054" actId="20577"/>
-          <ac:spMkLst>
-            <pc:docMk/>
-            <pc:sldMk cId="3365730422" sldId="264"/>
-            <ac:spMk id="3" creationId="{37025C41-8921-578C-16F8-6B5CF0A93AE0}"/>
-          </ac:spMkLst>
-        </pc:spChg>
-      </pc:sldChg>
-      <pc:sldChg chg="del">
-        <pc:chgData name="Yoshiharu Hamaguchi" userId="470e288704938fe9" providerId="LiveId" clId="{70332866-803F-45E9-A120-6101FBB807E0}" dt="2025-09-08T13:17:08.942" v="912" actId="47"/>
-        <pc:sldMkLst>
-          <pc:docMk/>
-          <pc:sldMk cId="3544669301" sldId="266"/>
-        </pc:sldMkLst>
-      </pc:sldChg>
-      <pc:sldChg chg="addSp delSp modSp mod">
-        <pc:chgData name="Yoshiharu Hamaguchi" userId="470e288704938fe9" providerId="LiveId" clId="{70332866-803F-45E9-A120-6101FBB807E0}" dt="2025-09-08T13:26:51.657" v="1028" actId="255"/>
-        <pc:sldMkLst>
-          <pc:docMk/>
-          <pc:sldMk cId="2142688305" sldId="269"/>
-        </pc:sldMkLst>
-      </pc:sldChg>
-      <pc:sldChg chg="del">
-        <pc:chgData name="Yoshiharu Hamaguchi" userId="470e288704938fe9" providerId="LiveId" clId="{70332866-803F-45E9-A120-6101FBB807E0}" dt="2025-09-08T13:16:59.642" v="911" actId="47"/>
-        <pc:sldMkLst>
-          <pc:docMk/>
-          <pc:sldMk cId="2038620804" sldId="270"/>
-        </pc:sldMkLst>
-      </pc:sldChg>
-      <pc:sldChg chg="addSp delSp modSp add mod">
-        <pc:chgData name="Yoshiharu Hamaguchi" userId="470e288704938fe9" providerId="LiveId" clId="{70332866-803F-45E9-A120-6101FBB807E0}" dt="2025-09-08T13:43:04.555" v="2015" actId="20577"/>
-        <pc:sldMkLst>
-          <pc:docMk/>
-          <pc:sldMk cId="1473502982" sldId="271"/>
-        </pc:sldMkLst>
-        <pc:spChg chg="add mod">
-          <ac:chgData name="Yoshiharu Hamaguchi" userId="470e288704938fe9" providerId="LiveId" clId="{70332866-803F-45E9-A120-6101FBB807E0}" dt="2025-09-08T13:43:04.555" v="2015" actId="20577"/>
-          <ac:spMkLst>
-            <pc:docMk/>
-            <pc:sldMk cId="1473502982" sldId="271"/>
-            <ac:spMk id="12" creationId="{E944DFBB-A102-FEAA-D487-BCBEE3A4BD63}"/>
-          </ac:spMkLst>
-        </pc:spChg>
-      </pc:sldChg>
-      <pc:sldChg chg="addSp modSp add mod">
-        <pc:chgData name="Yoshiharu Hamaguchi" userId="470e288704938fe9" providerId="LiveId" clId="{70332866-803F-45E9-A120-6101FBB807E0}" dt="2025-09-08T13:44:13.842" v="2060" actId="1076"/>
-        <pc:sldMkLst>
-          <pc:docMk/>
-          <pc:sldMk cId="3129097109" sldId="272"/>
-        </pc:sldMkLst>
-        <pc:spChg chg="mod">
-          <ac:chgData name="Yoshiharu Hamaguchi" userId="470e288704938fe9" providerId="LiveId" clId="{70332866-803F-45E9-A120-6101FBB807E0}" dt="2025-09-08T13:42:49.731" v="2008" actId="20577"/>
-          <ac:spMkLst>
-            <pc:docMk/>
-            <pc:sldMk cId="3129097109" sldId="272"/>
-            <ac:spMk id="2" creationId="{9C784ACA-9376-15C6-DD93-68B5D582FADA}"/>
-          </ac:spMkLst>
-        </pc:spChg>
-        <pc:spChg chg="mod">
-          <ac:chgData name="Yoshiharu Hamaguchi" userId="470e288704938fe9" providerId="LiveId" clId="{70332866-803F-45E9-A120-6101FBB807E0}" dt="2025-09-08T13:43:46.783" v="2055" actId="6549"/>
-          <ac:spMkLst>
-            <pc:docMk/>
-            <pc:sldMk cId="3129097109" sldId="272"/>
-            <ac:spMk id="12" creationId="{E944DFBB-A102-FEAA-D487-BCBEE3A4BD63}"/>
-          </ac:spMkLst>
-        </pc:spChg>
-        <pc:picChg chg="add mod">
-          <ac:chgData name="Yoshiharu Hamaguchi" userId="470e288704938fe9" providerId="LiveId" clId="{70332866-803F-45E9-A120-6101FBB807E0}" dt="2025-09-08T13:44:13.842" v="2060" actId="1076"/>
-          <ac:picMkLst>
-            <pc:docMk/>
-            <pc:sldMk cId="3129097109" sldId="272"/>
-            <ac:picMk id="4" creationId="{0AB3AA65-1C33-C627-0C02-C48972C6F5CD}"/>
-          </ac:picMkLst>
-        </pc:picChg>
-      </pc:sldChg>
-      <pc:sldChg chg="addSp modSp add mod">
-        <pc:chgData name="Yoshiharu Hamaguchi" userId="470e288704938fe9" providerId="LiveId" clId="{70332866-803F-45E9-A120-6101FBB807E0}" dt="2025-09-08T14:48:55.172" v="3078" actId="1076"/>
-        <pc:sldMkLst>
-          <pc:docMk/>
-          <pc:sldMk cId="3565779213" sldId="273"/>
-        </pc:sldMkLst>
-        <pc:spChg chg="mod">
-          <ac:chgData name="Yoshiharu Hamaguchi" userId="470e288704938fe9" providerId="LiveId" clId="{70332866-803F-45E9-A120-6101FBB807E0}" dt="2025-09-08T14:35:56.978" v="2617" actId="20577"/>
-          <ac:spMkLst>
-            <pc:docMk/>
-            <pc:sldMk cId="3565779213" sldId="273"/>
-            <ac:spMk id="2" creationId="{9C784ACA-9376-15C6-DD93-68B5D582FADA}"/>
-          </ac:spMkLst>
-        </pc:spChg>
-        <pc:spChg chg="mod">
-          <ac:chgData name="Yoshiharu Hamaguchi" userId="470e288704938fe9" providerId="LiveId" clId="{70332866-803F-45E9-A120-6101FBB807E0}" dt="2025-09-08T14:48:52.592" v="3077" actId="1076"/>
-          <ac:spMkLst>
-            <pc:docMk/>
-            <pc:sldMk cId="3565779213" sldId="273"/>
-            <ac:spMk id="12" creationId="{E944DFBB-A102-FEAA-D487-BCBEE3A4BD63}"/>
-          </ac:spMkLst>
-        </pc:spChg>
-        <pc:graphicFrameChg chg="add mod modGraphic">
-          <ac:chgData name="Yoshiharu Hamaguchi" userId="470e288704938fe9" providerId="LiveId" clId="{70332866-803F-45E9-A120-6101FBB807E0}" dt="2025-09-08T14:48:55.172" v="3078" actId="1076"/>
-          <ac:graphicFrameMkLst>
-            <pc:docMk/>
-            <pc:sldMk cId="3565779213" sldId="273"/>
-            <ac:graphicFrameMk id="3" creationId="{BB32AE2C-65C1-A108-C432-F1FF4EBEB96B}"/>
-          </ac:graphicFrameMkLst>
-        </pc:graphicFrameChg>
-      </pc:sldChg>
-      <pc:sldChg chg="addSp modSp add mod">
-        <pc:chgData name="Yoshiharu Hamaguchi" userId="470e288704938fe9" providerId="LiveId" clId="{70332866-803F-45E9-A120-6101FBB807E0}" dt="2025-09-08T14:56:44.792" v="4266"/>
-        <pc:sldMkLst>
-          <pc:docMk/>
-          <pc:sldMk cId="2114986016" sldId="274"/>
-        </pc:sldMkLst>
-        <pc:spChg chg="mod">
-          <ac:chgData name="Yoshiharu Hamaguchi" userId="470e288704938fe9" providerId="LiveId" clId="{70332866-803F-45E9-A120-6101FBB807E0}" dt="2025-09-08T14:06:42.942" v="2396" actId="20577"/>
-          <ac:spMkLst>
-            <pc:docMk/>
-            <pc:sldMk cId="2114986016" sldId="274"/>
-            <ac:spMk id="2" creationId="{9C784ACA-9376-15C6-DD93-68B5D582FADA}"/>
-          </ac:spMkLst>
-        </pc:spChg>
-        <pc:spChg chg="mod">
-          <ac:chgData name="Yoshiharu Hamaguchi" userId="470e288704938fe9" providerId="LiveId" clId="{70332866-803F-45E9-A120-6101FBB807E0}" dt="2025-09-08T14:56:44.792" v="4266"/>
-          <ac:spMkLst>
-            <pc:docMk/>
-            <pc:sldMk cId="2114986016" sldId="274"/>
-            <ac:spMk id="12" creationId="{E944DFBB-A102-FEAA-D487-BCBEE3A4BD63}"/>
-          </ac:spMkLst>
-        </pc:spChg>
-        <pc:picChg chg="add mod">
-          <ac:chgData name="Yoshiharu Hamaguchi" userId="470e288704938fe9" providerId="LiveId" clId="{70332866-803F-45E9-A120-6101FBB807E0}" dt="2025-09-08T14:30:40.720" v="2574" actId="1036"/>
-          <ac:picMkLst>
-            <pc:docMk/>
-            <pc:sldMk cId="2114986016" sldId="274"/>
-            <ac:picMk id="3" creationId="{7E3945CA-055B-F40B-6033-6F28B417F04D}"/>
-          </ac:picMkLst>
-        </pc:picChg>
-      </pc:sldChg>
-      <pc:sldChg chg="delSp modSp add mod">
-        <pc:chgData name="Yoshiharu Hamaguchi" userId="470e288704938fe9" providerId="LiveId" clId="{70332866-803F-45E9-A120-6101FBB807E0}" dt="2025-09-08T14:54:43.380" v="4101" actId="20577"/>
-        <pc:sldMkLst>
-          <pc:docMk/>
-          <pc:sldMk cId="914960372" sldId="275"/>
-        </pc:sldMkLst>
-        <pc:spChg chg="mod">
-          <ac:chgData name="Yoshiharu Hamaguchi" userId="470e288704938fe9" providerId="LiveId" clId="{70332866-803F-45E9-A120-6101FBB807E0}" dt="2025-09-08T14:54:43.380" v="4101" actId="20577"/>
-          <ac:spMkLst>
-            <pc:docMk/>
-            <pc:sldMk cId="914960372" sldId="275"/>
-            <ac:spMk id="2" creationId="{9C784ACA-9376-15C6-DD93-68B5D582FADA}"/>
-          </ac:spMkLst>
-        </pc:spChg>
-        <pc:spChg chg="mod">
-          <ac:chgData name="Yoshiharu Hamaguchi" userId="470e288704938fe9" providerId="LiveId" clId="{70332866-803F-45E9-A120-6101FBB807E0}" dt="2025-09-08T14:52:48.660" v="3756" actId="20577"/>
-          <ac:spMkLst>
-            <pc:docMk/>
-            <pc:sldMk cId="914960372" sldId="275"/>
-            <ac:spMk id="12" creationId="{E944DFBB-A102-FEAA-D487-BCBEE3A4BD63}"/>
-          </ac:spMkLst>
-        </pc:spChg>
-      </pc:sldChg>
-      <pc:sldChg chg="addSp delSp modSp add del mod">
-        <pc:chgData name="Yoshiharu Hamaguchi" userId="470e288704938fe9" providerId="LiveId" clId="{70332866-803F-45E9-A120-6101FBB807E0}" dt="2025-09-08T14:29:29.771" v="2540" actId="47"/>
-        <pc:sldMkLst>
-          <pc:docMk/>
-          <pc:sldMk cId="3512689603" sldId="275"/>
-        </pc:sldMkLst>
-      </pc:sldChg>
-      <pc:sldChg chg="modSp add mod">
-        <pc:chgData name="Yoshiharu Hamaguchi" userId="470e288704938fe9" providerId="LiveId" clId="{70332866-803F-45E9-A120-6101FBB807E0}" dt="2025-09-08T14:54:17.815" v="4085" actId="20577"/>
-        <pc:sldMkLst>
-          <pc:docMk/>
-          <pc:sldMk cId="11239393" sldId="276"/>
-        </pc:sldMkLst>
-        <pc:spChg chg="mod">
-          <ac:chgData name="Yoshiharu Hamaguchi" userId="470e288704938fe9" providerId="LiveId" clId="{70332866-803F-45E9-A120-6101FBB807E0}" dt="2025-09-08T14:53:27.147" v="3866" actId="20577"/>
-          <ac:spMkLst>
-            <pc:docMk/>
-            <pc:sldMk cId="11239393" sldId="276"/>
-            <ac:spMk id="2" creationId="{9C784ACA-9376-15C6-DD93-68B5D582FADA}"/>
-          </ac:spMkLst>
-        </pc:spChg>
-        <pc:spChg chg="mod">
-          <ac:chgData name="Yoshiharu Hamaguchi" userId="470e288704938fe9" providerId="LiveId" clId="{70332866-803F-45E9-A120-6101FBB807E0}" dt="2025-09-08T14:54:17.815" v="4085" actId="20577"/>
-          <ac:spMkLst>
-            <pc:docMk/>
-            <pc:sldMk cId="11239393" sldId="276"/>
-            <ac:spMk id="12" creationId="{E944DFBB-A102-FEAA-D487-BCBEE3A4BD63}"/>
-          </ac:spMkLst>
-        </pc:spChg>
-      </pc:sldChg>
-      <pc:sldChg chg="modSp add mod">
-        <pc:chgData name="Yoshiharu Hamaguchi" userId="470e288704938fe9" providerId="LiveId" clId="{70332866-803F-45E9-A120-6101FBB807E0}" dt="2025-09-08T14:55:11.230" v="4201" actId="20577"/>
-        <pc:sldMkLst>
-          <pc:docMk/>
-          <pc:sldMk cId="2816348142" sldId="277"/>
-        </pc:sldMkLst>
-        <pc:spChg chg="mod">
-          <ac:chgData name="Yoshiharu Hamaguchi" userId="470e288704938fe9" providerId="LiveId" clId="{70332866-803F-45E9-A120-6101FBB807E0}" dt="2025-09-08T14:54:58.097" v="4136" actId="20577"/>
-          <ac:spMkLst>
-            <pc:docMk/>
-            <pc:sldMk cId="2816348142" sldId="277"/>
-            <ac:spMk id="2" creationId="{9C784ACA-9376-15C6-DD93-68B5D582FADA}"/>
-          </ac:spMkLst>
-        </pc:spChg>
-        <pc:spChg chg="mod">
-          <ac:chgData name="Yoshiharu Hamaguchi" userId="470e288704938fe9" providerId="LiveId" clId="{70332866-803F-45E9-A120-6101FBB807E0}" dt="2025-09-08T14:55:11.230" v="4201" actId="20577"/>
-          <ac:spMkLst>
-            <pc:docMk/>
-            <pc:sldMk cId="2816348142" sldId="277"/>
-            <ac:spMk id="12" creationId="{E944DFBB-A102-FEAA-D487-BCBEE3A4BD63}"/>
-          </ac:spMkLst>
-        </pc:spChg>
       </pc:sldChg>
     </pc:docChg>
   </pc:docChgLst>
@@ -6325,12 +6325,28 @@
           <a:lstStyle/>
           <a:p>
             <a:r>
-              <a:rPr lang="en-US" altLang="ja-JP" dirty="0" err="1"/>
+              <a:rPr kumimoji="1" lang="en-US" altLang="ja-JP" dirty="0" err="1"/>
               <a:t>gRPC</a:t>
             </a:r>
             <a:r>
-              <a:rPr lang="ja-JP" altLang="en-US"/>
-              <a:t>のシーケンス</a:t>
+              <a:rPr lang="ja-JP" altLang="en-US" dirty="0"/>
+              <a:t>の</a:t>
+            </a:r>
+            <a:r>
+              <a:rPr kumimoji="1" lang="ja-JP" altLang="en-US" dirty="0"/>
+              <a:t>詳細</a:t>
+            </a:r>
+            <a:r>
+              <a:rPr lang="ja-JP" altLang="en-US" dirty="0"/>
+              <a:t>と</a:t>
+            </a:r>
+            <a:r>
+              <a:rPr lang="en-US" altLang="ja-JP" dirty="0"/>
+              <a:t>REST API</a:t>
+            </a:r>
+            <a:r>
+              <a:rPr lang="ja-JP" altLang="en-US" dirty="0"/>
+              <a:t>との比較</a:t>
             </a:r>
             <a:endParaRPr kumimoji="1" lang="ja-JP" altLang="en-US" dirty="0"/>
           </a:p>
@@ -6368,16 +6384,26 @@
               <a:buNone/>
             </a:pPr>
             <a:r>
-              <a:rPr lang="ja-JP" altLang="en-US"/>
+              <a:rPr lang="ja-JP" altLang="en-US" dirty="0"/>
               <a:t>・</a:t>
             </a:r>
             <a:r>
               <a:rPr lang="en-US" altLang="ja-JP" dirty="0"/>
-              <a:t>.md</a:t>
-            </a:r>
-            <a:r>
-              <a:rPr lang="ja-JP" altLang="en-US"/>
-              <a:t>で説明します</a:t>
+              <a:t>REST API</a:t>
+            </a:r>
+            <a:r>
+              <a:rPr lang="ja-JP" altLang="en-US" dirty="0"/>
+              <a:t>とは？</a:t>
+            </a:r>
+            <a:endParaRPr lang="en-US" altLang="ja-JP" dirty="0"/>
+          </a:p>
+          <a:p>
+            <a:pPr marL="0" indent="0">
+              <a:buNone/>
+            </a:pPr>
+            <a:r>
+              <a:rPr lang="en-US" altLang="ja-JP"/>
+              <a:t>	</a:t>
             </a:r>
             <a:endParaRPr lang="ja-JP" altLang="en-US" dirty="0"/>
           </a:p>
@@ -7294,15 +7320,7 @@
                   <a:srgbClr val="FF0000"/>
                 </a:solidFill>
               </a:rPr>
-              <a:t>リモートプロシージャコール</a:t>
-            </a:r>
-            <a:r>
-              <a:rPr lang="ja-JP" altLang="en-US" sz="2400">
-                <a:solidFill>
-                  <a:srgbClr val="FF0000"/>
-                </a:solidFill>
-              </a:rPr>
-              <a:t>（</a:t>
+              <a:t>リモートプロシージャコール（</a:t>
             </a:r>
             <a:r>
               <a:rPr lang="en-US" altLang="ja-JP" sz="2400" dirty="0">
@@ -7313,7 +7331,7 @@
               <a:t>RPC</a:t>
             </a:r>
             <a:r>
-              <a:rPr lang="ja-JP" altLang="en-US" sz="2400">
+              <a:rPr lang="ja-JP" altLang="en-US" sz="2400" dirty="0">
                 <a:solidFill>
                   <a:srgbClr val="FF0000"/>
                 </a:solidFill>
@@ -7321,33 +7339,53 @@
               <a:t>）</a:t>
             </a:r>
             <a:r>
-              <a:rPr lang="ja-JP" altLang="en-US" sz="2400"/>
-              <a:t>のフレームワーク</a:t>
-            </a:r>
-            <a:r>
               <a:rPr lang="ja-JP" altLang="en-US" sz="2400" dirty="0"/>
-              <a:t>です。</a:t>
+              <a:t>のフレームワークです。</a:t>
             </a:r>
             <a:endParaRPr lang="en-US" altLang="ja-JP" sz="2400" dirty="0"/>
           </a:p>
           <a:p>
+            <a:pPr lvl="1"/>
+            <a:r>
+              <a:rPr lang="en-US" altLang="ja-JP" sz="2000" dirty="0">
+                <a:hlinkClick r:id="rId2"/>
+              </a:rPr>
+              <a:t>What is </a:t>
+            </a:r>
+            <a:r>
+              <a:rPr lang="en-US" altLang="ja-JP" sz="2000" dirty="0" err="1">
+                <a:hlinkClick r:id="rId2"/>
+              </a:rPr>
+              <a:t>gRPC</a:t>
+            </a:r>
+            <a:r>
+              <a:rPr lang="en-US" altLang="ja-JP" sz="2000" dirty="0">
+                <a:hlinkClick r:id="rId2"/>
+              </a:rPr>
+              <a:t>? | </a:t>
+            </a:r>
+            <a:r>
+              <a:rPr lang="en-US" altLang="ja-JP" sz="2000" dirty="0" err="1">
+                <a:hlinkClick r:id="rId2"/>
+              </a:rPr>
+              <a:t>gRPC</a:t>
+            </a:r>
+            <a:endParaRPr lang="en-US" altLang="ja-JP" sz="2000" dirty="0"/>
+          </a:p>
+          <a:p>
             <a:endParaRPr lang="en-US" altLang="ja-JP" sz="2400" dirty="0"/>
           </a:p>
           <a:p>
             <a:r>
-              <a:rPr lang="ja-JP" altLang="en-US" sz="2400"/>
-              <a:t>特徴</a:t>
-            </a:r>
-            <a:r>
               <a:rPr lang="ja-JP" altLang="en-US" sz="2400" dirty="0"/>
-              <a:t>としては、以下の</a:t>
+              <a:t>特徴としては、以下の</a:t>
             </a:r>
             <a:r>
               <a:rPr lang="en-US" altLang="ja-JP" sz="2400" dirty="0"/>
               <a:t>3</a:t>
             </a:r>
             <a:r>
-              <a:rPr lang="ja-JP" altLang="en-US" sz="2400"/>
+              <a:rPr lang="ja-JP" altLang="en-US" sz="2400" dirty="0"/>
               <a:t>つが挙げられます</a:t>
             </a:r>
             <a:endParaRPr lang="en-US" altLang="ja-JP" sz="2400" dirty="0"/>
@@ -7420,7 +7458,7 @@
               <a:buAutoNum type="arabicPeriod"/>
             </a:pPr>
             <a:r>
-              <a:rPr lang="ja-JP" altLang="en-US"/>
+              <a:rPr lang="ja-JP" altLang="en-US" dirty="0"/>
               <a:t>多言語対応</a:t>
             </a:r>
             <a:endParaRPr lang="en-US" altLang="ja-JP" dirty="0"/>
@@ -7444,7 +7482,7 @@
               <a:t>Java, Python, Go, Rust, C#</a:t>
             </a:r>
             <a:r>
-              <a:rPr lang="ja-JP" altLang="en-US"/>
+              <a:rPr lang="ja-JP" altLang="en-US" dirty="0"/>
               <a:t>など多くの言語をサポートしています。</a:t>
             </a:r>
             <a:endParaRPr lang="en-US" altLang="ja-JP" dirty="0"/>
@@ -7536,11 +7574,14 @@
         </p:nvSpPr>
         <p:spPr>
           <a:xfrm>
-            <a:off x="2348875" y="2031810"/>
-            <a:ext cx="3101400" cy="1930466"/>
+            <a:off x="1828800" y="1679713"/>
+            <a:ext cx="4094922" cy="2643809"/>
           </a:xfrm>
           <a:prstGeom prst="wedgeRectCallout">
-            <a:avLst/>
+            <a:avLst>
+              <a:gd name="adj1" fmla="val -8940"/>
+              <a:gd name="adj2" fmla="val 60620"/>
+            </a:avLst>
           </a:prstGeom>
         </p:spPr>
         <p:style>
@@ -7582,8 +7623,8 @@
         </p:nvSpPr>
         <p:spPr>
           <a:xfrm>
-            <a:off x="2405944" y="2133834"/>
-            <a:ext cx="2942591" cy="1728582"/>
+            <a:off x="2027583" y="1918253"/>
+            <a:ext cx="3629066" cy="2242338"/>
           </a:xfrm>
           <a:prstGeom prst="flowChartProcess">
             <a:avLst/>
@@ -7643,10 +7684,9 @@
           <a:lstStyle/>
           <a:p>
             <a:r>
-              <a:rPr kumimoji="1" lang="ja-JP" altLang="en-US"/>
+              <a:rPr kumimoji="1" lang="ja-JP" altLang="en-US" dirty="0"/>
               <a:t>プロシージャコールとは？</a:t>
             </a:r>
-            <a:endParaRPr kumimoji="1" lang="ja-JP" altLang="en-US" dirty="0"/>
           </a:p>
         </p:txBody>
       </p:sp>
@@ -7682,7 +7722,7 @@
               <a:buNone/>
             </a:pPr>
             <a:r>
-              <a:rPr lang="ja-JP" altLang="en-US" sz="2400"/>
+              <a:rPr lang="ja-JP" altLang="en-US" sz="2400" dirty="0"/>
               <a:t>まず、プロシージャコールとは、同一プロセス内の関数コールのことです</a:t>
             </a:r>
           </a:p>
@@ -7749,8 +7789,8 @@
         </p:blipFill>
         <p:spPr>
           <a:xfrm>
-            <a:off x="3177056" y="2492312"/>
-            <a:ext cx="1846470" cy="1219856"/>
+            <a:off x="2579883" y="2228837"/>
+            <a:ext cx="2751756" cy="1813794"/>
           </a:xfrm>
           <a:prstGeom prst="rect">
             <a:avLst/>
@@ -7773,8 +7813,8 @@
         </p:nvCxnSpPr>
         <p:spPr>
           <a:xfrm>
-            <a:off x="3438455" y="2971461"/>
-            <a:ext cx="1553979" cy="0"/>
+            <a:off x="3065126" y="2892287"/>
+            <a:ext cx="2120312" cy="0"/>
           </a:xfrm>
           <a:prstGeom prst="line">
             <a:avLst/>
@@ -7823,7 +7863,7 @@
         </p:blipFill>
         <p:spPr>
           <a:xfrm>
-            <a:off x="2389506" y="2120870"/>
+            <a:off x="2039084" y="1926484"/>
             <a:ext cx="529298" cy="494255"/>
           </a:xfrm>
           <a:prstGeom prst="rect">
@@ -7847,7 +7887,7 @@
         </p:nvSpPr>
         <p:spPr>
           <a:xfrm>
-            <a:off x="2836888" y="2209830"/>
+            <a:off x="2427709" y="1985633"/>
             <a:ext cx="2259412" cy="546665"/>
           </a:xfrm>
           <a:prstGeom prst="rect">
@@ -8070,7 +8110,7 @@
         </p:blipFill>
         <p:spPr>
           <a:xfrm>
-            <a:off x="2174473" y="3734258"/>
+            <a:off x="2536929" y="4168822"/>
             <a:ext cx="2040971" cy="2040971"/>
           </a:xfrm>
           <a:prstGeom prst="rect">
@@ -8094,7 +8134,7 @@
         </p:nvCxnSpPr>
         <p:spPr>
           <a:xfrm>
-            <a:off x="3379479" y="3461923"/>
+            <a:off x="3253563" y="3685610"/>
             <a:ext cx="1644047" cy="0"/>
           </a:xfrm>
           <a:prstGeom prst="line">
@@ -8130,8 +8170,8 @@
         </p:nvSpPr>
         <p:spPr>
           <a:xfrm rot="10800000" flipH="1">
-            <a:off x="4877325" y="2790927"/>
-            <a:ext cx="913118" cy="690504"/>
+            <a:off x="4999382" y="2629941"/>
+            <a:ext cx="1057877" cy="1055669"/>
           </a:xfrm>
           <a:prstGeom prst="curvedLeftArrow">
             <a:avLst>
@@ -8184,7 +8224,7 @@
         </p:nvSpPr>
         <p:spPr>
           <a:xfrm>
-            <a:off x="5790443" y="2997043"/>
+            <a:off x="6021019" y="3039422"/>
             <a:ext cx="1160072" cy="307777"/>
           </a:xfrm>
           <a:prstGeom prst="rect">
@@ -8508,13 +8548,17 @@
         </p:spPr>
         <p:txBody>
           <a:bodyPr>
-            <a:normAutofit/>
+            <a:normAutofit fontScale="90000"/>
           </a:bodyPr>
           <a:lstStyle/>
           <a:p>
             <a:r>
-              <a:rPr kumimoji="1" lang="ja-JP" altLang="en-US"/>
+              <a:rPr kumimoji="1" lang="ja-JP" altLang="en-US" dirty="0"/>
               <a:t>リモートプロシージャコール</a:t>
+            </a:r>
+            <a:r>
+              <a:rPr kumimoji="1" lang="en-US" altLang="ja-JP" dirty="0"/>
+              <a:t>(RPC)</a:t>
             </a:r>
             <a:r>
               <a:rPr lang="ja-JP" altLang="en-US" dirty="0"/>
@@ -8720,24 +8764,16 @@
               <a:buNone/>
             </a:pPr>
             <a:r>
-              <a:rPr lang="ja-JP" altLang="en-US" sz="2400"/>
-              <a:t>異なる</a:t>
-            </a:r>
-            <a:r>
               <a:rPr lang="ja-JP" altLang="en-US" sz="2400" dirty="0"/>
-              <a:t>プロセス間 </a:t>
+              <a:t>異なるプロセス間 </a:t>
             </a:r>
             <a:r>
               <a:rPr lang="en-US" altLang="ja-JP" sz="2400" dirty="0"/>
               <a:t>or </a:t>
             </a:r>
             <a:r>
-              <a:rPr lang="ja-JP" altLang="en-US" sz="2400"/>
-              <a:t>コンピュータ間で行われる関数風</a:t>
-            </a:r>
-            <a:r>
               <a:rPr lang="ja-JP" altLang="en-US" sz="2400" dirty="0"/>
-              <a:t>コールのことです</a:t>
+              <a:t>コンピュータ間で行われる関数風コールのことです</a:t>
             </a:r>
             <a:endParaRPr lang="en-US" altLang="ja-JP" sz="2400" dirty="0"/>
           </a:p>
@@ -8786,10 +8822,10 @@
       </p:sp>
       <p:pic>
         <p:nvPicPr>
-          <p:cNvPr id="20" name="グラフィックス 19" descr="環状の矢印 単色塗りつぶし">
-            <a:extLst>
-              <a:ext uri="{FF2B5EF4-FFF2-40B4-BE49-F238E27FC236}">
-                <a16:creationId xmlns:a16="http://schemas.microsoft.com/office/drawing/2014/main" id="{574DF10B-344C-A477-8A39-DD0423B59168}"/>
+          <p:cNvPr id="23" name="グラフィックス 22" descr="ノート PC 単色塗りつぶし">
+            <a:extLst>
+              <a:ext uri="{FF2B5EF4-FFF2-40B4-BE49-F238E27FC236}">
+                <a16:creationId xmlns:a16="http://schemas.microsoft.com/office/drawing/2014/main" id="{E8ED8820-4625-1005-E60E-6A6014183A6A}"/>
               </a:ext>
             </a:extLst>
           </p:cNvPr>
@@ -8803,42 +8839,6 @@
             <a:extLst>
               <a:ext uri="{96DAC541-7B7A-43D3-8B79-37D633B846F1}">
                 <asvg:svgBlip xmlns:asvg="http://schemas.microsoft.com/office/drawing/2016/SVG/main" r:embed="rId4"/>
-              </a:ext>
-            </a:extLst>
-          </a:blip>
-          <a:stretch>
-            <a:fillRect/>
-          </a:stretch>
-        </p:blipFill>
-        <p:spPr>
-          <a:xfrm>
-            <a:off x="360751" y="1391091"/>
-            <a:ext cx="529298" cy="494255"/>
-          </a:xfrm>
-          <a:prstGeom prst="rect">
-            <a:avLst/>
-          </a:prstGeom>
-        </p:spPr>
-      </p:pic>
-      <p:pic>
-        <p:nvPicPr>
-          <p:cNvPr id="23" name="グラフィックス 22" descr="ノート PC 単色塗りつぶし">
-            <a:extLst>
-              <a:ext uri="{FF2B5EF4-FFF2-40B4-BE49-F238E27FC236}">
-                <a16:creationId xmlns:a16="http://schemas.microsoft.com/office/drawing/2014/main" id="{E8ED8820-4625-1005-E60E-6A6014183A6A}"/>
-              </a:ext>
-            </a:extLst>
-          </p:cNvPr>
-          <p:cNvPicPr>
-            <a:picLocks noChangeAspect="1"/>
-          </p:cNvPicPr>
-          <p:nvPr/>
-        </p:nvPicPr>
-        <p:blipFill>
-          <a:blip r:embed="rId5">
-            <a:extLst>
-              <a:ext uri="{96DAC541-7B7A-43D3-8B79-37D633B846F1}">
-                <asvg:svgBlip xmlns:asvg="http://schemas.microsoft.com/office/drawing/2016/SVG/main" r:embed="rId6"/>
               </a:ext>
             </a:extLst>
           </a:blip>
@@ -8926,7 +8926,7 @@
         </p:nvSpPr>
         <p:spPr>
           <a:xfrm>
-            <a:off x="662567" y="3578494"/>
+            <a:off x="608114" y="3508710"/>
             <a:ext cx="4185911" cy="338554"/>
           </a:xfrm>
           <a:prstGeom prst="rect">
@@ -9011,10 +9011,10 @@
           <p:nvPr/>
         </p:nvPicPr>
         <p:blipFill>
-          <a:blip r:embed="rId5">
+          <a:blip r:embed="rId3">
             <a:extLst>
               <a:ext uri="{96DAC541-7B7A-43D3-8B79-37D633B846F1}">
-                <asvg:svgBlip xmlns:asvg="http://schemas.microsoft.com/office/drawing/2016/SVG/main" r:embed="rId6"/>
+                <asvg:svgBlip xmlns:asvg="http://schemas.microsoft.com/office/drawing/2016/SVG/main" r:embed="rId4"/>
               </a:ext>
             </a:extLst>
           </a:blip>
@@ -9047,7 +9047,7 @@
           <p:nvPr/>
         </p:nvPicPr>
         <p:blipFill>
-          <a:blip r:embed="rId7"/>
+          <a:blip r:embed="rId5"/>
           <a:stretch>
             <a:fillRect/>
           </a:stretch>
@@ -9115,10 +9115,10 @@
           <p:nvPr/>
         </p:nvPicPr>
         <p:blipFill>
-          <a:blip r:embed="rId3">
+          <a:blip r:embed="rId6">
             <a:extLst>
               <a:ext uri="{96DAC541-7B7A-43D3-8B79-37D633B846F1}">
-                <asvg:svgBlip xmlns:asvg="http://schemas.microsoft.com/office/drawing/2016/SVG/main" r:embed="rId4"/>
+                <asvg:svgBlip xmlns:asvg="http://schemas.microsoft.com/office/drawing/2016/SVG/main" r:embed="rId7"/>
               </a:ext>
             </a:extLst>
           </a:blip>
@@ -9181,10 +9181,10 @@
           <p:nvPr/>
         </p:nvPicPr>
         <p:blipFill>
-          <a:blip r:embed="rId3">
+          <a:blip r:embed="rId6">
             <a:extLst>
               <a:ext uri="{96DAC541-7B7A-43D3-8B79-37D633B846F1}">
-                <asvg:svgBlip xmlns:asvg="http://schemas.microsoft.com/office/drawing/2016/SVG/main" r:embed="rId4"/>
+                <asvg:svgBlip xmlns:asvg="http://schemas.microsoft.com/office/drawing/2016/SVG/main" r:embed="rId7"/>
               </a:ext>
             </a:extLst>
           </a:blip>
@@ -9262,7 +9262,7 @@
         </p:blipFill>
         <p:spPr>
           <a:xfrm>
-            <a:off x="3354553" y="2369734"/>
+            <a:off x="8661781" y="1989462"/>
             <a:ext cx="1727414" cy="1107042"/>
           </a:xfrm>
           <a:prstGeom prst="rect">
@@ -9337,7 +9337,7 @@
         </p:nvSpPr>
         <p:spPr>
           <a:xfrm>
-            <a:off x="6086174" y="3850745"/>
+            <a:off x="4735240" y="3857941"/>
             <a:ext cx="3956283" cy="1815219"/>
           </a:xfrm>
           <a:prstGeom prst="wedgeRectCallout">
@@ -9386,7 +9386,7 @@
         </p:nvSpPr>
         <p:spPr>
           <a:xfrm>
-            <a:off x="6184150" y="3959538"/>
+            <a:off x="4833216" y="3966734"/>
             <a:ext cx="3783179" cy="1587890"/>
           </a:xfrm>
           <a:prstGeom prst="flowChartProcess">
@@ -9440,7 +9440,7 @@
         </p:blipFill>
         <p:spPr>
           <a:xfrm>
-            <a:off x="6526361" y="4146604"/>
+            <a:off x="5175427" y="4153800"/>
             <a:ext cx="3386481" cy="1245878"/>
           </a:xfrm>
           <a:prstGeom prst="rect">
@@ -9463,10 +9463,10 @@
           <p:nvPr/>
         </p:nvPicPr>
         <p:blipFill>
-          <a:blip r:embed="rId5">
+          <a:blip r:embed="rId3">
             <a:extLst>
               <a:ext uri="{96DAC541-7B7A-43D3-8B79-37D633B846F1}">
-                <asvg:svgBlip xmlns:asvg="http://schemas.microsoft.com/office/drawing/2016/SVG/main" r:embed="rId6"/>
+                <asvg:svgBlip xmlns:asvg="http://schemas.microsoft.com/office/drawing/2016/SVG/main" r:embed="rId4"/>
               </a:ext>
             </a:extLst>
           </a:blip>
@@ -9476,7 +9476,7 @@
         </p:blipFill>
         <p:spPr>
           <a:xfrm>
-            <a:off x="6892712" y="5755707"/>
+            <a:off x="5541778" y="5762903"/>
             <a:ext cx="652279" cy="652279"/>
           </a:xfrm>
           <a:prstGeom prst="rect">
@@ -9499,10 +9499,10 @@
           <p:nvPr/>
         </p:nvPicPr>
         <p:blipFill>
-          <a:blip r:embed="rId3">
+          <a:blip r:embed="rId6">
             <a:extLst>
               <a:ext uri="{96DAC541-7B7A-43D3-8B79-37D633B846F1}">
-                <asvg:svgBlip xmlns:asvg="http://schemas.microsoft.com/office/drawing/2016/SVG/main" r:embed="rId4"/>
+                <asvg:svgBlip xmlns:asvg="http://schemas.microsoft.com/office/drawing/2016/SVG/main" r:embed="rId7"/>
               </a:ext>
             </a:extLst>
           </a:blip>
@@ -9512,7 +9512,7 @@
         </p:blipFill>
         <p:spPr>
           <a:xfrm>
-            <a:off x="6121271" y="3902388"/>
+            <a:off x="4770337" y="3909584"/>
             <a:ext cx="432219" cy="432219"/>
           </a:xfrm>
           <a:prstGeom prst="rect">
@@ -9520,53 +9520,6 @@
           </a:prstGeom>
         </p:spPr>
       </p:pic>
-      <p:cxnSp>
-        <p:nvCxnSpPr>
-          <p:cNvPr id="52" name="直線コネクタ 51">
-            <a:extLst>
-              <a:ext uri="{FF2B5EF4-FFF2-40B4-BE49-F238E27FC236}">
-                <a16:creationId xmlns:a16="http://schemas.microsoft.com/office/drawing/2014/main" id="{89DCD11E-B178-21D9-F6F1-AFCBE6D24348}"/>
-              </a:ext>
-            </a:extLst>
-          </p:cNvPr>
-          <p:cNvCxnSpPr>
-            <a:cxnSpLocks/>
-            <a:endCxn id="34" idx="0"/>
-          </p:cNvCxnSpPr>
-          <p:nvPr/>
-        </p:nvCxnSpPr>
-        <p:spPr>
-          <a:xfrm>
-            <a:off x="4139997" y="2220940"/>
-            <a:ext cx="78263" cy="148794"/>
-          </a:xfrm>
-          <a:prstGeom prst="line">
-            <a:avLst/>
-          </a:prstGeom>
-          <a:ln>
-            <a:solidFill>
-              <a:schemeClr val="accent2">
-                <a:lumMod val="50000"/>
-              </a:schemeClr>
-            </a:solidFill>
-            <a:prstDash val="sysDash"/>
-          </a:ln>
-        </p:spPr>
-        <p:style>
-          <a:lnRef idx="2">
-            <a:schemeClr val="accent1"/>
-          </a:lnRef>
-          <a:fillRef idx="0">
-            <a:schemeClr val="accent1"/>
-          </a:fillRef>
-          <a:effectRef idx="1">
-            <a:schemeClr val="accent1"/>
-          </a:effectRef>
-          <a:fontRef idx="minor">
-            <a:schemeClr val="tx1"/>
-          </a:fontRef>
-        </p:style>
-      </p:cxnSp>
       <p:sp>
         <p:nvSpPr>
           <p:cNvPr id="87" name="テキスト ボックス 86">
@@ -9617,10 +9570,10 @@
       </p:sp>
       <p:sp>
         <p:nvSpPr>
-          <p:cNvPr id="88" name="テキスト ボックス 87">
-            <a:extLst>
-              <a:ext uri="{FF2B5EF4-FFF2-40B4-BE49-F238E27FC236}">
-                <a16:creationId xmlns:a16="http://schemas.microsoft.com/office/drawing/2014/main" id="{A488E3B3-16E1-521B-B6EB-CDD872BEB8A3}"/>
+          <p:cNvPr id="89" name="テキスト ボックス 88">
+            <a:extLst>
+              <a:ext uri="{FF2B5EF4-FFF2-40B4-BE49-F238E27FC236}">
+                <a16:creationId xmlns:a16="http://schemas.microsoft.com/office/drawing/2014/main" id="{1E01647E-6CF4-0A9D-B910-19585EED3CD1}"/>
               </a:ext>
             </a:extLst>
           </p:cNvPr>
@@ -9629,8 +9582,8 @@
         </p:nvSpPr>
         <p:spPr>
           <a:xfrm>
-            <a:off x="4797768" y="4003819"/>
-            <a:ext cx="633941" cy="307777"/>
+            <a:off x="4075057" y="4026684"/>
+            <a:ext cx="747443" cy="307777"/>
           </a:xfrm>
           <a:prstGeom prst="rect">
             <a:avLst/>
@@ -9646,54 +9599,10 @@
             <a:r>
               <a:rPr lang="en-US" altLang="ja-JP" sz="1400" b="1" dirty="0">
                 <a:solidFill>
-                  <a:schemeClr val="bg1"/>
-                </a:solidFill>
-              </a:rPr>
-              <a:t>IPC</a:t>
-            </a:r>
-            <a:endParaRPr kumimoji="1" lang="ja-JP" altLang="en-US" sz="1400" b="1" dirty="0">
-              <a:solidFill>
-                <a:schemeClr val="bg1"/>
-              </a:solidFill>
-            </a:endParaRPr>
-          </a:p>
-        </p:txBody>
-      </p:sp>
-      <p:sp>
-        <p:nvSpPr>
-          <p:cNvPr id="89" name="テキスト ボックス 88">
-            <a:extLst>
-              <a:ext uri="{FF2B5EF4-FFF2-40B4-BE49-F238E27FC236}">
-                <a16:creationId xmlns:a16="http://schemas.microsoft.com/office/drawing/2014/main" id="{1E01647E-6CF4-0A9D-B910-19585EED3CD1}"/>
-              </a:ext>
-            </a:extLst>
-          </p:cNvPr>
-          <p:cNvSpPr txBox="1"/>
-          <p:nvPr/>
-        </p:nvSpPr>
-        <p:spPr>
-          <a:xfrm>
-            <a:off x="4445743" y="4025378"/>
-            <a:ext cx="1298958" cy="307777"/>
-          </a:xfrm>
-          <a:prstGeom prst="rect">
-            <a:avLst/>
-          </a:prstGeom>
-          <a:noFill/>
-        </p:spPr>
-        <p:txBody>
-          <a:bodyPr wrap="square" rtlCol="0">
-            <a:spAutoFit/>
-          </a:bodyPr>
-          <a:lstStyle/>
-          <a:p>
-            <a:r>
-              <a:rPr kumimoji="1" lang="en-US" altLang="ja-JP" sz="1400" b="1" dirty="0">
-                <a:solidFill>
                   <a:srgbClr val="00B0F0"/>
                 </a:solidFill>
               </a:rPr>
-              <a:t>HTTP(Ver2)</a:t>
+              <a:t>HTTP</a:t>
             </a:r>
             <a:endParaRPr kumimoji="1" lang="ja-JP" altLang="en-US" sz="1400" b="1" dirty="0">
               <a:solidFill>
@@ -9786,10 +9695,10 @@
           <p:nvPr/>
         </p:nvPicPr>
         <p:blipFill>
-          <a:blip r:embed="rId3">
+          <a:blip r:embed="rId6">
             <a:extLst>
               <a:ext uri="{96DAC541-7B7A-43D3-8B79-37D633B846F1}">
-                <asvg:svgBlip xmlns:asvg="http://schemas.microsoft.com/office/drawing/2016/SVG/main" r:embed="rId4"/>
+                <asvg:svgBlip xmlns:asvg="http://schemas.microsoft.com/office/drawing/2016/SVG/main" r:embed="rId7"/>
               </a:ext>
             </a:extLst>
           </a:blip>
@@ -9829,7 +9738,7 @@
         </p:blipFill>
         <p:spPr>
           <a:xfrm>
-            <a:off x="3893866" y="4454159"/>
+            <a:off x="8958606" y="3730915"/>
             <a:ext cx="2441743" cy="2328550"/>
           </a:xfrm>
           <a:prstGeom prst="rect">
@@ -9856,8 +9765,8 @@
         </p:nvSpPr>
         <p:spPr>
           <a:xfrm>
-            <a:off x="3762111" y="4207344"/>
-            <a:ext cx="2759421" cy="251622"/>
+            <a:off x="3762112" y="4207344"/>
+            <a:ext cx="1413316" cy="251622"/>
           </a:xfrm>
           <a:prstGeom prst="rightArrow">
             <a:avLst/>
@@ -9904,7 +9813,7 @@
         </p:nvCxnSpPr>
         <p:spPr>
           <a:xfrm>
-            <a:off x="6553477" y="4374607"/>
+            <a:off x="5202543" y="4381803"/>
             <a:ext cx="3359365" cy="0"/>
           </a:xfrm>
           <a:prstGeom prst="line">
@@ -9947,6 +9856,104 @@
           </a:xfrm>
           <a:prstGeom prst="line">
             <a:avLst/>
+          </a:prstGeom>
+          <a:ln>
+            <a:solidFill>
+              <a:srgbClr val="00B0F0"/>
+            </a:solidFill>
+            <a:prstDash val="sysDash"/>
+          </a:ln>
+        </p:spPr>
+        <p:style>
+          <a:lnRef idx="2">
+            <a:schemeClr val="accent1"/>
+          </a:lnRef>
+          <a:fillRef idx="0">
+            <a:schemeClr val="accent1"/>
+          </a:fillRef>
+          <a:effectRef idx="1">
+            <a:schemeClr val="accent1"/>
+          </a:effectRef>
+          <a:fontRef idx="minor">
+            <a:schemeClr val="tx1"/>
+          </a:fontRef>
+        </p:style>
+      </p:cxnSp>
+      <p:cxnSp>
+        <p:nvCxnSpPr>
+          <p:cNvPr id="4" name="コネクタ: 曲線 3">
+            <a:extLst>
+              <a:ext uri="{FF2B5EF4-FFF2-40B4-BE49-F238E27FC236}">
+                <a16:creationId xmlns:a16="http://schemas.microsoft.com/office/drawing/2014/main" id="{B15ACC0A-B170-58D6-D3C6-6F4BE4F09928}"/>
+              </a:ext>
+            </a:extLst>
+          </p:cNvPr>
+          <p:cNvCxnSpPr>
+            <a:cxnSpLocks/>
+            <a:stCxn id="34" idx="2"/>
+            <a:endCxn id="87" idx="2"/>
+          </p:cNvCxnSpPr>
+          <p:nvPr/>
+        </p:nvCxnSpPr>
+        <p:spPr>
+          <a:xfrm rot="5400000" flipH="1">
+            <a:off x="6506572" y="77588"/>
+            <a:ext cx="875564" cy="5162269"/>
+          </a:xfrm>
+          <a:prstGeom prst="curvedConnector3">
+            <a:avLst>
+              <a:gd name="adj1" fmla="val -26109"/>
+            </a:avLst>
+          </a:prstGeom>
+          <a:ln>
+            <a:solidFill>
+              <a:schemeClr val="accent2">
+                <a:lumMod val="50000"/>
+              </a:schemeClr>
+            </a:solidFill>
+            <a:prstDash val="sysDash"/>
+          </a:ln>
+        </p:spPr>
+        <p:style>
+          <a:lnRef idx="2">
+            <a:schemeClr val="accent1"/>
+          </a:lnRef>
+          <a:fillRef idx="0">
+            <a:schemeClr val="accent1"/>
+          </a:fillRef>
+          <a:effectRef idx="1">
+            <a:schemeClr val="accent1"/>
+          </a:effectRef>
+          <a:fontRef idx="minor">
+            <a:schemeClr val="tx1"/>
+          </a:fontRef>
+        </p:style>
+      </p:cxnSp>
+      <p:cxnSp>
+        <p:nvCxnSpPr>
+          <p:cNvPr id="7" name="コネクタ: 曲線 6">
+            <a:extLst>
+              <a:ext uri="{FF2B5EF4-FFF2-40B4-BE49-F238E27FC236}">
+                <a16:creationId xmlns:a16="http://schemas.microsoft.com/office/drawing/2014/main" id="{C922B040-C876-33DD-0A94-CBCC5E50A559}"/>
+              </a:ext>
+            </a:extLst>
+          </p:cNvPr>
+          <p:cNvCxnSpPr>
+            <a:cxnSpLocks/>
+            <a:stCxn id="54" idx="0"/>
+            <a:endCxn id="89" idx="0"/>
+          </p:cNvCxnSpPr>
+          <p:nvPr/>
+        </p:nvCxnSpPr>
+        <p:spPr>
+          <a:xfrm rot="16200000" flipH="1" flipV="1">
+            <a:off x="7166244" y="1013449"/>
+            <a:ext cx="295769" cy="5730699"/>
+          </a:xfrm>
+          <a:prstGeom prst="curvedConnector3">
+            <a:avLst>
+              <a:gd name="adj1" fmla="val -77290"/>
+            </a:avLst>
           </a:prstGeom>
           <a:ln>
             <a:solidFill>
@@ -10029,10 +10036,9 @@
           <a:lstStyle/>
           <a:p>
             <a:r>
-              <a:rPr kumimoji="1" lang="ja-JP" altLang="en-US"/>
+              <a:rPr kumimoji="1" lang="ja-JP" altLang="en-US" dirty="0"/>
               <a:t>プロシージャコールまとめ</a:t>
             </a:r>
-            <a:endParaRPr kumimoji="1" lang="ja-JP" altLang="en-US" dirty="0"/>
           </a:p>
         </p:txBody>
       </p:sp>
@@ -10125,7 +10131,7 @@
           <p:nvPr>
             <p:extLst>
               <p:ext uri="{D42A27DB-BD31-4B8C-83A1-F6EECF244321}">
-                <p14:modId xmlns:p14="http://schemas.microsoft.com/office/powerpoint/2010/main" val="3476179017"/>
+                <p14:modId xmlns:p14="http://schemas.microsoft.com/office/powerpoint/2010/main" val="1489184785"/>
               </p:ext>
             </p:extLst>
           </p:nvPr>
@@ -10307,10 +10313,18 @@
                     <a:p>
                       <a:r>
                         <a:rPr kumimoji="1" lang="en-US" altLang="ja-JP" dirty="0"/>
-                        <a:t>RPC1: </a:t>
+                        <a:t>RPC</a:t>
                       </a:r>
                       <a:r>
-                        <a:rPr kumimoji="1" lang="ja-JP" altLang="en-US"/>
+                        <a:rPr kumimoji="1" lang="ja-JP" altLang="en-US" dirty="0"/>
+                        <a:t>その</a:t>
+                      </a:r>
+                      <a:r>
+                        <a:rPr kumimoji="1" lang="en-US" altLang="ja-JP" dirty="0"/>
+                        <a:t>1: </a:t>
+                      </a:r>
+                      <a:r>
+                        <a:rPr kumimoji="1" lang="ja-JP" altLang="en-US" dirty="0"/>
                         <a:t>プロセス間</a:t>
                       </a:r>
                       <a:r>
@@ -10376,10 +10390,18 @@
                     <a:p>
                       <a:r>
                         <a:rPr kumimoji="1" lang="en-US" altLang="ja-JP" dirty="0"/>
-                        <a:t>RPC2: </a:t>
+                        <a:t>RPC</a:t>
                       </a:r>
                       <a:r>
-                        <a:rPr kumimoji="1" lang="ja-JP" altLang="en-US"/>
+                        <a:rPr kumimoji="1" lang="ja-JP" altLang="en-US" dirty="0"/>
+                        <a:t>その</a:t>
+                      </a:r>
+                      <a:r>
+                        <a:rPr kumimoji="1" lang="en-US" altLang="ja-JP" dirty="0"/>
+                        <a:t>2: </a:t>
+                      </a:r>
+                      <a:r>
+                        <a:rPr kumimoji="1" lang="ja-JP" altLang="en-US" dirty="0"/>
                         <a:t>ネットワーク間</a:t>
                       </a:r>
                       <a:endParaRPr kumimoji="1" lang="en-US" altLang="ja-JP" dirty="0"/>
@@ -10390,7 +10412,7 @@
                         <a:t>(TCP/IP</a:t>
                       </a:r>
                       <a:r>
-                        <a:rPr kumimoji="1" lang="ja-JP" altLang="en-US"/>
+                        <a:rPr kumimoji="1" lang="ja-JP" altLang="en-US" dirty="0"/>
                         <a:t>など</a:t>
                       </a:r>
                       <a:r>
@@ -10467,8 +10489,8 @@
         </p:nvSpPr>
         <p:spPr>
           <a:xfrm>
-            <a:off x="656309" y="4237703"/>
-            <a:ext cx="10996856" cy="845340"/>
+            <a:off x="1019036" y="3907476"/>
+            <a:ext cx="10554616" cy="845340"/>
           </a:xfrm>
           <a:prstGeom prst="rect">
             <a:avLst/>
@@ -10648,9 +10670,24 @@
               <a:buNone/>
             </a:pPr>
             <a:r>
-              <a:rPr lang="ja-JP" altLang="en-US" sz="2400"/>
-              <a:t>リモートプロシージャを使うことで、</a:t>
-            </a:r>
+              <a:rPr lang="ja-JP" altLang="en-US" sz="2400" dirty="0"/>
+              <a:t>リモートプロシージャを使うことで、通常の関数コールと同様の書き方で、異なるプロセス間や</a:t>
+            </a:r>
+            <a:r>
+              <a:rPr lang="en-US" altLang="ja-JP" sz="2400" dirty="0"/>
+              <a:t>IP</a:t>
+            </a:r>
+            <a:r>
+              <a:rPr lang="ja-JP" altLang="en-US" sz="2400" dirty="0"/>
+              <a:t>間の通信を行うことができるようになります。</a:t>
+            </a:r>
+            <a:endParaRPr lang="en-US" altLang="ja-JP" sz="2400" dirty="0"/>
+          </a:p>
+          <a:p>
+            <a:pPr marL="0" indent="0">
+              <a:buFont typeface="Arial" panose="020B0604020202020204" pitchFamily="34" charset="0"/>
+              <a:buNone/>
+            </a:pPr>
             <a:endParaRPr lang="en-US" altLang="ja-JP" sz="2400" dirty="0"/>
           </a:p>
           <a:p>
@@ -10793,7 +10830,7 @@
               <a:t>Google</a:t>
             </a:r>
             <a:r>
-              <a:rPr lang="ja-JP" altLang="en-US"/>
+              <a:rPr lang="ja-JP" altLang="en-US" dirty="0"/>
               <a:t>が開発した構造化データをシリアライズするための効率的で拡張可能なメカニズム</a:t>
             </a:r>
             <a:endParaRPr lang="en-US" altLang="ja-JP" dirty="0"/>
@@ -10803,17 +10840,25 @@
           </a:p>
           <a:p>
             <a:r>
-              <a:rPr lang="ja-JP" altLang="en-US"/>
-              <a:t>バイナリ</a:t>
-            </a:r>
-            <a:r>
               <a:rPr lang="ja-JP" altLang="en-US" dirty="0"/>
-              <a:t>形式のため、データサイズが小さく</a:t>
-            </a:r>
-            <a:r>
-              <a:rPr lang="ja-JP" altLang="en-US"/>
-              <a:t>高速です。</a:t>
-            </a:r>
+              <a:t>バイナリ形式のため、データサイズが小さく高速です。</a:t>
+            </a:r>
+            <a:endParaRPr lang="en-US" altLang="ja-JP" dirty="0"/>
+          </a:p>
+          <a:p>
+            <a:endParaRPr lang="en-US" altLang="ja-JP" dirty="0"/>
+          </a:p>
+          <a:p>
+            <a:r>
+              <a:rPr lang="ja-JP" altLang="en-US" dirty="0"/>
+              <a:t>さまざまな言語で利用可能。通信コードは</a:t>
+            </a:r>
+            <a:endParaRPr lang="en-US" altLang="ja-JP" dirty="0"/>
+          </a:p>
+          <a:p>
+            <a:endParaRPr lang="en-US" altLang="ja-JP" dirty="0"/>
+          </a:p>
+          <a:p>
             <a:endParaRPr lang="en-US" altLang="ja-JP" dirty="0"/>
           </a:p>
           <a:p>
@@ -10923,8 +10968,8 @@
               <a:t>Protocol Buffers </a:t>
             </a:r>
             <a:r>
-              <a:rPr lang="ja-JP" altLang="en-US"/>
-              <a:t>のイメージ</a:t>
+              <a:rPr lang="ja-JP" altLang="en-US" dirty="0"/>
+              <a:t>を使ったシリアライズ</a:t>
             </a:r>
             <a:endParaRPr kumimoji="1" lang="ja-JP" altLang="en-US" dirty="0"/>
           </a:p>
@@ -11017,8 +11062,8 @@
         </p:nvSpPr>
         <p:spPr>
           <a:xfrm>
-            <a:off x="990600" y="1553817"/>
-            <a:ext cx="10515600" cy="4775546"/>
+            <a:off x="990600" y="1256146"/>
+            <a:ext cx="10515600" cy="5073217"/>
           </a:xfrm>
           <a:prstGeom prst="rect">
             <a:avLst/>
@@ -11194,16 +11239,12 @@
           </a:lstStyle>
           <a:p>
             <a:r>
-              <a:rPr lang="ja-JP" altLang="en-US"/>
-              <a:t>とあるデータ内容が</a:t>
-            </a:r>
-            <a:r>
               <a:rPr lang="en-US" altLang="ja-JP" dirty="0"/>
               <a:t>.proto</a:t>
             </a:r>
             <a:r>
-              <a:rPr lang="ja-JP" altLang="en-US"/>
-              <a:t>を使って、どうなるかを書く。</a:t>
+              <a:rPr lang="ja-JP" altLang="en-US" dirty="0"/>
+              <a:t>ファイルをもとに自動生成される通信用コードを使ってシリアライズ・デシリアライズを行うことができます。</a:t>
             </a:r>
             <a:endParaRPr lang="en-US" altLang="ja-JP" dirty="0"/>
           </a:p>
@@ -11251,6 +11292,449 @@
           </a:p>
         </p:txBody>
       </p:sp>
+      <p:pic>
+        <p:nvPicPr>
+          <p:cNvPr id="26" name="図 25">
+            <a:extLst>
+              <a:ext uri="{FF2B5EF4-FFF2-40B4-BE49-F238E27FC236}">
+                <a16:creationId xmlns:a16="http://schemas.microsoft.com/office/drawing/2014/main" id="{9092CF30-9F8E-816D-6567-D9DE4FCD0E16}"/>
+              </a:ext>
+            </a:extLst>
+          </p:cNvPr>
+          <p:cNvPicPr>
+            <a:picLocks noChangeAspect="1"/>
+          </p:cNvPicPr>
+          <p:nvPr/>
+        </p:nvPicPr>
+        <p:blipFill>
+          <a:blip r:embed="rId2"/>
+          <a:stretch>
+            <a:fillRect/>
+          </a:stretch>
+        </p:blipFill>
+        <p:spPr>
+          <a:xfrm>
+            <a:off x="7930130" y="2227217"/>
+            <a:ext cx="3655584" cy="2403565"/>
+          </a:xfrm>
+          <a:prstGeom prst="rect">
+            <a:avLst/>
+          </a:prstGeom>
+        </p:spPr>
+      </p:pic>
+      <p:sp>
+        <p:nvSpPr>
+          <p:cNvPr id="14" name="四角形: メモ 13">
+            <a:extLst>
+              <a:ext uri="{FF2B5EF4-FFF2-40B4-BE49-F238E27FC236}">
+                <a16:creationId xmlns:a16="http://schemas.microsoft.com/office/drawing/2014/main" id="{E0593A17-8DF5-E8DA-79F7-2E896983A9DA}"/>
+              </a:ext>
+            </a:extLst>
+          </p:cNvPr>
+          <p:cNvSpPr/>
+          <p:nvPr/>
+        </p:nvSpPr>
+        <p:spPr>
+          <a:xfrm>
+            <a:off x="260796" y="3239652"/>
+            <a:ext cx="4787348" cy="1739348"/>
+          </a:xfrm>
+          <a:prstGeom prst="foldedCorner">
+            <a:avLst/>
+          </a:prstGeom>
+        </p:spPr>
+        <p:style>
+          <a:lnRef idx="2">
+            <a:schemeClr val="accent1">
+              <a:shade val="15000"/>
+            </a:schemeClr>
+          </a:lnRef>
+          <a:fillRef idx="1">
+            <a:schemeClr val="accent1"/>
+          </a:fillRef>
+          <a:effectRef idx="0">
+            <a:schemeClr val="accent1"/>
+          </a:effectRef>
+          <a:fontRef idx="minor">
+            <a:schemeClr val="lt1"/>
+          </a:fontRef>
+        </p:style>
+        <p:txBody>
+          <a:bodyPr rtlCol="0" anchor="ctr"/>
+          <a:lstStyle/>
+          <a:p>
+            <a:r>
+              <a:rPr lang="en-US" altLang="ja-JP" sz="1600" dirty="0"/>
+              <a:t>&lt;</a:t>
+            </a:r>
+            <a:r>
+              <a:rPr lang="ja-JP" altLang="en-US" sz="1600" dirty="0"/>
+              <a:t>プログラム上のデータ</a:t>
+            </a:r>
+            <a:r>
+              <a:rPr lang="en-US" altLang="ja-JP" sz="1600" dirty="0"/>
+              <a:t>&gt;</a:t>
+            </a:r>
+          </a:p>
+          <a:p>
+            <a:r>
+              <a:rPr lang="en-US" altLang="ja-JP" sz="1600" dirty="0" err="1"/>
+              <a:t>user:</a:t>
+            </a:r>
+            <a:r>
+              <a:rPr kumimoji="1" lang="en-US" altLang="ja-JP" sz="1600" dirty="0" err="1"/>
+              <a:t>”Yoshi</a:t>
+            </a:r>
+            <a:r>
+              <a:rPr kumimoji="1" lang="en-US" altLang="ja-JP" sz="1600" dirty="0"/>
+              <a:t>”</a:t>
+            </a:r>
+          </a:p>
+          <a:p>
+            <a:r>
+              <a:rPr lang="en-US" altLang="ja-JP" sz="1600" dirty="0" err="1"/>
+              <a:t>message:”This</a:t>
+            </a:r>
+            <a:r>
+              <a:rPr lang="en-US" altLang="ja-JP" sz="1600" dirty="0"/>
+              <a:t> is the test message from Yoshi”</a:t>
+            </a:r>
+          </a:p>
+          <a:p>
+            <a:r>
+              <a:rPr lang="en-US" altLang="ja-JP" sz="1600" dirty="0"/>
+              <a:t>Timestamp:17650714928452902</a:t>
+            </a:r>
+          </a:p>
+          <a:p>
+            <a:endParaRPr kumimoji="1" lang="ja-JP" altLang="en-US" sz="1600" dirty="0"/>
+          </a:p>
+        </p:txBody>
+      </p:sp>
+      <p:pic>
+        <p:nvPicPr>
+          <p:cNvPr id="16" name="図 15">
+            <a:extLst>
+              <a:ext uri="{FF2B5EF4-FFF2-40B4-BE49-F238E27FC236}">
+                <a16:creationId xmlns:a16="http://schemas.microsoft.com/office/drawing/2014/main" id="{F42ED468-FB80-056F-6089-23EB81061748}"/>
+              </a:ext>
+            </a:extLst>
+          </p:cNvPr>
+          <p:cNvPicPr>
+            <a:picLocks noChangeAspect="1"/>
+          </p:cNvPicPr>
+          <p:nvPr/>
+        </p:nvPicPr>
+        <p:blipFill>
+          <a:blip r:embed="rId3"/>
+          <a:stretch>
+            <a:fillRect/>
+          </a:stretch>
+        </p:blipFill>
+        <p:spPr>
+          <a:xfrm>
+            <a:off x="5752382" y="4979000"/>
+            <a:ext cx="5144218" cy="1495634"/>
+          </a:xfrm>
+          <a:prstGeom prst="rect">
+            <a:avLst/>
+          </a:prstGeom>
+        </p:spPr>
+      </p:pic>
+      <p:cxnSp>
+        <p:nvCxnSpPr>
+          <p:cNvPr id="18" name="コネクタ: 曲線 17">
+            <a:extLst>
+              <a:ext uri="{FF2B5EF4-FFF2-40B4-BE49-F238E27FC236}">
+                <a16:creationId xmlns:a16="http://schemas.microsoft.com/office/drawing/2014/main" id="{2581239F-B0D4-C27E-908C-6F2F37BBE19B}"/>
+              </a:ext>
+            </a:extLst>
+          </p:cNvPr>
+          <p:cNvCxnSpPr>
+            <a:cxnSpLocks/>
+            <a:stCxn id="14" idx="3"/>
+            <a:endCxn id="16" idx="0"/>
+          </p:cNvCxnSpPr>
+          <p:nvPr/>
+        </p:nvCxnSpPr>
+        <p:spPr>
+          <a:xfrm>
+            <a:off x="5048144" y="4109326"/>
+            <a:ext cx="3276347" cy="869674"/>
+          </a:xfrm>
+          <a:prstGeom prst="curvedConnector2">
+            <a:avLst/>
+          </a:prstGeom>
+          <a:ln>
+            <a:tailEnd type="triangle"/>
+          </a:ln>
+        </p:spPr>
+        <p:style>
+          <a:lnRef idx="2">
+            <a:schemeClr val="accent1"/>
+          </a:lnRef>
+          <a:fillRef idx="0">
+            <a:schemeClr val="accent1"/>
+          </a:fillRef>
+          <a:effectRef idx="1">
+            <a:schemeClr val="accent1"/>
+          </a:effectRef>
+          <a:fontRef idx="minor">
+            <a:schemeClr val="tx1"/>
+          </a:fontRef>
+        </p:style>
+      </p:cxnSp>
+      <p:cxnSp>
+        <p:nvCxnSpPr>
+          <p:cNvPr id="20" name="コネクタ: 曲線 19">
+            <a:extLst>
+              <a:ext uri="{FF2B5EF4-FFF2-40B4-BE49-F238E27FC236}">
+                <a16:creationId xmlns:a16="http://schemas.microsoft.com/office/drawing/2014/main" id="{561C1502-93FA-7778-08C2-B4C933797313}"/>
+              </a:ext>
+            </a:extLst>
+          </p:cNvPr>
+          <p:cNvCxnSpPr>
+            <a:cxnSpLocks/>
+            <a:stCxn id="14" idx="2"/>
+            <a:endCxn id="16" idx="1"/>
+          </p:cNvCxnSpPr>
+          <p:nvPr/>
+        </p:nvCxnSpPr>
+        <p:spPr>
+          <a:xfrm rot="16200000" flipH="1">
+            <a:off x="3829518" y="3803952"/>
+            <a:ext cx="747817" cy="3097912"/>
+          </a:xfrm>
+          <a:prstGeom prst="curvedConnector2">
+            <a:avLst/>
+          </a:prstGeom>
+          <a:ln>
+            <a:tailEnd type="triangle"/>
+          </a:ln>
+        </p:spPr>
+        <p:style>
+          <a:lnRef idx="2">
+            <a:schemeClr val="accent1"/>
+          </a:lnRef>
+          <a:fillRef idx="0">
+            <a:schemeClr val="accent1"/>
+          </a:fillRef>
+          <a:effectRef idx="1">
+            <a:schemeClr val="accent1"/>
+          </a:effectRef>
+          <a:fontRef idx="minor">
+            <a:schemeClr val="tx1"/>
+          </a:fontRef>
+        </p:style>
+      </p:cxnSp>
+      <p:sp>
+        <p:nvSpPr>
+          <p:cNvPr id="7" name="吹き出し: 四角形 6">
+            <a:extLst>
+              <a:ext uri="{FF2B5EF4-FFF2-40B4-BE49-F238E27FC236}">
+                <a16:creationId xmlns:a16="http://schemas.microsoft.com/office/drawing/2014/main" id="{258583A6-72ED-E108-7A88-8731EAEAD001}"/>
+              </a:ext>
+            </a:extLst>
+          </p:cNvPr>
+          <p:cNvSpPr/>
+          <p:nvPr/>
+        </p:nvSpPr>
+        <p:spPr>
+          <a:xfrm>
+            <a:off x="4272890" y="2300481"/>
+            <a:ext cx="1975510" cy="786771"/>
+          </a:xfrm>
+          <a:prstGeom prst="wedgeRectCallout">
+            <a:avLst>
+              <a:gd name="adj1" fmla="val 15391"/>
+              <a:gd name="adj2" fmla="val 177459"/>
+            </a:avLst>
+          </a:prstGeom>
+        </p:spPr>
+        <p:style>
+          <a:lnRef idx="2">
+            <a:schemeClr val="accent2">
+              <a:shade val="15000"/>
+            </a:schemeClr>
+          </a:lnRef>
+          <a:fillRef idx="1">
+            <a:schemeClr val="accent2"/>
+          </a:fillRef>
+          <a:effectRef idx="0">
+            <a:schemeClr val="accent2"/>
+          </a:effectRef>
+          <a:fontRef idx="minor">
+            <a:schemeClr val="lt1"/>
+          </a:fontRef>
+        </p:style>
+        <p:txBody>
+          <a:bodyPr rtlCol="0" anchor="ctr"/>
+          <a:lstStyle/>
+          <a:p>
+            <a:pPr algn="ctr"/>
+            <a:r>
+              <a:rPr kumimoji="1" lang="ja-JP" altLang="en-US" dirty="0"/>
+              <a:t>シリアライズ</a:t>
+            </a:r>
+            <a:endParaRPr kumimoji="1" lang="en-US" altLang="ja-JP" dirty="0"/>
+          </a:p>
+          <a:p>
+            <a:pPr algn="ctr"/>
+            <a:r>
+              <a:rPr lang="ja-JP" altLang="en-US" dirty="0"/>
+              <a:t>処理</a:t>
+            </a:r>
+            <a:endParaRPr kumimoji="1" lang="ja-JP" altLang="en-US" dirty="0"/>
+          </a:p>
+        </p:txBody>
+      </p:sp>
+      <p:sp>
+        <p:nvSpPr>
+          <p:cNvPr id="8" name="吹き出し: 四角形 7">
+            <a:extLst>
+              <a:ext uri="{FF2B5EF4-FFF2-40B4-BE49-F238E27FC236}">
+                <a16:creationId xmlns:a16="http://schemas.microsoft.com/office/drawing/2014/main" id="{FA09C66D-25D9-28B6-FDBA-B77CAEE965C4}"/>
+              </a:ext>
+            </a:extLst>
+          </p:cNvPr>
+          <p:cNvSpPr/>
+          <p:nvPr/>
+        </p:nvSpPr>
+        <p:spPr>
+          <a:xfrm>
+            <a:off x="1204764" y="5476634"/>
+            <a:ext cx="1975510" cy="786771"/>
+          </a:xfrm>
+          <a:prstGeom prst="wedgeRectCallout">
+            <a:avLst>
+              <a:gd name="adj1" fmla="val 77274"/>
+              <a:gd name="adj2" fmla="val -44879"/>
+            </a:avLst>
+          </a:prstGeom>
+        </p:spPr>
+        <p:style>
+          <a:lnRef idx="2">
+            <a:schemeClr val="accent2">
+              <a:shade val="15000"/>
+            </a:schemeClr>
+          </a:lnRef>
+          <a:fillRef idx="1">
+            <a:schemeClr val="accent2"/>
+          </a:fillRef>
+          <a:effectRef idx="0">
+            <a:schemeClr val="accent2"/>
+          </a:effectRef>
+          <a:fontRef idx="minor">
+            <a:schemeClr val="lt1"/>
+          </a:fontRef>
+        </p:style>
+        <p:txBody>
+          <a:bodyPr rtlCol="0" anchor="ctr"/>
+          <a:lstStyle/>
+          <a:p>
+            <a:pPr algn="ctr"/>
+            <a:r>
+              <a:rPr kumimoji="1" lang="ja-JP" altLang="en-US" dirty="0"/>
+              <a:t>デシリアライズ</a:t>
+            </a:r>
+            <a:endParaRPr kumimoji="1" lang="en-US" altLang="ja-JP" dirty="0"/>
+          </a:p>
+          <a:p>
+            <a:pPr algn="ctr"/>
+            <a:r>
+              <a:rPr lang="ja-JP" altLang="en-US" dirty="0"/>
+              <a:t>処理</a:t>
+            </a:r>
+            <a:endParaRPr kumimoji="1" lang="ja-JP" altLang="en-US" dirty="0"/>
+          </a:p>
+        </p:txBody>
+      </p:sp>
+      <p:cxnSp>
+        <p:nvCxnSpPr>
+          <p:cNvPr id="10" name="直線コネクタ 9">
+            <a:extLst>
+              <a:ext uri="{FF2B5EF4-FFF2-40B4-BE49-F238E27FC236}">
+                <a16:creationId xmlns:a16="http://schemas.microsoft.com/office/drawing/2014/main" id="{CEC8B910-EF6D-CC67-8906-7EC55632034E}"/>
+              </a:ext>
+            </a:extLst>
+          </p:cNvPr>
+          <p:cNvCxnSpPr>
+            <a:cxnSpLocks/>
+            <a:stCxn id="26" idx="1"/>
+            <a:endCxn id="7" idx="3"/>
+          </p:cNvCxnSpPr>
+          <p:nvPr/>
+        </p:nvCxnSpPr>
+        <p:spPr>
+          <a:xfrm flipH="1" flipV="1">
+            <a:off x="6248400" y="2693867"/>
+            <a:ext cx="1681730" cy="735133"/>
+          </a:xfrm>
+          <a:prstGeom prst="line">
+            <a:avLst/>
+          </a:prstGeom>
+          <a:ln>
+            <a:prstDash val="dash"/>
+          </a:ln>
+        </p:spPr>
+        <p:style>
+          <a:lnRef idx="2">
+            <a:schemeClr val="accent4"/>
+          </a:lnRef>
+          <a:fillRef idx="0">
+            <a:schemeClr val="accent4"/>
+          </a:fillRef>
+          <a:effectRef idx="1">
+            <a:schemeClr val="accent4"/>
+          </a:effectRef>
+          <a:fontRef idx="minor">
+            <a:schemeClr val="tx1"/>
+          </a:fontRef>
+        </p:style>
+      </p:cxnSp>
+      <p:cxnSp>
+        <p:nvCxnSpPr>
+          <p:cNvPr id="11" name="直線コネクタ 10">
+            <a:extLst>
+              <a:ext uri="{FF2B5EF4-FFF2-40B4-BE49-F238E27FC236}">
+                <a16:creationId xmlns:a16="http://schemas.microsoft.com/office/drawing/2014/main" id="{85275868-8125-28CF-1C6E-8A20EF2B4AAC}"/>
+              </a:ext>
+            </a:extLst>
+          </p:cNvPr>
+          <p:cNvCxnSpPr>
+            <a:cxnSpLocks/>
+            <a:stCxn id="26" idx="1"/>
+            <a:endCxn id="8" idx="3"/>
+          </p:cNvCxnSpPr>
+          <p:nvPr/>
+        </p:nvCxnSpPr>
+        <p:spPr>
+          <a:xfrm flipH="1">
+            <a:off x="3180274" y="3429000"/>
+            <a:ext cx="4749856" cy="2441020"/>
+          </a:xfrm>
+          <a:prstGeom prst="line">
+            <a:avLst/>
+          </a:prstGeom>
+          <a:ln>
+            <a:prstDash val="dash"/>
+          </a:ln>
+        </p:spPr>
+        <p:style>
+          <a:lnRef idx="2">
+            <a:schemeClr val="accent4"/>
+          </a:lnRef>
+          <a:fillRef idx="0">
+            <a:schemeClr val="accent4"/>
+          </a:fillRef>
+          <a:effectRef idx="1">
+            <a:schemeClr val="accent4"/>
+          </a:effectRef>
+          <a:fontRef idx="minor">
+            <a:schemeClr val="tx1"/>
+          </a:fontRef>
+        </p:style>
+      </p:cxnSp>
     </p:spTree>
     <p:extLst>
       <p:ext uri="{BB962C8B-B14F-4D97-AF65-F5344CB8AC3E}">
@@ -11335,17 +11819,33 @@
           <a:lstStyle/>
           <a:p>
             <a:r>
-              <a:rPr kumimoji="1" lang="ja-JP" altLang="en-US"/>
-              <a:t>別途、</a:t>
-            </a:r>
-            <a:r>
-              <a:rPr kumimoji="1" lang="en-US" altLang="ja-JP" dirty="0"/>
-              <a:t>.md</a:t>
-            </a:r>
-            <a:r>
-              <a:rPr kumimoji="1" lang="ja-JP" altLang="en-US"/>
-              <a:t>ファイルに詳細書いたので、それベースで説明します。</a:t>
-            </a:r>
+              <a:rPr lang="ja-JP" altLang="en-US" dirty="0"/>
+              <a:t>別冊</a:t>
+            </a:r>
+            <a:r>
+              <a:rPr lang="en-US" altLang="ja-JP" dirty="0"/>
+              <a:t>『</a:t>
+            </a:r>
+            <a:r>
+              <a:rPr lang="en-US" altLang="ja-JP" dirty="0" err="1"/>
+              <a:t>ProtocolBuffers</a:t>
+            </a:r>
+            <a:r>
+              <a:rPr lang="ja-JP" altLang="en-US" dirty="0"/>
+              <a:t>について</a:t>
+            </a:r>
+            <a:r>
+              <a:rPr lang="en-US" altLang="ja-JP" dirty="0"/>
+              <a:t>.md』 </a:t>
+            </a:r>
+            <a:r>
+              <a:rPr kumimoji="1" lang="ja-JP" altLang="en-US" dirty="0"/>
+              <a:t>にて説明します。</a:t>
+            </a:r>
+            <a:endParaRPr kumimoji="1" lang="en-US" altLang="ja-JP" dirty="0"/>
+          </a:p>
+          <a:p>
+            <a:endParaRPr kumimoji="1" lang="ja-JP" altLang="en-US" dirty="0"/>
           </a:p>
         </p:txBody>
       </p:sp>
@@ -11470,31 +11970,67 @@
               <a:rPr lang="ja-JP" altLang="en-US" dirty="0"/>
               <a:t>接続で複数のリクエストを並列処理できます</a:t>
             </a:r>
-            <a:endParaRPr lang="en-US" altLang="ja-JP" dirty="0"/>
-          </a:p>
-          <a:p>
-            <a:endParaRPr lang="ja-JP" altLang="en-US" dirty="0"/>
           </a:p>
           <a:p>
             <a:r>
               <a:rPr lang="ja-JP" altLang="en-US" dirty="0"/>
               <a:t>ヘッダー圧縮によりオーバーヘッドが削減されます</a:t>
             </a:r>
+          </a:p>
+          <a:p>
+            <a:r>
+              <a:rPr lang="ja-JP" altLang="en-US" dirty="0"/>
+              <a:t>双方向ストリーミングをサポートしています</a:t>
+            </a:r>
             <a:endParaRPr lang="en-US" altLang="ja-JP" dirty="0"/>
           </a:p>
           <a:p>
-            <a:endParaRPr lang="ja-JP" altLang="en-US" dirty="0"/>
-          </a:p>
-          <a:p>
-            <a:r>
-              <a:rPr lang="ja-JP" altLang="en-US" dirty="0"/>
-              <a:t>双方向ストリーミングをサポート</a:t>
-            </a:r>
-            <a:r>
-              <a:rPr lang="ja-JP" altLang="en-US"/>
-              <a:t>しています</a:t>
-            </a:r>
-            <a:endParaRPr lang="en-US" altLang="ja-JP" dirty="0"/>
+            <a:pPr marL="0" indent="0">
+              <a:buNone/>
+            </a:pPr>
+            <a:r>
+              <a:rPr lang="ja-JP" altLang="en-US" sz="1400" dirty="0">
+                <a:hlinkClick r:id="rId2"/>
+              </a:rPr>
+              <a:t>マイクロサービス間通信における</a:t>
+            </a:r>
+            <a:r>
+              <a:rPr lang="en-US" altLang="ja-JP" sz="1400" dirty="0" err="1">
+                <a:hlinkClick r:id="rId2"/>
+              </a:rPr>
+              <a:t>gRPC</a:t>
+            </a:r>
+            <a:r>
+              <a:rPr lang="ja-JP" altLang="en-US" sz="1400" dirty="0">
+                <a:hlinkClick r:id="rId2"/>
+              </a:rPr>
+              <a:t>と</a:t>
+            </a:r>
+            <a:r>
+              <a:rPr lang="en-US" altLang="ja-JP" sz="1400" dirty="0">
+                <a:hlinkClick r:id="rId2"/>
+              </a:rPr>
+              <a:t>REST</a:t>
+            </a:r>
+            <a:r>
+              <a:rPr lang="ja-JP" altLang="en-US" sz="1400" dirty="0">
+                <a:hlinkClick r:id="rId2"/>
+              </a:rPr>
+              <a:t>の比較 </a:t>
+            </a:r>
+            <a:r>
+              <a:rPr lang="en-US" altLang="ja-JP" sz="1400" dirty="0">
+                <a:hlinkClick r:id="rId2"/>
+              </a:rPr>
+              <a:t>#REST-API – </a:t>
+            </a:r>
+            <a:r>
+              <a:rPr lang="en-US" altLang="ja-JP" sz="1400" dirty="0" err="1">
+                <a:hlinkClick r:id="rId2"/>
+              </a:rPr>
+              <a:t>Qiita</a:t>
+            </a:r>
+            <a:endParaRPr lang="en-US" altLang="ja-JP" sz="1400" dirty="0"/>
           </a:p>
           <a:p>
             <a:pPr marL="0" indent="0">
@@ -11552,6 +12088,36 @@
           </a:p>
         </p:txBody>
       </p:sp>
+      <p:pic>
+        <p:nvPicPr>
+          <p:cNvPr id="4" name="図 3">
+            <a:extLst>
+              <a:ext uri="{FF2B5EF4-FFF2-40B4-BE49-F238E27FC236}">
+                <a16:creationId xmlns:a16="http://schemas.microsoft.com/office/drawing/2014/main" id="{30DCB294-C1AF-1E24-2EA1-B22AEA239D57}"/>
+              </a:ext>
+            </a:extLst>
+          </p:cNvPr>
+          <p:cNvPicPr>
+            <a:picLocks noChangeAspect="1"/>
+          </p:cNvPicPr>
+          <p:nvPr/>
+        </p:nvPicPr>
+        <p:blipFill>
+          <a:blip r:embed="rId3"/>
+          <a:stretch>
+            <a:fillRect/>
+          </a:stretch>
+        </p:blipFill>
+        <p:spPr>
+          <a:xfrm>
+            <a:off x="1251871" y="3617844"/>
+            <a:ext cx="4182019" cy="2285651"/>
+          </a:xfrm>
+          <a:prstGeom prst="rect">
+            <a:avLst/>
+          </a:prstGeom>
+        </p:spPr>
+      </p:pic>
     </p:spTree>
     <p:extLst>
       <p:ext uri="{BB962C8B-B14F-4D97-AF65-F5344CB8AC3E}">

--- a/raspberry-pi-report/gRPCについて.pptx
+++ b/raspberry-pi-report/gRPCについて.pptx
@@ -15,8 +15,8 @@
     <p:sldId id="288" r:id="rId6"/>
     <p:sldId id="294" r:id="rId7"/>
     <p:sldId id="290" r:id="rId8"/>
-    <p:sldId id="292" r:id="rId9"/>
-    <p:sldId id="286" r:id="rId10"/>
+    <p:sldId id="286" r:id="rId9"/>
+    <p:sldId id="292" r:id="rId10"/>
     <p:sldId id="299" r:id="rId11"/>
     <p:sldId id="287" r:id="rId12"/>
     <p:sldId id="291" r:id="rId13"/>
@@ -1726,6 +1726,43 @@
     </pc:docChg>
   </pc:docChgLst>
   <pc:docChgLst>
+    <pc:chgData name="Yoshiharu Hamaguchi" userId="470e288704938fe9" providerId="LiveId" clId="{7FF04D8D-0E5C-4D85-91C7-38CEECAF421B}"/>
+    <pc:docChg chg="delSld modSld">
+      <pc:chgData name="Yoshiharu Hamaguchi" userId="470e288704938fe9" providerId="LiveId" clId="{7FF04D8D-0E5C-4D85-91C7-38CEECAF421B}" dt="2024-08-30T00:39:52.340" v="69" actId="47"/>
+      <pc:docMkLst>
+        <pc:docMk/>
+      </pc:docMkLst>
+      <pc:sldChg chg="modSp mod">
+        <pc:chgData name="Yoshiharu Hamaguchi" userId="470e288704938fe9" providerId="LiveId" clId="{7FF04D8D-0E5C-4D85-91C7-38CEECAF421B}" dt="2024-08-30T00:31:13.672" v="66" actId="6549"/>
+        <pc:sldMkLst>
+          <pc:docMk/>
+          <pc:sldMk cId="634982452" sldId="256"/>
+        </pc:sldMkLst>
+      </pc:sldChg>
+      <pc:sldChg chg="del">
+        <pc:chgData name="Yoshiharu Hamaguchi" userId="470e288704938fe9" providerId="LiveId" clId="{7FF04D8D-0E5C-4D85-91C7-38CEECAF421B}" dt="2024-08-30T00:39:52.340" v="69" actId="47"/>
+        <pc:sldMkLst>
+          <pc:docMk/>
+          <pc:sldMk cId="3586103662" sldId="259"/>
+        </pc:sldMkLst>
+      </pc:sldChg>
+      <pc:sldChg chg="del">
+        <pc:chgData name="Yoshiharu Hamaguchi" userId="470e288704938fe9" providerId="LiveId" clId="{7FF04D8D-0E5C-4D85-91C7-38CEECAF421B}" dt="2024-08-30T00:39:51.276" v="67" actId="47"/>
+        <pc:sldMkLst>
+          <pc:docMk/>
+          <pc:sldMk cId="3422986759" sldId="260"/>
+        </pc:sldMkLst>
+      </pc:sldChg>
+      <pc:sldChg chg="del">
+        <pc:chgData name="Yoshiharu Hamaguchi" userId="470e288704938fe9" providerId="LiveId" clId="{7FF04D8D-0E5C-4D85-91C7-38CEECAF421B}" dt="2024-08-30T00:39:51.823" v="68" actId="47"/>
+        <pc:sldMkLst>
+          <pc:docMk/>
+          <pc:sldMk cId="1265752602" sldId="261"/>
+        </pc:sldMkLst>
+      </pc:sldChg>
+    </pc:docChg>
+  </pc:docChgLst>
+  <pc:docChgLst>
     <pc:chgData name="Yoshiharu Hamaguchi" userId="470e288704938fe9" providerId="LiveId" clId="{70332866-803F-45E9-A120-6101FBB807E0}"/>
     <pc:docChg chg="undo custSel addSld delSld modSld">
       <pc:chgData name="Yoshiharu Hamaguchi" userId="470e288704938fe9" providerId="LiveId" clId="{70332866-803F-45E9-A120-6101FBB807E0}" dt="2025-09-08T14:56:44.792" v="4266"/>
@@ -1997,43 +2034,6 @@
             <ac:spMk id="12" creationId="{E944DFBB-A102-FEAA-D487-BCBEE3A4BD63}"/>
           </ac:spMkLst>
         </pc:spChg>
-      </pc:sldChg>
-    </pc:docChg>
-  </pc:docChgLst>
-  <pc:docChgLst>
-    <pc:chgData name="Yoshiharu Hamaguchi" userId="470e288704938fe9" providerId="LiveId" clId="{7FF04D8D-0E5C-4D85-91C7-38CEECAF421B}"/>
-    <pc:docChg chg="delSld modSld">
-      <pc:chgData name="Yoshiharu Hamaguchi" userId="470e288704938fe9" providerId="LiveId" clId="{7FF04D8D-0E5C-4D85-91C7-38CEECAF421B}" dt="2024-08-30T00:39:52.340" v="69" actId="47"/>
-      <pc:docMkLst>
-        <pc:docMk/>
-      </pc:docMkLst>
-      <pc:sldChg chg="modSp mod">
-        <pc:chgData name="Yoshiharu Hamaguchi" userId="470e288704938fe9" providerId="LiveId" clId="{7FF04D8D-0E5C-4D85-91C7-38CEECAF421B}" dt="2024-08-30T00:31:13.672" v="66" actId="6549"/>
-        <pc:sldMkLst>
-          <pc:docMk/>
-          <pc:sldMk cId="634982452" sldId="256"/>
-        </pc:sldMkLst>
-      </pc:sldChg>
-      <pc:sldChg chg="del">
-        <pc:chgData name="Yoshiharu Hamaguchi" userId="470e288704938fe9" providerId="LiveId" clId="{7FF04D8D-0E5C-4D85-91C7-38CEECAF421B}" dt="2024-08-30T00:39:52.340" v="69" actId="47"/>
-        <pc:sldMkLst>
-          <pc:docMk/>
-          <pc:sldMk cId="3586103662" sldId="259"/>
-        </pc:sldMkLst>
-      </pc:sldChg>
-      <pc:sldChg chg="del">
-        <pc:chgData name="Yoshiharu Hamaguchi" userId="470e288704938fe9" providerId="LiveId" clId="{7FF04D8D-0E5C-4D85-91C7-38CEECAF421B}" dt="2024-08-30T00:39:51.276" v="67" actId="47"/>
-        <pc:sldMkLst>
-          <pc:docMk/>
-          <pc:sldMk cId="3422986759" sldId="260"/>
-        </pc:sldMkLst>
-      </pc:sldChg>
-      <pc:sldChg chg="del">
-        <pc:chgData name="Yoshiharu Hamaguchi" userId="470e288704938fe9" providerId="LiveId" clId="{7FF04D8D-0E5C-4D85-91C7-38CEECAF421B}" dt="2024-08-30T00:39:51.823" v="68" actId="47"/>
-        <pc:sldMkLst>
-          <pc:docMk/>
-          <pc:sldMk cId="1265752602" sldId="261"/>
-        </pc:sldMkLst>
       </pc:sldChg>
     </pc:docChg>
   </pc:docChgLst>
@@ -2217,7 +2217,7 @@
           <a:p>
             <a:fld id="{AE223B80-E8D9-435B-A6E4-76A811B061CC}" type="datetimeFigureOut">
               <a:rPr kumimoji="1" lang="ja-JP" altLang="en-US" smtClean="0"/>
-              <a:t>2025/12/8</a:t>
+              <a:t>2025/12/9</a:t>
             </a:fld>
             <a:endParaRPr kumimoji="1" lang="ja-JP" altLang="en-US"/>
           </a:p>
@@ -2831,7 +2831,7 @@
           <a:p>
             <a:fld id="{9627246E-3903-4E01-B28D-BFF5567D65C3}" type="datetimeFigureOut">
               <a:rPr kumimoji="1" lang="ja-JP" altLang="en-US" smtClean="0"/>
-              <a:t>2025/12/8</a:t>
+              <a:t>2025/12/9</a:t>
             </a:fld>
             <a:endParaRPr kumimoji="1" lang="ja-JP" altLang="en-US"/>
           </a:p>
@@ -3061,7 +3061,7 @@
           <a:p>
             <a:fld id="{9627246E-3903-4E01-B28D-BFF5567D65C3}" type="datetimeFigureOut">
               <a:rPr kumimoji="1" lang="ja-JP" altLang="en-US" smtClean="0"/>
-              <a:t>2025/12/8</a:t>
+              <a:t>2025/12/9</a:t>
             </a:fld>
             <a:endParaRPr kumimoji="1" lang="ja-JP" altLang="en-US"/>
           </a:p>
@@ -3301,7 +3301,7 @@
           <a:p>
             <a:fld id="{9627246E-3903-4E01-B28D-BFF5567D65C3}" type="datetimeFigureOut">
               <a:rPr kumimoji="1" lang="ja-JP" altLang="en-US" smtClean="0"/>
-              <a:t>2025/12/8</a:t>
+              <a:t>2025/12/9</a:t>
             </a:fld>
             <a:endParaRPr kumimoji="1" lang="ja-JP" altLang="en-US"/>
           </a:p>
@@ -3531,7 +3531,7 @@
           <a:p>
             <a:fld id="{9627246E-3903-4E01-B28D-BFF5567D65C3}" type="datetimeFigureOut">
               <a:rPr kumimoji="1" lang="ja-JP" altLang="en-US" smtClean="0"/>
-              <a:t>2025/12/8</a:t>
+              <a:t>2025/12/9</a:t>
             </a:fld>
             <a:endParaRPr kumimoji="1" lang="ja-JP" altLang="en-US"/>
           </a:p>
@@ -3806,7 +3806,7 @@
           <a:p>
             <a:fld id="{9627246E-3903-4E01-B28D-BFF5567D65C3}" type="datetimeFigureOut">
               <a:rPr kumimoji="1" lang="ja-JP" altLang="en-US" smtClean="0"/>
-              <a:t>2025/12/8</a:t>
+              <a:t>2025/12/9</a:t>
             </a:fld>
             <a:endParaRPr kumimoji="1" lang="ja-JP" altLang="en-US"/>
           </a:p>
@@ -4135,7 +4135,7 @@
           <a:p>
             <a:fld id="{9627246E-3903-4E01-B28D-BFF5567D65C3}" type="datetimeFigureOut">
               <a:rPr kumimoji="1" lang="ja-JP" altLang="en-US" smtClean="0"/>
-              <a:t>2025/12/8</a:t>
+              <a:t>2025/12/9</a:t>
             </a:fld>
             <a:endParaRPr kumimoji="1" lang="ja-JP" altLang="en-US"/>
           </a:p>
@@ -4611,7 +4611,7 @@
           <a:p>
             <a:fld id="{9627246E-3903-4E01-B28D-BFF5567D65C3}" type="datetimeFigureOut">
               <a:rPr kumimoji="1" lang="ja-JP" altLang="en-US" smtClean="0"/>
-              <a:t>2025/12/8</a:t>
+              <a:t>2025/12/9</a:t>
             </a:fld>
             <a:endParaRPr kumimoji="1" lang="ja-JP" altLang="en-US"/>
           </a:p>
@@ -4752,7 +4752,7 @@
           <a:p>
             <a:fld id="{9627246E-3903-4E01-B28D-BFF5567D65C3}" type="datetimeFigureOut">
               <a:rPr kumimoji="1" lang="ja-JP" altLang="en-US" smtClean="0"/>
-              <a:t>2025/12/8</a:t>
+              <a:t>2025/12/9</a:t>
             </a:fld>
             <a:endParaRPr kumimoji="1" lang="ja-JP" altLang="en-US"/>
           </a:p>
@@ -4865,7 +4865,7 @@
           <a:p>
             <a:fld id="{9627246E-3903-4E01-B28D-BFF5567D65C3}" type="datetimeFigureOut">
               <a:rPr kumimoji="1" lang="ja-JP" altLang="en-US" smtClean="0"/>
-              <a:t>2025/12/8</a:t>
+              <a:t>2025/12/9</a:t>
             </a:fld>
             <a:endParaRPr kumimoji="1" lang="ja-JP" altLang="en-US"/>
           </a:p>
@@ -5208,7 +5208,7 @@
           <a:p>
             <a:fld id="{9627246E-3903-4E01-B28D-BFF5567D65C3}" type="datetimeFigureOut">
               <a:rPr kumimoji="1" lang="ja-JP" altLang="en-US" smtClean="0"/>
-              <a:t>2025/12/8</a:t>
+              <a:t>2025/12/9</a:t>
             </a:fld>
             <a:endParaRPr kumimoji="1" lang="ja-JP" altLang="en-US"/>
           </a:p>
@@ -5496,7 +5496,7 @@
           <a:p>
             <a:fld id="{9627246E-3903-4E01-B28D-BFF5567D65C3}" type="datetimeFigureOut">
               <a:rPr kumimoji="1" lang="ja-JP" altLang="en-US" smtClean="0"/>
-              <a:t>2025/12/8</a:t>
+              <a:t>2025/12/9</a:t>
             </a:fld>
             <a:endParaRPr kumimoji="1" lang="ja-JP" altLang="en-US"/>
           </a:p>
@@ -5769,7 +5769,7 @@
           <a:p>
             <a:fld id="{9627246E-3903-4E01-B28D-BFF5567D65C3}" type="datetimeFigureOut">
               <a:rPr kumimoji="1" lang="ja-JP" altLang="en-US" smtClean="0"/>
-              <a:t>2025/12/8</a:t>
+              <a:t>2025/12/9</a:t>
             </a:fld>
             <a:endParaRPr kumimoji="1" lang="ja-JP" altLang="en-US"/>
           </a:p>
@@ -6376,25 +6376,123 @@
         </p:spPr>
         <p:txBody>
           <a:bodyPr>
-            <a:normAutofit/>
+            <a:normAutofit fontScale="85000" lnSpcReduction="20000"/>
           </a:bodyPr>
           <a:lstStyle/>
+          <a:p>
+            <a:r>
+              <a:rPr lang="ja-JP" altLang="en-US" sz="2600"/>
+              <a:t>以下の４つの観点で、別ファイル</a:t>
+            </a:r>
+            <a:r>
+              <a:rPr lang="en-US" altLang="ja-JP" sz="2600" dirty="0"/>
+              <a:t>『』</a:t>
+            </a:r>
+            <a:r>
+              <a:rPr lang="ja-JP" altLang="en-US" sz="2600"/>
+              <a:t>でご説明します。</a:t>
+            </a:r>
+            <a:endParaRPr lang="en-US" altLang="ja-JP" sz="2600" dirty="0"/>
+          </a:p>
+          <a:p>
+            <a:endParaRPr lang="en-US" altLang="ja-JP" sz="2600" dirty="0"/>
+          </a:p>
+          <a:p>
+            <a:pPr marL="914400" lvl="1" indent="-457200">
+              <a:buFont typeface="+mj-lt"/>
+              <a:buAutoNum type="arabicPeriod"/>
+            </a:pPr>
+            <a:r>
+              <a:rPr lang="en" altLang="ja-JP" sz="2600" dirty="0" err="1"/>
+              <a:t>gRPC</a:t>
+            </a:r>
+            <a:r>
+              <a:rPr lang="ja-JP" altLang="en-US" sz="2600"/>
+              <a:t>のバイナリフォーマット</a:t>
+            </a:r>
+            <a:endParaRPr lang="en-US" altLang="ja-JP" sz="2600" dirty="0"/>
+          </a:p>
+          <a:p>
+            <a:pPr marL="914400" lvl="1" indent="-457200">
+              <a:buFont typeface="+mj-lt"/>
+              <a:buAutoNum type="arabicPeriod"/>
+            </a:pPr>
+            <a:endParaRPr lang="ja-JP" altLang="en-US" sz="2600"/>
+          </a:p>
+          <a:p>
+            <a:pPr marL="914400" lvl="1" indent="-457200">
+              <a:buFont typeface="+mj-lt"/>
+              <a:buAutoNum type="arabicPeriod"/>
+            </a:pPr>
+            <a:r>
+              <a:rPr lang="en" altLang="ja-JP" sz="2600" dirty="0" err="1"/>
+              <a:t>gRPC</a:t>
+            </a:r>
+            <a:r>
+              <a:rPr lang="ja-JP" altLang="en-US" sz="2600"/>
+              <a:t>の通信シーケンス</a:t>
+            </a:r>
+            <a:endParaRPr lang="en-US" altLang="ja-JP" sz="2600" dirty="0"/>
+          </a:p>
+          <a:p>
+            <a:pPr marL="914400" lvl="1" indent="-457200">
+              <a:buFont typeface="+mj-lt"/>
+              <a:buAutoNum type="arabicPeriod"/>
+            </a:pPr>
+            <a:endParaRPr lang="en-US" altLang="ja-JP" sz="2600" dirty="0"/>
+          </a:p>
+          <a:p>
+            <a:pPr marL="914400" lvl="1" indent="-457200">
+              <a:buFont typeface="+mj-lt"/>
+              <a:buAutoNum type="arabicPeriod"/>
+            </a:pPr>
+            <a:r>
+              <a:rPr lang="en" altLang="ja-JP" sz="2600" dirty="0"/>
+              <a:t>REST API</a:t>
+            </a:r>
+            <a:r>
+              <a:rPr lang="ja-JP" altLang="en-US" sz="2600"/>
+              <a:t>通信シーケンス</a:t>
+            </a:r>
+            <a:endParaRPr lang="en-US" altLang="ja-JP" sz="2600" dirty="0"/>
+          </a:p>
+          <a:p>
+            <a:pPr marL="914400" lvl="1" indent="-457200">
+              <a:buFont typeface="+mj-lt"/>
+              <a:buAutoNum type="arabicPeriod"/>
+            </a:pPr>
+            <a:endParaRPr lang="ja-JP" altLang="en-US" sz="2600"/>
+          </a:p>
+          <a:p>
+            <a:pPr marL="914400" lvl="1" indent="-457200">
+              <a:buFont typeface="+mj-lt"/>
+              <a:buAutoNum type="arabicPeriod"/>
+            </a:pPr>
+            <a:r>
+              <a:rPr lang="en" altLang="ja-JP" sz="2600" dirty="0" err="1"/>
+              <a:t>gRPC</a:t>
+            </a:r>
+            <a:r>
+              <a:rPr lang="en" altLang="ja-JP" sz="2600" dirty="0"/>
+              <a:t> vs REST </a:t>
+            </a:r>
+            <a:r>
+              <a:rPr lang="ja-JP" altLang="en-US" sz="2600"/>
+              <a:t>詳細比較</a:t>
+            </a:r>
+          </a:p>
+          <a:p>
+            <a:pPr lvl="1"/>
+            <a:endParaRPr lang="ja-JP" altLang="en-US" sz="2600" b="1"/>
+          </a:p>
+          <a:p>
+            <a:pPr lvl="1"/>
+            <a:endParaRPr lang="en-US" altLang="ja-JP" dirty="0"/>
+          </a:p>
           <a:p>
             <a:pPr marL="0" indent="0">
               <a:buNone/>
             </a:pPr>
-            <a:r>
-              <a:rPr lang="ja-JP" altLang="en-US" dirty="0"/>
-              <a:t>・</a:t>
-            </a:r>
-            <a:r>
-              <a:rPr lang="en-US" altLang="ja-JP" dirty="0"/>
-              <a:t>REST API</a:t>
-            </a:r>
-            <a:r>
-              <a:rPr lang="ja-JP" altLang="en-US" dirty="0"/>
-              <a:t>とは？</a:t>
-            </a:r>
             <a:endParaRPr lang="en-US" altLang="ja-JP" dirty="0"/>
           </a:p>
           <a:p>
@@ -6402,7 +6500,7 @@
               <a:buNone/>
             </a:pPr>
             <a:r>
-              <a:rPr lang="en-US" altLang="ja-JP"/>
+              <a:rPr lang="en-US" altLang="ja-JP" dirty="0"/>
               <a:t>	</a:t>
             </a:r>
             <a:endParaRPr lang="ja-JP" altLang="en-US" dirty="0"/>
@@ -11770,7 +11868,7 @@
           <p:cNvPr id="2" name="タイトル 1">
             <a:extLst>
               <a:ext uri="{FF2B5EF4-FFF2-40B4-BE49-F238E27FC236}">
-                <a16:creationId xmlns:a16="http://schemas.microsoft.com/office/drawing/2014/main" id="{4278554C-F87F-D2B4-6FA8-D7F2D393903A}"/>
+                <a16:creationId xmlns:a16="http://schemas.microsoft.com/office/drawing/2014/main" id="{9C784ACA-9376-15C6-DD93-68B5D582FADA}"/>
               </a:ext>
             </a:extLst>
           </p:cNvPr>
@@ -11781,28 +11879,36 @@
             <p:ph type="title"/>
           </p:nvPr>
         </p:nvSpPr>
-        <p:spPr/>
+        <p:spPr>
+          <a:xfrm>
+            <a:off x="838200" y="365126"/>
+            <a:ext cx="10515600" cy="891020"/>
+          </a:xfrm>
+        </p:spPr>
         <p:txBody>
-          <a:bodyPr/>
+          <a:bodyPr>
+            <a:normAutofit/>
+          </a:bodyPr>
           <a:lstStyle/>
           <a:p>
             <a:r>
               <a:rPr kumimoji="1" lang="en-US" altLang="ja-JP" dirty="0"/>
-              <a:t>Protocol Buffer </a:t>
+              <a:t>HTTP/2</a:t>
             </a:r>
             <a:r>
               <a:rPr kumimoji="1" lang="ja-JP" altLang="en-US"/>
-              <a:t>のフォーマット</a:t>
-            </a:r>
+              <a:t>ベース</a:t>
+            </a:r>
+            <a:endParaRPr kumimoji="1" lang="ja-JP" altLang="en-US" dirty="0"/>
           </a:p>
         </p:txBody>
       </p:sp>
       <p:sp>
         <p:nvSpPr>
-          <p:cNvPr id="3" name="コンテンツ プレースホルダー 2">
-            <a:extLst>
-              <a:ext uri="{FF2B5EF4-FFF2-40B4-BE49-F238E27FC236}">
-                <a16:creationId xmlns:a16="http://schemas.microsoft.com/office/drawing/2014/main" id="{B576BCAA-0E1E-A36C-797F-5B821CDBB458}"/>
+          <p:cNvPr id="12" name="コンテンツ プレースホルダー 11">
+            <a:extLst>
+              <a:ext uri="{FF2B5EF4-FFF2-40B4-BE49-F238E27FC236}">
+                <a16:creationId xmlns:a16="http://schemas.microsoft.com/office/drawing/2014/main" id="{E944DFBB-A102-FEAA-D487-BCBEE3A4BD63}"/>
               </a:ext>
             </a:extLst>
           </p:cNvPr>
@@ -11813,46 +11919,194 @@
             <p:ph idx="1"/>
           </p:nvPr>
         </p:nvSpPr>
-        <p:spPr/>
+        <p:spPr>
+          <a:xfrm>
+            <a:off x="838200" y="1401417"/>
+            <a:ext cx="10515600" cy="4775546"/>
+          </a:xfrm>
+        </p:spPr>
         <p:txBody>
-          <a:bodyPr/>
+          <a:bodyPr>
+            <a:normAutofit/>
+          </a:bodyPr>
           <a:lstStyle/>
           <a:p>
             <a:r>
+              <a:rPr lang="en-US" altLang="ja-JP" dirty="0"/>
+              <a:t>HTTP/2</a:t>
+            </a:r>
+            <a:r>
               <a:rPr lang="ja-JP" altLang="en-US" dirty="0"/>
-              <a:t>別冊</a:t>
+              <a:t>の多重化機能により</a:t>
             </a:r>
             <a:r>
               <a:rPr lang="en-US" altLang="ja-JP" dirty="0"/>
-              <a:t>『</a:t>
-            </a:r>
-            <a:r>
-              <a:rPr lang="en-US" altLang="ja-JP" dirty="0" err="1"/>
-              <a:t>ProtocolBuffers</a:t>
+              <a:t>1</a:t>
             </a:r>
             <a:r>
               <a:rPr lang="ja-JP" altLang="en-US" dirty="0"/>
-              <a:t>について</a:t>
+              <a:t>つの</a:t>
             </a:r>
             <a:r>
               <a:rPr lang="en-US" altLang="ja-JP" dirty="0"/>
-              <a:t>.md』 </a:t>
-            </a:r>
-            <a:r>
-              <a:rPr kumimoji="1" lang="ja-JP" altLang="en-US" dirty="0"/>
-              <a:t>にて説明します。</a:t>
-            </a:r>
-            <a:endParaRPr kumimoji="1" lang="en-US" altLang="ja-JP" dirty="0"/>
-          </a:p>
-          <a:p>
-            <a:endParaRPr kumimoji="1" lang="ja-JP" altLang="en-US" dirty="0"/>
+              <a:t>TCP</a:t>
+            </a:r>
+            <a:r>
+              <a:rPr lang="ja-JP" altLang="en-US" dirty="0"/>
+              <a:t>接続で複数のリクエストを並列処理できます</a:t>
+            </a:r>
+          </a:p>
+          <a:p>
+            <a:r>
+              <a:rPr lang="ja-JP" altLang="en-US" dirty="0"/>
+              <a:t>ヘッダー圧縮によりオーバーヘッドが削減されます</a:t>
+            </a:r>
+          </a:p>
+          <a:p>
+            <a:r>
+              <a:rPr lang="ja-JP" altLang="en-US" dirty="0"/>
+              <a:t>双方向ストリーミングをサポートしています</a:t>
+            </a:r>
+            <a:endParaRPr lang="en-US" altLang="ja-JP" dirty="0"/>
+          </a:p>
+          <a:p>
+            <a:pPr marL="0" indent="0">
+              <a:buNone/>
+            </a:pPr>
+            <a:r>
+              <a:rPr lang="ja-JP" altLang="en-US" sz="1400" dirty="0">
+                <a:hlinkClick r:id="rId2"/>
+              </a:rPr>
+              <a:t>マイクロサービス間通信における</a:t>
+            </a:r>
+            <a:r>
+              <a:rPr lang="en-US" altLang="ja-JP" sz="1400" dirty="0" err="1">
+                <a:hlinkClick r:id="rId2"/>
+              </a:rPr>
+              <a:t>gRPC</a:t>
+            </a:r>
+            <a:r>
+              <a:rPr lang="ja-JP" altLang="en-US" sz="1400" dirty="0">
+                <a:hlinkClick r:id="rId2"/>
+              </a:rPr>
+              <a:t>と</a:t>
+            </a:r>
+            <a:r>
+              <a:rPr lang="en-US" altLang="ja-JP" sz="1400" dirty="0">
+                <a:hlinkClick r:id="rId2"/>
+              </a:rPr>
+              <a:t>REST</a:t>
+            </a:r>
+            <a:r>
+              <a:rPr lang="ja-JP" altLang="en-US" sz="1400" dirty="0">
+                <a:hlinkClick r:id="rId2"/>
+              </a:rPr>
+              <a:t>の比較 </a:t>
+            </a:r>
+            <a:r>
+              <a:rPr lang="en-US" altLang="ja-JP" sz="1400" dirty="0">
+                <a:hlinkClick r:id="rId2"/>
+              </a:rPr>
+              <a:t>#REST-API – </a:t>
+            </a:r>
+            <a:r>
+              <a:rPr lang="en-US" altLang="ja-JP" sz="1400" dirty="0" err="1">
+                <a:hlinkClick r:id="rId2"/>
+              </a:rPr>
+              <a:t>Qiita</a:t>
+            </a:r>
+            <a:endParaRPr lang="en-US" altLang="ja-JP" sz="1400" dirty="0"/>
+          </a:p>
+          <a:p>
+            <a:pPr marL="0" indent="0">
+              <a:buNone/>
+            </a:pPr>
+            <a:endParaRPr lang="ja-JP" altLang="en-US" dirty="0"/>
+          </a:p>
+          <a:p>
+            <a:pPr marL="0" indent="0">
+              <a:buNone/>
+            </a:pPr>
+            <a:br>
+              <a:rPr lang="ja-JP" altLang="en-US" dirty="0"/>
+            </a:br>
+            <a:endParaRPr lang="ja-JP" altLang="en-US" dirty="0"/>
+          </a:p>
+          <a:p>
+            <a:pPr marL="0" indent="0">
+              <a:buNone/>
+            </a:pPr>
+            <a:endParaRPr lang="en-US" altLang="ja-JP" sz="2400" dirty="0"/>
+          </a:p>
+          <a:p>
+            <a:pPr marL="0" indent="0">
+              <a:buNone/>
+            </a:pPr>
+            <a:endParaRPr lang="en-US" altLang="ja-JP" sz="2400" dirty="0"/>
+          </a:p>
+          <a:p>
+            <a:pPr marL="0" indent="0">
+              <a:buNone/>
+            </a:pPr>
+            <a:endParaRPr lang="en-US" altLang="ja-JP" sz="2400" dirty="0"/>
+          </a:p>
+          <a:p>
+            <a:pPr>
+              <a:buFontTx/>
+              <a:buChar char="-"/>
+            </a:pPr>
+            <a:endParaRPr lang="en-US" altLang="ja-JP" sz="2400" dirty="0"/>
+          </a:p>
+          <a:p>
+            <a:pPr>
+              <a:buFontTx/>
+              <a:buChar char="-"/>
+            </a:pPr>
+            <a:endParaRPr lang="en-US" altLang="ja-JP" sz="2400" dirty="0"/>
+          </a:p>
+          <a:p>
+            <a:pPr>
+              <a:buFontTx/>
+              <a:buChar char="-"/>
+            </a:pPr>
+            <a:endParaRPr lang="en-US" altLang="ja-JP" sz="2400" dirty="0"/>
           </a:p>
         </p:txBody>
       </p:sp>
+      <p:pic>
+        <p:nvPicPr>
+          <p:cNvPr id="4" name="図 3">
+            <a:extLst>
+              <a:ext uri="{FF2B5EF4-FFF2-40B4-BE49-F238E27FC236}">
+                <a16:creationId xmlns:a16="http://schemas.microsoft.com/office/drawing/2014/main" id="{30DCB294-C1AF-1E24-2EA1-B22AEA239D57}"/>
+              </a:ext>
+            </a:extLst>
+          </p:cNvPr>
+          <p:cNvPicPr>
+            <a:picLocks noChangeAspect="1"/>
+          </p:cNvPicPr>
+          <p:nvPr/>
+        </p:nvPicPr>
+        <p:blipFill>
+          <a:blip r:embed="rId3"/>
+          <a:stretch>
+            <a:fillRect/>
+          </a:stretch>
+        </p:blipFill>
+        <p:spPr>
+          <a:xfrm>
+            <a:off x="1251871" y="3617844"/>
+            <a:ext cx="4182019" cy="2285651"/>
+          </a:xfrm>
+          <a:prstGeom prst="rect">
+            <a:avLst/>
+          </a:prstGeom>
+        </p:spPr>
+      </p:pic>
     </p:spTree>
     <p:extLst>
       <p:ext uri="{BB962C8B-B14F-4D97-AF65-F5344CB8AC3E}">
-        <p14:creationId xmlns:p14="http://schemas.microsoft.com/office/powerpoint/2010/main" val="1266644968"/>
+        <p14:creationId xmlns:p14="http://schemas.microsoft.com/office/powerpoint/2010/main" val="4154140404"/>
       </p:ext>
     </p:extLst>
   </p:cSld>
@@ -11884,7 +12138,7 @@
           <p:cNvPr id="2" name="タイトル 1">
             <a:extLst>
               <a:ext uri="{FF2B5EF4-FFF2-40B4-BE49-F238E27FC236}">
-                <a16:creationId xmlns:a16="http://schemas.microsoft.com/office/drawing/2014/main" id="{9C784ACA-9376-15C6-DD93-68B5D582FADA}"/>
+                <a16:creationId xmlns:a16="http://schemas.microsoft.com/office/drawing/2014/main" id="{4278554C-F87F-D2B4-6FA8-D7F2D393903A}"/>
               </a:ext>
             </a:extLst>
           </p:cNvPr>
@@ -11895,35 +12149,28 @@
             <p:ph type="title"/>
           </p:nvPr>
         </p:nvSpPr>
-        <p:spPr>
-          <a:xfrm>
-            <a:off x="838200" y="365126"/>
-            <a:ext cx="10515600" cy="891020"/>
-          </a:xfrm>
-        </p:spPr>
+        <p:spPr/>
         <p:txBody>
-          <a:bodyPr>
-            <a:normAutofit/>
-          </a:bodyPr>
+          <a:bodyPr/>
           <a:lstStyle/>
           <a:p>
             <a:r>
               <a:rPr kumimoji="1" lang="en-US" altLang="ja-JP" dirty="0"/>
-              <a:t>HTTP/2</a:t>
-            </a:r>
-            <a:r>
-              <a:rPr kumimoji="1" lang="ja-JP" altLang="en-US" dirty="0"/>
-              <a:t>ベース</a:t>
+              <a:t>REST API</a:t>
+            </a:r>
+            <a:r>
+              <a:rPr kumimoji="1" lang="ja-JP" altLang="en-US"/>
+              <a:t>との違い</a:t>
             </a:r>
           </a:p>
         </p:txBody>
       </p:sp>
       <p:sp>
         <p:nvSpPr>
-          <p:cNvPr id="12" name="コンテンツ プレースホルダー 11">
-            <a:extLst>
-              <a:ext uri="{FF2B5EF4-FFF2-40B4-BE49-F238E27FC236}">
-                <a16:creationId xmlns:a16="http://schemas.microsoft.com/office/drawing/2014/main" id="{E944DFBB-A102-FEAA-D487-BCBEE3A4BD63}"/>
+          <p:cNvPr id="3" name="コンテンツ プレースホルダー 2">
+            <a:extLst>
+              <a:ext uri="{FF2B5EF4-FFF2-40B4-BE49-F238E27FC236}">
+                <a16:creationId xmlns:a16="http://schemas.microsoft.com/office/drawing/2014/main" id="{B576BCAA-0E1E-A36C-797F-5B821CDBB458}"/>
               </a:ext>
             </a:extLst>
           </p:cNvPr>
@@ -11936,192 +12183,604 @@
         </p:nvSpPr>
         <p:spPr>
           <a:xfrm>
-            <a:off x="838200" y="1401417"/>
-            <a:ext cx="10515600" cy="4775546"/>
+            <a:off x="838200" y="1457325"/>
+            <a:ext cx="10515600" cy="4719638"/>
           </a:xfrm>
         </p:spPr>
         <p:txBody>
           <a:bodyPr>
-            <a:normAutofit/>
+            <a:normAutofit lnSpcReduction="10000"/>
           </a:bodyPr>
           <a:lstStyle/>
           <a:p>
             <a:r>
-              <a:rPr lang="en-US" altLang="ja-JP" dirty="0"/>
-              <a:t>HTTP/2</a:t>
-            </a:r>
-            <a:r>
-              <a:rPr lang="ja-JP" altLang="en-US" dirty="0"/>
-              <a:t>の多重化機能により</a:t>
-            </a:r>
-            <a:r>
-              <a:rPr lang="en-US" altLang="ja-JP" dirty="0"/>
-              <a:t>1</a:t>
-            </a:r>
-            <a:r>
-              <a:rPr lang="ja-JP" altLang="en-US" dirty="0"/>
-              <a:t>つの</a:t>
-            </a:r>
-            <a:r>
-              <a:rPr lang="en-US" altLang="ja-JP" dirty="0"/>
-              <a:t>TCP</a:t>
-            </a:r>
-            <a:r>
-              <a:rPr lang="ja-JP" altLang="en-US" dirty="0"/>
-              <a:t>接続で複数のリクエストを並列処理できます</a:t>
-            </a:r>
-          </a:p>
-          <a:p>
-            <a:r>
-              <a:rPr lang="ja-JP" altLang="en-US" dirty="0"/>
-              <a:t>ヘッダー圧縮によりオーバーヘッドが削減されます</a:t>
-            </a:r>
-          </a:p>
-          <a:p>
-            <a:r>
-              <a:rPr lang="ja-JP" altLang="en-US" dirty="0"/>
-              <a:t>双方向ストリーミングをサポートしています</a:t>
-            </a:r>
-            <a:endParaRPr lang="en-US" altLang="ja-JP" dirty="0"/>
-          </a:p>
-          <a:p>
-            <a:pPr marL="0" indent="0">
-              <a:buNone/>
-            </a:pPr>
-            <a:r>
-              <a:rPr lang="ja-JP" altLang="en-US" sz="1400" dirty="0">
-                <a:hlinkClick r:id="rId2"/>
-              </a:rPr>
-              <a:t>マイクロサービス間通信における</a:t>
-            </a:r>
-            <a:r>
-              <a:rPr lang="en-US" altLang="ja-JP" sz="1400" dirty="0" err="1">
-                <a:hlinkClick r:id="rId2"/>
-              </a:rPr>
-              <a:t>gRPC</a:t>
-            </a:r>
-            <a:r>
-              <a:rPr lang="ja-JP" altLang="en-US" sz="1400" dirty="0">
-                <a:hlinkClick r:id="rId2"/>
-              </a:rPr>
-              <a:t>と</a:t>
-            </a:r>
-            <a:r>
-              <a:rPr lang="en-US" altLang="ja-JP" sz="1400" dirty="0">
-                <a:hlinkClick r:id="rId2"/>
-              </a:rPr>
-              <a:t>REST</a:t>
-            </a:r>
-            <a:r>
-              <a:rPr lang="ja-JP" altLang="en-US" sz="1400" dirty="0">
-                <a:hlinkClick r:id="rId2"/>
-              </a:rPr>
-              <a:t>の比較 </a:t>
-            </a:r>
-            <a:r>
-              <a:rPr lang="en-US" altLang="ja-JP" sz="1400" dirty="0">
-                <a:hlinkClick r:id="rId2"/>
-              </a:rPr>
-              <a:t>#REST-API – </a:t>
-            </a:r>
-            <a:r>
-              <a:rPr lang="en-US" altLang="ja-JP" sz="1400" dirty="0" err="1">
-                <a:hlinkClick r:id="rId2"/>
-              </a:rPr>
-              <a:t>Qiita</a:t>
-            </a:r>
-            <a:endParaRPr lang="en-US" altLang="ja-JP" sz="1400" dirty="0"/>
-          </a:p>
-          <a:p>
-            <a:pPr marL="0" indent="0">
-              <a:buNone/>
-            </a:pPr>
-            <a:endParaRPr lang="ja-JP" altLang="en-US" dirty="0"/>
-          </a:p>
-          <a:p>
-            <a:pPr marL="0" indent="0">
-              <a:buNone/>
-            </a:pPr>
-            <a:br>
-              <a:rPr lang="ja-JP" altLang="en-US" dirty="0"/>
-            </a:br>
-            <a:endParaRPr lang="ja-JP" altLang="en-US" dirty="0"/>
-          </a:p>
-          <a:p>
-            <a:pPr marL="0" indent="0">
-              <a:buNone/>
-            </a:pPr>
+              <a:rPr lang="en" altLang="ja-JP" sz="2400" dirty="0"/>
+              <a:t>REST API</a:t>
+            </a:r>
+            <a:r>
+              <a:rPr lang="ja-JP" altLang="en-US" sz="2400"/>
+              <a:t>は、</a:t>
+            </a:r>
+            <a:r>
+              <a:rPr lang="en" altLang="ja-JP" sz="2400" dirty="0"/>
+              <a:t>HTTP</a:t>
+            </a:r>
+            <a:r>
+              <a:rPr lang="ja-JP" altLang="en-US" sz="2400"/>
+              <a:t>プロトコルを使ってリソース（データ）を操作するための</a:t>
+            </a:r>
+            <a:r>
+              <a:rPr lang="en" altLang="ja-JP" sz="2400" dirty="0"/>
+              <a:t>Web API</a:t>
+            </a:r>
+            <a:r>
+              <a:rPr lang="ja-JP" altLang="en-US" sz="2400"/>
+              <a:t>設計スタイルです。</a:t>
+            </a:r>
             <a:endParaRPr lang="en-US" altLang="ja-JP" sz="2400" dirty="0"/>
           </a:p>
           <a:p>
-            <a:pPr marL="0" indent="0">
-              <a:buNone/>
-            </a:pPr>
             <a:endParaRPr lang="en-US" altLang="ja-JP" sz="2400" dirty="0"/>
           </a:p>
           <a:p>
-            <a:pPr marL="0" indent="0">
-              <a:buNone/>
-            </a:pPr>
-            <a:endParaRPr lang="en-US" altLang="ja-JP" sz="2400" dirty="0"/>
-          </a:p>
-          <a:p>
-            <a:pPr>
-              <a:buFontTx/>
-              <a:buChar char="-"/>
-            </a:pPr>
-            <a:endParaRPr lang="en-US" altLang="ja-JP" sz="2400" dirty="0"/>
-          </a:p>
-          <a:p>
-            <a:pPr>
-              <a:buFontTx/>
-              <a:buChar char="-"/>
-            </a:pPr>
-            <a:endParaRPr lang="en-US" altLang="ja-JP" sz="2400" dirty="0"/>
-          </a:p>
-          <a:p>
-            <a:pPr>
-              <a:buFontTx/>
-              <a:buChar char="-"/>
-            </a:pPr>
-            <a:endParaRPr lang="en-US" altLang="ja-JP" sz="2400" dirty="0"/>
+            <a:r>
+              <a:rPr lang="ja-JP" altLang="en-US" sz="2400" b="1"/>
+              <a:t>基本的な考え方</a:t>
+            </a:r>
+          </a:p>
+          <a:p>
+            <a:pPr lvl="1"/>
+            <a:r>
+              <a:rPr lang="ja-JP" altLang="en-US" sz="2000"/>
+              <a:t>リソース指向</a:t>
+            </a:r>
+            <a:r>
+              <a:rPr lang="en-US" altLang="ja-JP" sz="2000" dirty="0"/>
+              <a:t>: </a:t>
+            </a:r>
+            <a:r>
+              <a:rPr lang="en" altLang="ja-JP" sz="2000" dirty="0"/>
+              <a:t>URL</a:t>
+            </a:r>
+            <a:r>
+              <a:rPr lang="ja-JP" altLang="en-US" sz="2000"/>
+              <a:t>でリソースを表現</a:t>
+            </a:r>
+            <a:endParaRPr lang="en-US" altLang="ja-JP" sz="2000" dirty="0"/>
+          </a:p>
+          <a:p>
+            <a:pPr lvl="2"/>
+            <a:r>
+              <a:rPr lang="ja-JP" altLang="en-US" sz="1600"/>
+              <a:t> </a:t>
+            </a:r>
+            <a:r>
+              <a:rPr lang="en-US" altLang="ja-JP" sz="1600" dirty="0"/>
+              <a:t>/</a:t>
+            </a:r>
+            <a:r>
+              <a:rPr lang="en" altLang="ja-JP" sz="1600" dirty="0"/>
+              <a:t>users/123</a:t>
+            </a:r>
+          </a:p>
+          <a:p>
+            <a:pPr lvl="1"/>
+            <a:r>
+              <a:rPr lang="en" altLang="ja-JP" sz="2000" dirty="0"/>
+              <a:t>HTTP</a:t>
+            </a:r>
+            <a:r>
+              <a:rPr lang="ja-JP" altLang="en-US" sz="2000"/>
+              <a:t>メソッドで操作を表現</a:t>
+            </a:r>
+            <a:r>
+              <a:rPr lang="en-US" altLang="ja-JP" sz="2000" dirty="0"/>
+              <a:t>: </a:t>
+            </a:r>
+          </a:p>
+          <a:p>
+            <a:pPr lvl="2"/>
+            <a:r>
+              <a:rPr lang="en" altLang="ja-JP" sz="1800" dirty="0"/>
+              <a:t>GET - </a:t>
+            </a:r>
+            <a:r>
+              <a:rPr lang="ja-JP" altLang="en-US" sz="1800"/>
+              <a:t>取得</a:t>
+            </a:r>
+          </a:p>
+          <a:p>
+            <a:pPr lvl="2"/>
+            <a:r>
+              <a:rPr lang="en" altLang="ja-JP" sz="1800" dirty="0"/>
+              <a:t>POST - </a:t>
+            </a:r>
+            <a:r>
+              <a:rPr lang="ja-JP" altLang="en-US" sz="1800"/>
+              <a:t>作成</a:t>
+            </a:r>
+          </a:p>
+          <a:p>
+            <a:pPr lvl="2"/>
+            <a:r>
+              <a:rPr lang="en" altLang="ja-JP" sz="1800" dirty="0"/>
+              <a:t>PUT - </a:t>
+            </a:r>
+            <a:r>
+              <a:rPr lang="ja-JP" altLang="en-US" sz="1800"/>
+              <a:t>更新</a:t>
+            </a:r>
+          </a:p>
+          <a:p>
+            <a:pPr lvl="2"/>
+            <a:r>
+              <a:rPr lang="en" altLang="ja-JP" sz="1800" dirty="0"/>
+              <a:t>DELETE - </a:t>
+            </a:r>
+            <a:r>
+              <a:rPr lang="ja-JP" altLang="en-US" sz="1800"/>
+              <a:t>削除</a:t>
+            </a:r>
+            <a:endParaRPr lang="en-US" altLang="ja-JP" sz="1800" dirty="0"/>
+          </a:p>
+          <a:p>
+            <a:pPr lvl="2"/>
+            <a:endParaRPr lang="ja-JP" altLang="en-US" sz="1800"/>
+          </a:p>
+          <a:p>
+            <a:r>
+              <a:rPr lang="ja-JP" altLang="en-US" sz="2400" b="1"/>
+              <a:t>ステートレス</a:t>
+            </a:r>
+            <a:r>
+              <a:rPr lang="en-US" altLang="ja-JP" sz="2400" b="1" dirty="0"/>
+              <a:t>: </a:t>
+            </a:r>
+            <a:r>
+              <a:rPr lang="ja-JP" altLang="en-US" sz="2400"/>
+              <a:t>サーバーはリクエスト間で状態を保持しない</a:t>
+            </a:r>
+          </a:p>
+          <a:p>
+            <a:r>
+              <a:rPr lang="ja-JP" altLang="en-US" sz="2400" b="1"/>
+              <a:t>データ形式</a:t>
+            </a:r>
+            <a:r>
+              <a:rPr lang="en-US" altLang="ja-JP" sz="2400" b="1" dirty="0"/>
+              <a:t>: </a:t>
+            </a:r>
+            <a:r>
+              <a:rPr lang="ja-JP" altLang="en-US" sz="2400"/>
+              <a:t>主に</a:t>
+            </a:r>
+            <a:r>
+              <a:rPr lang="en" altLang="ja-JP" sz="2400" dirty="0"/>
+              <a:t>JSON</a:t>
+            </a:r>
+            <a:r>
+              <a:rPr lang="ja-JP" altLang="en" sz="2400"/>
+              <a:t>（</a:t>
+            </a:r>
+            <a:r>
+              <a:rPr lang="ja-JP" altLang="en-US" sz="2400"/>
+              <a:t>時々</a:t>
+            </a:r>
+            <a:r>
+              <a:rPr lang="en" altLang="ja-JP" sz="2400" dirty="0"/>
+              <a:t>XML</a:t>
+            </a:r>
+            <a:r>
+              <a:rPr lang="ja-JP" altLang="en" sz="2400"/>
+              <a:t>）</a:t>
+            </a:r>
+          </a:p>
+          <a:p>
+            <a:endParaRPr kumimoji="1" lang="en-US" altLang="ja-JP" dirty="0"/>
+          </a:p>
+          <a:p>
+            <a:endParaRPr kumimoji="1" lang="ja-JP" altLang="en-US" dirty="0"/>
           </a:p>
         </p:txBody>
       </p:sp>
-      <p:pic>
-        <p:nvPicPr>
-          <p:cNvPr id="4" name="図 3">
-            <a:extLst>
-              <a:ext uri="{FF2B5EF4-FFF2-40B4-BE49-F238E27FC236}">
-                <a16:creationId xmlns:a16="http://schemas.microsoft.com/office/drawing/2014/main" id="{30DCB294-C1AF-1E24-2EA1-B22AEA239D57}"/>
-              </a:ext>
-            </a:extLst>
-          </p:cNvPr>
-          <p:cNvPicPr>
-            <a:picLocks noChangeAspect="1"/>
-          </p:cNvPicPr>
+      <p:sp>
+        <p:nvSpPr>
+          <p:cNvPr id="4" name="コンテンツ プレースホルダー 2">
+            <a:extLst>
+              <a:ext uri="{FF2B5EF4-FFF2-40B4-BE49-F238E27FC236}">
+                <a16:creationId xmlns:a16="http://schemas.microsoft.com/office/drawing/2014/main" id="{A0F08050-CB0C-2562-C666-CA9A0793D6E7}"/>
+              </a:ext>
+            </a:extLst>
+          </p:cNvPr>
+          <p:cNvSpPr txBox="1">
+            <a:spLocks/>
+          </p:cNvSpPr>
           <p:nvPr/>
-        </p:nvPicPr>
-        <p:blipFill>
-          <a:blip r:embed="rId3"/>
-          <a:stretch>
-            <a:fillRect/>
-          </a:stretch>
-        </p:blipFill>
+        </p:nvSpPr>
         <p:spPr>
           <a:xfrm>
-            <a:off x="1251871" y="3617844"/>
-            <a:ext cx="4182019" cy="2285651"/>
+            <a:off x="6096000" y="2079389"/>
+            <a:ext cx="5257800" cy="3129434"/>
           </a:xfrm>
           <a:prstGeom prst="rect">
             <a:avLst/>
           </a:prstGeom>
+          <a:solidFill>
+            <a:schemeClr val="accent1">
+              <a:lumMod val="20000"/>
+              <a:lumOff val="80000"/>
+            </a:schemeClr>
+          </a:solidFill>
+          <a:ln>
+            <a:solidFill>
+              <a:schemeClr val="tx2">
+                <a:lumMod val="50000"/>
+                <a:lumOff val="50000"/>
+              </a:schemeClr>
+            </a:solidFill>
+          </a:ln>
         </p:spPr>
-      </p:pic>
+        <p:txBody>
+          <a:bodyPr vert="horz" lIns="91440" tIns="45720" rIns="91440" bIns="45720" rtlCol="0">
+            <a:normAutofit fontScale="55000" lnSpcReduction="20000"/>
+          </a:bodyPr>
+          <a:lstStyle>
+            <a:lvl1pPr marL="228600" indent="-228600" algn="l" defTabSz="914400" rtl="0" eaLnBrk="1" latinLnBrk="0" hangingPunct="1">
+              <a:lnSpc>
+                <a:spcPct val="90000"/>
+              </a:lnSpc>
+              <a:spcBef>
+                <a:spcPts val="1000"/>
+              </a:spcBef>
+              <a:buFont typeface="Arial" panose="020B0604020202020204" pitchFamily="34" charset="0"/>
+              <a:buChar char="•"/>
+              <a:defRPr kumimoji="1" sz="2800" kern="1200">
+                <a:solidFill>
+                  <a:schemeClr val="tx1"/>
+                </a:solidFill>
+                <a:latin typeface="+mn-lt"/>
+                <a:ea typeface="+mn-ea"/>
+                <a:cs typeface="+mn-cs"/>
+              </a:defRPr>
+            </a:lvl1pPr>
+            <a:lvl2pPr marL="685800" indent="-228600" algn="l" defTabSz="914400" rtl="0" eaLnBrk="1" latinLnBrk="0" hangingPunct="1">
+              <a:lnSpc>
+                <a:spcPct val="90000"/>
+              </a:lnSpc>
+              <a:spcBef>
+                <a:spcPts val="500"/>
+              </a:spcBef>
+              <a:buFont typeface="Arial" panose="020B0604020202020204" pitchFamily="34" charset="0"/>
+              <a:buChar char="•"/>
+              <a:defRPr kumimoji="1" sz="2400" kern="1200">
+                <a:solidFill>
+                  <a:schemeClr val="tx1"/>
+                </a:solidFill>
+                <a:latin typeface="+mn-lt"/>
+                <a:ea typeface="+mn-ea"/>
+                <a:cs typeface="+mn-cs"/>
+              </a:defRPr>
+            </a:lvl2pPr>
+            <a:lvl3pPr marL="1143000" indent="-228600" algn="l" defTabSz="914400" rtl="0" eaLnBrk="1" latinLnBrk="0" hangingPunct="1">
+              <a:lnSpc>
+                <a:spcPct val="90000"/>
+              </a:lnSpc>
+              <a:spcBef>
+                <a:spcPts val="500"/>
+              </a:spcBef>
+              <a:buFont typeface="Arial" panose="020B0604020202020204" pitchFamily="34" charset="0"/>
+              <a:buChar char="•"/>
+              <a:defRPr kumimoji="1" sz="2000" kern="1200">
+                <a:solidFill>
+                  <a:schemeClr val="tx1"/>
+                </a:solidFill>
+                <a:latin typeface="+mn-lt"/>
+                <a:ea typeface="+mn-ea"/>
+                <a:cs typeface="+mn-cs"/>
+              </a:defRPr>
+            </a:lvl3pPr>
+            <a:lvl4pPr marL="1600200" indent="-228600" algn="l" defTabSz="914400" rtl="0" eaLnBrk="1" latinLnBrk="0" hangingPunct="1">
+              <a:lnSpc>
+                <a:spcPct val="90000"/>
+              </a:lnSpc>
+              <a:spcBef>
+                <a:spcPts val="500"/>
+              </a:spcBef>
+              <a:buFont typeface="Arial" panose="020B0604020202020204" pitchFamily="34" charset="0"/>
+              <a:buChar char="•"/>
+              <a:defRPr kumimoji="1" sz="1800" kern="1200">
+                <a:solidFill>
+                  <a:schemeClr val="tx1"/>
+                </a:solidFill>
+                <a:latin typeface="+mn-lt"/>
+                <a:ea typeface="+mn-ea"/>
+                <a:cs typeface="+mn-cs"/>
+              </a:defRPr>
+            </a:lvl4pPr>
+            <a:lvl5pPr marL="2057400" indent="-228600" algn="l" defTabSz="914400" rtl="0" eaLnBrk="1" latinLnBrk="0" hangingPunct="1">
+              <a:lnSpc>
+                <a:spcPct val="90000"/>
+              </a:lnSpc>
+              <a:spcBef>
+                <a:spcPts val="500"/>
+              </a:spcBef>
+              <a:buFont typeface="Arial" panose="020B0604020202020204" pitchFamily="34" charset="0"/>
+              <a:buChar char="•"/>
+              <a:defRPr kumimoji="1" sz="1800" kern="1200">
+                <a:solidFill>
+                  <a:schemeClr val="tx1"/>
+                </a:solidFill>
+                <a:latin typeface="+mn-lt"/>
+                <a:ea typeface="+mn-ea"/>
+                <a:cs typeface="+mn-cs"/>
+              </a:defRPr>
+            </a:lvl5pPr>
+            <a:lvl6pPr marL="2514600" indent="-228600" algn="l" defTabSz="914400" rtl="0" eaLnBrk="1" latinLnBrk="0" hangingPunct="1">
+              <a:lnSpc>
+                <a:spcPct val="90000"/>
+              </a:lnSpc>
+              <a:spcBef>
+                <a:spcPts val="500"/>
+              </a:spcBef>
+              <a:buFont typeface="Arial" panose="020B0604020202020204" pitchFamily="34" charset="0"/>
+              <a:buChar char="•"/>
+              <a:defRPr kumimoji="1" sz="1800" kern="1200">
+                <a:solidFill>
+                  <a:schemeClr val="tx1"/>
+                </a:solidFill>
+                <a:latin typeface="+mn-lt"/>
+                <a:ea typeface="+mn-ea"/>
+                <a:cs typeface="+mn-cs"/>
+              </a:defRPr>
+            </a:lvl6pPr>
+            <a:lvl7pPr marL="2971800" indent="-228600" algn="l" defTabSz="914400" rtl="0" eaLnBrk="1" latinLnBrk="0" hangingPunct="1">
+              <a:lnSpc>
+                <a:spcPct val="90000"/>
+              </a:lnSpc>
+              <a:spcBef>
+                <a:spcPts val="500"/>
+              </a:spcBef>
+              <a:buFont typeface="Arial" panose="020B0604020202020204" pitchFamily="34" charset="0"/>
+              <a:buChar char="•"/>
+              <a:defRPr kumimoji="1" sz="1800" kern="1200">
+                <a:solidFill>
+                  <a:schemeClr val="tx1"/>
+                </a:solidFill>
+                <a:latin typeface="+mn-lt"/>
+                <a:ea typeface="+mn-ea"/>
+                <a:cs typeface="+mn-cs"/>
+              </a:defRPr>
+            </a:lvl7pPr>
+            <a:lvl8pPr marL="3429000" indent="-228600" algn="l" defTabSz="914400" rtl="0" eaLnBrk="1" latinLnBrk="0" hangingPunct="1">
+              <a:lnSpc>
+                <a:spcPct val="90000"/>
+              </a:lnSpc>
+              <a:spcBef>
+                <a:spcPts val="500"/>
+              </a:spcBef>
+              <a:buFont typeface="Arial" panose="020B0604020202020204" pitchFamily="34" charset="0"/>
+              <a:buChar char="•"/>
+              <a:defRPr kumimoji="1" sz="1800" kern="1200">
+                <a:solidFill>
+                  <a:schemeClr val="tx1"/>
+                </a:solidFill>
+                <a:latin typeface="+mn-lt"/>
+                <a:ea typeface="+mn-ea"/>
+                <a:cs typeface="+mn-cs"/>
+              </a:defRPr>
+            </a:lvl8pPr>
+            <a:lvl9pPr marL="3886200" indent="-228600" algn="l" defTabSz="914400" rtl="0" eaLnBrk="1" latinLnBrk="0" hangingPunct="1">
+              <a:lnSpc>
+                <a:spcPct val="90000"/>
+              </a:lnSpc>
+              <a:spcBef>
+                <a:spcPts val="500"/>
+              </a:spcBef>
+              <a:buFont typeface="Arial" panose="020B0604020202020204" pitchFamily="34" charset="0"/>
+              <a:buChar char="•"/>
+              <a:defRPr kumimoji="1" sz="1800" kern="1200">
+                <a:solidFill>
+                  <a:schemeClr val="tx1"/>
+                </a:solidFill>
+                <a:latin typeface="+mn-lt"/>
+                <a:ea typeface="+mn-ea"/>
+                <a:cs typeface="+mn-cs"/>
+              </a:defRPr>
+            </a:lvl9pPr>
+          </a:lstStyle>
+          <a:p>
+            <a:r>
+              <a:rPr lang="en-US" altLang="ja-JP" sz="2000" dirty="0"/>
+              <a:t>GET /</a:t>
+            </a:r>
+            <a:r>
+              <a:rPr lang="en-US" altLang="ja-JP" sz="2000" dirty="0" err="1"/>
+              <a:t>api</a:t>
+            </a:r>
+            <a:r>
+              <a:rPr lang="en-US" altLang="ja-JP" sz="2000" dirty="0"/>
+              <a:t>/users/123</a:t>
+            </a:r>
+          </a:p>
+          <a:p>
+            <a:pPr marL="0" indent="0">
+              <a:buFont typeface="Arial" panose="020B0604020202020204" pitchFamily="34" charset="0"/>
+              <a:buNone/>
+            </a:pPr>
+            <a:r>
+              <a:rPr lang="ja-JP" altLang="en-US" sz="2000"/>
+              <a:t>　　</a:t>
+            </a:r>
+            <a:r>
+              <a:rPr lang="ja-JP" altLang="en-US" sz="2000" dirty="0"/>
+              <a:t>　</a:t>
+            </a:r>
+            <a:r>
+              <a:rPr lang="ja-JP" altLang="en-US" sz="2000"/>
+              <a:t>→</a:t>
+            </a:r>
+            <a:r>
+              <a:rPr lang="en-US" altLang="ja-JP" sz="2000" dirty="0"/>
+              <a:t> </a:t>
+            </a:r>
+            <a:r>
+              <a:rPr lang="ja-JP" altLang="en-US" sz="2000"/>
+              <a:t>ユーザー情報を取得</a:t>
+            </a:r>
+          </a:p>
+          <a:p>
+            <a:endParaRPr lang="ja-JP" altLang="en-US" sz="2000"/>
+          </a:p>
+          <a:p>
+            <a:r>
+              <a:rPr lang="en-US" altLang="ja-JP" sz="2000" dirty="0"/>
+              <a:t>POST /</a:t>
+            </a:r>
+            <a:r>
+              <a:rPr lang="en-US" altLang="ja-JP" sz="2000" dirty="0" err="1"/>
+              <a:t>api</a:t>
+            </a:r>
+            <a:r>
+              <a:rPr lang="en-US" altLang="ja-JP" sz="2000" dirty="0"/>
+              <a:t>/users</a:t>
+            </a:r>
+          </a:p>
+          <a:p>
+            <a:pPr lvl="1"/>
+            <a:r>
+              <a:rPr lang="en-US" altLang="ja-JP" sz="2000" dirty="0"/>
+              <a:t>Body: {"name": "</a:t>
+            </a:r>
+            <a:r>
+              <a:rPr lang="ja-JP" altLang="en-US" sz="2000"/>
+              <a:t>太郎</a:t>
+            </a:r>
+            <a:r>
+              <a:rPr lang="en-US" altLang="ja-JP" sz="2000" dirty="0"/>
+              <a:t>", "email": "</a:t>
+            </a:r>
+            <a:r>
+              <a:rPr lang="en-US" altLang="ja-JP" sz="2000" dirty="0" err="1"/>
+              <a:t>taro@example.com</a:t>
+            </a:r>
+            <a:r>
+              <a:rPr lang="en-US" altLang="ja-JP" sz="2000" dirty="0"/>
+              <a:t>"}</a:t>
+            </a:r>
+          </a:p>
+          <a:p>
+            <a:pPr marL="0" indent="0">
+              <a:buFont typeface="Arial" panose="020B0604020202020204" pitchFamily="34" charset="0"/>
+              <a:buNone/>
+            </a:pPr>
+            <a:r>
+              <a:rPr lang="ja-JP" altLang="en-US" sz="2000"/>
+              <a:t>　　　</a:t>
+            </a:r>
+            <a:r>
+              <a:rPr lang="en-US" altLang="ja-JP" sz="2000" dirty="0"/>
+              <a:t>→ </a:t>
+            </a:r>
+            <a:r>
+              <a:rPr lang="ja-JP" altLang="en-US" sz="2000"/>
+              <a:t>新規ユーザー作成</a:t>
+            </a:r>
+          </a:p>
+          <a:p>
+            <a:endParaRPr lang="ja-JP" altLang="en-US" sz="2000"/>
+          </a:p>
+          <a:p>
+            <a:r>
+              <a:rPr lang="en-US" altLang="ja-JP" sz="2000" dirty="0"/>
+              <a:t>PUT /</a:t>
+            </a:r>
+            <a:r>
+              <a:rPr lang="en-US" altLang="ja-JP" sz="2000" dirty="0" err="1"/>
+              <a:t>api</a:t>
+            </a:r>
+            <a:r>
+              <a:rPr lang="en-US" altLang="ja-JP" sz="2000" dirty="0"/>
+              <a:t>/users/123</a:t>
+            </a:r>
+          </a:p>
+          <a:p>
+            <a:pPr lvl="1"/>
+            <a:r>
+              <a:rPr lang="en-US" altLang="ja-JP" sz="2000" dirty="0"/>
+              <a:t>Body: {"name": "</a:t>
+            </a:r>
+            <a:r>
+              <a:rPr lang="ja-JP" altLang="en-US" sz="2000"/>
+              <a:t>次郎</a:t>
+            </a:r>
+            <a:r>
+              <a:rPr lang="en-US" altLang="ja-JP" sz="2000" dirty="0"/>
+              <a:t>"}</a:t>
+            </a:r>
+          </a:p>
+          <a:p>
+            <a:pPr marL="0" indent="0">
+              <a:buFont typeface="Arial" panose="020B0604020202020204" pitchFamily="34" charset="0"/>
+              <a:buNone/>
+            </a:pPr>
+            <a:r>
+              <a:rPr lang="ja-JP" altLang="en-US" sz="2000"/>
+              <a:t>　　　</a:t>
+            </a:r>
+            <a:r>
+              <a:rPr lang="en-US" altLang="ja-JP" sz="2000" dirty="0"/>
+              <a:t>→ </a:t>
+            </a:r>
+            <a:r>
+              <a:rPr lang="ja-JP" altLang="en-US" sz="2000"/>
+              <a:t>ユーザー情報を更新</a:t>
+            </a:r>
+          </a:p>
+          <a:p>
+            <a:endParaRPr lang="ja-JP" altLang="en-US" sz="2000"/>
+          </a:p>
+          <a:p>
+            <a:r>
+              <a:rPr lang="en-US" altLang="ja-JP" sz="2000" dirty="0"/>
+              <a:t>DELETE /</a:t>
+            </a:r>
+            <a:r>
+              <a:rPr lang="en-US" altLang="ja-JP" sz="2000" dirty="0" err="1"/>
+              <a:t>api</a:t>
+            </a:r>
+            <a:r>
+              <a:rPr lang="en-US" altLang="ja-JP" sz="2000" dirty="0"/>
+              <a:t>/users/123</a:t>
+            </a:r>
+          </a:p>
+          <a:p>
+            <a:pPr marL="0" indent="0">
+              <a:buFont typeface="Arial" panose="020B0604020202020204" pitchFamily="34" charset="0"/>
+              <a:buNone/>
+            </a:pPr>
+            <a:r>
+              <a:rPr lang="ja-JP" altLang="en-US" sz="2000"/>
+              <a:t>　　　</a:t>
+            </a:r>
+            <a:r>
+              <a:rPr lang="en-US" altLang="ja-JP" sz="2000" dirty="0"/>
+              <a:t>→ </a:t>
+            </a:r>
+            <a:r>
+              <a:rPr lang="ja-JP" altLang="en-US" sz="2000"/>
+              <a:t>ユーザーを削除</a:t>
+            </a:r>
+            <a:endParaRPr lang="en-US" altLang="ja-JP" sz="2000" dirty="0"/>
+          </a:p>
+          <a:p>
+            <a:endParaRPr lang="ja-JP" altLang="en-US" dirty="0"/>
+          </a:p>
+        </p:txBody>
+      </p:sp>
     </p:spTree>
     <p:extLst>
       <p:ext uri="{BB962C8B-B14F-4D97-AF65-F5344CB8AC3E}">
-        <p14:creationId xmlns:p14="http://schemas.microsoft.com/office/powerpoint/2010/main" val="4154140404"/>
+        <p14:creationId xmlns:p14="http://schemas.microsoft.com/office/powerpoint/2010/main" val="1266644968"/>
       </p:ext>
     </p:extLst>
   </p:cSld>
